--- a/企画/PowerPoint/企画案２.pptx
+++ b/企画/PowerPoint/企画案２.pptx
@@ -109,6 +109,11 @@
       </a:defRPr>
     </a:lvl9pPr>
   </p:defaultTextStyle>
+  <p:extLst>
+    <p:ext uri="{EFAFB233-063F-42B5-8137-9DF3F51BA10A}">
+      <p15:sldGuideLst xmlns:p15="http://schemas.microsoft.com/office/powerpoint/2012/main"/>
+    </p:ext>
+  </p:extLst>
 </p:presentation>
 </file>
 
@@ -259,7 +264,7 @@
           <a:p>
             <a:fld id="{8909EDFD-5192-413F-86D7-8D7554755D23}" type="datetimeFigureOut">
               <a:rPr kumimoji="1" lang="ja-JP" altLang="en-US" smtClean="0"/>
-              <a:t>2025/4/2</a:t>
+              <a:t>2025/4/9</a:t>
             </a:fld>
             <a:endParaRPr kumimoji="1" lang="ja-JP" altLang="en-US"/>
           </a:p>
@@ -323,476 +328,6 @@
     <p:extLst>
       <p:ext uri="{BB962C8B-B14F-4D97-AF65-F5344CB8AC3E}">
         <p14:creationId xmlns:p14="http://schemas.microsoft.com/office/powerpoint/2010/main" val="1841502214"/>
-      </p:ext>
-    </p:extLst>
-  </p:cSld>
-  <p:clrMapOvr>
-    <a:masterClrMapping/>
-  </p:clrMapOvr>
-</p:sldLayout>
-</file>
-
-<file path=ppt/slideLayouts/slideLayout10.xml><?xml version="1.0" encoding="utf-8"?>
-<p:sldLayout xmlns:a="http://schemas.openxmlformats.org/drawingml/2006/main" xmlns:r="http://schemas.openxmlformats.org/officeDocument/2006/relationships" xmlns:p="http://schemas.openxmlformats.org/presentationml/2006/main" type="vertTx" preserve="1">
-  <p:cSld name="タイトルと縦書きテキスト">
-    <p:spTree>
-      <p:nvGrpSpPr>
-        <p:cNvPr id="1" name=""/>
-        <p:cNvGrpSpPr/>
-        <p:nvPr/>
-      </p:nvGrpSpPr>
-      <p:grpSpPr>
-        <a:xfrm>
-          <a:off x="0" y="0"/>
-          <a:ext cx="0" cy="0"/>
-          <a:chOff x="0" y="0"/>
-          <a:chExt cx="0" cy="0"/>
-        </a:xfrm>
-      </p:grpSpPr>
-      <p:sp>
-        <p:nvSpPr>
-          <p:cNvPr id="2" name="タイトル 1">
-            <a:extLst>
-              <a:ext uri="{FF2B5EF4-FFF2-40B4-BE49-F238E27FC236}">
-                <a16:creationId xmlns:a16="http://schemas.microsoft.com/office/drawing/2014/main" id="{13D9E600-4669-4A77-916B-9CDC8CC53D30}"/>
-              </a:ext>
-            </a:extLst>
-          </p:cNvPr>
-          <p:cNvSpPr>
-            <a:spLocks noGrp="1"/>
-          </p:cNvSpPr>
-          <p:nvPr>
-            <p:ph type="title"/>
-          </p:nvPr>
-        </p:nvSpPr>
-        <p:spPr/>
-        <p:txBody>
-          <a:bodyPr/>
-          <a:lstStyle/>
-          <a:p>
-            <a:r>
-              <a:rPr kumimoji="1" lang="ja-JP" altLang="en-US"/>
-              <a:t>マスター タイトルの書式設定</a:t>
-            </a:r>
-          </a:p>
-        </p:txBody>
-      </p:sp>
-      <p:sp>
-        <p:nvSpPr>
-          <p:cNvPr id="3" name="縦書きテキスト プレースホルダー 2">
-            <a:extLst>
-              <a:ext uri="{FF2B5EF4-FFF2-40B4-BE49-F238E27FC236}">
-                <a16:creationId xmlns:a16="http://schemas.microsoft.com/office/drawing/2014/main" id="{7E540670-2036-4DBA-98DA-C6AF628FD291}"/>
-              </a:ext>
-            </a:extLst>
-          </p:cNvPr>
-          <p:cNvSpPr>
-            <a:spLocks noGrp="1"/>
-          </p:cNvSpPr>
-          <p:nvPr>
-            <p:ph type="body" orient="vert" idx="1"/>
-          </p:nvPr>
-        </p:nvSpPr>
-        <p:spPr/>
-        <p:txBody>
-          <a:bodyPr vert="eaVert"/>
-          <a:lstStyle/>
-          <a:p>
-            <a:pPr lvl="0"/>
-            <a:r>
-              <a:rPr kumimoji="1" lang="ja-JP" altLang="en-US"/>
-              <a:t>マスター テキストの書式設定</a:t>
-            </a:r>
-          </a:p>
-          <a:p>
-            <a:pPr lvl="1"/>
-            <a:r>
-              <a:rPr kumimoji="1" lang="ja-JP" altLang="en-US"/>
-              <a:t>第 </a:t>
-            </a:r>
-            <a:r>
-              <a:rPr kumimoji="1" lang="en-US" altLang="ja-JP"/>
-              <a:t>2 </a:t>
-            </a:r>
-            <a:r>
-              <a:rPr kumimoji="1" lang="ja-JP" altLang="en-US"/>
-              <a:t>レベル</a:t>
-            </a:r>
-          </a:p>
-          <a:p>
-            <a:pPr lvl="2"/>
-            <a:r>
-              <a:rPr kumimoji="1" lang="ja-JP" altLang="en-US"/>
-              <a:t>第 </a:t>
-            </a:r>
-            <a:r>
-              <a:rPr kumimoji="1" lang="en-US" altLang="ja-JP"/>
-              <a:t>3 </a:t>
-            </a:r>
-            <a:r>
-              <a:rPr kumimoji="1" lang="ja-JP" altLang="en-US"/>
-              <a:t>レベル</a:t>
-            </a:r>
-          </a:p>
-          <a:p>
-            <a:pPr lvl="3"/>
-            <a:r>
-              <a:rPr kumimoji="1" lang="ja-JP" altLang="en-US"/>
-              <a:t>第 </a:t>
-            </a:r>
-            <a:r>
-              <a:rPr kumimoji="1" lang="en-US" altLang="ja-JP"/>
-              <a:t>4 </a:t>
-            </a:r>
-            <a:r>
-              <a:rPr kumimoji="1" lang="ja-JP" altLang="en-US"/>
-              <a:t>レベル</a:t>
-            </a:r>
-          </a:p>
-          <a:p>
-            <a:pPr lvl="4"/>
-            <a:r>
-              <a:rPr kumimoji="1" lang="ja-JP" altLang="en-US"/>
-              <a:t>第 </a:t>
-            </a:r>
-            <a:r>
-              <a:rPr kumimoji="1" lang="en-US" altLang="ja-JP"/>
-              <a:t>5 </a:t>
-            </a:r>
-            <a:r>
-              <a:rPr kumimoji="1" lang="ja-JP" altLang="en-US"/>
-              <a:t>レベル</a:t>
-            </a:r>
-          </a:p>
-        </p:txBody>
-      </p:sp>
-      <p:sp>
-        <p:nvSpPr>
-          <p:cNvPr id="4" name="日付プレースホルダー 3">
-            <a:extLst>
-              <a:ext uri="{FF2B5EF4-FFF2-40B4-BE49-F238E27FC236}">
-                <a16:creationId xmlns:a16="http://schemas.microsoft.com/office/drawing/2014/main" id="{BD4B394D-ED41-4D93-96FE-836DE942DD7E}"/>
-              </a:ext>
-            </a:extLst>
-          </p:cNvPr>
-          <p:cNvSpPr>
-            <a:spLocks noGrp="1"/>
-          </p:cNvSpPr>
-          <p:nvPr>
-            <p:ph type="dt" sz="half" idx="10"/>
-          </p:nvPr>
-        </p:nvSpPr>
-        <p:spPr/>
-        <p:txBody>
-          <a:bodyPr/>
-          <a:lstStyle/>
-          <a:p>
-            <a:fld id="{8909EDFD-5192-413F-86D7-8D7554755D23}" type="datetimeFigureOut">
-              <a:rPr kumimoji="1" lang="ja-JP" altLang="en-US" smtClean="0"/>
-              <a:t>2025/4/2</a:t>
-            </a:fld>
-            <a:endParaRPr kumimoji="1" lang="ja-JP" altLang="en-US"/>
-          </a:p>
-        </p:txBody>
-      </p:sp>
-      <p:sp>
-        <p:nvSpPr>
-          <p:cNvPr id="5" name="フッター プレースホルダー 4">
-            <a:extLst>
-              <a:ext uri="{FF2B5EF4-FFF2-40B4-BE49-F238E27FC236}">
-                <a16:creationId xmlns:a16="http://schemas.microsoft.com/office/drawing/2014/main" id="{66BD1A79-9394-41B9-B6B0-053F2BA882FD}"/>
-              </a:ext>
-            </a:extLst>
-          </p:cNvPr>
-          <p:cNvSpPr>
-            <a:spLocks noGrp="1"/>
-          </p:cNvSpPr>
-          <p:nvPr>
-            <p:ph type="ftr" sz="quarter" idx="11"/>
-          </p:nvPr>
-        </p:nvSpPr>
-        <p:spPr/>
-        <p:txBody>
-          <a:bodyPr/>
-          <a:lstStyle/>
-          <a:p>
-            <a:endParaRPr kumimoji="1" lang="ja-JP" altLang="en-US"/>
-          </a:p>
-        </p:txBody>
-      </p:sp>
-      <p:sp>
-        <p:nvSpPr>
-          <p:cNvPr id="6" name="スライド番号プレースホルダー 5">
-            <a:extLst>
-              <a:ext uri="{FF2B5EF4-FFF2-40B4-BE49-F238E27FC236}">
-                <a16:creationId xmlns:a16="http://schemas.microsoft.com/office/drawing/2014/main" id="{8B543BC9-A4C9-40CB-AA60-320737901C42}"/>
-              </a:ext>
-            </a:extLst>
-          </p:cNvPr>
-          <p:cNvSpPr>
-            <a:spLocks noGrp="1"/>
-          </p:cNvSpPr>
-          <p:nvPr>
-            <p:ph type="sldNum" sz="quarter" idx="12"/>
-          </p:nvPr>
-        </p:nvSpPr>
-        <p:spPr/>
-        <p:txBody>
-          <a:bodyPr/>
-          <a:lstStyle/>
-          <a:p>
-            <a:fld id="{131D73D8-14F5-4D69-99A1-794EA162E220}" type="slidenum">
-              <a:rPr kumimoji="1" lang="ja-JP" altLang="en-US" smtClean="0"/>
-              <a:t>‹#›</a:t>
-            </a:fld>
-            <a:endParaRPr kumimoji="1" lang="ja-JP" altLang="en-US"/>
-          </a:p>
-        </p:txBody>
-      </p:sp>
-    </p:spTree>
-    <p:extLst>
-      <p:ext uri="{BB962C8B-B14F-4D97-AF65-F5344CB8AC3E}">
-        <p14:creationId xmlns:p14="http://schemas.microsoft.com/office/powerpoint/2010/main" val="3074236262"/>
-      </p:ext>
-    </p:extLst>
-  </p:cSld>
-  <p:clrMapOvr>
-    <a:masterClrMapping/>
-  </p:clrMapOvr>
-</p:sldLayout>
-</file>
-
-<file path=ppt/slideLayouts/slideLayout11.xml><?xml version="1.0" encoding="utf-8"?>
-<p:sldLayout xmlns:a="http://schemas.openxmlformats.org/drawingml/2006/main" xmlns:r="http://schemas.openxmlformats.org/officeDocument/2006/relationships" xmlns:p="http://schemas.openxmlformats.org/presentationml/2006/main" type="vertTitleAndTx" preserve="1">
-  <p:cSld name="縦書きタイトルと&#10;縦書きテキスト">
-    <p:spTree>
-      <p:nvGrpSpPr>
-        <p:cNvPr id="1" name=""/>
-        <p:cNvGrpSpPr/>
-        <p:nvPr/>
-      </p:nvGrpSpPr>
-      <p:grpSpPr>
-        <a:xfrm>
-          <a:off x="0" y="0"/>
-          <a:ext cx="0" cy="0"/>
-          <a:chOff x="0" y="0"/>
-          <a:chExt cx="0" cy="0"/>
-        </a:xfrm>
-      </p:grpSpPr>
-      <p:sp>
-        <p:nvSpPr>
-          <p:cNvPr id="2" name="縦書きタイトル 1">
-            <a:extLst>
-              <a:ext uri="{FF2B5EF4-FFF2-40B4-BE49-F238E27FC236}">
-                <a16:creationId xmlns:a16="http://schemas.microsoft.com/office/drawing/2014/main" id="{3717BEE9-EF52-445A-9C78-971F6C94CDAD}"/>
-              </a:ext>
-            </a:extLst>
-          </p:cNvPr>
-          <p:cNvSpPr>
-            <a:spLocks noGrp="1"/>
-          </p:cNvSpPr>
-          <p:nvPr>
-            <p:ph type="title" orient="vert"/>
-          </p:nvPr>
-        </p:nvSpPr>
-        <p:spPr>
-          <a:xfrm>
-            <a:off x="8724900" y="365125"/>
-            <a:ext cx="2628900" cy="5811838"/>
-          </a:xfrm>
-        </p:spPr>
-        <p:txBody>
-          <a:bodyPr vert="eaVert"/>
-          <a:lstStyle/>
-          <a:p>
-            <a:r>
-              <a:rPr kumimoji="1" lang="ja-JP" altLang="en-US"/>
-              <a:t>マスター タイトルの書式設定</a:t>
-            </a:r>
-          </a:p>
-        </p:txBody>
-      </p:sp>
-      <p:sp>
-        <p:nvSpPr>
-          <p:cNvPr id="3" name="縦書きテキスト プレースホルダー 2">
-            <a:extLst>
-              <a:ext uri="{FF2B5EF4-FFF2-40B4-BE49-F238E27FC236}">
-                <a16:creationId xmlns:a16="http://schemas.microsoft.com/office/drawing/2014/main" id="{FB69766C-D45A-4BC4-9AA9-5D12D12B1789}"/>
-              </a:ext>
-            </a:extLst>
-          </p:cNvPr>
-          <p:cNvSpPr>
-            <a:spLocks noGrp="1"/>
-          </p:cNvSpPr>
-          <p:nvPr>
-            <p:ph type="body" orient="vert" idx="1"/>
-          </p:nvPr>
-        </p:nvSpPr>
-        <p:spPr>
-          <a:xfrm>
-            <a:off x="838200" y="365125"/>
-            <a:ext cx="7734300" cy="5811838"/>
-          </a:xfrm>
-        </p:spPr>
-        <p:txBody>
-          <a:bodyPr vert="eaVert"/>
-          <a:lstStyle/>
-          <a:p>
-            <a:pPr lvl="0"/>
-            <a:r>
-              <a:rPr kumimoji="1" lang="ja-JP" altLang="en-US"/>
-              <a:t>マスター テキストの書式設定</a:t>
-            </a:r>
-          </a:p>
-          <a:p>
-            <a:pPr lvl="1"/>
-            <a:r>
-              <a:rPr kumimoji="1" lang="ja-JP" altLang="en-US"/>
-              <a:t>第 </a:t>
-            </a:r>
-            <a:r>
-              <a:rPr kumimoji="1" lang="en-US" altLang="ja-JP"/>
-              <a:t>2 </a:t>
-            </a:r>
-            <a:r>
-              <a:rPr kumimoji="1" lang="ja-JP" altLang="en-US"/>
-              <a:t>レベル</a:t>
-            </a:r>
-          </a:p>
-          <a:p>
-            <a:pPr lvl="2"/>
-            <a:r>
-              <a:rPr kumimoji="1" lang="ja-JP" altLang="en-US"/>
-              <a:t>第 </a:t>
-            </a:r>
-            <a:r>
-              <a:rPr kumimoji="1" lang="en-US" altLang="ja-JP"/>
-              <a:t>3 </a:t>
-            </a:r>
-            <a:r>
-              <a:rPr kumimoji="1" lang="ja-JP" altLang="en-US"/>
-              <a:t>レベル</a:t>
-            </a:r>
-          </a:p>
-          <a:p>
-            <a:pPr lvl="3"/>
-            <a:r>
-              <a:rPr kumimoji="1" lang="ja-JP" altLang="en-US"/>
-              <a:t>第 </a:t>
-            </a:r>
-            <a:r>
-              <a:rPr kumimoji="1" lang="en-US" altLang="ja-JP"/>
-              <a:t>4 </a:t>
-            </a:r>
-            <a:r>
-              <a:rPr kumimoji="1" lang="ja-JP" altLang="en-US"/>
-              <a:t>レベル</a:t>
-            </a:r>
-          </a:p>
-          <a:p>
-            <a:pPr lvl="4"/>
-            <a:r>
-              <a:rPr kumimoji="1" lang="ja-JP" altLang="en-US"/>
-              <a:t>第 </a:t>
-            </a:r>
-            <a:r>
-              <a:rPr kumimoji="1" lang="en-US" altLang="ja-JP"/>
-              <a:t>5 </a:t>
-            </a:r>
-            <a:r>
-              <a:rPr kumimoji="1" lang="ja-JP" altLang="en-US"/>
-              <a:t>レベル</a:t>
-            </a:r>
-          </a:p>
-        </p:txBody>
-      </p:sp>
-      <p:sp>
-        <p:nvSpPr>
-          <p:cNvPr id="4" name="日付プレースホルダー 3">
-            <a:extLst>
-              <a:ext uri="{FF2B5EF4-FFF2-40B4-BE49-F238E27FC236}">
-                <a16:creationId xmlns:a16="http://schemas.microsoft.com/office/drawing/2014/main" id="{781F82C3-A4A5-4C6E-AD65-D504EEEC0564}"/>
-              </a:ext>
-            </a:extLst>
-          </p:cNvPr>
-          <p:cNvSpPr>
-            <a:spLocks noGrp="1"/>
-          </p:cNvSpPr>
-          <p:nvPr>
-            <p:ph type="dt" sz="half" idx="10"/>
-          </p:nvPr>
-        </p:nvSpPr>
-        <p:spPr/>
-        <p:txBody>
-          <a:bodyPr/>
-          <a:lstStyle/>
-          <a:p>
-            <a:fld id="{8909EDFD-5192-413F-86D7-8D7554755D23}" type="datetimeFigureOut">
-              <a:rPr kumimoji="1" lang="ja-JP" altLang="en-US" smtClean="0"/>
-              <a:t>2025/4/2</a:t>
-            </a:fld>
-            <a:endParaRPr kumimoji="1" lang="ja-JP" altLang="en-US"/>
-          </a:p>
-        </p:txBody>
-      </p:sp>
-      <p:sp>
-        <p:nvSpPr>
-          <p:cNvPr id="5" name="フッター プレースホルダー 4">
-            <a:extLst>
-              <a:ext uri="{FF2B5EF4-FFF2-40B4-BE49-F238E27FC236}">
-                <a16:creationId xmlns:a16="http://schemas.microsoft.com/office/drawing/2014/main" id="{D95544A3-DB72-4D15-8543-63DC6F213580}"/>
-              </a:ext>
-            </a:extLst>
-          </p:cNvPr>
-          <p:cNvSpPr>
-            <a:spLocks noGrp="1"/>
-          </p:cNvSpPr>
-          <p:nvPr>
-            <p:ph type="ftr" sz="quarter" idx="11"/>
-          </p:nvPr>
-        </p:nvSpPr>
-        <p:spPr/>
-        <p:txBody>
-          <a:bodyPr/>
-          <a:lstStyle/>
-          <a:p>
-            <a:endParaRPr kumimoji="1" lang="ja-JP" altLang="en-US"/>
-          </a:p>
-        </p:txBody>
-      </p:sp>
-      <p:sp>
-        <p:nvSpPr>
-          <p:cNvPr id="6" name="スライド番号プレースホルダー 5">
-            <a:extLst>
-              <a:ext uri="{FF2B5EF4-FFF2-40B4-BE49-F238E27FC236}">
-                <a16:creationId xmlns:a16="http://schemas.microsoft.com/office/drawing/2014/main" id="{1D45D8EB-DC34-4199-8749-583FA647643B}"/>
-              </a:ext>
-            </a:extLst>
-          </p:cNvPr>
-          <p:cNvSpPr>
-            <a:spLocks noGrp="1"/>
-          </p:cNvSpPr>
-          <p:nvPr>
-            <p:ph type="sldNum" sz="quarter" idx="12"/>
-          </p:nvPr>
-        </p:nvSpPr>
-        <p:spPr/>
-        <p:txBody>
-          <a:bodyPr/>
-          <a:lstStyle/>
-          <a:p>
-            <a:fld id="{131D73D8-14F5-4D69-99A1-794EA162E220}" type="slidenum">
-              <a:rPr kumimoji="1" lang="ja-JP" altLang="en-US" smtClean="0"/>
-              <a:t>‹#›</a:t>
-            </a:fld>
-            <a:endParaRPr kumimoji="1" lang="ja-JP" altLang="en-US"/>
-          </a:p>
-        </p:txBody>
-      </p:sp>
-    </p:spTree>
-    <p:extLst>
-      <p:ext uri="{BB962C8B-B14F-4D97-AF65-F5344CB8AC3E}">
-        <p14:creationId xmlns:p14="http://schemas.microsoft.com/office/powerpoint/2010/main" val="3593225612"/>
       </p:ext>
     </p:extLst>
   </p:cSld>
@@ -959,7 +494,7 @@
           <a:p>
             <a:fld id="{8909EDFD-5192-413F-86D7-8D7554755D23}" type="datetimeFigureOut">
               <a:rPr kumimoji="1" lang="ja-JP" altLang="en-US" smtClean="0"/>
-              <a:t>2025/4/2</a:t>
+              <a:t>2025/4/9</a:t>
             </a:fld>
             <a:endParaRPr kumimoji="1" lang="ja-JP" altLang="en-US"/>
           </a:p>
@@ -1033,7 +568,7 @@
 </file>
 
 <file path=ppt/slideLayouts/slideLayout3.xml><?xml version="1.0" encoding="utf-8"?>
-<p:sldLayout xmlns:a="http://schemas.openxmlformats.org/drawingml/2006/main" xmlns:r="http://schemas.openxmlformats.org/officeDocument/2006/relationships" xmlns:p="http://schemas.openxmlformats.org/presentationml/2006/main" type="secHead" preserve="1">
+<p:sldLayout xmlns:a="http://schemas.openxmlformats.org/drawingml/2006/main" xmlns:r="http://schemas.openxmlformats.org/officeDocument/2006/relationships" xmlns:p="http://schemas.openxmlformats.org/presentationml/2006/main" preserve="1" userDrawn="1">
   <p:cSld name="セクション見出し">
     <p:spTree>
       <p:nvGrpSpPr>
@@ -1051,246 +586,94 @@
       </p:grpSpPr>
       <p:sp>
         <p:nvSpPr>
-          <p:cNvPr id="2" name="タイトル 1">
-            <a:extLst>
-              <a:ext uri="{FF2B5EF4-FFF2-40B4-BE49-F238E27FC236}">
-                <a16:creationId xmlns:a16="http://schemas.microsoft.com/office/drawing/2014/main" id="{D1342387-F19D-4A40-8076-5ECE616CC84B}"/>
-              </a:ext>
-            </a:extLst>
-          </p:cNvPr>
-          <p:cNvSpPr>
-            <a:spLocks noGrp="1"/>
-          </p:cNvSpPr>
-          <p:nvPr>
-            <p:ph type="title"/>
-          </p:nvPr>
+          <p:cNvPr id="7" name="正方形/長方形 6">
+            <a:extLst>
+              <a:ext uri="{FF2B5EF4-FFF2-40B4-BE49-F238E27FC236}">
+                <a16:creationId xmlns:a16="http://schemas.microsoft.com/office/drawing/2014/main" id="{AC1206A5-DDEC-44DC-A46D-447301090AEA}"/>
+              </a:ext>
+            </a:extLst>
+          </p:cNvPr>
+          <p:cNvSpPr/>
+          <p:nvPr userDrawn="1"/>
         </p:nvSpPr>
         <p:spPr>
           <a:xfrm>
-            <a:off x="831850" y="1709738"/>
+            <a:off x="0" y="1440000"/>
+            <a:ext cx="12192000" cy="3978000"/>
+          </a:xfrm>
+          <a:prstGeom prst="rect">
+            <a:avLst/>
+          </a:prstGeom>
+          <a:solidFill>
+            <a:srgbClr val="54B235"/>
+          </a:solidFill>
+          <a:ln>
+            <a:noFill/>
+          </a:ln>
+        </p:spPr>
+        <p:style>
+          <a:lnRef idx="2">
+            <a:schemeClr val="accent1">
+              <a:shade val="50000"/>
+            </a:schemeClr>
+          </a:lnRef>
+          <a:fillRef idx="1">
+            <a:schemeClr val="accent1"/>
+          </a:fillRef>
+          <a:effectRef idx="0">
+            <a:schemeClr val="accent1"/>
+          </a:effectRef>
+          <a:fontRef idx="minor">
+            <a:schemeClr val="lt1"/>
+          </a:fontRef>
+        </p:style>
+        <p:txBody>
+          <a:bodyPr rtlCol="0" anchor="ctr"/>
+          <a:lstStyle/>
+          <a:p>
+            <a:pPr algn="ctr"/>
+            <a:endParaRPr kumimoji="1" lang="ja-JP" altLang="en-US"/>
+          </a:p>
+        </p:txBody>
+      </p:sp>
+      <p:sp>
+        <p:nvSpPr>
+          <p:cNvPr id="2" name="タイトル 1">
+            <a:extLst>
+              <a:ext uri="{FF2B5EF4-FFF2-40B4-BE49-F238E27FC236}">
+                <a16:creationId xmlns:a16="http://schemas.microsoft.com/office/drawing/2014/main" id="{D1342387-F19D-4A40-8076-5ECE616CC84B}"/>
+              </a:ext>
+            </a:extLst>
+          </p:cNvPr>
+          <p:cNvSpPr>
+            <a:spLocks noGrp="1"/>
+          </p:cNvSpPr>
+          <p:nvPr>
+            <p:ph type="title"/>
+          </p:nvPr>
+        </p:nvSpPr>
+        <p:spPr>
+          <a:xfrm>
+            <a:off x="838200" y="2002632"/>
             <a:ext cx="10515600" cy="2852737"/>
           </a:xfrm>
         </p:spPr>
         <p:txBody>
-          <a:bodyPr anchor="b"/>
+          <a:bodyPr anchor="ctr"/>
           <a:lstStyle>
-            <a:lvl1pPr>
-              <a:defRPr sz="6000"/>
-            </a:lvl1pPr>
-          </a:lstStyle>
-          <a:p>
-            <a:r>
-              <a:rPr kumimoji="1" lang="ja-JP" altLang="en-US"/>
-              <a:t>マスター タイトルの書式設定</a:t>
-            </a:r>
-          </a:p>
-        </p:txBody>
-      </p:sp>
-      <p:sp>
-        <p:nvSpPr>
-          <p:cNvPr id="3" name="テキスト プレースホルダー 2">
-            <a:extLst>
-              <a:ext uri="{FF2B5EF4-FFF2-40B4-BE49-F238E27FC236}">
-                <a16:creationId xmlns:a16="http://schemas.microsoft.com/office/drawing/2014/main" id="{B613F1AC-BE76-41B2-9B8F-CE61A1133DDC}"/>
-              </a:ext>
-            </a:extLst>
-          </p:cNvPr>
-          <p:cNvSpPr>
-            <a:spLocks noGrp="1"/>
-          </p:cNvSpPr>
-          <p:nvPr>
-            <p:ph type="body" idx="1"/>
-          </p:nvPr>
-        </p:nvSpPr>
-        <p:spPr>
-          <a:xfrm>
-            <a:off x="831850" y="4589463"/>
-            <a:ext cx="10515600" cy="1500187"/>
-          </a:xfrm>
-        </p:spPr>
-        <p:txBody>
-          <a:bodyPr/>
-          <a:lstStyle>
-            <a:lvl1pPr marL="0" indent="0">
-              <a:buNone/>
-              <a:defRPr sz="2400">
+            <a:lvl1pPr algn="ctr">
+              <a:defRPr sz="6000">
                 <a:solidFill>
-                  <a:schemeClr val="tx1">
-                    <a:tint val="75000"/>
-                  </a:schemeClr>
+                  <a:schemeClr val="bg1"/>
                 </a:solidFill>
               </a:defRPr>
             </a:lvl1pPr>
-            <a:lvl2pPr marL="457200" indent="0">
-              <a:buNone/>
-              <a:defRPr sz="2000">
-                <a:solidFill>
-                  <a:schemeClr val="tx1">
-                    <a:tint val="75000"/>
-                  </a:schemeClr>
-                </a:solidFill>
-              </a:defRPr>
-            </a:lvl2pPr>
-            <a:lvl3pPr marL="914400" indent="0">
-              <a:buNone/>
-              <a:defRPr sz="1800">
-                <a:solidFill>
-                  <a:schemeClr val="tx1">
-                    <a:tint val="75000"/>
-                  </a:schemeClr>
-                </a:solidFill>
-              </a:defRPr>
-            </a:lvl3pPr>
-            <a:lvl4pPr marL="1371600" indent="0">
-              <a:buNone/>
-              <a:defRPr sz="1600">
-                <a:solidFill>
-                  <a:schemeClr val="tx1">
-                    <a:tint val="75000"/>
-                  </a:schemeClr>
-                </a:solidFill>
-              </a:defRPr>
-            </a:lvl4pPr>
-            <a:lvl5pPr marL="1828800" indent="0">
-              <a:buNone/>
-              <a:defRPr sz="1600">
-                <a:solidFill>
-                  <a:schemeClr val="tx1">
-                    <a:tint val="75000"/>
-                  </a:schemeClr>
-                </a:solidFill>
-              </a:defRPr>
-            </a:lvl5pPr>
-            <a:lvl6pPr marL="2286000" indent="0">
-              <a:buNone/>
-              <a:defRPr sz="1600">
-                <a:solidFill>
-                  <a:schemeClr val="tx1">
-                    <a:tint val="75000"/>
-                  </a:schemeClr>
-                </a:solidFill>
-              </a:defRPr>
-            </a:lvl6pPr>
-            <a:lvl7pPr marL="2743200" indent="0">
-              <a:buNone/>
-              <a:defRPr sz="1600">
-                <a:solidFill>
-                  <a:schemeClr val="tx1">
-                    <a:tint val="75000"/>
-                  </a:schemeClr>
-                </a:solidFill>
-              </a:defRPr>
-            </a:lvl7pPr>
-            <a:lvl8pPr marL="3200400" indent="0">
-              <a:buNone/>
-              <a:defRPr sz="1600">
-                <a:solidFill>
-                  <a:schemeClr val="tx1">
-                    <a:tint val="75000"/>
-                  </a:schemeClr>
-                </a:solidFill>
-              </a:defRPr>
-            </a:lvl8pPr>
-            <a:lvl9pPr marL="3657600" indent="0">
-              <a:buNone/>
-              <a:defRPr sz="1600">
-                <a:solidFill>
-                  <a:schemeClr val="tx1">
-                    <a:tint val="75000"/>
-                  </a:schemeClr>
-                </a:solidFill>
-              </a:defRPr>
-            </a:lvl9pPr>
           </a:lstStyle>
           <a:p>
-            <a:pPr lvl="0"/>
-            <a:r>
-              <a:rPr kumimoji="1" lang="ja-JP" altLang="en-US"/>
-              <a:t>マスター テキストの書式設定</a:t>
-            </a:r>
-          </a:p>
-        </p:txBody>
-      </p:sp>
-      <p:sp>
-        <p:nvSpPr>
-          <p:cNvPr id="4" name="日付プレースホルダー 3">
-            <a:extLst>
-              <a:ext uri="{FF2B5EF4-FFF2-40B4-BE49-F238E27FC236}">
-                <a16:creationId xmlns:a16="http://schemas.microsoft.com/office/drawing/2014/main" id="{48CFD735-8107-4951-8810-F0C042B5A91F}"/>
-              </a:ext>
-            </a:extLst>
-          </p:cNvPr>
-          <p:cNvSpPr>
-            <a:spLocks noGrp="1"/>
-          </p:cNvSpPr>
-          <p:nvPr>
-            <p:ph type="dt" sz="half" idx="10"/>
-          </p:nvPr>
-        </p:nvSpPr>
-        <p:spPr/>
-        <p:txBody>
-          <a:bodyPr/>
-          <a:lstStyle/>
-          <a:p>
-            <a:fld id="{8909EDFD-5192-413F-86D7-8D7554755D23}" type="datetimeFigureOut">
-              <a:rPr kumimoji="1" lang="ja-JP" altLang="en-US" smtClean="0"/>
-              <a:t>2025/4/2</a:t>
-            </a:fld>
-            <a:endParaRPr kumimoji="1" lang="ja-JP" altLang="en-US"/>
-          </a:p>
-        </p:txBody>
-      </p:sp>
-      <p:sp>
-        <p:nvSpPr>
-          <p:cNvPr id="5" name="フッター プレースホルダー 4">
-            <a:extLst>
-              <a:ext uri="{FF2B5EF4-FFF2-40B4-BE49-F238E27FC236}">
-                <a16:creationId xmlns:a16="http://schemas.microsoft.com/office/drawing/2014/main" id="{FB08368D-BACA-470A-97AD-82483BEA1294}"/>
-              </a:ext>
-            </a:extLst>
-          </p:cNvPr>
-          <p:cNvSpPr>
-            <a:spLocks noGrp="1"/>
-          </p:cNvSpPr>
-          <p:nvPr>
-            <p:ph type="ftr" sz="quarter" idx="11"/>
-          </p:nvPr>
-        </p:nvSpPr>
-        <p:spPr/>
-        <p:txBody>
-          <a:bodyPr/>
-          <a:lstStyle/>
-          <a:p>
-            <a:endParaRPr kumimoji="1" lang="ja-JP" altLang="en-US"/>
-          </a:p>
-        </p:txBody>
-      </p:sp>
-      <p:sp>
-        <p:nvSpPr>
-          <p:cNvPr id="6" name="スライド番号プレースホルダー 5">
-            <a:extLst>
-              <a:ext uri="{FF2B5EF4-FFF2-40B4-BE49-F238E27FC236}">
-                <a16:creationId xmlns:a16="http://schemas.microsoft.com/office/drawing/2014/main" id="{7E1F2D5E-9240-41D5-9431-A2BCC6CCDD58}"/>
-              </a:ext>
-            </a:extLst>
-          </p:cNvPr>
-          <p:cNvSpPr>
-            <a:spLocks noGrp="1"/>
-          </p:cNvSpPr>
-          <p:nvPr>
-            <p:ph type="sldNum" sz="quarter" idx="12"/>
-          </p:nvPr>
-        </p:nvSpPr>
-        <p:spPr/>
-        <p:txBody>
-          <a:bodyPr/>
-          <a:lstStyle/>
-          <a:p>
-            <a:fld id="{131D73D8-14F5-4D69-99A1-794EA162E220}" type="slidenum">
-              <a:rPr kumimoji="1" lang="ja-JP" altLang="en-US" smtClean="0"/>
-              <a:t>‹#›</a:t>
-            </a:fld>
-            <a:endParaRPr kumimoji="1" lang="ja-JP" altLang="en-US"/>
+            <a:r>
+              <a:rPr kumimoji="1" lang="ja-JP" altLang="en-US" dirty="0"/>
+              <a:t>マスター タイトルの書式設定</a:t>
+            </a:r>
           </a:p>
         </p:txBody>
       </p:sp>
@@ -1563,7 +946,7 @@
           <a:p>
             <a:fld id="{8909EDFD-5192-413F-86D7-8D7554755D23}" type="datetimeFigureOut">
               <a:rPr kumimoji="1" lang="ja-JP" altLang="en-US" smtClean="0"/>
-              <a:t>2025/4/2</a:t>
+              <a:t>2025/4/9</a:t>
             </a:fld>
             <a:endParaRPr kumimoji="1" lang="ja-JP" altLang="en-US"/>
           </a:p>
@@ -2039,7 +1422,7 @@
           <a:p>
             <a:fld id="{8909EDFD-5192-413F-86D7-8D7554755D23}" type="datetimeFigureOut">
               <a:rPr kumimoji="1" lang="ja-JP" altLang="en-US" smtClean="0"/>
-              <a:t>2025/4/2</a:t>
+              <a:t>2025/4/9</a:t>
             </a:fld>
             <a:endParaRPr kumimoji="1" lang="ja-JP" altLang="en-US"/>
           </a:p>
@@ -2180,7 +1563,7 @@
           <a:p>
             <a:fld id="{8909EDFD-5192-413F-86D7-8D7554755D23}" type="datetimeFigureOut">
               <a:rPr kumimoji="1" lang="ja-JP" altLang="en-US" smtClean="0"/>
-              <a:t>2025/4/2</a:t>
+              <a:t>2025/4/9</a:t>
             </a:fld>
             <a:endParaRPr kumimoji="1" lang="ja-JP" altLang="en-US"/>
           </a:p>
@@ -2293,7 +1676,7 @@
           <a:p>
             <a:fld id="{8909EDFD-5192-413F-86D7-8D7554755D23}" type="datetimeFigureOut">
               <a:rPr kumimoji="1" lang="ja-JP" altLang="en-US" smtClean="0"/>
-              <a:t>2025/4/2</a:t>
+              <a:t>2025/4/9</a:t>
             </a:fld>
             <a:endParaRPr kumimoji="1" lang="ja-JP" altLang="en-US"/>
           </a:p>
@@ -2366,644 +1749,16 @@
 </p:sldLayout>
 </file>
 
-<file path=ppt/slideLayouts/slideLayout8.xml><?xml version="1.0" encoding="utf-8"?>
-<p:sldLayout xmlns:a="http://schemas.openxmlformats.org/drawingml/2006/main" xmlns:r="http://schemas.openxmlformats.org/officeDocument/2006/relationships" xmlns:p="http://schemas.openxmlformats.org/presentationml/2006/main" type="objTx" preserve="1">
-  <p:cSld name="タイトル付きのコンテンツ">
-    <p:spTree>
-      <p:nvGrpSpPr>
-        <p:cNvPr id="1" name=""/>
-        <p:cNvGrpSpPr/>
-        <p:nvPr/>
-      </p:nvGrpSpPr>
-      <p:grpSpPr>
-        <a:xfrm>
-          <a:off x="0" y="0"/>
-          <a:ext cx="0" cy="0"/>
-          <a:chOff x="0" y="0"/>
-          <a:chExt cx="0" cy="0"/>
-        </a:xfrm>
-      </p:grpSpPr>
-      <p:sp>
-        <p:nvSpPr>
-          <p:cNvPr id="2" name="タイトル 1">
-            <a:extLst>
-              <a:ext uri="{FF2B5EF4-FFF2-40B4-BE49-F238E27FC236}">
-                <a16:creationId xmlns:a16="http://schemas.microsoft.com/office/drawing/2014/main" id="{E4D79F46-9C4C-4E48-89EE-C2730CA5E099}"/>
-              </a:ext>
-            </a:extLst>
-          </p:cNvPr>
-          <p:cNvSpPr>
-            <a:spLocks noGrp="1"/>
-          </p:cNvSpPr>
-          <p:nvPr>
-            <p:ph type="title"/>
-          </p:nvPr>
-        </p:nvSpPr>
-        <p:spPr>
-          <a:xfrm>
-            <a:off x="839788" y="457200"/>
-            <a:ext cx="3932237" cy="1600200"/>
-          </a:xfrm>
-        </p:spPr>
-        <p:txBody>
-          <a:bodyPr anchor="b"/>
-          <a:lstStyle>
-            <a:lvl1pPr>
-              <a:defRPr sz="3200"/>
-            </a:lvl1pPr>
-          </a:lstStyle>
-          <a:p>
-            <a:r>
-              <a:rPr kumimoji="1" lang="ja-JP" altLang="en-US"/>
-              <a:t>マスター タイトルの書式設定</a:t>
-            </a:r>
-          </a:p>
-        </p:txBody>
-      </p:sp>
-      <p:sp>
-        <p:nvSpPr>
-          <p:cNvPr id="3" name="コンテンツ プレースホルダー 2">
-            <a:extLst>
-              <a:ext uri="{FF2B5EF4-FFF2-40B4-BE49-F238E27FC236}">
-                <a16:creationId xmlns:a16="http://schemas.microsoft.com/office/drawing/2014/main" id="{32149D4D-F94F-47C3-9E59-F75CE1325E1B}"/>
-              </a:ext>
-            </a:extLst>
-          </p:cNvPr>
-          <p:cNvSpPr>
-            <a:spLocks noGrp="1"/>
-          </p:cNvSpPr>
-          <p:nvPr>
-            <p:ph idx="1"/>
-          </p:nvPr>
-        </p:nvSpPr>
-        <p:spPr>
-          <a:xfrm>
-            <a:off x="5183188" y="987425"/>
-            <a:ext cx="6172200" cy="4873625"/>
-          </a:xfrm>
-        </p:spPr>
-        <p:txBody>
-          <a:bodyPr/>
-          <a:lstStyle>
-            <a:lvl1pPr>
-              <a:defRPr sz="3200"/>
-            </a:lvl1pPr>
-            <a:lvl2pPr>
-              <a:defRPr sz="2800"/>
-            </a:lvl2pPr>
-            <a:lvl3pPr>
-              <a:defRPr sz="2400"/>
-            </a:lvl3pPr>
-            <a:lvl4pPr>
-              <a:defRPr sz="2000"/>
-            </a:lvl4pPr>
-            <a:lvl5pPr>
-              <a:defRPr sz="2000"/>
-            </a:lvl5pPr>
-            <a:lvl6pPr>
-              <a:defRPr sz="2000"/>
-            </a:lvl6pPr>
-            <a:lvl7pPr>
-              <a:defRPr sz="2000"/>
-            </a:lvl7pPr>
-            <a:lvl8pPr>
-              <a:defRPr sz="2000"/>
-            </a:lvl8pPr>
-            <a:lvl9pPr>
-              <a:defRPr sz="2000"/>
-            </a:lvl9pPr>
-          </a:lstStyle>
-          <a:p>
-            <a:pPr lvl="0"/>
-            <a:r>
-              <a:rPr kumimoji="1" lang="ja-JP" altLang="en-US"/>
-              <a:t>マスター テキストの書式設定</a:t>
-            </a:r>
-          </a:p>
-          <a:p>
-            <a:pPr lvl="1"/>
-            <a:r>
-              <a:rPr kumimoji="1" lang="ja-JP" altLang="en-US"/>
-              <a:t>第 </a:t>
-            </a:r>
-            <a:r>
-              <a:rPr kumimoji="1" lang="en-US" altLang="ja-JP"/>
-              <a:t>2 </a:t>
-            </a:r>
-            <a:r>
-              <a:rPr kumimoji="1" lang="ja-JP" altLang="en-US"/>
-              <a:t>レベル</a:t>
-            </a:r>
-          </a:p>
-          <a:p>
-            <a:pPr lvl="2"/>
-            <a:r>
-              <a:rPr kumimoji="1" lang="ja-JP" altLang="en-US"/>
-              <a:t>第 </a:t>
-            </a:r>
-            <a:r>
-              <a:rPr kumimoji="1" lang="en-US" altLang="ja-JP"/>
-              <a:t>3 </a:t>
-            </a:r>
-            <a:r>
-              <a:rPr kumimoji="1" lang="ja-JP" altLang="en-US"/>
-              <a:t>レベル</a:t>
-            </a:r>
-          </a:p>
-          <a:p>
-            <a:pPr lvl="3"/>
-            <a:r>
-              <a:rPr kumimoji="1" lang="ja-JP" altLang="en-US"/>
-              <a:t>第 </a:t>
-            </a:r>
-            <a:r>
-              <a:rPr kumimoji="1" lang="en-US" altLang="ja-JP"/>
-              <a:t>4 </a:t>
-            </a:r>
-            <a:r>
-              <a:rPr kumimoji="1" lang="ja-JP" altLang="en-US"/>
-              <a:t>レベル</a:t>
-            </a:r>
-          </a:p>
-          <a:p>
-            <a:pPr lvl="4"/>
-            <a:r>
-              <a:rPr kumimoji="1" lang="ja-JP" altLang="en-US"/>
-              <a:t>第 </a:t>
-            </a:r>
-            <a:r>
-              <a:rPr kumimoji="1" lang="en-US" altLang="ja-JP"/>
-              <a:t>5 </a:t>
-            </a:r>
-            <a:r>
-              <a:rPr kumimoji="1" lang="ja-JP" altLang="en-US"/>
-              <a:t>レベル</a:t>
-            </a:r>
-          </a:p>
-        </p:txBody>
-      </p:sp>
-      <p:sp>
-        <p:nvSpPr>
-          <p:cNvPr id="4" name="テキスト プレースホルダー 3">
-            <a:extLst>
-              <a:ext uri="{FF2B5EF4-FFF2-40B4-BE49-F238E27FC236}">
-                <a16:creationId xmlns:a16="http://schemas.microsoft.com/office/drawing/2014/main" id="{C2E3BE1F-976C-4B4D-AC2D-FDE5B7443348}"/>
-              </a:ext>
-            </a:extLst>
-          </p:cNvPr>
-          <p:cNvSpPr>
-            <a:spLocks noGrp="1"/>
-          </p:cNvSpPr>
-          <p:nvPr>
-            <p:ph type="body" sz="half" idx="2"/>
-          </p:nvPr>
-        </p:nvSpPr>
-        <p:spPr>
-          <a:xfrm>
-            <a:off x="839788" y="2057400"/>
-            <a:ext cx="3932237" cy="3811588"/>
-          </a:xfrm>
-        </p:spPr>
-        <p:txBody>
-          <a:bodyPr/>
-          <a:lstStyle>
-            <a:lvl1pPr marL="0" indent="0">
-              <a:buNone/>
-              <a:defRPr sz="1600"/>
-            </a:lvl1pPr>
-            <a:lvl2pPr marL="457200" indent="0">
-              <a:buNone/>
-              <a:defRPr sz="1400"/>
-            </a:lvl2pPr>
-            <a:lvl3pPr marL="914400" indent="0">
-              <a:buNone/>
-              <a:defRPr sz="1200"/>
-            </a:lvl3pPr>
-            <a:lvl4pPr marL="1371600" indent="0">
-              <a:buNone/>
-              <a:defRPr sz="1000"/>
-            </a:lvl4pPr>
-            <a:lvl5pPr marL="1828800" indent="0">
-              <a:buNone/>
-              <a:defRPr sz="1000"/>
-            </a:lvl5pPr>
-            <a:lvl6pPr marL="2286000" indent="0">
-              <a:buNone/>
-              <a:defRPr sz="1000"/>
-            </a:lvl6pPr>
-            <a:lvl7pPr marL="2743200" indent="0">
-              <a:buNone/>
-              <a:defRPr sz="1000"/>
-            </a:lvl7pPr>
-            <a:lvl8pPr marL="3200400" indent="0">
-              <a:buNone/>
-              <a:defRPr sz="1000"/>
-            </a:lvl8pPr>
-            <a:lvl9pPr marL="3657600" indent="0">
-              <a:buNone/>
-              <a:defRPr sz="1000"/>
-            </a:lvl9pPr>
-          </a:lstStyle>
-          <a:p>
-            <a:pPr lvl="0"/>
-            <a:r>
-              <a:rPr kumimoji="1" lang="ja-JP" altLang="en-US"/>
-              <a:t>マスター テキストの書式設定</a:t>
-            </a:r>
-          </a:p>
-        </p:txBody>
-      </p:sp>
-      <p:sp>
-        <p:nvSpPr>
-          <p:cNvPr id="5" name="日付プレースホルダー 4">
-            <a:extLst>
-              <a:ext uri="{FF2B5EF4-FFF2-40B4-BE49-F238E27FC236}">
-                <a16:creationId xmlns:a16="http://schemas.microsoft.com/office/drawing/2014/main" id="{402E7089-3DF9-4BDC-9EB8-DE8C45F75F24}"/>
-              </a:ext>
-            </a:extLst>
-          </p:cNvPr>
-          <p:cNvSpPr>
-            <a:spLocks noGrp="1"/>
-          </p:cNvSpPr>
-          <p:nvPr>
-            <p:ph type="dt" sz="half" idx="10"/>
-          </p:nvPr>
-        </p:nvSpPr>
-        <p:spPr/>
-        <p:txBody>
-          <a:bodyPr/>
-          <a:lstStyle/>
-          <a:p>
-            <a:fld id="{8909EDFD-5192-413F-86D7-8D7554755D23}" type="datetimeFigureOut">
-              <a:rPr kumimoji="1" lang="ja-JP" altLang="en-US" smtClean="0"/>
-              <a:t>2025/4/2</a:t>
-            </a:fld>
-            <a:endParaRPr kumimoji="1" lang="ja-JP" altLang="en-US"/>
-          </a:p>
-        </p:txBody>
-      </p:sp>
-      <p:sp>
-        <p:nvSpPr>
-          <p:cNvPr id="6" name="フッター プレースホルダー 5">
-            <a:extLst>
-              <a:ext uri="{FF2B5EF4-FFF2-40B4-BE49-F238E27FC236}">
-                <a16:creationId xmlns:a16="http://schemas.microsoft.com/office/drawing/2014/main" id="{00545D7C-04FC-41B1-A803-DD2DB5945B11}"/>
-              </a:ext>
-            </a:extLst>
-          </p:cNvPr>
-          <p:cNvSpPr>
-            <a:spLocks noGrp="1"/>
-          </p:cNvSpPr>
-          <p:nvPr>
-            <p:ph type="ftr" sz="quarter" idx="11"/>
-          </p:nvPr>
-        </p:nvSpPr>
-        <p:spPr/>
-        <p:txBody>
-          <a:bodyPr/>
-          <a:lstStyle/>
-          <a:p>
-            <a:endParaRPr kumimoji="1" lang="ja-JP" altLang="en-US"/>
-          </a:p>
-        </p:txBody>
-      </p:sp>
-      <p:sp>
-        <p:nvSpPr>
-          <p:cNvPr id="7" name="スライド番号プレースホルダー 6">
-            <a:extLst>
-              <a:ext uri="{FF2B5EF4-FFF2-40B4-BE49-F238E27FC236}">
-                <a16:creationId xmlns:a16="http://schemas.microsoft.com/office/drawing/2014/main" id="{F723A7FB-360E-48CD-AC0A-190B0D4B6DB9}"/>
-              </a:ext>
-            </a:extLst>
-          </p:cNvPr>
-          <p:cNvSpPr>
-            <a:spLocks noGrp="1"/>
-          </p:cNvSpPr>
-          <p:nvPr>
-            <p:ph type="sldNum" sz="quarter" idx="12"/>
-          </p:nvPr>
-        </p:nvSpPr>
-        <p:spPr/>
-        <p:txBody>
-          <a:bodyPr/>
-          <a:lstStyle/>
-          <a:p>
-            <a:fld id="{131D73D8-14F5-4D69-99A1-794EA162E220}" type="slidenum">
-              <a:rPr kumimoji="1" lang="ja-JP" altLang="en-US" smtClean="0"/>
-              <a:t>‹#›</a:t>
-            </a:fld>
-            <a:endParaRPr kumimoji="1" lang="ja-JP" altLang="en-US"/>
-          </a:p>
-        </p:txBody>
-      </p:sp>
-    </p:spTree>
-    <p:extLst>
-      <p:ext uri="{BB962C8B-B14F-4D97-AF65-F5344CB8AC3E}">
-        <p14:creationId xmlns:p14="http://schemas.microsoft.com/office/powerpoint/2010/main" val="3588835203"/>
-      </p:ext>
-    </p:extLst>
-  </p:cSld>
-  <p:clrMapOvr>
-    <a:masterClrMapping/>
-  </p:clrMapOvr>
-</p:sldLayout>
-</file>
-
-<file path=ppt/slideLayouts/slideLayout9.xml><?xml version="1.0" encoding="utf-8"?>
-<p:sldLayout xmlns:a="http://schemas.openxmlformats.org/drawingml/2006/main" xmlns:r="http://schemas.openxmlformats.org/officeDocument/2006/relationships" xmlns:p="http://schemas.openxmlformats.org/presentationml/2006/main" type="picTx" preserve="1">
-  <p:cSld name="タイトル付きの図">
-    <p:spTree>
-      <p:nvGrpSpPr>
-        <p:cNvPr id="1" name=""/>
-        <p:cNvGrpSpPr/>
-        <p:nvPr/>
-      </p:nvGrpSpPr>
-      <p:grpSpPr>
-        <a:xfrm>
-          <a:off x="0" y="0"/>
-          <a:ext cx="0" cy="0"/>
-          <a:chOff x="0" y="0"/>
-          <a:chExt cx="0" cy="0"/>
-        </a:xfrm>
-      </p:grpSpPr>
-      <p:sp>
-        <p:nvSpPr>
-          <p:cNvPr id="2" name="タイトル 1">
-            <a:extLst>
-              <a:ext uri="{FF2B5EF4-FFF2-40B4-BE49-F238E27FC236}">
-                <a16:creationId xmlns:a16="http://schemas.microsoft.com/office/drawing/2014/main" id="{6D264974-4C34-4135-BA7C-11D562079B5E}"/>
-              </a:ext>
-            </a:extLst>
-          </p:cNvPr>
-          <p:cNvSpPr>
-            <a:spLocks noGrp="1"/>
-          </p:cNvSpPr>
-          <p:nvPr>
-            <p:ph type="title"/>
-          </p:nvPr>
-        </p:nvSpPr>
-        <p:spPr>
-          <a:xfrm>
-            <a:off x="839788" y="457200"/>
-            <a:ext cx="3932237" cy="1600200"/>
-          </a:xfrm>
-        </p:spPr>
-        <p:txBody>
-          <a:bodyPr anchor="b"/>
-          <a:lstStyle>
-            <a:lvl1pPr>
-              <a:defRPr sz="3200"/>
-            </a:lvl1pPr>
-          </a:lstStyle>
-          <a:p>
-            <a:r>
-              <a:rPr kumimoji="1" lang="ja-JP" altLang="en-US"/>
-              <a:t>マスター タイトルの書式設定</a:t>
-            </a:r>
-          </a:p>
-        </p:txBody>
-      </p:sp>
-      <p:sp>
-        <p:nvSpPr>
-          <p:cNvPr id="3" name="図プレースホルダー 2">
-            <a:extLst>
-              <a:ext uri="{FF2B5EF4-FFF2-40B4-BE49-F238E27FC236}">
-                <a16:creationId xmlns:a16="http://schemas.microsoft.com/office/drawing/2014/main" id="{22E5043A-AC07-4C87-BCB1-C0C14740E0E3}"/>
-              </a:ext>
-            </a:extLst>
-          </p:cNvPr>
-          <p:cNvSpPr>
-            <a:spLocks noGrp="1"/>
-          </p:cNvSpPr>
-          <p:nvPr>
-            <p:ph type="pic" idx="1"/>
-          </p:nvPr>
-        </p:nvSpPr>
-        <p:spPr>
-          <a:xfrm>
-            <a:off x="5183188" y="987425"/>
-            <a:ext cx="6172200" cy="4873625"/>
-          </a:xfrm>
-        </p:spPr>
-        <p:txBody>
-          <a:bodyPr/>
-          <a:lstStyle>
-            <a:lvl1pPr marL="0" indent="0">
-              <a:buNone/>
-              <a:defRPr sz="3200"/>
-            </a:lvl1pPr>
-            <a:lvl2pPr marL="457200" indent="0">
-              <a:buNone/>
-              <a:defRPr sz="2800"/>
-            </a:lvl2pPr>
-            <a:lvl3pPr marL="914400" indent="0">
-              <a:buNone/>
-              <a:defRPr sz="2400"/>
-            </a:lvl3pPr>
-            <a:lvl4pPr marL="1371600" indent="0">
-              <a:buNone/>
-              <a:defRPr sz="2000"/>
-            </a:lvl4pPr>
-            <a:lvl5pPr marL="1828800" indent="0">
-              <a:buNone/>
-              <a:defRPr sz="2000"/>
-            </a:lvl5pPr>
-            <a:lvl6pPr marL="2286000" indent="0">
-              <a:buNone/>
-              <a:defRPr sz="2000"/>
-            </a:lvl6pPr>
-            <a:lvl7pPr marL="2743200" indent="0">
-              <a:buNone/>
-              <a:defRPr sz="2000"/>
-            </a:lvl7pPr>
-            <a:lvl8pPr marL="3200400" indent="0">
-              <a:buNone/>
-              <a:defRPr sz="2000"/>
-            </a:lvl8pPr>
-            <a:lvl9pPr marL="3657600" indent="0">
-              <a:buNone/>
-              <a:defRPr sz="2000"/>
-            </a:lvl9pPr>
-          </a:lstStyle>
-          <a:p>
-            <a:endParaRPr kumimoji="1" lang="ja-JP" altLang="en-US"/>
-          </a:p>
-        </p:txBody>
-      </p:sp>
-      <p:sp>
-        <p:nvSpPr>
-          <p:cNvPr id="4" name="テキスト プレースホルダー 3">
-            <a:extLst>
-              <a:ext uri="{FF2B5EF4-FFF2-40B4-BE49-F238E27FC236}">
-                <a16:creationId xmlns:a16="http://schemas.microsoft.com/office/drawing/2014/main" id="{D952B0E7-0F09-4328-9958-6566C9BE261B}"/>
-              </a:ext>
-            </a:extLst>
-          </p:cNvPr>
-          <p:cNvSpPr>
-            <a:spLocks noGrp="1"/>
-          </p:cNvSpPr>
-          <p:nvPr>
-            <p:ph type="body" sz="half" idx="2"/>
-          </p:nvPr>
-        </p:nvSpPr>
-        <p:spPr>
-          <a:xfrm>
-            <a:off x="839788" y="2057400"/>
-            <a:ext cx="3932237" cy="3811588"/>
-          </a:xfrm>
-        </p:spPr>
-        <p:txBody>
-          <a:bodyPr/>
-          <a:lstStyle>
-            <a:lvl1pPr marL="0" indent="0">
-              <a:buNone/>
-              <a:defRPr sz="1600"/>
-            </a:lvl1pPr>
-            <a:lvl2pPr marL="457200" indent="0">
-              <a:buNone/>
-              <a:defRPr sz="1400"/>
-            </a:lvl2pPr>
-            <a:lvl3pPr marL="914400" indent="0">
-              <a:buNone/>
-              <a:defRPr sz="1200"/>
-            </a:lvl3pPr>
-            <a:lvl4pPr marL="1371600" indent="0">
-              <a:buNone/>
-              <a:defRPr sz="1000"/>
-            </a:lvl4pPr>
-            <a:lvl5pPr marL="1828800" indent="0">
-              <a:buNone/>
-              <a:defRPr sz="1000"/>
-            </a:lvl5pPr>
-            <a:lvl6pPr marL="2286000" indent="0">
-              <a:buNone/>
-              <a:defRPr sz="1000"/>
-            </a:lvl6pPr>
-            <a:lvl7pPr marL="2743200" indent="0">
-              <a:buNone/>
-              <a:defRPr sz="1000"/>
-            </a:lvl7pPr>
-            <a:lvl8pPr marL="3200400" indent="0">
-              <a:buNone/>
-              <a:defRPr sz="1000"/>
-            </a:lvl8pPr>
-            <a:lvl9pPr marL="3657600" indent="0">
-              <a:buNone/>
-              <a:defRPr sz="1000"/>
-            </a:lvl9pPr>
-          </a:lstStyle>
-          <a:p>
-            <a:pPr lvl="0"/>
-            <a:r>
-              <a:rPr kumimoji="1" lang="ja-JP" altLang="en-US"/>
-              <a:t>マスター テキストの書式設定</a:t>
-            </a:r>
-          </a:p>
-        </p:txBody>
-      </p:sp>
-      <p:sp>
-        <p:nvSpPr>
-          <p:cNvPr id="5" name="日付プレースホルダー 4">
-            <a:extLst>
-              <a:ext uri="{FF2B5EF4-FFF2-40B4-BE49-F238E27FC236}">
-                <a16:creationId xmlns:a16="http://schemas.microsoft.com/office/drawing/2014/main" id="{B98ABC8F-9BF7-4A4F-B941-3BF3EBC80CAB}"/>
-              </a:ext>
-            </a:extLst>
-          </p:cNvPr>
-          <p:cNvSpPr>
-            <a:spLocks noGrp="1"/>
-          </p:cNvSpPr>
-          <p:nvPr>
-            <p:ph type="dt" sz="half" idx="10"/>
-          </p:nvPr>
-        </p:nvSpPr>
-        <p:spPr/>
-        <p:txBody>
-          <a:bodyPr/>
-          <a:lstStyle/>
-          <a:p>
-            <a:fld id="{8909EDFD-5192-413F-86D7-8D7554755D23}" type="datetimeFigureOut">
-              <a:rPr kumimoji="1" lang="ja-JP" altLang="en-US" smtClean="0"/>
-              <a:t>2025/4/2</a:t>
-            </a:fld>
-            <a:endParaRPr kumimoji="1" lang="ja-JP" altLang="en-US"/>
-          </a:p>
-        </p:txBody>
-      </p:sp>
-      <p:sp>
-        <p:nvSpPr>
-          <p:cNvPr id="6" name="フッター プレースホルダー 5">
-            <a:extLst>
-              <a:ext uri="{FF2B5EF4-FFF2-40B4-BE49-F238E27FC236}">
-                <a16:creationId xmlns:a16="http://schemas.microsoft.com/office/drawing/2014/main" id="{73F8794D-1F34-484E-94F2-DB332CC4F14E}"/>
-              </a:ext>
-            </a:extLst>
-          </p:cNvPr>
-          <p:cNvSpPr>
-            <a:spLocks noGrp="1"/>
-          </p:cNvSpPr>
-          <p:nvPr>
-            <p:ph type="ftr" sz="quarter" idx="11"/>
-          </p:nvPr>
-        </p:nvSpPr>
-        <p:spPr/>
-        <p:txBody>
-          <a:bodyPr/>
-          <a:lstStyle/>
-          <a:p>
-            <a:endParaRPr kumimoji="1" lang="ja-JP" altLang="en-US"/>
-          </a:p>
-        </p:txBody>
-      </p:sp>
-      <p:sp>
-        <p:nvSpPr>
-          <p:cNvPr id="7" name="スライド番号プレースホルダー 6">
-            <a:extLst>
-              <a:ext uri="{FF2B5EF4-FFF2-40B4-BE49-F238E27FC236}">
-                <a16:creationId xmlns:a16="http://schemas.microsoft.com/office/drawing/2014/main" id="{DE0F9CF4-6846-46FE-96A0-4C4CFBEDD25E}"/>
-              </a:ext>
-            </a:extLst>
-          </p:cNvPr>
-          <p:cNvSpPr>
-            <a:spLocks noGrp="1"/>
-          </p:cNvSpPr>
-          <p:nvPr>
-            <p:ph type="sldNum" sz="quarter" idx="12"/>
-          </p:nvPr>
-        </p:nvSpPr>
-        <p:spPr/>
-        <p:txBody>
-          <a:bodyPr/>
-          <a:lstStyle/>
-          <a:p>
-            <a:fld id="{131D73D8-14F5-4D69-99A1-794EA162E220}" type="slidenum">
-              <a:rPr kumimoji="1" lang="ja-JP" altLang="en-US" smtClean="0"/>
-              <a:t>‹#›</a:t>
-            </a:fld>
-            <a:endParaRPr kumimoji="1" lang="ja-JP" altLang="en-US"/>
-          </a:p>
-        </p:txBody>
-      </p:sp>
-    </p:spTree>
-    <p:extLst>
-      <p:ext uri="{BB962C8B-B14F-4D97-AF65-F5344CB8AC3E}">
-        <p14:creationId xmlns:p14="http://schemas.microsoft.com/office/powerpoint/2010/main" val="3860684046"/>
-      </p:ext>
-    </p:extLst>
-  </p:cSld>
-  <p:clrMapOvr>
-    <a:masterClrMapping/>
-  </p:clrMapOvr>
-</p:sldLayout>
-</file>
-
 <file path=ppt/slideMasters/slideMaster1.xml><?xml version="1.0" encoding="utf-8"?>
 <p:sldMaster xmlns:a="http://schemas.openxmlformats.org/drawingml/2006/main" xmlns:r="http://schemas.openxmlformats.org/officeDocument/2006/relationships" xmlns:p="http://schemas.openxmlformats.org/presentationml/2006/main">
   <p:cSld>
     <p:bg>
-      <p:bgRef idx="1001">
-        <a:schemeClr val="bg1"/>
-      </p:bgRef>
+      <p:bgPr>
+        <a:solidFill>
+          <a:srgbClr val="54B235"/>
+        </a:solidFill>
+        <a:effectLst/>
+      </p:bgPr>
     </p:bg>
     <p:spTree>
       <p:nvGrpSpPr>
@@ -3021,6 +1776,53 @@
       </p:grpSpPr>
       <p:sp>
         <p:nvSpPr>
+          <p:cNvPr id="9" name="正方形/長方形 8">
+            <a:extLst>
+              <a:ext uri="{FF2B5EF4-FFF2-40B4-BE49-F238E27FC236}">
+                <a16:creationId xmlns:a16="http://schemas.microsoft.com/office/drawing/2014/main" id="{3FF76F9E-7895-4E13-8E8F-2C41E4F0B82F}"/>
+              </a:ext>
+            </a:extLst>
+          </p:cNvPr>
+          <p:cNvSpPr/>
+          <p:nvPr userDrawn="1"/>
+        </p:nvSpPr>
+        <p:spPr>
+          <a:xfrm>
+            <a:off x="228000" y="270000"/>
+            <a:ext cx="11736000" cy="6318000"/>
+          </a:xfrm>
+          <a:prstGeom prst="rect">
+            <a:avLst/>
+          </a:prstGeom>
+          <a:ln>
+            <a:noFill/>
+          </a:ln>
+        </p:spPr>
+        <p:style>
+          <a:lnRef idx="2">
+            <a:schemeClr val="dk1"/>
+          </a:lnRef>
+          <a:fillRef idx="1">
+            <a:schemeClr val="lt1"/>
+          </a:fillRef>
+          <a:effectRef idx="0">
+            <a:schemeClr val="dk1"/>
+          </a:effectRef>
+          <a:fontRef idx="minor">
+            <a:schemeClr val="dk1"/>
+          </a:fontRef>
+        </p:style>
+        <p:txBody>
+          <a:bodyPr rtlCol="0" anchor="ctr"/>
+          <a:lstStyle/>
+          <a:p>
+            <a:pPr algn="ctr"/>
+            <a:endParaRPr kumimoji="1" lang="ja-JP" altLang="en-US"/>
+          </a:p>
+        </p:txBody>
+      </p:sp>
+      <p:sp>
+        <p:nvSpPr>
           <p:cNvPr id="2" name="タイトル プレースホルダー 1">
             <a:extLst>
               <a:ext uri="{FF2B5EF4-FFF2-40B4-BE49-F238E27FC236}">
@@ -3174,7 +1976,7 @@
         </p:nvSpPr>
         <p:spPr>
           <a:xfrm>
-            <a:off x="838200" y="6356350"/>
+            <a:off x="838200" y="6176963"/>
             <a:ext cx="2743200" cy="365125"/>
           </a:xfrm>
           <a:prstGeom prst="rect">
@@ -3185,7 +1987,7 @@
           <a:bodyPr vert="horz" lIns="91440" tIns="45720" rIns="91440" bIns="45720" rtlCol="0" anchor="ctr"/>
           <a:lstStyle>
             <a:lvl1pPr algn="l">
-              <a:defRPr sz="1200">
+              <a:defRPr sz="1800" b="1">
                 <a:solidFill>
                   <a:schemeClr val="tx1">
                     <a:tint val="75000"/>
@@ -3196,10 +1998,11 @@
           </a:lstStyle>
           <a:p>
             <a:fld id="{8909EDFD-5192-413F-86D7-8D7554755D23}" type="datetimeFigureOut">
-              <a:rPr kumimoji="1" lang="ja-JP" altLang="en-US" smtClean="0"/>
-              <a:t>2025/4/2</a:t>
+              <a:rPr lang="ja-JP" altLang="en-US" smtClean="0"/>
+              <a:pPr/>
+              <a:t>2025/4/9</a:t>
             </a:fld>
-            <a:endParaRPr kumimoji="1" lang="ja-JP" altLang="en-US"/>
+            <a:endParaRPr lang="ja-JP" altLang="en-US"/>
           </a:p>
         </p:txBody>
       </p:sp>
@@ -3221,7 +2024,7 @@
         </p:nvSpPr>
         <p:spPr>
           <a:xfrm>
-            <a:off x="4038600" y="6356350"/>
+            <a:off x="4038600" y="6176963"/>
             <a:ext cx="4114800" cy="365125"/>
           </a:xfrm>
           <a:prstGeom prst="rect">
@@ -3232,7 +2035,7 @@
           <a:bodyPr vert="horz" lIns="91440" tIns="45720" rIns="91440" bIns="45720" rtlCol="0" anchor="ctr"/>
           <a:lstStyle>
             <a:lvl1pPr algn="ctr">
-              <a:defRPr sz="1200">
+              <a:defRPr sz="1800" b="1">
                 <a:solidFill>
                   <a:schemeClr val="tx1">
                     <a:tint val="75000"/>
@@ -3242,7 +2045,7 @@
             </a:lvl1pPr>
           </a:lstStyle>
           <a:p>
-            <a:endParaRPr kumimoji="1" lang="ja-JP" altLang="en-US"/>
+            <a:endParaRPr lang="ja-JP" altLang="en-US"/>
           </a:p>
         </p:txBody>
       </p:sp>
@@ -3264,7 +2067,7 @@
         </p:nvSpPr>
         <p:spPr>
           <a:xfrm>
-            <a:off x="8610600" y="6356350"/>
+            <a:off x="8610600" y="6176963"/>
             <a:ext cx="2743200" cy="365125"/>
           </a:xfrm>
           <a:prstGeom prst="rect">
@@ -3275,7 +2078,7 @@
           <a:bodyPr vert="horz" lIns="91440" tIns="45720" rIns="91440" bIns="45720" rtlCol="0" anchor="ctr"/>
           <a:lstStyle>
             <a:lvl1pPr algn="r">
-              <a:defRPr sz="1200">
+              <a:defRPr sz="1800" b="1">
                 <a:solidFill>
                   <a:schemeClr val="tx1">
                     <a:tint val="75000"/>
@@ -3286,10 +2089,11 @@
           </a:lstStyle>
           <a:p>
             <a:fld id="{131D73D8-14F5-4D69-99A1-794EA162E220}" type="slidenum">
-              <a:rPr kumimoji="1" lang="ja-JP" altLang="en-US" smtClean="0"/>
+              <a:rPr lang="ja-JP" altLang="en-US" smtClean="0"/>
+              <a:pPr/>
               <a:t>‹#›</a:t>
             </a:fld>
-            <a:endParaRPr kumimoji="1" lang="ja-JP" altLang="en-US"/>
+            <a:endParaRPr lang="ja-JP" altLang="en-US"/>
           </a:p>
         </p:txBody>
       </p:sp>
@@ -3309,10 +2113,6 @@
     <p:sldLayoutId id="2147483653" r:id="rId5"/>
     <p:sldLayoutId id="2147483654" r:id="rId6"/>
     <p:sldLayoutId id="2147483655" r:id="rId7"/>
-    <p:sldLayoutId id="2147483656" r:id="rId8"/>
-    <p:sldLayoutId id="2147483657" r:id="rId9"/>
-    <p:sldLayoutId id="2147483658" r:id="rId10"/>
-    <p:sldLayoutId id="2147483659" r:id="rId11"/>
   </p:sldLayoutIdLst>
   <p:txStyles>
     <p:titleStyle>
@@ -4409,67 +3209,15 @@
         <a:srgbClr val="954F72"/>
       </a:folHlink>
     </a:clrScheme>
-    <a:fontScheme name="Office">
+    <a:fontScheme name="Arial">
       <a:majorFont>
-        <a:latin typeface="游ゴシック Light" panose="020F0302020204030204"/>
+        <a:latin typeface="Arial" panose="020B0604020202020204"/>
         <a:ea typeface=""/>
         <a:cs typeface=""/>
-        <a:font script="Jpan" typeface="游ゴシック Light"/>
-        <a:font script="Hang" typeface="맑은 고딕"/>
-        <a:font script="Hans" typeface="等线 Light"/>
-        <a:font script="Hant" typeface="新細明體"/>
-        <a:font script="Arab" typeface="Times New Roman"/>
-        <a:font script="Hebr" typeface="Times New Roman"/>
-        <a:font script="Thai" typeface="Angsana New"/>
-        <a:font script="Ethi" typeface="Nyala"/>
-        <a:font script="Beng" typeface="Vrinda"/>
-        <a:font script="Gujr" typeface="Shruti"/>
-        <a:font script="Khmr" typeface="MoolBoran"/>
-        <a:font script="Knda" typeface="Tunga"/>
-        <a:font script="Guru" typeface="Raavi"/>
-        <a:font script="Cans" typeface="Euphemia"/>
-        <a:font script="Cher" typeface="Plantagenet Cherokee"/>
-        <a:font script="Yiii" typeface="Microsoft Yi Baiti"/>
-        <a:font script="Tibt" typeface="Microsoft Himalaya"/>
-        <a:font script="Thaa" typeface="MV Boli"/>
-        <a:font script="Deva" typeface="Mangal"/>
-        <a:font script="Telu" typeface="Gautami"/>
-        <a:font script="Taml" typeface="Latha"/>
-        <a:font script="Syrc" typeface="Estrangelo Edessa"/>
-        <a:font script="Orya" typeface="Kalinga"/>
-        <a:font script="Mlym" typeface="Kartika"/>
-        <a:font script="Laoo" typeface="DokChampa"/>
-        <a:font script="Sinh" typeface="Iskoola Pota"/>
-        <a:font script="Mong" typeface="Mongolian Baiti"/>
-        <a:font script="Viet" typeface="Times New Roman"/>
-        <a:font script="Uigh" typeface="Microsoft Uighur"/>
-        <a:font script="Geor" typeface="Sylfaen"/>
-        <a:font script="Armn" typeface="Arial"/>
-        <a:font script="Bugi" typeface="Leelawadee UI"/>
-        <a:font script="Bopo" typeface="Microsoft JhengHei"/>
-        <a:font script="Java" typeface="Javanese Text"/>
-        <a:font script="Lisu" typeface="Segoe UI"/>
-        <a:font script="Mymr" typeface="Myanmar Text"/>
-        <a:font script="Nkoo" typeface="Ebrima"/>
-        <a:font script="Olck" typeface="Nirmala UI"/>
-        <a:font script="Osma" typeface="Ebrima"/>
-        <a:font script="Phag" typeface="Phagspa"/>
-        <a:font script="Syrn" typeface="Estrangelo Edessa"/>
-        <a:font script="Syrj" typeface="Estrangelo Edessa"/>
-        <a:font script="Syre" typeface="Estrangelo Edessa"/>
-        <a:font script="Sora" typeface="Nirmala UI"/>
-        <a:font script="Tale" typeface="Microsoft Tai Le"/>
-        <a:font script="Talu" typeface="Microsoft New Tai Lue"/>
-        <a:font script="Tfng" typeface="Ebrima"/>
-      </a:majorFont>
-      <a:minorFont>
-        <a:latin typeface="游ゴシック" panose="020F0502020204030204"/>
-        <a:ea typeface=""/>
-        <a:cs typeface=""/>
-        <a:font script="Jpan" typeface="游ゴシック"/>
-        <a:font script="Hang" typeface="맑은 고딕"/>
-        <a:font script="Hans" typeface="等线"/>
-        <a:font script="Hant" typeface="新細明體"/>
+        <a:font script="Jpan" typeface="ＭＳ Ｐゴシック"/>
+        <a:font script="Hang" typeface="굴림"/>
+        <a:font script="Hans" typeface="黑体"/>
+        <a:font script="Hant" typeface="微軟正黑體"/>
         <a:font script="Arab" typeface="Arial"/>
         <a:font script="Hebr" typeface="Arial"/>
         <a:font script="Thai" typeface="Cordia New"/>
@@ -4496,23 +3244,41 @@
         <a:font script="Viet" typeface="Arial"/>
         <a:font script="Uigh" typeface="Microsoft Uighur"/>
         <a:font script="Geor" typeface="Sylfaen"/>
-        <a:font script="Armn" typeface="Arial"/>
-        <a:font script="Bugi" typeface="Leelawadee UI"/>
-        <a:font script="Bopo" typeface="Microsoft JhengHei"/>
-        <a:font script="Java" typeface="Javanese Text"/>
-        <a:font script="Lisu" typeface="Segoe UI"/>
-        <a:font script="Mymr" typeface="Myanmar Text"/>
-        <a:font script="Nkoo" typeface="Ebrima"/>
-        <a:font script="Olck" typeface="Nirmala UI"/>
-        <a:font script="Osma" typeface="Ebrima"/>
-        <a:font script="Phag" typeface="Phagspa"/>
-        <a:font script="Syrn" typeface="Estrangelo Edessa"/>
-        <a:font script="Syrj" typeface="Estrangelo Edessa"/>
-        <a:font script="Syre" typeface="Estrangelo Edessa"/>
-        <a:font script="Sora" typeface="Nirmala UI"/>
-        <a:font script="Tale" typeface="Microsoft Tai Le"/>
-        <a:font script="Talu" typeface="Microsoft New Tai Lue"/>
-        <a:font script="Tfng" typeface="Ebrima"/>
+      </a:majorFont>
+      <a:minorFont>
+        <a:latin typeface="Arial" panose="020B0604020202020204"/>
+        <a:ea typeface=""/>
+        <a:cs typeface=""/>
+        <a:font script="Jpan" typeface="ＭＳ Ｐゴシック"/>
+        <a:font script="Hang" typeface="굴림"/>
+        <a:font script="Hans" typeface="黑体"/>
+        <a:font script="Hant" typeface="微軟正黑體"/>
+        <a:font script="Arab" typeface="Arial"/>
+        <a:font script="Hebr" typeface="Arial"/>
+        <a:font script="Thai" typeface="Cordia New"/>
+        <a:font script="Ethi" typeface="Nyala"/>
+        <a:font script="Beng" typeface="Vrinda"/>
+        <a:font script="Gujr" typeface="Shruti"/>
+        <a:font script="Khmr" typeface="DaunPenh"/>
+        <a:font script="Knda" typeface="Tunga"/>
+        <a:font script="Guru" typeface="Raavi"/>
+        <a:font script="Cans" typeface="Euphemia"/>
+        <a:font script="Cher" typeface="Plantagenet Cherokee"/>
+        <a:font script="Yiii" typeface="Microsoft Yi Baiti"/>
+        <a:font script="Tibt" typeface="Microsoft Himalaya"/>
+        <a:font script="Thaa" typeface="MV Boli"/>
+        <a:font script="Deva" typeface="Mangal"/>
+        <a:font script="Telu" typeface="Gautami"/>
+        <a:font script="Taml" typeface="Latha"/>
+        <a:font script="Syrc" typeface="Estrangelo Edessa"/>
+        <a:font script="Orya" typeface="Kalinga"/>
+        <a:font script="Mlym" typeface="Kartika"/>
+        <a:font script="Laoo" typeface="DokChampa"/>
+        <a:font script="Sinh" typeface="Iskoola Pota"/>
+        <a:font script="Mong" typeface="Mongolian Baiti"/>
+        <a:font script="Viet" typeface="Arial"/>
+        <a:font script="Uigh" typeface="Microsoft Uighur"/>
+        <a:font script="Geor" typeface="Sylfaen"/>
       </a:minorFont>
     </a:fontScheme>
     <a:fmtScheme name="Office">

--- a/企画/PowerPoint/企画案２.pptx
+++ b/企画/PowerPoint/企画案２.pptx
@@ -11,6 +11,7 @@
     <p:sldId id="259" r:id="rId5"/>
     <p:sldId id="260" r:id="rId6"/>
     <p:sldId id="261" r:id="rId7"/>
+    <p:sldId id="262" r:id="rId8"/>
   </p:sldIdLst>
   <p:sldSz cx="12192000" cy="6858000"/>
   <p:notesSz cx="6858000" cy="9144000"/>
@@ -136,28 +137,80 @@
       </p:grpSpPr>
       <p:sp>
         <p:nvSpPr>
-          <p:cNvPr id="2" name="タイトル 1">
-            <a:extLst>
-              <a:ext uri="{FF2B5EF4-FFF2-40B4-BE49-F238E27FC236}">
-                <a16:creationId xmlns:a16="http://schemas.microsoft.com/office/drawing/2014/main" id="{EC7C0847-734B-4EF8-8634-DE669C9803BF}"/>
-              </a:ext>
-            </a:extLst>
-          </p:cNvPr>
-          <p:cNvSpPr>
-            <a:spLocks noGrp="1"/>
-          </p:cNvSpPr>
-          <p:nvPr>
-            <p:ph type="ctrTitle"/>
-          </p:nvPr>
+          <p:cNvPr id="9" name="楕円 8">
+            <a:extLst>
+              <a:ext uri="{FF2B5EF4-FFF2-40B4-BE49-F238E27FC236}">
+                <a16:creationId xmlns:a16="http://schemas.microsoft.com/office/drawing/2014/main" id="{2DA9A3F4-C39D-49A8-90F1-60B395A95592}"/>
+              </a:ext>
+            </a:extLst>
+          </p:cNvPr>
+          <p:cNvSpPr/>
+          <p:nvPr userDrawn="1"/>
         </p:nvSpPr>
         <p:spPr>
           <a:xfrm>
-            <a:off x="1524000" y="1122363"/>
-            <a:ext cx="9144000" cy="2387600"/>
+            <a:off x="8905240" y="-1125616"/>
+            <a:ext cx="4038600" cy="4038600"/>
+          </a:xfrm>
+          <a:prstGeom prst="ellipse">
+            <a:avLst/>
+          </a:prstGeom>
+          <a:solidFill>
+            <a:srgbClr val="FF0000"/>
+          </a:solidFill>
+        </p:spPr>
+        <p:style>
+          <a:lnRef idx="2">
+            <a:schemeClr val="accent1">
+              <a:shade val="50000"/>
+            </a:schemeClr>
+          </a:lnRef>
+          <a:fillRef idx="1">
+            <a:schemeClr val="accent1"/>
+          </a:fillRef>
+          <a:effectRef idx="0">
+            <a:schemeClr val="accent1"/>
+          </a:effectRef>
+          <a:fontRef idx="minor">
+            <a:schemeClr val="lt1"/>
+          </a:fontRef>
+        </p:style>
+        <p:txBody>
+          <a:bodyPr rtlCol="0" anchor="ctr"/>
+          <a:lstStyle/>
+          <a:p>
+            <a:pPr algn="ctr"/>
+            <a:r>
+              <a:rPr kumimoji="1" lang="ja-JP" altLang="en-US" sz="6400" dirty="0"/>
+              <a:t>仮</a:t>
+            </a:r>
+          </a:p>
+        </p:txBody>
+      </p:sp>
+      <p:sp>
+        <p:nvSpPr>
+          <p:cNvPr id="2" name="タイトル 1">
+            <a:extLst>
+              <a:ext uri="{FF2B5EF4-FFF2-40B4-BE49-F238E27FC236}">
+                <a16:creationId xmlns:a16="http://schemas.microsoft.com/office/drawing/2014/main" id="{EC7C0847-734B-4EF8-8634-DE669C9803BF}"/>
+              </a:ext>
+            </a:extLst>
+          </p:cNvPr>
+          <p:cNvSpPr>
+            <a:spLocks noGrp="1"/>
+          </p:cNvSpPr>
+          <p:nvPr>
+            <p:ph type="ctrTitle"/>
+          </p:nvPr>
+        </p:nvSpPr>
+        <p:spPr>
+          <a:xfrm>
+            <a:off x="1524000" y="1962865"/>
+            <a:ext cx="9144000" cy="1653381"/>
           </a:xfrm>
         </p:spPr>
         <p:txBody>
-          <a:bodyPr anchor="b"/>
+          <a:bodyPr anchor="ctr"/>
           <a:lstStyle>
             <a:lvl1pPr algn="ctr">
               <a:defRPr sz="6000"/>
@@ -165,7 +218,7 @@
           </a:lstStyle>
           <a:p>
             <a:r>
-              <a:rPr kumimoji="1" lang="ja-JP" altLang="en-US"/>
+              <a:rPr kumimoji="1" lang="ja-JP" altLang="en-US" dirty="0"/>
               <a:t>マスター タイトルの書式設定</a:t>
             </a:r>
           </a:p>
@@ -189,8 +242,8 @@
         </p:nvSpPr>
         <p:spPr>
           <a:xfrm>
-            <a:off x="1524000" y="3602038"/>
-            <a:ext cx="9144000" cy="1655762"/>
+            <a:off x="1524000" y="3873818"/>
+            <a:ext cx="9144000" cy="512762"/>
           </a:xfrm>
         </p:spPr>
         <p:txBody>
@@ -238,35 +291,6 @@
               <a:rPr kumimoji="1" lang="ja-JP" altLang="en-US"/>
               <a:t>マスター サブタイトルの書式設定</a:t>
             </a:r>
-          </a:p>
-        </p:txBody>
-      </p:sp>
-      <p:sp>
-        <p:nvSpPr>
-          <p:cNvPr id="4" name="日付プレースホルダー 3">
-            <a:extLst>
-              <a:ext uri="{FF2B5EF4-FFF2-40B4-BE49-F238E27FC236}">
-                <a16:creationId xmlns:a16="http://schemas.microsoft.com/office/drawing/2014/main" id="{CD5A3479-23B3-4DB5-A463-E53797D516A5}"/>
-              </a:ext>
-            </a:extLst>
-          </p:cNvPr>
-          <p:cNvSpPr>
-            <a:spLocks noGrp="1"/>
-          </p:cNvSpPr>
-          <p:nvPr>
-            <p:ph type="dt" sz="half" idx="10"/>
-          </p:nvPr>
-        </p:nvSpPr>
-        <p:spPr/>
-        <p:txBody>
-          <a:bodyPr/>
-          <a:lstStyle/>
-          <a:p>
-            <a:fld id="{8909EDFD-5192-413F-86D7-8D7554755D23}" type="datetimeFigureOut">
-              <a:rPr kumimoji="1" lang="ja-JP" altLang="en-US" smtClean="0"/>
-              <a:t>2025/4/9</a:t>
-            </a:fld>
-            <a:endParaRPr kumimoji="1" lang="ja-JP" altLang="en-US"/>
           </a:p>
         </p:txBody>
       </p:sp>
@@ -324,6 +348,41 @@
           </a:p>
         </p:txBody>
       </p:sp>
+      <p:pic>
+        <p:nvPicPr>
+          <p:cNvPr id="8" name="図 7">
+            <a:extLst>
+              <a:ext uri="{FF2B5EF4-FFF2-40B4-BE49-F238E27FC236}">
+                <a16:creationId xmlns:a16="http://schemas.microsoft.com/office/drawing/2014/main" id="{F5A9B0F6-9998-4B97-A213-2EA2D3BBCAB2}"/>
+              </a:ext>
+            </a:extLst>
+          </p:cNvPr>
+          <p:cNvPicPr>
+            <a:picLocks noChangeAspect="1"/>
+          </p:cNvPicPr>
+          <p:nvPr userDrawn="1"/>
+        </p:nvPicPr>
+        <p:blipFill rotWithShape="1">
+          <a:blip r:embed="rId2">
+            <a:extLst>
+              <a:ext uri="{28A0092B-C50C-407E-A947-70E740481C1C}">
+                <a14:useLocalDpi xmlns:a14="http://schemas.microsoft.com/office/drawing/2010/main" val="0"/>
+              </a:ext>
+            </a:extLst>
+          </a:blip>
+          <a:srcRect b="18125"/>
+          <a:stretch/>
+        </p:blipFill>
+        <p:spPr>
+          <a:xfrm>
+            <a:off x="8486140" y="4658360"/>
+            <a:ext cx="2438400" cy="1996440"/>
+          </a:xfrm>
+          <a:prstGeom prst="rect">
+            <a:avLst/>
+          </a:prstGeom>
+        </p:spPr>
+      </p:pic>
     </p:spTree>
     <p:extLst>
       <p:ext uri="{BB962C8B-B14F-4D97-AF65-F5344CB8AC3E}">
@@ -494,7 +553,7 @@
           <a:p>
             <a:fld id="{8909EDFD-5192-413F-86D7-8D7554755D23}" type="datetimeFigureOut">
               <a:rPr kumimoji="1" lang="ja-JP" altLang="en-US" smtClean="0"/>
-              <a:t>2025/4/9</a:t>
+              <a:t>2025/4/10</a:t>
             </a:fld>
             <a:endParaRPr kumimoji="1" lang="ja-JP" altLang="en-US"/>
           </a:p>
@@ -584,6 +643,114 @@
           <a:chExt cx="0" cy="0"/>
         </a:xfrm>
       </p:grpSpPr>
+      <p:pic>
+        <p:nvPicPr>
+          <p:cNvPr id="6" name="図 5">
+            <a:extLst>
+              <a:ext uri="{FF2B5EF4-FFF2-40B4-BE49-F238E27FC236}">
+                <a16:creationId xmlns:a16="http://schemas.microsoft.com/office/drawing/2014/main" id="{2C639E4A-5F80-4382-BFE8-126E54828C71}"/>
+              </a:ext>
+            </a:extLst>
+          </p:cNvPr>
+          <p:cNvPicPr>
+            <a:picLocks noChangeAspect="1"/>
+          </p:cNvPicPr>
+          <p:nvPr userDrawn="1"/>
+        </p:nvPicPr>
+        <p:blipFill>
+          <a:blip r:embed="rId2">
+            <a:extLst>
+              <a:ext uri="{28A0092B-C50C-407E-A947-70E740481C1C}">
+                <a14:useLocalDpi xmlns:a14="http://schemas.microsoft.com/office/drawing/2010/main" val="0"/>
+              </a:ext>
+            </a:extLst>
+          </a:blip>
+          <a:stretch>
+            <a:fillRect/>
+          </a:stretch>
+        </p:blipFill>
+        <p:spPr>
+          <a:xfrm>
+            <a:off x="9661800" y="98898"/>
+            <a:ext cx="1692000" cy="1692000"/>
+          </a:xfrm>
+          <a:prstGeom prst="rect">
+            <a:avLst/>
+          </a:prstGeom>
+        </p:spPr>
+      </p:pic>
+      <p:pic>
+        <p:nvPicPr>
+          <p:cNvPr id="9" name="図 8">
+            <a:extLst>
+              <a:ext uri="{FF2B5EF4-FFF2-40B4-BE49-F238E27FC236}">
+                <a16:creationId xmlns:a16="http://schemas.microsoft.com/office/drawing/2014/main" id="{E215FD0E-D2B2-4A40-B0B5-79BD4419E0DA}"/>
+              </a:ext>
+            </a:extLst>
+          </p:cNvPr>
+          <p:cNvPicPr>
+            <a:picLocks noChangeAspect="1"/>
+          </p:cNvPicPr>
+          <p:nvPr userDrawn="1"/>
+        </p:nvPicPr>
+        <p:blipFill>
+          <a:blip r:embed="rId3">
+            <a:extLst>
+              <a:ext uri="{28A0092B-C50C-407E-A947-70E740481C1C}">
+                <a14:useLocalDpi xmlns:a14="http://schemas.microsoft.com/office/drawing/2010/main" val="0"/>
+              </a:ext>
+            </a:extLst>
+          </a:blip>
+          <a:stretch>
+            <a:fillRect/>
+          </a:stretch>
+        </p:blipFill>
+        <p:spPr>
+          <a:xfrm>
+            <a:off x="1944546" y="554634"/>
+            <a:ext cx="1012104" cy="1012104"/>
+          </a:xfrm>
+          <a:prstGeom prst="rect">
+            <a:avLst/>
+          </a:prstGeom>
+        </p:spPr>
+      </p:pic>
+      <p:pic>
+        <p:nvPicPr>
+          <p:cNvPr id="11" name="図 10">
+            <a:extLst>
+              <a:ext uri="{FF2B5EF4-FFF2-40B4-BE49-F238E27FC236}">
+                <a16:creationId xmlns:a16="http://schemas.microsoft.com/office/drawing/2014/main" id="{74A3A40C-65C4-4F6A-BCFC-07548A0FD5C4}"/>
+              </a:ext>
+            </a:extLst>
+          </p:cNvPr>
+          <p:cNvPicPr>
+            <a:picLocks noChangeAspect="1"/>
+          </p:cNvPicPr>
+          <p:nvPr userDrawn="1"/>
+        </p:nvPicPr>
+        <p:blipFill>
+          <a:blip r:embed="rId3">
+            <a:extLst>
+              <a:ext uri="{28A0092B-C50C-407E-A947-70E740481C1C}">
+                <a14:useLocalDpi xmlns:a14="http://schemas.microsoft.com/office/drawing/2010/main" val="0"/>
+              </a:ext>
+            </a:extLst>
+          </a:blip>
+          <a:stretch>
+            <a:fillRect/>
+          </a:stretch>
+        </p:blipFill>
+        <p:spPr>
+          <a:xfrm>
+            <a:off x="928140" y="323058"/>
+            <a:ext cx="1243680" cy="1243680"/>
+          </a:xfrm>
+          <a:prstGeom prst="rect">
+            <a:avLst/>
+          </a:prstGeom>
+        </p:spPr>
+      </p:pic>
       <p:sp>
         <p:nvSpPr>
           <p:cNvPr id="7" name="正方形/長方形 6">
@@ -946,7 +1113,7 @@
           <a:p>
             <a:fld id="{8909EDFD-5192-413F-86D7-8D7554755D23}" type="datetimeFigureOut">
               <a:rPr kumimoji="1" lang="ja-JP" altLang="en-US" smtClean="0"/>
-              <a:t>2025/4/9</a:t>
+              <a:t>2025/4/10</a:t>
             </a:fld>
             <a:endParaRPr kumimoji="1" lang="ja-JP" altLang="en-US"/>
           </a:p>
@@ -1422,7 +1589,7 @@
           <a:p>
             <a:fld id="{8909EDFD-5192-413F-86D7-8D7554755D23}" type="datetimeFigureOut">
               <a:rPr kumimoji="1" lang="ja-JP" altLang="en-US" smtClean="0"/>
-              <a:t>2025/4/9</a:t>
+              <a:t>2025/4/10</a:t>
             </a:fld>
             <a:endParaRPr kumimoji="1" lang="ja-JP" altLang="en-US"/>
           </a:p>
@@ -1563,7 +1730,7 @@
           <a:p>
             <a:fld id="{8909EDFD-5192-413F-86D7-8D7554755D23}" type="datetimeFigureOut">
               <a:rPr kumimoji="1" lang="ja-JP" altLang="en-US" smtClean="0"/>
-              <a:t>2025/4/9</a:t>
+              <a:t>2025/4/10</a:t>
             </a:fld>
             <a:endParaRPr kumimoji="1" lang="ja-JP" altLang="en-US"/>
           </a:p>
@@ -1676,7 +1843,7 @@
           <a:p>
             <a:fld id="{8909EDFD-5192-413F-86D7-8D7554755D23}" type="datetimeFigureOut">
               <a:rPr kumimoji="1" lang="ja-JP" altLang="en-US" smtClean="0"/>
-              <a:t>2025/4/9</a:t>
+              <a:t>2025/4/10</a:t>
             </a:fld>
             <a:endParaRPr kumimoji="1" lang="ja-JP" altLang="en-US"/>
           </a:p>
@@ -2000,7 +2167,7 @@
             <a:fld id="{8909EDFD-5192-413F-86D7-8D7554755D23}" type="datetimeFigureOut">
               <a:rPr lang="ja-JP" altLang="en-US" smtClean="0"/>
               <a:pPr/>
-              <a:t>2025/4/9</a:t>
+              <a:t>2025/4/10</a:t>
             </a:fld>
             <a:endParaRPr lang="ja-JP" altLang="en-US"/>
           </a:p>
@@ -2097,6 +2264,41 @@
           </a:p>
         </p:txBody>
       </p:sp>
+      <p:pic>
+        <p:nvPicPr>
+          <p:cNvPr id="8" name="図 7">
+            <a:extLst>
+              <a:ext uri="{FF2B5EF4-FFF2-40B4-BE49-F238E27FC236}">
+                <a16:creationId xmlns:a16="http://schemas.microsoft.com/office/drawing/2014/main" id="{16261374-0440-49D0-B52D-005DE7258D21}"/>
+              </a:ext>
+            </a:extLst>
+          </p:cNvPr>
+          <p:cNvPicPr>
+            <a:picLocks noChangeAspect="1"/>
+          </p:cNvPicPr>
+          <p:nvPr userDrawn="1"/>
+        </p:nvPicPr>
+        <p:blipFill rotWithShape="1">
+          <a:blip r:embed="rId9">
+            <a:extLst>
+              <a:ext uri="{28A0092B-C50C-407E-A947-70E740481C1C}">
+                <a14:useLocalDpi xmlns:a14="http://schemas.microsoft.com/office/drawing/2010/main" val="0"/>
+              </a:ext>
+            </a:extLst>
+          </a:blip>
+          <a:srcRect r="36227" b="10181"/>
+          <a:stretch/>
+        </p:blipFill>
+        <p:spPr>
+          <a:xfrm>
+            <a:off x="10820400" y="4977323"/>
+            <a:ext cx="1143600" cy="1610677"/>
+          </a:xfrm>
+          <a:prstGeom prst="rect">
+            <a:avLst/>
+          </a:prstGeom>
+        </p:spPr>
+      </p:pic>
     </p:spTree>
     <p:extLst>
       <p:ext uri="{BB962C8B-B14F-4D97-AF65-F5344CB8AC3E}">
@@ -2436,36 +2638,9 @@
           <a:lstStyle/>
           <a:p>
             <a:r>
-              <a:rPr lang="ja-JP" altLang="en-US" dirty="0"/>
-              <a:t>企画案２</a:t>
-            </a:r>
-            <a:endParaRPr kumimoji="1" lang="ja-JP" altLang="en-US" dirty="0"/>
-          </a:p>
-        </p:txBody>
-      </p:sp>
-      <p:sp>
-        <p:nvSpPr>
-          <p:cNvPr id="3" name="字幕 2">
-            <a:extLst>
-              <a:ext uri="{FF2B5EF4-FFF2-40B4-BE49-F238E27FC236}">
-                <a16:creationId xmlns:a16="http://schemas.microsoft.com/office/drawing/2014/main" id="{F6E9F641-B868-49A8-AC8E-DC6A972F063C}"/>
-              </a:ext>
-            </a:extLst>
-          </p:cNvPr>
-          <p:cNvSpPr>
-            <a:spLocks noGrp="1"/>
-          </p:cNvSpPr>
-          <p:nvPr>
-            <p:ph type="subTitle" idx="1"/>
-          </p:nvPr>
-        </p:nvSpPr>
-        <p:spPr/>
-        <p:txBody>
-          <a:bodyPr/>
-          <a:lstStyle/>
-          <a:p>
-            <a:pPr algn="l"/>
-            <a:endParaRPr kumimoji="1" lang="ja-JP" altLang="en-US" dirty="0"/>
+              <a:rPr kumimoji="1" lang="ja-JP" altLang="en-US" dirty="0"/>
+              <a:t>それっぽいロゴ</a:t>
+            </a:r>
           </a:p>
         </p:txBody>
       </p:sp>
@@ -3159,6 +3334,61 @@
     <p:extLst>
       <p:ext uri="{BB962C8B-B14F-4D97-AF65-F5344CB8AC3E}">
         <p14:creationId xmlns:p14="http://schemas.microsoft.com/office/powerpoint/2010/main" val="1734843366"/>
+      </p:ext>
+    </p:extLst>
+  </p:cSld>
+  <p:clrMapOvr>
+    <a:masterClrMapping/>
+  </p:clrMapOvr>
+</p:sld>
+</file>
+
+<file path=ppt/slides/slide7.xml><?xml version="1.0" encoding="utf-8"?>
+<p:sld xmlns:a="http://schemas.openxmlformats.org/drawingml/2006/main" xmlns:r="http://schemas.openxmlformats.org/officeDocument/2006/relationships" xmlns:p="http://schemas.openxmlformats.org/presentationml/2006/main">
+  <p:cSld>
+    <p:spTree>
+      <p:nvGrpSpPr>
+        <p:cNvPr id="1" name=""/>
+        <p:cNvGrpSpPr/>
+        <p:nvPr/>
+      </p:nvGrpSpPr>
+      <p:grpSpPr>
+        <a:xfrm>
+          <a:off x="0" y="0"/>
+          <a:ext cx="0" cy="0"/>
+          <a:chOff x="0" y="0"/>
+          <a:chExt cx="0" cy="0"/>
+        </a:xfrm>
+      </p:grpSpPr>
+      <p:sp>
+        <p:nvSpPr>
+          <p:cNvPr id="2" name="タイトル 1">
+            <a:extLst>
+              <a:ext uri="{FF2B5EF4-FFF2-40B4-BE49-F238E27FC236}">
+                <a16:creationId xmlns:a16="http://schemas.microsoft.com/office/drawing/2014/main" id="{F5507A44-8AB6-40EC-81DB-E180B1BC1D8F}"/>
+              </a:ext>
+            </a:extLst>
+          </p:cNvPr>
+          <p:cNvSpPr>
+            <a:spLocks noGrp="1"/>
+          </p:cNvSpPr>
+          <p:nvPr>
+            <p:ph type="title"/>
+          </p:nvPr>
+        </p:nvSpPr>
+        <p:spPr/>
+        <p:txBody>
+          <a:bodyPr/>
+          <a:lstStyle/>
+          <a:p>
+            <a:endParaRPr kumimoji="1" lang="ja-JP" altLang="en-US"/>
+          </a:p>
+        </p:txBody>
+      </p:sp>
+    </p:spTree>
+    <p:extLst>
+      <p:ext uri="{BB962C8B-B14F-4D97-AF65-F5344CB8AC3E}">
+        <p14:creationId xmlns:p14="http://schemas.microsoft.com/office/powerpoint/2010/main" val="3680466502"/>
       </p:ext>
     </p:extLst>
   </p:cSld>

--- a/企画/PowerPoint/企画案２.pptx
+++ b/企画/PowerPoint/企画案２.pptx
@@ -1,11 +1,14 @@
 
 <file path=ppt/presentation.xml><?xml version="1.0" encoding="utf-8"?>
-<p:presentation xmlns:a="http://schemas.openxmlformats.org/drawingml/2006/main" xmlns:r="http://schemas.openxmlformats.org/officeDocument/2006/relationships" xmlns:p="http://schemas.openxmlformats.org/presentationml/2006/main" saveSubsetFonts="1">
+<p:presentation xmlns:a="http://schemas.openxmlformats.org/drawingml/2006/main" xmlns:r="http://schemas.openxmlformats.org/officeDocument/2006/relationships" xmlns:p="http://schemas.openxmlformats.org/presentationml/2006/main" firstSlideNum="0" showSpecialPlsOnTitleSld="0" saveSubsetFonts="1">
   <p:sldMasterIdLst>
     <p:sldMasterId id="2147483648" r:id="rId1"/>
   </p:sldMasterIdLst>
+  <p:notesMasterIdLst>
+    <p:notesMasterId r:id="rId9"/>
+  </p:notesMasterIdLst>
   <p:sldIdLst>
-    <p:sldId id="256" r:id="rId2"/>
+    <p:sldId id="263" r:id="rId2"/>
     <p:sldId id="257" r:id="rId3"/>
     <p:sldId id="258" r:id="rId4"/>
     <p:sldId id="259" r:id="rId5"/>
@@ -118,6 +121,500 @@
 </p:presentation>
 </file>
 
+<file path=ppt/notesMasters/notesMaster1.xml><?xml version="1.0" encoding="utf-8"?>
+<p:notesMaster xmlns:a="http://schemas.openxmlformats.org/drawingml/2006/main" xmlns:r="http://schemas.openxmlformats.org/officeDocument/2006/relationships" xmlns:p="http://schemas.openxmlformats.org/presentationml/2006/main">
+  <p:cSld>
+    <p:bg>
+      <p:bgRef idx="1001">
+        <a:schemeClr val="bg1"/>
+      </p:bgRef>
+    </p:bg>
+    <p:spTree>
+      <p:nvGrpSpPr>
+        <p:cNvPr id="1" name=""/>
+        <p:cNvGrpSpPr/>
+        <p:nvPr/>
+      </p:nvGrpSpPr>
+      <p:grpSpPr>
+        <a:xfrm>
+          <a:off x="0" y="0"/>
+          <a:ext cx="0" cy="0"/>
+          <a:chOff x="0" y="0"/>
+          <a:chExt cx="0" cy="0"/>
+        </a:xfrm>
+      </p:grpSpPr>
+      <p:sp>
+        <p:nvSpPr>
+          <p:cNvPr id="2" name="ヘッダー プレースホルダー 1"/>
+          <p:cNvSpPr>
+            <a:spLocks noGrp="1"/>
+          </p:cNvSpPr>
+          <p:nvPr>
+            <p:ph type="hdr" sz="quarter"/>
+          </p:nvPr>
+        </p:nvSpPr>
+        <p:spPr>
+          <a:xfrm>
+            <a:off x="0" y="0"/>
+            <a:ext cx="2971800" cy="458788"/>
+          </a:xfrm>
+          <a:prstGeom prst="rect">
+            <a:avLst/>
+          </a:prstGeom>
+        </p:spPr>
+        <p:txBody>
+          <a:bodyPr vert="horz" lIns="91440" tIns="45720" rIns="91440" bIns="45720" rtlCol="0"/>
+          <a:lstStyle>
+            <a:lvl1pPr algn="l">
+              <a:defRPr sz="1200"/>
+            </a:lvl1pPr>
+          </a:lstStyle>
+          <a:p>
+            <a:endParaRPr kumimoji="1" lang="ja-JP" altLang="en-US"/>
+          </a:p>
+        </p:txBody>
+      </p:sp>
+      <p:sp>
+        <p:nvSpPr>
+          <p:cNvPr id="3" name="日付プレースホルダー 2"/>
+          <p:cNvSpPr>
+            <a:spLocks noGrp="1"/>
+          </p:cNvSpPr>
+          <p:nvPr>
+            <p:ph type="dt" idx="1"/>
+          </p:nvPr>
+        </p:nvSpPr>
+        <p:spPr>
+          <a:xfrm>
+            <a:off x="3884613" y="0"/>
+            <a:ext cx="2971800" cy="458788"/>
+          </a:xfrm>
+          <a:prstGeom prst="rect">
+            <a:avLst/>
+          </a:prstGeom>
+        </p:spPr>
+        <p:txBody>
+          <a:bodyPr vert="horz" lIns="91440" tIns="45720" rIns="91440" bIns="45720" rtlCol="0"/>
+          <a:lstStyle>
+            <a:lvl1pPr algn="r">
+              <a:defRPr sz="1200"/>
+            </a:lvl1pPr>
+          </a:lstStyle>
+          <a:p>
+            <a:fld id="{5F5F61CF-0E8B-46BF-B851-917FA295F748}" type="datetimeFigureOut">
+              <a:rPr kumimoji="1" lang="ja-JP" altLang="en-US" smtClean="0"/>
+              <a:t>2025/4/11</a:t>
+            </a:fld>
+            <a:endParaRPr kumimoji="1" lang="ja-JP" altLang="en-US"/>
+          </a:p>
+        </p:txBody>
+      </p:sp>
+      <p:sp>
+        <p:nvSpPr>
+          <p:cNvPr id="4" name="スライド イメージ プレースホルダー 3"/>
+          <p:cNvSpPr>
+            <a:spLocks noGrp="1" noRot="1" noChangeAspect="1"/>
+          </p:cNvSpPr>
+          <p:nvPr>
+            <p:ph type="sldImg" idx="2"/>
+          </p:nvPr>
+        </p:nvSpPr>
+        <p:spPr>
+          <a:xfrm>
+            <a:off x="685800" y="1143000"/>
+            <a:ext cx="5486400" cy="3086100"/>
+          </a:xfrm>
+          <a:prstGeom prst="rect">
+            <a:avLst/>
+          </a:prstGeom>
+          <a:noFill/>
+          <a:ln w="12700">
+            <a:solidFill>
+              <a:prstClr val="black"/>
+            </a:solidFill>
+          </a:ln>
+        </p:spPr>
+        <p:txBody>
+          <a:bodyPr vert="horz" lIns="91440" tIns="45720" rIns="91440" bIns="45720" rtlCol="0" anchor="ctr"/>
+          <a:lstStyle/>
+          <a:p>
+            <a:endParaRPr lang="ja-JP" altLang="en-US"/>
+          </a:p>
+        </p:txBody>
+      </p:sp>
+      <p:sp>
+        <p:nvSpPr>
+          <p:cNvPr id="5" name="ノート プレースホルダー 4"/>
+          <p:cNvSpPr>
+            <a:spLocks noGrp="1"/>
+          </p:cNvSpPr>
+          <p:nvPr>
+            <p:ph type="body" sz="quarter" idx="3"/>
+          </p:nvPr>
+        </p:nvSpPr>
+        <p:spPr>
+          <a:xfrm>
+            <a:off x="685800" y="4400550"/>
+            <a:ext cx="5486400" cy="3600450"/>
+          </a:xfrm>
+          <a:prstGeom prst="rect">
+            <a:avLst/>
+          </a:prstGeom>
+        </p:spPr>
+        <p:txBody>
+          <a:bodyPr vert="horz" lIns="91440" tIns="45720" rIns="91440" bIns="45720" rtlCol="0"/>
+          <a:lstStyle/>
+          <a:p>
+            <a:pPr lvl="0"/>
+            <a:r>
+              <a:rPr kumimoji="1" lang="ja-JP" altLang="en-US"/>
+              <a:t>マスター テキストの書式設定</a:t>
+            </a:r>
+          </a:p>
+          <a:p>
+            <a:pPr lvl="1"/>
+            <a:r>
+              <a:rPr kumimoji="1" lang="ja-JP" altLang="en-US"/>
+              <a:t>第 </a:t>
+            </a:r>
+            <a:r>
+              <a:rPr kumimoji="1" lang="en-US" altLang="ja-JP"/>
+              <a:t>2 </a:t>
+            </a:r>
+            <a:r>
+              <a:rPr kumimoji="1" lang="ja-JP" altLang="en-US"/>
+              <a:t>レベル</a:t>
+            </a:r>
+          </a:p>
+          <a:p>
+            <a:pPr lvl="2"/>
+            <a:r>
+              <a:rPr kumimoji="1" lang="ja-JP" altLang="en-US"/>
+              <a:t>第 </a:t>
+            </a:r>
+            <a:r>
+              <a:rPr kumimoji="1" lang="en-US" altLang="ja-JP"/>
+              <a:t>3 </a:t>
+            </a:r>
+            <a:r>
+              <a:rPr kumimoji="1" lang="ja-JP" altLang="en-US"/>
+              <a:t>レベル</a:t>
+            </a:r>
+          </a:p>
+          <a:p>
+            <a:pPr lvl="3"/>
+            <a:r>
+              <a:rPr kumimoji="1" lang="ja-JP" altLang="en-US"/>
+              <a:t>第 </a:t>
+            </a:r>
+            <a:r>
+              <a:rPr kumimoji="1" lang="en-US" altLang="ja-JP"/>
+              <a:t>4 </a:t>
+            </a:r>
+            <a:r>
+              <a:rPr kumimoji="1" lang="ja-JP" altLang="en-US"/>
+              <a:t>レベル</a:t>
+            </a:r>
+          </a:p>
+          <a:p>
+            <a:pPr lvl="4"/>
+            <a:r>
+              <a:rPr kumimoji="1" lang="ja-JP" altLang="en-US"/>
+              <a:t>第 </a:t>
+            </a:r>
+            <a:r>
+              <a:rPr kumimoji="1" lang="en-US" altLang="ja-JP"/>
+              <a:t>5 </a:t>
+            </a:r>
+            <a:r>
+              <a:rPr kumimoji="1" lang="ja-JP" altLang="en-US"/>
+              <a:t>レベル</a:t>
+            </a:r>
+          </a:p>
+        </p:txBody>
+      </p:sp>
+      <p:sp>
+        <p:nvSpPr>
+          <p:cNvPr id="6" name="フッター プレースホルダー 5"/>
+          <p:cNvSpPr>
+            <a:spLocks noGrp="1"/>
+          </p:cNvSpPr>
+          <p:nvPr>
+            <p:ph type="ftr" sz="quarter" idx="4"/>
+          </p:nvPr>
+        </p:nvSpPr>
+        <p:spPr>
+          <a:xfrm>
+            <a:off x="0" y="8685213"/>
+            <a:ext cx="2971800" cy="458787"/>
+          </a:xfrm>
+          <a:prstGeom prst="rect">
+            <a:avLst/>
+          </a:prstGeom>
+        </p:spPr>
+        <p:txBody>
+          <a:bodyPr vert="horz" lIns="91440" tIns="45720" rIns="91440" bIns="45720" rtlCol="0" anchor="b"/>
+          <a:lstStyle>
+            <a:lvl1pPr algn="l">
+              <a:defRPr sz="1200"/>
+            </a:lvl1pPr>
+          </a:lstStyle>
+          <a:p>
+            <a:endParaRPr kumimoji="1" lang="ja-JP" altLang="en-US"/>
+          </a:p>
+        </p:txBody>
+      </p:sp>
+      <p:sp>
+        <p:nvSpPr>
+          <p:cNvPr id="7" name="スライド番号プレースホルダー 6"/>
+          <p:cNvSpPr>
+            <a:spLocks noGrp="1"/>
+          </p:cNvSpPr>
+          <p:nvPr>
+            <p:ph type="sldNum" sz="quarter" idx="5"/>
+          </p:nvPr>
+        </p:nvSpPr>
+        <p:spPr>
+          <a:xfrm>
+            <a:off x="3884613" y="8685213"/>
+            <a:ext cx="2971800" cy="458787"/>
+          </a:xfrm>
+          <a:prstGeom prst="rect">
+            <a:avLst/>
+          </a:prstGeom>
+        </p:spPr>
+        <p:txBody>
+          <a:bodyPr vert="horz" lIns="91440" tIns="45720" rIns="91440" bIns="45720" rtlCol="0" anchor="b"/>
+          <a:lstStyle>
+            <a:lvl1pPr algn="r">
+              <a:defRPr sz="1200"/>
+            </a:lvl1pPr>
+          </a:lstStyle>
+          <a:p>
+            <a:fld id="{38D02DA0-3F72-481A-A6C3-F10341206BF2}" type="slidenum">
+              <a:rPr kumimoji="1" lang="ja-JP" altLang="en-US" smtClean="0"/>
+              <a:t>‹#›</a:t>
+            </a:fld>
+            <a:endParaRPr kumimoji="1" lang="ja-JP" altLang="en-US"/>
+          </a:p>
+        </p:txBody>
+      </p:sp>
+    </p:spTree>
+    <p:extLst>
+      <p:ext uri="{BB962C8B-B14F-4D97-AF65-F5344CB8AC3E}">
+        <p14:creationId xmlns:p14="http://schemas.microsoft.com/office/powerpoint/2010/main" val="3716519255"/>
+      </p:ext>
+    </p:extLst>
+  </p:cSld>
+  <p:clrMap bg1="lt1" tx1="dk1" bg2="lt2" tx2="dk2" accent1="accent1" accent2="accent2" accent3="accent3" accent4="accent4" accent5="accent5" accent6="accent6" hlink="hlink" folHlink="folHlink"/>
+  <p:notesStyle>
+    <a:lvl1pPr marL="0" algn="l" defTabSz="914400" rtl="0" eaLnBrk="1" latinLnBrk="0" hangingPunct="1">
+      <a:defRPr kumimoji="1" sz="1200" kern="1200">
+        <a:solidFill>
+          <a:schemeClr val="tx1"/>
+        </a:solidFill>
+        <a:latin typeface="+mn-lt"/>
+        <a:ea typeface="+mn-ea"/>
+        <a:cs typeface="+mn-cs"/>
+      </a:defRPr>
+    </a:lvl1pPr>
+    <a:lvl2pPr marL="457200" algn="l" defTabSz="914400" rtl="0" eaLnBrk="1" latinLnBrk="0" hangingPunct="1">
+      <a:defRPr kumimoji="1" sz="1200" kern="1200">
+        <a:solidFill>
+          <a:schemeClr val="tx1"/>
+        </a:solidFill>
+        <a:latin typeface="+mn-lt"/>
+        <a:ea typeface="+mn-ea"/>
+        <a:cs typeface="+mn-cs"/>
+      </a:defRPr>
+    </a:lvl2pPr>
+    <a:lvl3pPr marL="914400" algn="l" defTabSz="914400" rtl="0" eaLnBrk="1" latinLnBrk="0" hangingPunct="1">
+      <a:defRPr kumimoji="1" sz="1200" kern="1200">
+        <a:solidFill>
+          <a:schemeClr val="tx1"/>
+        </a:solidFill>
+        <a:latin typeface="+mn-lt"/>
+        <a:ea typeface="+mn-ea"/>
+        <a:cs typeface="+mn-cs"/>
+      </a:defRPr>
+    </a:lvl3pPr>
+    <a:lvl4pPr marL="1371600" algn="l" defTabSz="914400" rtl="0" eaLnBrk="1" latinLnBrk="0" hangingPunct="1">
+      <a:defRPr kumimoji="1" sz="1200" kern="1200">
+        <a:solidFill>
+          <a:schemeClr val="tx1"/>
+        </a:solidFill>
+        <a:latin typeface="+mn-lt"/>
+        <a:ea typeface="+mn-ea"/>
+        <a:cs typeface="+mn-cs"/>
+      </a:defRPr>
+    </a:lvl4pPr>
+    <a:lvl5pPr marL="1828800" algn="l" defTabSz="914400" rtl="0" eaLnBrk="1" latinLnBrk="0" hangingPunct="1">
+      <a:defRPr kumimoji="1" sz="1200" kern="1200">
+        <a:solidFill>
+          <a:schemeClr val="tx1"/>
+        </a:solidFill>
+        <a:latin typeface="+mn-lt"/>
+        <a:ea typeface="+mn-ea"/>
+        <a:cs typeface="+mn-cs"/>
+      </a:defRPr>
+    </a:lvl5pPr>
+    <a:lvl6pPr marL="2286000" algn="l" defTabSz="914400" rtl="0" eaLnBrk="1" latinLnBrk="0" hangingPunct="1">
+      <a:defRPr kumimoji="1" sz="1200" kern="1200">
+        <a:solidFill>
+          <a:schemeClr val="tx1"/>
+        </a:solidFill>
+        <a:latin typeface="+mn-lt"/>
+        <a:ea typeface="+mn-ea"/>
+        <a:cs typeface="+mn-cs"/>
+      </a:defRPr>
+    </a:lvl6pPr>
+    <a:lvl7pPr marL="2743200" algn="l" defTabSz="914400" rtl="0" eaLnBrk="1" latinLnBrk="0" hangingPunct="1">
+      <a:defRPr kumimoji="1" sz="1200" kern="1200">
+        <a:solidFill>
+          <a:schemeClr val="tx1"/>
+        </a:solidFill>
+        <a:latin typeface="+mn-lt"/>
+        <a:ea typeface="+mn-ea"/>
+        <a:cs typeface="+mn-cs"/>
+      </a:defRPr>
+    </a:lvl7pPr>
+    <a:lvl8pPr marL="3200400" algn="l" defTabSz="914400" rtl="0" eaLnBrk="1" latinLnBrk="0" hangingPunct="1">
+      <a:defRPr kumimoji="1" sz="1200" kern="1200">
+        <a:solidFill>
+          <a:schemeClr val="tx1"/>
+        </a:solidFill>
+        <a:latin typeface="+mn-lt"/>
+        <a:ea typeface="+mn-ea"/>
+        <a:cs typeface="+mn-cs"/>
+      </a:defRPr>
+    </a:lvl8pPr>
+    <a:lvl9pPr marL="3657600" algn="l" defTabSz="914400" rtl="0" eaLnBrk="1" latinLnBrk="0" hangingPunct="1">
+      <a:defRPr kumimoji="1" sz="1200" kern="1200">
+        <a:solidFill>
+          <a:schemeClr val="tx1"/>
+        </a:solidFill>
+        <a:latin typeface="+mn-lt"/>
+        <a:ea typeface="+mn-ea"/>
+        <a:cs typeface="+mn-cs"/>
+      </a:defRPr>
+    </a:lvl9pPr>
+  </p:notesStyle>
+</p:notesMaster>
+</file>
+
+<file path=ppt/notesSlides/notesSlide1.xml><?xml version="1.0" encoding="utf-8"?>
+<p:notes xmlns:a="http://schemas.openxmlformats.org/drawingml/2006/main" xmlns:r="http://schemas.openxmlformats.org/officeDocument/2006/relationships" xmlns:p="http://schemas.openxmlformats.org/presentationml/2006/main">
+  <p:cSld>
+    <p:spTree>
+      <p:nvGrpSpPr>
+        <p:cNvPr id="1" name=""/>
+        <p:cNvGrpSpPr/>
+        <p:nvPr/>
+      </p:nvGrpSpPr>
+      <p:grpSpPr>
+        <a:xfrm>
+          <a:off x="0" y="0"/>
+          <a:ext cx="0" cy="0"/>
+          <a:chOff x="0" y="0"/>
+          <a:chExt cx="0" cy="0"/>
+        </a:xfrm>
+      </p:grpSpPr>
+      <p:sp>
+        <p:nvSpPr>
+          <p:cNvPr id="2" name="スライド イメージ プレースホルダー 1"/>
+          <p:cNvSpPr>
+            <a:spLocks noGrp="1" noRot="1" noChangeAspect="1"/>
+          </p:cNvSpPr>
+          <p:nvPr>
+            <p:ph type="sldImg"/>
+          </p:nvPr>
+        </p:nvSpPr>
+        <p:spPr/>
+      </p:sp>
+      <p:sp>
+        <p:nvSpPr>
+          <p:cNvPr id="3" name="ノート プレースホルダー 2"/>
+          <p:cNvSpPr>
+            <a:spLocks noGrp="1"/>
+          </p:cNvSpPr>
+          <p:nvPr>
+            <p:ph type="body" idx="1"/>
+          </p:nvPr>
+        </p:nvSpPr>
+        <p:spPr/>
+        <p:txBody>
+          <a:bodyPr/>
+          <a:lstStyle/>
+          <a:p>
+            <a:pPr marL="0" indent="0">
+              <a:buNone/>
+            </a:pPr>
+            <a:r>
+              <a:rPr kumimoji="1" lang="ja-JP" altLang="en-US" dirty="0"/>
+              <a:t>ジャンル：サンドボックス　　　</a:t>
+            </a:r>
+            <a:endParaRPr kumimoji="1" lang="en-US" altLang="ja-JP" dirty="0"/>
+          </a:p>
+          <a:p>
+            <a:pPr marL="0" indent="0">
+              <a:buNone/>
+            </a:pPr>
+            <a:r>
+              <a:rPr lang="ja-JP" altLang="en-US" dirty="0"/>
+              <a:t>プレイ想定時間：三分サイクル</a:t>
+            </a:r>
+            <a:endParaRPr lang="en-US" altLang="ja-JP" dirty="0"/>
+          </a:p>
+          <a:p>
+            <a:pPr marL="0" indent="0">
+              <a:buNone/>
+            </a:pPr>
+            <a:r>
+              <a:rPr kumimoji="1" lang="ja-JP" altLang="en-US" dirty="0"/>
+              <a:t>プレイ人数：一人</a:t>
+            </a:r>
+          </a:p>
+          <a:p>
+            <a:endParaRPr kumimoji="1" lang="ja-JP" altLang="en-US" dirty="0"/>
+          </a:p>
+        </p:txBody>
+      </p:sp>
+      <p:sp>
+        <p:nvSpPr>
+          <p:cNvPr id="4" name="スライド番号プレースホルダー 3"/>
+          <p:cNvSpPr>
+            <a:spLocks noGrp="1"/>
+          </p:cNvSpPr>
+          <p:nvPr>
+            <p:ph type="sldNum" sz="quarter" idx="5"/>
+          </p:nvPr>
+        </p:nvSpPr>
+        <p:spPr/>
+        <p:txBody>
+          <a:bodyPr/>
+          <a:lstStyle/>
+          <a:p>
+            <a:fld id="{38D02DA0-3F72-481A-A6C3-F10341206BF2}" type="slidenum">
+              <a:rPr kumimoji="1" lang="ja-JP" altLang="en-US" smtClean="0"/>
+              <a:t>1</a:t>
+            </a:fld>
+            <a:endParaRPr kumimoji="1" lang="ja-JP" altLang="en-US"/>
+          </a:p>
+        </p:txBody>
+      </p:sp>
+    </p:spTree>
+    <p:extLst>
+      <p:ext uri="{BB962C8B-B14F-4D97-AF65-F5344CB8AC3E}">
+        <p14:creationId xmlns:p14="http://schemas.microsoft.com/office/powerpoint/2010/main" val="538024424"/>
+      </p:ext>
+    </p:extLst>
+  </p:cSld>
+  <p:clrMapOvr>
+    <a:masterClrMapping/>
+  </p:clrMapOvr>
+</p:notes>
+</file>
+
 <file path=ppt/slideLayouts/slideLayout1.xml><?xml version="1.0" encoding="utf-8"?>
 <p:sldLayout xmlns:a="http://schemas.openxmlformats.org/drawingml/2006/main" xmlns:r="http://schemas.openxmlformats.org/officeDocument/2006/relationships" xmlns:p="http://schemas.openxmlformats.org/presentationml/2006/main" type="title" preserve="1">
   <p:cSld name="タイトル スライド">
@@ -135,58 +632,6 @@
           <a:chExt cx="0" cy="0"/>
         </a:xfrm>
       </p:grpSpPr>
-      <p:sp>
-        <p:nvSpPr>
-          <p:cNvPr id="9" name="楕円 8">
-            <a:extLst>
-              <a:ext uri="{FF2B5EF4-FFF2-40B4-BE49-F238E27FC236}">
-                <a16:creationId xmlns:a16="http://schemas.microsoft.com/office/drawing/2014/main" id="{2DA9A3F4-C39D-49A8-90F1-60B395A95592}"/>
-              </a:ext>
-            </a:extLst>
-          </p:cNvPr>
-          <p:cNvSpPr/>
-          <p:nvPr userDrawn="1"/>
-        </p:nvSpPr>
-        <p:spPr>
-          <a:xfrm>
-            <a:off x="8905240" y="-1125616"/>
-            <a:ext cx="4038600" cy="4038600"/>
-          </a:xfrm>
-          <a:prstGeom prst="ellipse">
-            <a:avLst/>
-          </a:prstGeom>
-          <a:solidFill>
-            <a:srgbClr val="FF0000"/>
-          </a:solidFill>
-        </p:spPr>
-        <p:style>
-          <a:lnRef idx="2">
-            <a:schemeClr val="accent1">
-              <a:shade val="50000"/>
-            </a:schemeClr>
-          </a:lnRef>
-          <a:fillRef idx="1">
-            <a:schemeClr val="accent1"/>
-          </a:fillRef>
-          <a:effectRef idx="0">
-            <a:schemeClr val="accent1"/>
-          </a:effectRef>
-          <a:fontRef idx="minor">
-            <a:schemeClr val="lt1"/>
-          </a:fontRef>
-        </p:style>
-        <p:txBody>
-          <a:bodyPr rtlCol="0" anchor="ctr"/>
-          <a:lstStyle/>
-          <a:p>
-            <a:pPr algn="ctr"/>
-            <a:r>
-              <a:rPr kumimoji="1" lang="ja-JP" altLang="en-US" sz="6400" dirty="0"/>
-              <a:t>仮</a:t>
-            </a:r>
-          </a:p>
-        </p:txBody>
-      </p:sp>
       <p:sp>
         <p:nvSpPr>
           <p:cNvPr id="2" name="タイトル 1">
@@ -350,6 +795,77 @@
       </p:sp>
       <p:pic>
         <p:nvPicPr>
+          <p:cNvPr id="7" name="図 6" descr="グラフ, ヒストグラム&#10;&#10;AI によって生成されたコンテンツは間違っている可能性があります。">
+            <a:extLst>
+              <a:ext uri="{FF2B5EF4-FFF2-40B4-BE49-F238E27FC236}">
+                <a16:creationId xmlns:a16="http://schemas.microsoft.com/office/drawing/2014/main" id="{5FB667A3-354E-D122-33AC-D5E4AF22515A}"/>
+              </a:ext>
+            </a:extLst>
+          </p:cNvPr>
+          <p:cNvPicPr>
+            <a:picLocks noChangeAspect="1"/>
+          </p:cNvPicPr>
+          <p:nvPr userDrawn="1"/>
+        </p:nvPicPr>
+        <p:blipFill>
+          <a:blip r:embed="rId2">
+            <a:extLst>
+              <a:ext uri="{28A0092B-C50C-407E-A947-70E740481C1C}">
+                <a14:useLocalDpi xmlns:a14="http://schemas.microsoft.com/office/drawing/2010/main" val="0"/>
+              </a:ext>
+            </a:extLst>
+          </a:blip>
+          <a:stretch>
+            <a:fillRect/>
+          </a:stretch>
+        </p:blipFill>
+        <p:spPr>
+          <a:xfrm>
+            <a:off x="9811828" y="-466376"/>
+            <a:ext cx="3083943" cy="3083943"/>
+          </a:xfrm>
+          <a:prstGeom prst="rect">
+            <a:avLst/>
+          </a:prstGeom>
+        </p:spPr>
+      </p:pic>
+      <p:pic>
+        <p:nvPicPr>
+          <p:cNvPr id="10" name="図 9">
+            <a:extLst>
+              <a:ext uri="{FF2B5EF4-FFF2-40B4-BE49-F238E27FC236}">
+                <a16:creationId xmlns:a16="http://schemas.microsoft.com/office/drawing/2014/main" id="{D966CA57-9D0F-4964-D001-0394803F2C4C}"/>
+              </a:ext>
+            </a:extLst>
+          </p:cNvPr>
+          <p:cNvPicPr>
+            <a:picLocks noChangeAspect="1"/>
+          </p:cNvPicPr>
+          <p:nvPr userDrawn="1"/>
+        </p:nvPicPr>
+        <p:blipFill>
+          <a:blip r:embed="rId3">
+            <a:extLst>
+              <a:ext uri="{28A0092B-C50C-407E-A947-70E740481C1C}">
+                <a14:useLocalDpi xmlns:a14="http://schemas.microsoft.com/office/drawing/2010/main" val="0"/>
+              </a:ext>
+            </a:extLst>
+          </a:blip>
+          <a:srcRect r="36925" b="11362"/>
+          <a:stretch/>
+        </p:blipFill>
+        <p:spPr>
+          <a:xfrm>
+            <a:off x="10593237" y="4656088"/>
+            <a:ext cx="1388854" cy="1951746"/>
+          </a:xfrm>
+          <a:prstGeom prst="rect">
+            <a:avLst/>
+          </a:prstGeom>
+        </p:spPr>
+      </p:pic>
+      <p:pic>
+        <p:nvPicPr>
           <p:cNvPr id="8" name="図 7">
             <a:extLst>
               <a:ext uri="{FF2B5EF4-FFF2-40B4-BE49-F238E27FC236}">
@@ -363,7 +879,7 @@
           <p:nvPr userDrawn="1"/>
         </p:nvPicPr>
         <p:blipFill rotWithShape="1">
-          <a:blip r:embed="rId2">
+          <a:blip r:embed="rId4">
             <a:extLst>
               <a:ext uri="{28A0092B-C50C-407E-A947-70E740481C1C}">
                 <a14:useLocalDpi xmlns:a14="http://schemas.microsoft.com/office/drawing/2010/main" val="0"/>
@@ -383,6 +899,48 @@
           </a:prstGeom>
         </p:spPr>
       </p:pic>
+      <p:pic>
+        <p:nvPicPr>
+          <p:cNvPr id="11" name="図 10">
+            <a:extLst>
+              <a:ext uri="{FF2B5EF4-FFF2-40B4-BE49-F238E27FC236}">
+                <a16:creationId xmlns:a16="http://schemas.microsoft.com/office/drawing/2014/main" id="{F339597F-EA3F-DF73-CC29-ECE861FC084B}"/>
+              </a:ext>
+            </a:extLst>
+          </p:cNvPr>
+          <p:cNvPicPr>
+            <a:picLocks noChangeAspect="1"/>
+          </p:cNvPicPr>
+          <p:nvPr userDrawn="1"/>
+        </p:nvPicPr>
+        <p:blipFill>
+          <a:blip r:embed="rId3">
+            <a:extLst>
+              <a:ext uri="{28A0092B-C50C-407E-A947-70E740481C1C}">
+                <a14:useLocalDpi xmlns:a14="http://schemas.microsoft.com/office/drawing/2010/main" val="0"/>
+              </a:ext>
+            </a:extLst>
+          </a:blip>
+          <a:srcRect l="-1" r="-99" b="11362"/>
+          <a:stretch/>
+        </p:blipFill>
+        <p:spPr>
+          <a:xfrm>
+            <a:off x="8035817" y="5463118"/>
+            <a:ext cx="1292718" cy="1144715"/>
+          </a:xfrm>
+          <a:prstGeom prst="rect">
+            <a:avLst/>
+          </a:prstGeom>
+          <a:effectLst>
+            <a:outerShdw blurRad="50800" dist="38100" dir="2700000" algn="tl" rotWithShape="0">
+              <a:prstClr val="black">
+                <a:alpha val="40000"/>
+              </a:prstClr>
+            </a:outerShdw>
+          </a:effectLst>
+        </p:spPr>
+      </p:pic>
     </p:spTree>
     <p:extLst>
       <p:ext uri="{BB962C8B-B14F-4D97-AF65-F5344CB8AC3E}">
@@ -393,6 +951,22 @@
   <p:clrMapOvr>
     <a:masterClrMapping/>
   </p:clrMapOvr>
+  <p:extLst>
+    <p:ext uri="{DCECCB84-F9BA-43D5-87BE-67443E8EF086}">
+      <p15:sldGuideLst xmlns:p15="http://schemas.microsoft.com/office/powerpoint/2012/main">
+        <p15:guide id="1" orient="horz" pos="2160" userDrawn="1">
+          <p15:clr>
+            <a:srgbClr val="FBAE40"/>
+          </p15:clr>
+        </p15:guide>
+        <p15:guide id="2" pos="3840" userDrawn="1">
+          <p15:clr>
+            <a:srgbClr val="FBAE40"/>
+          </p15:clr>
+        </p15:guide>
+      </p15:sldGuideLst>
+    </p:ext>
+  </p:extLst>
 </p:sldLayout>
 </file>
 
@@ -551,10 +1125,6 @@
           <a:bodyPr/>
           <a:lstStyle/>
           <a:p>
-            <a:fld id="{8909EDFD-5192-413F-86D7-8D7554755D23}" type="datetimeFigureOut">
-              <a:rPr kumimoji="1" lang="ja-JP" altLang="en-US" smtClean="0"/>
-              <a:t>2025/4/10</a:t>
-            </a:fld>
             <a:endParaRPr kumimoji="1" lang="ja-JP" altLang="en-US"/>
           </a:p>
         </p:txBody>
@@ -613,6 +1183,41 @@
           </a:p>
         </p:txBody>
       </p:sp>
+      <p:pic>
+        <p:nvPicPr>
+          <p:cNvPr id="7" name="図 6">
+            <a:extLst>
+              <a:ext uri="{FF2B5EF4-FFF2-40B4-BE49-F238E27FC236}">
+                <a16:creationId xmlns:a16="http://schemas.microsoft.com/office/drawing/2014/main" id="{2D3FCD48-C691-F0CE-E92A-BBC85A020420}"/>
+              </a:ext>
+            </a:extLst>
+          </p:cNvPr>
+          <p:cNvPicPr>
+            <a:picLocks noChangeAspect="1"/>
+          </p:cNvPicPr>
+          <p:nvPr userDrawn="1"/>
+        </p:nvPicPr>
+        <p:blipFill>
+          <a:blip r:embed="rId2">
+            <a:extLst>
+              <a:ext uri="{28A0092B-C50C-407E-A947-70E740481C1C}">
+                <a14:useLocalDpi xmlns:a14="http://schemas.microsoft.com/office/drawing/2010/main" val="0"/>
+              </a:ext>
+            </a:extLst>
+          </a:blip>
+          <a:srcRect r="36925" b="11362"/>
+          <a:stretch/>
+        </p:blipFill>
+        <p:spPr>
+          <a:xfrm>
+            <a:off x="10593237" y="4656088"/>
+            <a:ext cx="1388854" cy="1951746"/>
+          </a:xfrm>
+          <a:prstGeom prst="rect">
+            <a:avLst/>
+          </a:prstGeom>
+        </p:spPr>
+      </p:pic>
     </p:spTree>
     <p:extLst>
       <p:ext uri="{BB962C8B-B14F-4D97-AF65-F5344CB8AC3E}">
@@ -623,6 +1228,17 @@
   <p:clrMapOvr>
     <a:masterClrMapping/>
   </p:clrMapOvr>
+  <p:extLst>
+    <p:ext uri="{DCECCB84-F9BA-43D5-87BE-67443E8EF086}">
+      <p15:sldGuideLst xmlns:p15="http://schemas.microsoft.com/office/powerpoint/2012/main">
+        <p15:guide id="1" orient="horz" pos="890" userDrawn="1">
+          <p15:clr>
+            <a:srgbClr val="FBAE40"/>
+          </p15:clr>
+        </p15:guide>
+      </p15:sldGuideLst>
+    </p:ext>
+  </p:extLst>
 </p:sldLayout>
 </file>
 
@@ -707,7 +1323,7 @@
         </p:blipFill>
         <p:spPr>
           <a:xfrm>
-            <a:off x="1944546" y="554634"/>
+            <a:off x="1665768" y="554634"/>
             <a:ext cx="1012104" cy="1012104"/>
           </a:xfrm>
           <a:prstGeom prst="rect">
@@ -749,6 +1365,13 @@
           <a:prstGeom prst="rect">
             <a:avLst/>
           </a:prstGeom>
+          <a:effectLst>
+            <a:outerShdw blurRad="50800" dist="38100" dir="2700000" algn="tl" rotWithShape="0">
+              <a:prstClr val="black">
+                <a:alpha val="40000"/>
+              </a:prstClr>
+            </a:outerShdw>
+          </a:effectLst>
         </p:spPr>
       </p:pic>
       <p:sp>
@@ -1111,10 +1734,6 @@
           <a:bodyPr/>
           <a:lstStyle/>
           <a:p>
-            <a:fld id="{8909EDFD-5192-413F-86D7-8D7554755D23}" type="datetimeFigureOut">
-              <a:rPr kumimoji="1" lang="ja-JP" altLang="en-US" smtClean="0"/>
-              <a:t>2025/4/10</a:t>
-            </a:fld>
             <a:endParaRPr kumimoji="1" lang="ja-JP" altLang="en-US"/>
           </a:p>
         </p:txBody>
@@ -1173,6 +1792,41 @@
           </a:p>
         </p:txBody>
       </p:sp>
+      <p:pic>
+        <p:nvPicPr>
+          <p:cNvPr id="8" name="図 7">
+            <a:extLst>
+              <a:ext uri="{FF2B5EF4-FFF2-40B4-BE49-F238E27FC236}">
+                <a16:creationId xmlns:a16="http://schemas.microsoft.com/office/drawing/2014/main" id="{A69D5ECC-6B5C-583C-9995-BA21B90EC53A}"/>
+              </a:ext>
+            </a:extLst>
+          </p:cNvPr>
+          <p:cNvPicPr>
+            <a:picLocks noChangeAspect="1"/>
+          </p:cNvPicPr>
+          <p:nvPr userDrawn="1"/>
+        </p:nvPicPr>
+        <p:blipFill>
+          <a:blip r:embed="rId2">
+            <a:extLst>
+              <a:ext uri="{28A0092B-C50C-407E-A947-70E740481C1C}">
+                <a14:useLocalDpi xmlns:a14="http://schemas.microsoft.com/office/drawing/2010/main" val="0"/>
+              </a:ext>
+            </a:extLst>
+          </a:blip>
+          <a:srcRect r="36925" b="11362"/>
+          <a:stretch/>
+        </p:blipFill>
+        <p:spPr>
+          <a:xfrm>
+            <a:off x="10593237" y="4656088"/>
+            <a:ext cx="1388854" cy="1951746"/>
+          </a:xfrm>
+          <a:prstGeom prst="rect">
+            <a:avLst/>
+          </a:prstGeom>
+        </p:spPr>
+      </p:pic>
     </p:spTree>
     <p:extLst>
       <p:ext uri="{BB962C8B-B14F-4D97-AF65-F5344CB8AC3E}">
@@ -1587,10 +2241,6 @@
           <a:bodyPr/>
           <a:lstStyle/>
           <a:p>
-            <a:fld id="{8909EDFD-5192-413F-86D7-8D7554755D23}" type="datetimeFigureOut">
-              <a:rPr kumimoji="1" lang="ja-JP" altLang="en-US" smtClean="0"/>
-              <a:t>2025/4/10</a:t>
-            </a:fld>
             <a:endParaRPr kumimoji="1" lang="ja-JP" altLang="en-US"/>
           </a:p>
         </p:txBody>
@@ -1649,6 +2299,41 @@
           </a:p>
         </p:txBody>
       </p:sp>
+      <p:pic>
+        <p:nvPicPr>
+          <p:cNvPr id="10" name="図 9">
+            <a:extLst>
+              <a:ext uri="{FF2B5EF4-FFF2-40B4-BE49-F238E27FC236}">
+                <a16:creationId xmlns:a16="http://schemas.microsoft.com/office/drawing/2014/main" id="{3860EE8E-DB9E-ADC6-08B6-9EF2F8CBD217}"/>
+              </a:ext>
+            </a:extLst>
+          </p:cNvPr>
+          <p:cNvPicPr>
+            <a:picLocks noChangeAspect="1"/>
+          </p:cNvPicPr>
+          <p:nvPr userDrawn="1"/>
+        </p:nvPicPr>
+        <p:blipFill>
+          <a:blip r:embed="rId2">
+            <a:extLst>
+              <a:ext uri="{28A0092B-C50C-407E-A947-70E740481C1C}">
+                <a14:useLocalDpi xmlns:a14="http://schemas.microsoft.com/office/drawing/2010/main" val="0"/>
+              </a:ext>
+            </a:extLst>
+          </a:blip>
+          <a:srcRect r="36925" b="11362"/>
+          <a:stretch/>
+        </p:blipFill>
+        <p:spPr>
+          <a:xfrm>
+            <a:off x="10593237" y="4656088"/>
+            <a:ext cx="1388854" cy="1951746"/>
+          </a:xfrm>
+          <a:prstGeom prst="rect">
+            <a:avLst/>
+          </a:prstGeom>
+        </p:spPr>
+      </p:pic>
     </p:spTree>
     <p:extLst>
       <p:ext uri="{BB962C8B-B14F-4D97-AF65-F5344CB8AC3E}">
@@ -1728,10 +2413,6 @@
           <a:bodyPr/>
           <a:lstStyle/>
           <a:p>
-            <a:fld id="{8909EDFD-5192-413F-86D7-8D7554755D23}" type="datetimeFigureOut">
-              <a:rPr kumimoji="1" lang="ja-JP" altLang="en-US" smtClean="0"/>
-              <a:t>2025/4/10</a:t>
-            </a:fld>
             <a:endParaRPr kumimoji="1" lang="ja-JP" altLang="en-US"/>
           </a:p>
         </p:txBody>
@@ -1790,6 +2471,41 @@
           </a:p>
         </p:txBody>
       </p:sp>
+      <p:pic>
+        <p:nvPicPr>
+          <p:cNvPr id="6" name="図 5">
+            <a:extLst>
+              <a:ext uri="{FF2B5EF4-FFF2-40B4-BE49-F238E27FC236}">
+                <a16:creationId xmlns:a16="http://schemas.microsoft.com/office/drawing/2014/main" id="{133C6F88-115E-949E-F193-291745F15F90}"/>
+              </a:ext>
+            </a:extLst>
+          </p:cNvPr>
+          <p:cNvPicPr>
+            <a:picLocks noChangeAspect="1"/>
+          </p:cNvPicPr>
+          <p:nvPr userDrawn="1"/>
+        </p:nvPicPr>
+        <p:blipFill>
+          <a:blip r:embed="rId2">
+            <a:extLst>
+              <a:ext uri="{28A0092B-C50C-407E-A947-70E740481C1C}">
+                <a14:useLocalDpi xmlns:a14="http://schemas.microsoft.com/office/drawing/2010/main" val="0"/>
+              </a:ext>
+            </a:extLst>
+          </a:blip>
+          <a:srcRect r="36925" b="11362"/>
+          <a:stretch/>
+        </p:blipFill>
+        <p:spPr>
+          <a:xfrm>
+            <a:off x="10593237" y="4656088"/>
+            <a:ext cx="1388854" cy="1951746"/>
+          </a:xfrm>
+          <a:prstGeom prst="rect">
+            <a:avLst/>
+          </a:prstGeom>
+        </p:spPr>
+      </p:pic>
     </p:spTree>
     <p:extLst>
       <p:ext uri="{BB962C8B-B14F-4D97-AF65-F5344CB8AC3E}">
@@ -1841,10 +2557,6 @@
           <a:bodyPr/>
           <a:lstStyle/>
           <a:p>
-            <a:fld id="{8909EDFD-5192-413F-86D7-8D7554755D23}" type="datetimeFigureOut">
-              <a:rPr kumimoji="1" lang="ja-JP" altLang="en-US" smtClean="0"/>
-              <a:t>2025/4/10</a:t>
-            </a:fld>
             <a:endParaRPr kumimoji="1" lang="ja-JP" altLang="en-US"/>
           </a:p>
         </p:txBody>
@@ -1903,6 +2615,41 @@
           </a:p>
         </p:txBody>
       </p:sp>
+      <p:pic>
+        <p:nvPicPr>
+          <p:cNvPr id="5" name="図 4">
+            <a:extLst>
+              <a:ext uri="{FF2B5EF4-FFF2-40B4-BE49-F238E27FC236}">
+                <a16:creationId xmlns:a16="http://schemas.microsoft.com/office/drawing/2014/main" id="{57F90DFA-BDEB-27B5-69D6-536DA0727FC9}"/>
+              </a:ext>
+            </a:extLst>
+          </p:cNvPr>
+          <p:cNvPicPr>
+            <a:picLocks noChangeAspect="1"/>
+          </p:cNvPicPr>
+          <p:nvPr userDrawn="1"/>
+        </p:nvPicPr>
+        <p:blipFill>
+          <a:blip r:embed="rId2">
+            <a:extLst>
+              <a:ext uri="{28A0092B-C50C-407E-A947-70E740481C1C}">
+                <a14:useLocalDpi xmlns:a14="http://schemas.microsoft.com/office/drawing/2010/main" val="0"/>
+              </a:ext>
+            </a:extLst>
+          </a:blip>
+          <a:srcRect r="36925" b="11362"/>
+          <a:stretch/>
+        </p:blipFill>
+        <p:spPr>
+          <a:xfrm>
+            <a:off x="10593237" y="4656088"/>
+            <a:ext cx="1388854" cy="1951746"/>
+          </a:xfrm>
+          <a:prstGeom prst="rect">
+            <a:avLst/>
+          </a:prstGeom>
+        </p:spPr>
+      </p:pic>
     </p:spTree>
     <p:extLst>
       <p:ext uri="{BB962C8B-B14F-4D97-AF65-F5344CB8AC3E}">
@@ -1922,7 +2669,7 @@
     <p:bg>
       <p:bgPr>
         <a:solidFill>
-          <a:srgbClr val="54B235"/>
+          <a:srgbClr val="45942C"/>
         </a:solidFill>
         <a:effectLst/>
       </p:bgPr>
@@ -2164,12 +2911,7 @@
             </a:lvl1pPr>
           </a:lstStyle>
           <a:p>
-            <a:fld id="{8909EDFD-5192-413F-86D7-8D7554755D23}" type="datetimeFigureOut">
-              <a:rPr lang="ja-JP" altLang="en-US" smtClean="0"/>
-              <a:pPr/>
-              <a:t>2025/4/10</a:t>
-            </a:fld>
-            <a:endParaRPr lang="ja-JP" altLang="en-US"/>
+            <a:endParaRPr lang="ja-JP" altLang="en-US" dirty="0"/>
           </a:p>
         </p:txBody>
       </p:sp>
@@ -2245,7 +2987,7 @@
           <a:bodyPr vert="horz" lIns="91440" tIns="45720" rIns="91440" bIns="45720" rtlCol="0" anchor="ctr"/>
           <a:lstStyle>
             <a:lvl1pPr algn="r">
-              <a:defRPr sz="1800" b="1">
+              <a:defRPr sz="2400" b="1">
                 <a:solidFill>
                   <a:schemeClr val="tx1">
                     <a:tint val="75000"/>
@@ -2260,45 +3002,10 @@
               <a:pPr/>
               <a:t>‹#›</a:t>
             </a:fld>
-            <a:endParaRPr lang="ja-JP" altLang="en-US"/>
-          </a:p>
-        </p:txBody>
-      </p:sp>
-      <p:pic>
-        <p:nvPicPr>
-          <p:cNvPr id="8" name="図 7">
-            <a:extLst>
-              <a:ext uri="{FF2B5EF4-FFF2-40B4-BE49-F238E27FC236}">
-                <a16:creationId xmlns:a16="http://schemas.microsoft.com/office/drawing/2014/main" id="{16261374-0440-49D0-B52D-005DE7258D21}"/>
-              </a:ext>
-            </a:extLst>
-          </p:cNvPr>
-          <p:cNvPicPr>
-            <a:picLocks noChangeAspect="1"/>
-          </p:cNvPicPr>
-          <p:nvPr userDrawn="1"/>
-        </p:nvPicPr>
-        <p:blipFill rotWithShape="1">
-          <a:blip r:embed="rId9">
-            <a:extLst>
-              <a:ext uri="{28A0092B-C50C-407E-A947-70E740481C1C}">
-                <a14:useLocalDpi xmlns:a14="http://schemas.microsoft.com/office/drawing/2010/main" val="0"/>
-              </a:ext>
-            </a:extLst>
-          </a:blip>
-          <a:srcRect r="36227" b="10181"/>
-          <a:stretch/>
-        </p:blipFill>
-        <p:spPr>
-          <a:xfrm>
-            <a:off x="10820400" y="4977323"/>
-            <a:ext cx="1143600" cy="1610677"/>
-          </a:xfrm>
-          <a:prstGeom prst="rect">
-            <a:avLst/>
-          </a:prstGeom>
-        </p:spPr>
-      </p:pic>
+            <a:endParaRPr lang="ja-JP" altLang="en-US" dirty="0"/>
+          </a:p>
+        </p:txBody>
+      </p:sp>
     </p:spTree>
     <p:extLst>
       <p:ext uri="{BB962C8B-B14F-4D97-AF65-F5344CB8AC3E}">
@@ -2316,6 +3023,7 @@
     <p:sldLayoutId id="2147483654" r:id="rId6"/>
     <p:sldLayoutId id="2147483655" r:id="rId7"/>
   </p:sldLayoutIdLst>
+  <p:hf hdr="0" ftr="0" dt="0"/>
   <p:txStyles>
     <p:titleStyle>
       <a:lvl1pPr algn="l" defTabSz="914400" rtl="0" eaLnBrk="1" latinLnBrk="0" hangingPunct="1">
@@ -2596,6 +3304,22 @@
       </a:lvl9pPr>
     </p:otherStyle>
   </p:txStyles>
+  <p:extLst>
+    <p:ext uri="{27BBF7A9-308A-43DC-89C8-2F10F3537804}">
+      <p15:sldGuideLst xmlns:p15="http://schemas.microsoft.com/office/powerpoint/2012/main">
+        <p15:guide id="1" orient="horz" pos="3884" userDrawn="1">
+          <p15:clr>
+            <a:srgbClr val="F26B43"/>
+          </p15:clr>
+        </p15:guide>
+        <p15:guide id="2" pos="3840" userDrawn="1">
+          <p15:clr>
+            <a:srgbClr val="F26B43"/>
+          </p15:clr>
+        </p15:guide>
+      </p15:sldGuideLst>
+    </p:ext>
+  </p:extLst>
 </p:sldMaster>
 </file>
 
@@ -2621,7 +3345,7 @@
           <p:cNvPr id="2" name="タイトル 1">
             <a:extLst>
               <a:ext uri="{FF2B5EF4-FFF2-40B4-BE49-F238E27FC236}">
-                <a16:creationId xmlns:a16="http://schemas.microsoft.com/office/drawing/2014/main" id="{0D2A2D86-BB45-4D03-86C7-F4C8FCB2532D}"/>
+                <a16:creationId xmlns:a16="http://schemas.microsoft.com/office/drawing/2014/main" id="{0C9ADDE8-296F-7552-9786-7F70BD06F9C9}"/>
               </a:ext>
             </a:extLst>
           </p:cNvPr>
@@ -2638,8 +3362,45 @@
           <a:lstStyle/>
           <a:p>
             <a:r>
+              <a:rPr kumimoji="1" lang="en-US" altLang="ja-JP" dirty="0"/>
+              <a:t>LOGO</a:t>
+            </a:r>
+            <a:r>
               <a:rPr kumimoji="1" lang="ja-JP" altLang="en-US" dirty="0"/>
-              <a:t>それっぽいロゴ</a:t>
+              <a:t>が</a:t>
+            </a:r>
+            <a:r>
+              <a:rPr kumimoji="1" lang="en-US" altLang="ja-JP" dirty="0"/>
+              <a:t>DOOOON</a:t>
+            </a:r>
+            <a:endParaRPr kumimoji="1" lang="ja-JP" altLang="en-US" dirty="0"/>
+          </a:p>
+        </p:txBody>
+      </p:sp>
+      <p:sp>
+        <p:nvSpPr>
+          <p:cNvPr id="3" name="字幕 2">
+            <a:extLst>
+              <a:ext uri="{FF2B5EF4-FFF2-40B4-BE49-F238E27FC236}">
+                <a16:creationId xmlns:a16="http://schemas.microsoft.com/office/drawing/2014/main" id="{E9AD7C3E-BDD0-7559-587C-B0459D497555}"/>
+              </a:ext>
+            </a:extLst>
+          </p:cNvPr>
+          <p:cNvSpPr>
+            <a:spLocks noGrp="1"/>
+          </p:cNvSpPr>
+          <p:nvPr>
+            <p:ph type="subTitle" idx="1"/>
+          </p:nvPr>
+        </p:nvSpPr>
+        <p:spPr/>
+        <p:txBody>
+          <a:bodyPr/>
+          <a:lstStyle/>
+          <a:p>
+            <a:r>
+              <a:rPr kumimoji="1" lang="ja-JP" altLang="en-US" dirty="0"/>
+              <a:t>白井・谷川・石神・河村</a:t>
             </a:r>
           </a:p>
         </p:txBody>
@@ -2647,7 +3408,7 @@
     </p:spTree>
     <p:extLst>
       <p:ext uri="{BB962C8B-B14F-4D97-AF65-F5344CB8AC3E}">
-        <p14:creationId xmlns:p14="http://schemas.microsoft.com/office/powerpoint/2010/main" val="627386895"/>
+        <p14:creationId xmlns:p14="http://schemas.microsoft.com/office/powerpoint/2010/main" val="2197374277"/>
       </p:ext>
     </p:extLst>
   </p:cSld>
@@ -2705,18 +3466,458 @@
       </p:sp>
       <p:sp>
         <p:nvSpPr>
-          <p:cNvPr id="3" name="コンテンツ プレースホルダー 2">
-            <a:extLst>
-              <a:ext uri="{FF2B5EF4-FFF2-40B4-BE49-F238E27FC236}">
-                <a16:creationId xmlns:a16="http://schemas.microsoft.com/office/drawing/2014/main" id="{D2B09133-10C6-4568-BFD2-19E970124F37}"/>
-              </a:ext>
-            </a:extLst>
-          </p:cNvPr>
-          <p:cNvSpPr>
-            <a:spLocks noGrp="1"/>
-          </p:cNvSpPr>
-          <p:nvPr>
-            <p:ph idx="1"/>
+          <p:cNvPr id="6" name="四角形: 角を丸くする 5">
+            <a:extLst>
+              <a:ext uri="{FF2B5EF4-FFF2-40B4-BE49-F238E27FC236}">
+                <a16:creationId xmlns:a16="http://schemas.microsoft.com/office/drawing/2014/main" id="{D2409DE2-83FA-F1B8-6CE0-0525AAC80C81}"/>
+              </a:ext>
+            </a:extLst>
+          </p:cNvPr>
+          <p:cNvSpPr/>
+          <p:nvPr/>
+        </p:nvSpPr>
+        <p:spPr>
+          <a:xfrm>
+            <a:off x="1920836" y="1490662"/>
+            <a:ext cx="1997671" cy="900000"/>
+          </a:xfrm>
+          <a:prstGeom prst="roundRect">
+            <a:avLst/>
+          </a:prstGeom>
+          <a:solidFill>
+            <a:srgbClr val="54B236"/>
+          </a:solidFill>
+        </p:spPr>
+        <p:style>
+          <a:lnRef idx="3">
+            <a:schemeClr val="lt1"/>
+          </a:lnRef>
+          <a:fillRef idx="1">
+            <a:schemeClr val="accent6"/>
+          </a:fillRef>
+          <a:effectRef idx="1">
+            <a:schemeClr val="accent6"/>
+          </a:effectRef>
+          <a:fontRef idx="minor">
+            <a:schemeClr val="lt1"/>
+          </a:fontRef>
+        </p:style>
+        <p:txBody>
+          <a:bodyPr rtlCol="0" anchor="ctr"/>
+          <a:lstStyle/>
+          <a:p>
+            <a:pPr algn="ctr"/>
+            <a:r>
+              <a:rPr kumimoji="1" lang="ja-JP" altLang="en-US" sz="2000" dirty="0"/>
+              <a:t>ジャンル</a:t>
+            </a:r>
+          </a:p>
+        </p:txBody>
+      </p:sp>
+      <p:sp>
+        <p:nvSpPr>
+          <p:cNvPr id="8" name="四角形: 角を丸くする 7">
+            <a:extLst>
+              <a:ext uri="{FF2B5EF4-FFF2-40B4-BE49-F238E27FC236}">
+                <a16:creationId xmlns:a16="http://schemas.microsoft.com/office/drawing/2014/main" id="{AE0C4F7A-F0C7-4DD5-956A-A7E34847DFA1}"/>
+              </a:ext>
+            </a:extLst>
+          </p:cNvPr>
+          <p:cNvSpPr/>
+          <p:nvPr/>
+        </p:nvSpPr>
+        <p:spPr>
+          <a:xfrm>
+            <a:off x="1920836" y="2719931"/>
+            <a:ext cx="1997671" cy="900000"/>
+          </a:xfrm>
+          <a:prstGeom prst="roundRect">
+            <a:avLst/>
+          </a:prstGeom>
+          <a:solidFill>
+            <a:srgbClr val="45942C"/>
+          </a:solidFill>
+        </p:spPr>
+        <p:style>
+          <a:lnRef idx="3">
+            <a:schemeClr val="lt1"/>
+          </a:lnRef>
+          <a:fillRef idx="1">
+            <a:schemeClr val="accent6"/>
+          </a:fillRef>
+          <a:effectRef idx="1">
+            <a:schemeClr val="accent6"/>
+          </a:effectRef>
+          <a:fontRef idx="minor">
+            <a:schemeClr val="lt1"/>
+          </a:fontRef>
+        </p:style>
+        <p:txBody>
+          <a:bodyPr rtlCol="0" anchor="ctr"/>
+          <a:lstStyle/>
+          <a:p>
+            <a:pPr algn="ctr"/>
+            <a:r>
+              <a:rPr kumimoji="1" lang="ja-JP" altLang="en-US" sz="2000" dirty="0"/>
+              <a:t>プレイ人数</a:t>
+            </a:r>
+            <a:endParaRPr kumimoji="1" lang="en-US" altLang="ja-JP" sz="2000" dirty="0"/>
+          </a:p>
+        </p:txBody>
+      </p:sp>
+      <p:sp>
+        <p:nvSpPr>
+          <p:cNvPr id="9" name="四角形: 角を丸くする 8">
+            <a:extLst>
+              <a:ext uri="{FF2B5EF4-FFF2-40B4-BE49-F238E27FC236}">
+                <a16:creationId xmlns:a16="http://schemas.microsoft.com/office/drawing/2014/main" id="{8D44EAA8-903A-9100-A570-D890B36E1166}"/>
+              </a:ext>
+            </a:extLst>
+          </p:cNvPr>
+          <p:cNvSpPr/>
+          <p:nvPr/>
+        </p:nvSpPr>
+        <p:spPr>
+          <a:xfrm>
+            <a:off x="1920836" y="3949200"/>
+            <a:ext cx="1997671" cy="900000"/>
+          </a:xfrm>
+          <a:prstGeom prst="roundRect">
+            <a:avLst/>
+          </a:prstGeom>
+          <a:solidFill>
+            <a:srgbClr val="54B236"/>
+          </a:solidFill>
+        </p:spPr>
+        <p:style>
+          <a:lnRef idx="3">
+            <a:schemeClr val="lt1"/>
+          </a:lnRef>
+          <a:fillRef idx="1">
+            <a:schemeClr val="accent6"/>
+          </a:fillRef>
+          <a:effectRef idx="1">
+            <a:schemeClr val="accent6"/>
+          </a:effectRef>
+          <a:fontRef idx="minor">
+            <a:schemeClr val="lt1"/>
+          </a:fontRef>
+        </p:style>
+        <p:txBody>
+          <a:bodyPr rtlCol="0" anchor="ctr"/>
+          <a:lstStyle/>
+          <a:p>
+            <a:pPr algn="ctr"/>
+            <a:r>
+              <a:rPr kumimoji="1" lang="ja-JP" altLang="en-US" sz="2000" dirty="0"/>
+              <a:t>プラットフォーム</a:t>
+            </a:r>
+            <a:endParaRPr kumimoji="1" lang="en-US" altLang="ja-JP" sz="2000" dirty="0"/>
+          </a:p>
+        </p:txBody>
+      </p:sp>
+      <p:sp>
+        <p:nvSpPr>
+          <p:cNvPr id="10" name="四角形: 角を丸くする 9">
+            <a:extLst>
+              <a:ext uri="{FF2B5EF4-FFF2-40B4-BE49-F238E27FC236}">
+                <a16:creationId xmlns:a16="http://schemas.microsoft.com/office/drawing/2014/main" id="{2CB9889F-D802-8803-16D8-27D0BAB2D4FD}"/>
+              </a:ext>
+            </a:extLst>
+          </p:cNvPr>
+          <p:cNvSpPr/>
+          <p:nvPr/>
+        </p:nvSpPr>
+        <p:spPr>
+          <a:xfrm>
+            <a:off x="1920836" y="5178468"/>
+            <a:ext cx="1997671" cy="900000"/>
+          </a:xfrm>
+          <a:prstGeom prst="roundRect">
+            <a:avLst/>
+          </a:prstGeom>
+          <a:solidFill>
+            <a:srgbClr val="45942C"/>
+          </a:solidFill>
+        </p:spPr>
+        <p:style>
+          <a:lnRef idx="3">
+            <a:schemeClr val="lt1"/>
+          </a:lnRef>
+          <a:fillRef idx="1">
+            <a:schemeClr val="accent6"/>
+          </a:fillRef>
+          <a:effectRef idx="1">
+            <a:schemeClr val="accent6"/>
+          </a:effectRef>
+          <a:fontRef idx="minor">
+            <a:schemeClr val="lt1"/>
+          </a:fontRef>
+        </p:style>
+        <p:txBody>
+          <a:bodyPr rtlCol="0" anchor="ctr"/>
+          <a:lstStyle/>
+          <a:p>
+            <a:pPr algn="ctr"/>
+            <a:r>
+              <a:rPr kumimoji="1" lang="ja-JP" altLang="en-US" sz="2000" dirty="0"/>
+              <a:t>ターゲット</a:t>
+            </a:r>
+            <a:endParaRPr kumimoji="1" lang="en-US" altLang="ja-JP" sz="2000" dirty="0"/>
+          </a:p>
+        </p:txBody>
+      </p:sp>
+      <p:sp>
+        <p:nvSpPr>
+          <p:cNvPr id="12" name="四角形: 角を丸くする 11">
+            <a:extLst>
+              <a:ext uri="{FF2B5EF4-FFF2-40B4-BE49-F238E27FC236}">
+                <a16:creationId xmlns:a16="http://schemas.microsoft.com/office/drawing/2014/main" id="{7380E535-6EF8-9CA1-1BE6-ABCB109E9C68}"/>
+              </a:ext>
+            </a:extLst>
+          </p:cNvPr>
+          <p:cNvSpPr/>
+          <p:nvPr/>
+        </p:nvSpPr>
+        <p:spPr>
+          <a:xfrm>
+            <a:off x="4168913" y="1490662"/>
+            <a:ext cx="6102250" cy="900000"/>
+          </a:xfrm>
+          <a:prstGeom prst="roundRect">
+            <a:avLst/>
+          </a:prstGeom>
+          <a:solidFill>
+            <a:srgbClr val="54B236"/>
+          </a:solidFill>
+        </p:spPr>
+        <p:style>
+          <a:lnRef idx="3">
+            <a:schemeClr val="lt1"/>
+          </a:lnRef>
+          <a:fillRef idx="1">
+            <a:schemeClr val="accent6"/>
+          </a:fillRef>
+          <a:effectRef idx="1">
+            <a:schemeClr val="accent6"/>
+          </a:effectRef>
+          <a:fontRef idx="minor">
+            <a:schemeClr val="lt1"/>
+          </a:fontRef>
+        </p:style>
+        <p:txBody>
+          <a:bodyPr rtlCol="0" anchor="ctr"/>
+          <a:lstStyle/>
+          <a:p>
+            <a:pPr algn="ctr"/>
+            <a:r>
+              <a:rPr kumimoji="1" lang="ja-JP" altLang="en-US" sz="2000" dirty="0"/>
+              <a:t>サンドボックス・アクションサバイバル</a:t>
+            </a:r>
+          </a:p>
+        </p:txBody>
+      </p:sp>
+      <p:sp>
+        <p:nvSpPr>
+          <p:cNvPr id="13" name="四角形: 角を丸くする 12">
+            <a:extLst>
+              <a:ext uri="{FF2B5EF4-FFF2-40B4-BE49-F238E27FC236}">
+                <a16:creationId xmlns:a16="http://schemas.microsoft.com/office/drawing/2014/main" id="{3AE3896E-BF9E-F0BD-2C4B-428C1678A1AD}"/>
+              </a:ext>
+            </a:extLst>
+          </p:cNvPr>
+          <p:cNvSpPr/>
+          <p:nvPr/>
+        </p:nvSpPr>
+        <p:spPr>
+          <a:xfrm>
+            <a:off x="4168913" y="2719931"/>
+            <a:ext cx="6102250" cy="900000"/>
+          </a:xfrm>
+          <a:prstGeom prst="roundRect">
+            <a:avLst/>
+          </a:prstGeom>
+          <a:solidFill>
+            <a:srgbClr val="45942C"/>
+          </a:solidFill>
+        </p:spPr>
+        <p:style>
+          <a:lnRef idx="3">
+            <a:schemeClr val="lt1"/>
+          </a:lnRef>
+          <a:fillRef idx="1">
+            <a:schemeClr val="accent6"/>
+          </a:fillRef>
+          <a:effectRef idx="1">
+            <a:schemeClr val="accent6"/>
+          </a:effectRef>
+          <a:fontRef idx="minor">
+            <a:schemeClr val="lt1"/>
+          </a:fontRef>
+        </p:style>
+        <p:txBody>
+          <a:bodyPr rtlCol="0" anchor="ctr"/>
+          <a:lstStyle/>
+          <a:p>
+            <a:pPr algn="ctr"/>
+            <a:r>
+              <a:rPr kumimoji="1" lang="ja-JP" altLang="en-US" sz="2000" dirty="0"/>
+              <a:t>１人～２人（モードによって異なる）</a:t>
+            </a:r>
+          </a:p>
+        </p:txBody>
+      </p:sp>
+      <p:sp>
+        <p:nvSpPr>
+          <p:cNvPr id="14" name="四角形: 角を丸くする 13">
+            <a:extLst>
+              <a:ext uri="{FF2B5EF4-FFF2-40B4-BE49-F238E27FC236}">
+                <a16:creationId xmlns:a16="http://schemas.microsoft.com/office/drawing/2014/main" id="{2A83D234-C8F6-EB8E-2538-8FF6799840E7}"/>
+              </a:ext>
+            </a:extLst>
+          </p:cNvPr>
+          <p:cNvSpPr/>
+          <p:nvPr/>
+        </p:nvSpPr>
+        <p:spPr>
+          <a:xfrm>
+            <a:off x="4168913" y="3949200"/>
+            <a:ext cx="6102250" cy="900000"/>
+          </a:xfrm>
+          <a:prstGeom prst="roundRect">
+            <a:avLst/>
+          </a:prstGeom>
+          <a:solidFill>
+            <a:srgbClr val="54B236"/>
+          </a:solidFill>
+        </p:spPr>
+        <p:style>
+          <a:lnRef idx="3">
+            <a:schemeClr val="lt1"/>
+          </a:lnRef>
+          <a:fillRef idx="1">
+            <a:schemeClr val="accent6"/>
+          </a:fillRef>
+          <a:effectRef idx="1">
+            <a:schemeClr val="accent6"/>
+          </a:effectRef>
+          <a:fontRef idx="minor">
+            <a:schemeClr val="lt1"/>
+          </a:fontRef>
+        </p:style>
+        <p:txBody>
+          <a:bodyPr rtlCol="0" anchor="ctr"/>
+          <a:lstStyle/>
+          <a:p>
+            <a:pPr algn="ctr"/>
+            <a:r>
+              <a:rPr kumimoji="1" lang="en-US" altLang="ja-JP" sz="2000" dirty="0"/>
+              <a:t>Windows </a:t>
+            </a:r>
+            <a:r>
+              <a:rPr lang="en-US" altLang="ja-JP" sz="2000" dirty="0"/>
+              <a:t>PC</a:t>
+            </a:r>
+            <a:endParaRPr kumimoji="1" lang="ja-JP" altLang="en-US" sz="2000" dirty="0"/>
+          </a:p>
+        </p:txBody>
+      </p:sp>
+      <p:sp>
+        <p:nvSpPr>
+          <p:cNvPr id="15" name="四角形: 角を丸くする 14">
+            <a:extLst>
+              <a:ext uri="{FF2B5EF4-FFF2-40B4-BE49-F238E27FC236}">
+                <a16:creationId xmlns:a16="http://schemas.microsoft.com/office/drawing/2014/main" id="{C0BDF6C2-C929-D094-9170-6076A60DB0E5}"/>
+              </a:ext>
+            </a:extLst>
+          </p:cNvPr>
+          <p:cNvSpPr/>
+          <p:nvPr/>
+        </p:nvSpPr>
+        <p:spPr>
+          <a:xfrm>
+            <a:off x="4168913" y="5178468"/>
+            <a:ext cx="6102250" cy="900000"/>
+          </a:xfrm>
+          <a:prstGeom prst="roundRect">
+            <a:avLst/>
+          </a:prstGeom>
+          <a:solidFill>
+            <a:srgbClr val="45942C"/>
+          </a:solidFill>
+        </p:spPr>
+        <p:style>
+          <a:lnRef idx="3">
+            <a:schemeClr val="lt1"/>
+          </a:lnRef>
+          <a:fillRef idx="1">
+            <a:schemeClr val="accent6"/>
+          </a:fillRef>
+          <a:effectRef idx="1">
+            <a:schemeClr val="accent6"/>
+          </a:effectRef>
+          <a:fontRef idx="minor">
+            <a:schemeClr val="lt1"/>
+          </a:fontRef>
+        </p:style>
+        <p:txBody>
+          <a:bodyPr rtlCol="0" anchor="ctr"/>
+          <a:lstStyle/>
+          <a:p>
+            <a:pPr algn="ctr"/>
+            <a:r>
+              <a:rPr lang="ja-JP" altLang="en-US" sz="2000" dirty="0"/>
+              <a:t>戦略的に協力したいゲーマー（</a:t>
+            </a:r>
+            <a:r>
+              <a:rPr lang="en-US" altLang="ja-JP" sz="2000" dirty="0"/>
+              <a:t>10</a:t>
+            </a:r>
+            <a:r>
+              <a:rPr lang="ja-JP" altLang="en-US" sz="2000" dirty="0"/>
+              <a:t>代</a:t>
+            </a:r>
+            <a:r>
+              <a:rPr lang="en-US" altLang="ja-JP" sz="2000" dirty="0"/>
+              <a:t>~20</a:t>
+            </a:r>
+            <a:r>
+              <a:rPr lang="ja-JP" altLang="en-US" sz="2000" dirty="0"/>
+              <a:t>代）</a:t>
+            </a:r>
+            <a:br>
+              <a:rPr lang="en-US" altLang="ja-JP" sz="2000" dirty="0"/>
+            </a:br>
+            <a:r>
+              <a:rPr lang="ja-JP" altLang="en-US" sz="2000" dirty="0"/>
+              <a:t>時間制限</a:t>
+            </a:r>
+            <a:r>
+              <a:rPr lang="en-US" altLang="ja-JP" sz="2000" dirty="0"/>
+              <a:t>×</a:t>
+            </a:r>
+            <a:r>
+              <a:rPr lang="ja-JP" altLang="en-US" sz="2000" dirty="0"/>
+              <a:t>チーム連携に燃える効率化志向</a:t>
+            </a:r>
+            <a:endParaRPr kumimoji="1" lang="ja-JP" altLang="en-US" sz="2000" dirty="0"/>
+          </a:p>
+        </p:txBody>
+      </p:sp>
+      <p:sp>
+        <p:nvSpPr>
+          <p:cNvPr id="18" name="スライド番号プレースホルダー 17">
+            <a:extLst>
+              <a:ext uri="{FF2B5EF4-FFF2-40B4-BE49-F238E27FC236}">
+                <a16:creationId xmlns:a16="http://schemas.microsoft.com/office/drawing/2014/main" id="{A77A6C28-0455-CFA5-2ED7-0EFF6A407137}"/>
+              </a:ext>
+            </a:extLst>
+          </p:cNvPr>
+          <p:cNvSpPr>
+            <a:spLocks noGrp="1"/>
+          </p:cNvSpPr>
+          <p:nvPr>
+            <p:ph type="sldNum" sz="quarter" idx="12"/>
           </p:nvPr>
         </p:nvSpPr>
         <p:spPr/>
@@ -2724,33 +3925,11 @@
           <a:bodyPr/>
           <a:lstStyle/>
           <a:p>
-            <a:pPr marL="0" indent="0">
-              <a:buNone/>
-            </a:pPr>
-            <a:r>
-              <a:rPr kumimoji="1" lang="ja-JP" altLang="en-US" dirty="0"/>
-              <a:t>ジャンル：サンドボックス　　　</a:t>
-            </a:r>
-            <a:endParaRPr kumimoji="1" lang="en-US" altLang="ja-JP" dirty="0"/>
-          </a:p>
-          <a:p>
-            <a:pPr marL="0" indent="0">
-              <a:buNone/>
-            </a:pPr>
-            <a:r>
-              <a:rPr lang="ja-JP" altLang="en-US" dirty="0"/>
-              <a:t>プレイ想定時間：三分サイクル</a:t>
-            </a:r>
-            <a:endParaRPr lang="en-US" altLang="ja-JP" dirty="0"/>
-          </a:p>
-          <a:p>
-            <a:pPr marL="0" indent="0">
-              <a:buNone/>
-            </a:pPr>
-            <a:r>
-              <a:rPr kumimoji="1" lang="ja-JP" altLang="en-US" dirty="0"/>
-              <a:t>プレイ人数：一人</a:t>
-            </a:r>
+            <a:fld id="{131D73D8-14F5-4D69-99A1-794EA162E220}" type="slidenum">
+              <a:rPr kumimoji="1" lang="ja-JP" altLang="en-US" smtClean="0"/>
+              <a:t>1</a:t>
+            </a:fld>
+            <a:endParaRPr kumimoji="1" lang="ja-JP" altLang="en-US"/>
           </a:p>
         </p:txBody>
       </p:sp>
@@ -2841,6 +4020,116 @@
           </a:p>
         </p:txBody>
       </p:sp>
+      <p:pic>
+        <p:nvPicPr>
+          <p:cNvPr id="5" name="図 4">
+            <a:extLst>
+              <a:ext uri="{FF2B5EF4-FFF2-40B4-BE49-F238E27FC236}">
+                <a16:creationId xmlns:a16="http://schemas.microsoft.com/office/drawing/2014/main" id="{85984AC7-ED54-B6E1-C9EA-F0E93EBD18DD}"/>
+              </a:ext>
+            </a:extLst>
+          </p:cNvPr>
+          <p:cNvPicPr>
+            <a:picLocks noChangeAspect="1"/>
+          </p:cNvPicPr>
+          <p:nvPr/>
+        </p:nvPicPr>
+        <p:blipFill>
+          <a:blip r:embed="rId2">
+            <a:extLst>
+              <a:ext uri="{BEBA8EAE-BF5A-486C-A8C5-ECC9F3942E4B}">
+                <a14:imgProps xmlns:a14="http://schemas.microsoft.com/office/drawing/2010/main">
+                  <a14:imgLayer r:embed="rId3">
+                    <a14:imgEffect>
+                      <a14:backgroundRemoval t="5032" b="95871" l="4906" r="95472">
+                        <a14:foregroundMark x1="10818" y1="14194" x2="48428" y2="11742"/>
+                        <a14:foregroundMark x1="48428" y1="11742" x2="68050" y2="13419"/>
+                        <a14:foregroundMark x1="68050" y1="13419" x2="71195" y2="17032"/>
+                        <a14:foregroundMark x1="78239" y1="28774" x2="84780" y2="16645"/>
+                        <a14:foregroundMark x1="84780" y1="16645" x2="84906" y2="15871"/>
+                        <a14:foregroundMark x1="95472" y1="10968" x2="86038" y2="65548"/>
+                        <a14:foregroundMark x1="86038" y1="65548" x2="81384" y2="73419"/>
+                        <a14:foregroundMark x1="81384" y1="73419" x2="58994" y2="83742"/>
+                        <a14:foregroundMark x1="62642" y1="79484" x2="76855" y2="71484"/>
+                        <a14:foregroundMark x1="84025" y1="67355" x2="88050" y2="66194"/>
+                        <a14:foregroundMark x1="89057" y1="65419" x2="87421" y2="70194"/>
+                        <a14:foregroundMark x1="88679" y1="64387" x2="89057" y2="68258"/>
+                        <a14:foregroundMark x1="89811" y1="63355" x2="90189" y2="68000"/>
+                        <a14:foregroundMark x1="90566" y1="61290" x2="91069" y2="65806"/>
+                        <a14:foregroundMark x1="91195" y1="63355" x2="86667" y2="69806"/>
+                        <a14:foregroundMark x1="86667" y1="69806" x2="55472" y2="87097"/>
+                        <a14:foregroundMark x1="62642" y1="80258" x2="47421" y2="88774"/>
+                        <a14:foregroundMark x1="39245" y1="93032" x2="40755" y2="93935"/>
+                        <a14:foregroundMark x1="10440" y1="60000" x2="9560" y2="16000"/>
+                        <a14:foregroundMark x1="9560" y1="16000" x2="56855" y2="5806"/>
+                        <a14:foregroundMark x1="11698" y1="60387" x2="24151" y2="81161"/>
+                        <a14:foregroundMark x1="24151" y1="81161" x2="30063" y2="85548"/>
+                        <a14:foregroundMark x1="30063" y1="85548" x2="31950" y2="87871"/>
+                        <a14:foregroundMark x1="29811" y1="87484" x2="40629" y2="93161"/>
+                        <a14:foregroundMark x1="42264" y1="93290" x2="36855" y2="95871"/>
+                        <a14:foregroundMark x1="38365" y1="94065" x2="31069" y2="91355"/>
+                        <a14:foregroundMark x1="31069" y1="91355" x2="31069" y2="91355"/>
+                        <a14:foregroundMark x1="10189" y1="10968" x2="23774" y2="11613"/>
+                        <a14:foregroundMark x1="23774" y1="11613" x2="43270" y2="10710"/>
+                        <a14:foregroundMark x1="24151" y1="8516" x2="34717" y2="8645"/>
+                        <a14:foregroundMark x1="34717" y1="8645" x2="45912" y2="8000"/>
+                        <a14:foregroundMark x1="9308" y1="11226" x2="8805" y2="25548"/>
+                        <a14:foregroundMark x1="5157" y1="9161" x2="5031" y2="7871"/>
+                        <a14:foregroundMark x1="40000" y1="6581" x2="55346" y2="5548"/>
+                        <a14:foregroundMark x1="55346" y1="5548" x2="50189" y2="5032"/>
+                      </a14:backgroundRemoval>
+                    </a14:imgEffect>
+                  </a14:imgLayer>
+                </a14:imgProps>
+              </a:ext>
+              <a:ext uri="{28A0092B-C50C-407E-A947-70E740481C1C}">
+                <a14:useLocalDpi xmlns:a14="http://schemas.microsoft.com/office/drawing/2010/main" val="0"/>
+              </a:ext>
+            </a:extLst>
+          </a:blip>
+          <a:stretch>
+            <a:fillRect/>
+          </a:stretch>
+        </p:blipFill>
+        <p:spPr>
+          <a:xfrm>
+            <a:off x="7496175" y="2124302"/>
+            <a:ext cx="3965165" cy="3865412"/>
+          </a:xfrm>
+          <a:prstGeom prst="rect">
+            <a:avLst/>
+          </a:prstGeom>
+        </p:spPr>
+      </p:pic>
+      <p:sp>
+        <p:nvSpPr>
+          <p:cNvPr id="6" name="スライド番号プレースホルダー 5">
+            <a:extLst>
+              <a:ext uri="{FF2B5EF4-FFF2-40B4-BE49-F238E27FC236}">
+                <a16:creationId xmlns:a16="http://schemas.microsoft.com/office/drawing/2014/main" id="{17C72A5D-AC9D-05AF-64F7-CC6E4447873E}"/>
+              </a:ext>
+            </a:extLst>
+          </p:cNvPr>
+          <p:cNvSpPr>
+            <a:spLocks noGrp="1"/>
+          </p:cNvSpPr>
+          <p:nvPr>
+            <p:ph type="sldNum" sz="quarter" idx="12"/>
+          </p:nvPr>
+        </p:nvSpPr>
+        <p:spPr/>
+        <p:txBody>
+          <a:bodyPr/>
+          <a:lstStyle/>
+          <a:p>
+            <a:fld id="{131D73D8-14F5-4D69-99A1-794EA162E220}" type="slidenum">
+              <a:rPr kumimoji="1" lang="ja-JP" altLang="en-US" smtClean="0"/>
+              <a:t>2</a:t>
+            </a:fld>
+            <a:endParaRPr kumimoji="1" lang="ja-JP" altLang="en-US"/>
+          </a:p>
+        </p:txBody>
+      </p:sp>
     </p:spTree>
     <p:extLst>
       <p:ext uri="{BB962C8B-B14F-4D97-AF65-F5344CB8AC3E}">
@@ -2976,6 +4265,35 @@
           </a:p>
         </p:txBody>
       </p:sp>
+      <p:sp>
+        <p:nvSpPr>
+          <p:cNvPr id="4" name="スライド番号プレースホルダー 3">
+            <a:extLst>
+              <a:ext uri="{FF2B5EF4-FFF2-40B4-BE49-F238E27FC236}">
+                <a16:creationId xmlns:a16="http://schemas.microsoft.com/office/drawing/2014/main" id="{F28A0EC6-8368-BFFA-DAD2-7DB37F69A1A2}"/>
+              </a:ext>
+            </a:extLst>
+          </p:cNvPr>
+          <p:cNvSpPr>
+            <a:spLocks noGrp="1"/>
+          </p:cNvSpPr>
+          <p:nvPr>
+            <p:ph type="sldNum" sz="quarter" idx="12"/>
+          </p:nvPr>
+        </p:nvSpPr>
+        <p:spPr/>
+        <p:txBody>
+          <a:bodyPr/>
+          <a:lstStyle/>
+          <a:p>
+            <a:fld id="{131D73D8-14F5-4D69-99A1-794EA162E220}" type="slidenum">
+              <a:rPr kumimoji="1" lang="ja-JP" altLang="en-US" smtClean="0"/>
+              <a:t>3</a:t>
+            </a:fld>
+            <a:endParaRPr kumimoji="1" lang="ja-JP" altLang="en-US"/>
+          </a:p>
+        </p:txBody>
+      </p:sp>
     </p:spTree>
     <p:extLst>
       <p:ext uri="{BB962C8B-B14F-4D97-AF65-F5344CB8AC3E}">
@@ -3095,6 +4413,35 @@
           </a:p>
         </p:txBody>
       </p:sp>
+      <p:sp>
+        <p:nvSpPr>
+          <p:cNvPr id="4" name="スライド番号プレースホルダー 3">
+            <a:extLst>
+              <a:ext uri="{FF2B5EF4-FFF2-40B4-BE49-F238E27FC236}">
+                <a16:creationId xmlns:a16="http://schemas.microsoft.com/office/drawing/2014/main" id="{F02E9AC1-4AD4-7C38-F46D-087C7BC50158}"/>
+              </a:ext>
+            </a:extLst>
+          </p:cNvPr>
+          <p:cNvSpPr>
+            <a:spLocks noGrp="1"/>
+          </p:cNvSpPr>
+          <p:nvPr>
+            <p:ph type="sldNum" sz="quarter" idx="12"/>
+          </p:nvPr>
+        </p:nvSpPr>
+        <p:spPr/>
+        <p:txBody>
+          <a:bodyPr/>
+          <a:lstStyle/>
+          <a:p>
+            <a:fld id="{131D73D8-14F5-4D69-99A1-794EA162E220}" type="slidenum">
+              <a:rPr kumimoji="1" lang="ja-JP" altLang="en-US" smtClean="0"/>
+              <a:t>4</a:t>
+            </a:fld>
+            <a:endParaRPr kumimoji="1" lang="ja-JP" altLang="en-US"/>
+          </a:p>
+        </p:txBody>
+      </p:sp>
     </p:spTree>
     <p:extLst>
       <p:ext uri="{BB962C8B-B14F-4D97-AF65-F5344CB8AC3E}">
@@ -3330,6 +4677,35 @@
           </a:prstGeom>
         </p:spPr>
       </p:pic>
+      <p:sp>
+        <p:nvSpPr>
+          <p:cNvPr id="4" name="スライド番号プレースホルダー 3">
+            <a:extLst>
+              <a:ext uri="{FF2B5EF4-FFF2-40B4-BE49-F238E27FC236}">
+                <a16:creationId xmlns:a16="http://schemas.microsoft.com/office/drawing/2014/main" id="{21E6F544-A794-16E4-6ECA-7CA2F3849546}"/>
+              </a:ext>
+            </a:extLst>
+          </p:cNvPr>
+          <p:cNvSpPr>
+            <a:spLocks noGrp="1"/>
+          </p:cNvSpPr>
+          <p:nvPr>
+            <p:ph type="sldNum" sz="quarter" idx="12"/>
+          </p:nvPr>
+        </p:nvSpPr>
+        <p:spPr/>
+        <p:txBody>
+          <a:bodyPr/>
+          <a:lstStyle/>
+          <a:p>
+            <a:fld id="{131D73D8-14F5-4D69-99A1-794EA162E220}" type="slidenum">
+              <a:rPr kumimoji="1" lang="ja-JP" altLang="en-US" smtClean="0"/>
+              <a:t>5</a:t>
+            </a:fld>
+            <a:endParaRPr kumimoji="1" lang="ja-JP" altLang="en-US"/>
+          </a:p>
+        </p:txBody>
+      </p:sp>
     </p:spTree>
     <p:extLst>
       <p:ext uri="{BB962C8B-B14F-4D97-AF65-F5344CB8AC3E}">
@@ -3439,15 +4815,15 @@
         <a:srgbClr val="954F72"/>
       </a:folHlink>
     </a:clrScheme>
-    <a:fontScheme name="Arial">
+    <a:fontScheme name="Calibri">
       <a:majorFont>
-        <a:latin typeface="Arial" panose="020B0604020202020204"/>
+        <a:latin typeface="Calibri" panose="020F0502020204030204"/>
         <a:ea typeface=""/>
         <a:cs typeface=""/>
-        <a:font script="Jpan" typeface="ＭＳ Ｐゴシック"/>
-        <a:font script="Hang" typeface="굴림"/>
-        <a:font script="Hans" typeface="黑体"/>
-        <a:font script="Hant" typeface="微軟正黑體"/>
+        <a:font script="Jpan" typeface="メイリオ"/>
+        <a:font script="Hang" typeface="맑은 고딕"/>
+        <a:font script="Hans" typeface="宋体"/>
+        <a:font script="Hant" typeface="新細明體"/>
         <a:font script="Arab" typeface="Arial"/>
         <a:font script="Hebr" typeface="Arial"/>
         <a:font script="Thai" typeface="Cordia New"/>
@@ -3471,18 +4847,18 @@
         <a:font script="Laoo" typeface="DokChampa"/>
         <a:font script="Sinh" typeface="Iskoola Pota"/>
         <a:font script="Mong" typeface="Mongolian Baiti"/>
-        <a:font script="Viet" typeface="Arial"/>
+        <a:font script="Viet" typeface="Tahoma"/>
         <a:font script="Uigh" typeface="Microsoft Uighur"/>
         <a:font script="Geor" typeface="Sylfaen"/>
       </a:majorFont>
       <a:minorFont>
-        <a:latin typeface="Arial" panose="020B0604020202020204"/>
+        <a:latin typeface="Calibri" panose="020F0502020204030204"/>
         <a:ea typeface=""/>
         <a:cs typeface=""/>
-        <a:font script="Jpan" typeface="ＭＳ Ｐゴシック"/>
-        <a:font script="Hang" typeface="굴림"/>
-        <a:font script="Hans" typeface="黑体"/>
-        <a:font script="Hant" typeface="微軟正黑體"/>
+        <a:font script="Jpan" typeface="メイリオ"/>
+        <a:font script="Hang" typeface="맑은 고딕"/>
+        <a:font script="Hans" typeface="宋体"/>
+        <a:font script="Hant" typeface="新細明體"/>
         <a:font script="Arab" typeface="Arial"/>
         <a:font script="Hebr" typeface="Arial"/>
         <a:font script="Thai" typeface="Cordia New"/>
@@ -3506,7 +4882,7 @@
         <a:font script="Laoo" typeface="DokChampa"/>
         <a:font script="Sinh" typeface="Iskoola Pota"/>
         <a:font script="Mong" typeface="Mongolian Baiti"/>
-        <a:font script="Viet" typeface="Arial"/>
+        <a:font script="Viet" typeface="Tahoma"/>
         <a:font script="Uigh" typeface="Microsoft Uighur"/>
         <a:font script="Geor" typeface="Sylfaen"/>
       </a:minorFont>
@@ -3657,4 +5033,319 @@
     </a:ext>
   </a:extLst>
 </a:theme>
+</file>
+
+<file path=ppt/theme/theme2.xml><?xml version="1.0" encoding="utf-8"?>
+<a:theme xmlns:a="http://schemas.openxmlformats.org/drawingml/2006/main" name="Office テーマ">
+  <a:themeElements>
+    <a:clrScheme name="Office">
+      <a:dk1>
+        <a:sysClr val="windowText" lastClr="000000"/>
+      </a:dk1>
+      <a:lt1>
+        <a:sysClr val="window" lastClr="FFFFFF"/>
+      </a:lt1>
+      <a:dk2>
+        <a:srgbClr val="0E2841"/>
+      </a:dk2>
+      <a:lt2>
+        <a:srgbClr val="E8E8E8"/>
+      </a:lt2>
+      <a:accent1>
+        <a:srgbClr val="156082"/>
+      </a:accent1>
+      <a:accent2>
+        <a:srgbClr val="E97132"/>
+      </a:accent2>
+      <a:accent3>
+        <a:srgbClr val="196B24"/>
+      </a:accent3>
+      <a:accent4>
+        <a:srgbClr val="0F9ED5"/>
+      </a:accent4>
+      <a:accent5>
+        <a:srgbClr val="A02B93"/>
+      </a:accent5>
+      <a:accent6>
+        <a:srgbClr val="4EA72E"/>
+      </a:accent6>
+      <a:hlink>
+        <a:srgbClr val="467886"/>
+      </a:hlink>
+      <a:folHlink>
+        <a:srgbClr val="96607D"/>
+      </a:folHlink>
+    </a:clrScheme>
+    <a:fontScheme name="Office">
+      <a:majorFont>
+        <a:latin typeface="游ゴシック Light" panose="02110004020202020204"/>
+        <a:ea typeface=""/>
+        <a:cs typeface=""/>
+        <a:font script="Jpan" typeface="游ゴシック Light"/>
+        <a:font script="Hang" typeface="맑은 고딕"/>
+        <a:font script="Hans" typeface="等线 Light"/>
+        <a:font script="Hant" typeface="新細明體"/>
+        <a:font script="Arab" typeface="Times New Roman"/>
+        <a:font script="Hebr" typeface="Times New Roman"/>
+        <a:font script="Thai" typeface="Angsana New"/>
+        <a:font script="Ethi" typeface="Nyala"/>
+        <a:font script="Beng" typeface="Vrinda"/>
+        <a:font script="Gujr" typeface="Shruti"/>
+        <a:font script="Khmr" typeface="MoolBoran"/>
+        <a:font script="Knda" typeface="Tunga"/>
+        <a:font script="Guru" typeface="Raavi"/>
+        <a:font script="Cans" typeface="Euphemia"/>
+        <a:font script="Cher" typeface="Plantagenet Cherokee"/>
+        <a:font script="Yiii" typeface="Microsoft Yi Baiti"/>
+        <a:font script="Tibt" typeface="Microsoft Himalaya"/>
+        <a:font script="Thaa" typeface="MV Boli"/>
+        <a:font script="Deva" typeface="Mangal"/>
+        <a:font script="Telu" typeface="Gautami"/>
+        <a:font script="Taml" typeface="Latha"/>
+        <a:font script="Syrc" typeface="Estrangelo Edessa"/>
+        <a:font script="Orya" typeface="Kalinga"/>
+        <a:font script="Mlym" typeface="Kartika"/>
+        <a:font script="Laoo" typeface="DokChampa"/>
+        <a:font script="Sinh" typeface="Iskoola Pota"/>
+        <a:font script="Mong" typeface="Mongolian Baiti"/>
+        <a:font script="Viet" typeface="Times New Roman"/>
+        <a:font script="Uigh" typeface="Microsoft Uighur"/>
+        <a:font script="Geor" typeface="Sylfaen"/>
+        <a:font script="Armn" typeface="Arial"/>
+        <a:font script="Bugi" typeface="Leelawadee UI"/>
+        <a:font script="Bopo" typeface="Microsoft JhengHei"/>
+        <a:font script="Java" typeface="Javanese Text"/>
+        <a:font script="Lisu" typeface="Segoe UI"/>
+        <a:font script="Mymr" typeface="Myanmar Text"/>
+        <a:font script="Nkoo" typeface="Ebrima"/>
+        <a:font script="Olck" typeface="Nirmala UI"/>
+        <a:font script="Osma" typeface="Ebrima"/>
+        <a:font script="Phag" typeface="Phagspa"/>
+        <a:font script="Syrn" typeface="Estrangelo Edessa"/>
+        <a:font script="Syrj" typeface="Estrangelo Edessa"/>
+        <a:font script="Syre" typeface="Estrangelo Edessa"/>
+        <a:font script="Sora" typeface="Nirmala UI"/>
+        <a:font script="Tale" typeface="Microsoft Tai Le"/>
+        <a:font script="Talu" typeface="Microsoft New Tai Lue"/>
+        <a:font script="Tfng" typeface="Ebrima"/>
+      </a:majorFont>
+      <a:minorFont>
+        <a:latin typeface="游ゴシック" panose="02110004020202020204"/>
+        <a:ea typeface=""/>
+        <a:cs typeface=""/>
+        <a:font script="Jpan" typeface="游ゴシック"/>
+        <a:font script="Hang" typeface="맑은 고딕"/>
+        <a:font script="Hans" typeface="等线"/>
+        <a:font script="Hant" typeface="新細明體"/>
+        <a:font script="Arab" typeface="Arial"/>
+        <a:font script="Hebr" typeface="Arial"/>
+        <a:font script="Thai" typeface="Cordia New"/>
+        <a:font script="Ethi" typeface="Nyala"/>
+        <a:font script="Beng" typeface="Vrinda"/>
+        <a:font script="Gujr" typeface="Shruti"/>
+        <a:font script="Khmr" typeface="DaunPenh"/>
+        <a:font script="Knda" typeface="Tunga"/>
+        <a:font script="Guru" typeface="Raavi"/>
+        <a:font script="Cans" typeface="Euphemia"/>
+        <a:font script="Cher" typeface="Plantagenet Cherokee"/>
+        <a:font script="Yiii" typeface="Microsoft Yi Baiti"/>
+        <a:font script="Tibt" typeface="Microsoft Himalaya"/>
+        <a:font script="Thaa" typeface="MV Boli"/>
+        <a:font script="Deva" typeface="Mangal"/>
+        <a:font script="Telu" typeface="Gautami"/>
+        <a:font script="Taml" typeface="Latha"/>
+        <a:font script="Syrc" typeface="Estrangelo Edessa"/>
+        <a:font script="Orya" typeface="Kalinga"/>
+        <a:font script="Mlym" typeface="Kartika"/>
+        <a:font script="Laoo" typeface="DokChampa"/>
+        <a:font script="Sinh" typeface="Iskoola Pota"/>
+        <a:font script="Mong" typeface="Mongolian Baiti"/>
+        <a:font script="Viet" typeface="Arial"/>
+        <a:font script="Uigh" typeface="Microsoft Uighur"/>
+        <a:font script="Geor" typeface="Sylfaen"/>
+        <a:font script="Armn" typeface="Arial"/>
+        <a:font script="Bugi" typeface="Leelawadee UI"/>
+        <a:font script="Bopo" typeface="Microsoft JhengHei"/>
+        <a:font script="Java" typeface="Javanese Text"/>
+        <a:font script="Lisu" typeface="Segoe UI"/>
+        <a:font script="Mymr" typeface="Myanmar Text"/>
+        <a:font script="Nkoo" typeface="Ebrima"/>
+        <a:font script="Olck" typeface="Nirmala UI"/>
+        <a:font script="Osma" typeface="Ebrima"/>
+        <a:font script="Phag" typeface="Phagspa"/>
+        <a:font script="Syrn" typeface="Estrangelo Edessa"/>
+        <a:font script="Syrj" typeface="Estrangelo Edessa"/>
+        <a:font script="Syre" typeface="Estrangelo Edessa"/>
+        <a:font script="Sora" typeface="Nirmala UI"/>
+        <a:font script="Tale" typeface="Microsoft Tai Le"/>
+        <a:font script="Talu" typeface="Microsoft New Tai Lue"/>
+        <a:font script="Tfng" typeface="Ebrima"/>
+      </a:minorFont>
+    </a:fontScheme>
+    <a:fmtScheme name="Office">
+      <a:fillStyleLst>
+        <a:solidFill>
+          <a:schemeClr val="phClr"/>
+        </a:solidFill>
+        <a:gradFill rotWithShape="1">
+          <a:gsLst>
+            <a:gs pos="0">
+              <a:schemeClr val="phClr">
+                <a:lumMod val="110000"/>
+                <a:satMod val="105000"/>
+                <a:tint val="67000"/>
+              </a:schemeClr>
+            </a:gs>
+            <a:gs pos="50000">
+              <a:schemeClr val="phClr">
+                <a:lumMod val="105000"/>
+                <a:satMod val="103000"/>
+                <a:tint val="73000"/>
+              </a:schemeClr>
+            </a:gs>
+            <a:gs pos="100000">
+              <a:schemeClr val="phClr">
+                <a:lumMod val="105000"/>
+                <a:satMod val="109000"/>
+                <a:tint val="81000"/>
+              </a:schemeClr>
+            </a:gs>
+          </a:gsLst>
+          <a:lin ang="5400000" scaled="0"/>
+        </a:gradFill>
+        <a:gradFill rotWithShape="1">
+          <a:gsLst>
+            <a:gs pos="0">
+              <a:schemeClr val="phClr">
+                <a:satMod val="103000"/>
+                <a:lumMod val="102000"/>
+                <a:tint val="94000"/>
+              </a:schemeClr>
+            </a:gs>
+            <a:gs pos="50000">
+              <a:schemeClr val="phClr">
+                <a:satMod val="110000"/>
+                <a:lumMod val="100000"/>
+                <a:shade val="100000"/>
+              </a:schemeClr>
+            </a:gs>
+            <a:gs pos="100000">
+              <a:schemeClr val="phClr">
+                <a:lumMod val="99000"/>
+                <a:satMod val="120000"/>
+                <a:shade val="78000"/>
+              </a:schemeClr>
+            </a:gs>
+          </a:gsLst>
+          <a:lin ang="5400000" scaled="0"/>
+        </a:gradFill>
+      </a:fillStyleLst>
+      <a:lnStyleLst>
+        <a:ln w="12700" cap="flat" cmpd="sng" algn="ctr">
+          <a:solidFill>
+            <a:schemeClr val="phClr"/>
+          </a:solidFill>
+          <a:prstDash val="solid"/>
+          <a:miter lim="800000"/>
+        </a:ln>
+        <a:ln w="19050" cap="flat" cmpd="sng" algn="ctr">
+          <a:solidFill>
+            <a:schemeClr val="phClr"/>
+          </a:solidFill>
+          <a:prstDash val="solid"/>
+          <a:miter lim="800000"/>
+        </a:ln>
+        <a:ln w="25400" cap="flat" cmpd="sng" algn="ctr">
+          <a:solidFill>
+            <a:schemeClr val="phClr"/>
+          </a:solidFill>
+          <a:prstDash val="solid"/>
+          <a:miter lim="800000"/>
+        </a:ln>
+      </a:lnStyleLst>
+      <a:effectStyleLst>
+        <a:effectStyle>
+          <a:effectLst/>
+        </a:effectStyle>
+        <a:effectStyle>
+          <a:effectLst/>
+        </a:effectStyle>
+        <a:effectStyle>
+          <a:effectLst>
+            <a:outerShdw blurRad="57150" dist="19050" dir="5400000" algn="ctr" rotWithShape="0">
+              <a:srgbClr val="000000">
+                <a:alpha val="63000"/>
+              </a:srgbClr>
+            </a:outerShdw>
+          </a:effectLst>
+        </a:effectStyle>
+      </a:effectStyleLst>
+      <a:bgFillStyleLst>
+        <a:solidFill>
+          <a:schemeClr val="phClr"/>
+        </a:solidFill>
+        <a:solidFill>
+          <a:schemeClr val="phClr">
+            <a:tint val="95000"/>
+            <a:satMod val="170000"/>
+          </a:schemeClr>
+        </a:solidFill>
+        <a:gradFill rotWithShape="1">
+          <a:gsLst>
+            <a:gs pos="0">
+              <a:schemeClr val="phClr">
+                <a:tint val="93000"/>
+                <a:satMod val="150000"/>
+                <a:shade val="98000"/>
+                <a:lumMod val="102000"/>
+              </a:schemeClr>
+            </a:gs>
+            <a:gs pos="50000">
+              <a:schemeClr val="phClr">
+                <a:tint val="98000"/>
+                <a:satMod val="130000"/>
+                <a:shade val="90000"/>
+                <a:lumMod val="103000"/>
+              </a:schemeClr>
+            </a:gs>
+            <a:gs pos="100000">
+              <a:schemeClr val="phClr">
+                <a:shade val="63000"/>
+                <a:satMod val="120000"/>
+              </a:schemeClr>
+            </a:gs>
+          </a:gsLst>
+          <a:lin ang="5400000" scaled="0"/>
+        </a:gradFill>
+      </a:bgFillStyleLst>
+    </a:fmtScheme>
+  </a:themeElements>
+  <a:objectDefaults>
+    <a:lnDef>
+      <a:spPr/>
+      <a:bodyPr/>
+      <a:lstStyle/>
+      <a:style>
+        <a:lnRef idx="2">
+          <a:schemeClr val="accent1"/>
+        </a:lnRef>
+        <a:fillRef idx="0">
+          <a:schemeClr val="accent1"/>
+        </a:fillRef>
+        <a:effectRef idx="1">
+          <a:schemeClr val="accent1"/>
+        </a:effectRef>
+        <a:fontRef idx="minor">
+          <a:schemeClr val="tx1"/>
+        </a:fontRef>
+      </a:style>
+    </a:lnDef>
+  </a:objectDefaults>
+  <a:extraClrSchemeLst/>
+  <a:extLst>
+    <a:ext uri="{05A4C25C-085E-4340-85A3-A5531E510DB2}">
+      <thm15:themeFamily xmlns:thm15="http://schemas.microsoft.com/office/thememl/2012/main" name="Office Theme" id="{2E142A2C-CD16-42D6-873A-C26D2A0506FA}" vid="{1BDDFF52-6CD6-40A5-AB3C-68EB2F1E4D0A}"/>
+    </a:ext>
+  </a:extLst>
+</a:theme>
 </file>
--- a/企画/PowerPoint/企画案２.pptx
+++ b/企画/PowerPoint/企画案２.pptx
@@ -5,16 +5,26 @@
     <p:sldMasterId id="2147483648" r:id="rId1"/>
   </p:sldMasterIdLst>
   <p:notesMasterIdLst>
-    <p:notesMasterId r:id="rId9"/>
+    <p:notesMasterId r:id="rId19"/>
   </p:notesMasterIdLst>
   <p:sldIdLst>
     <p:sldId id="263" r:id="rId2"/>
-    <p:sldId id="257" r:id="rId3"/>
-    <p:sldId id="258" r:id="rId4"/>
-    <p:sldId id="259" r:id="rId5"/>
-    <p:sldId id="260" r:id="rId6"/>
-    <p:sldId id="261" r:id="rId7"/>
-    <p:sldId id="262" r:id="rId8"/>
+    <p:sldId id="265" r:id="rId3"/>
+    <p:sldId id="271" r:id="rId4"/>
+    <p:sldId id="272" r:id="rId5"/>
+    <p:sldId id="257" r:id="rId6"/>
+    <p:sldId id="273" r:id="rId7"/>
+    <p:sldId id="258" r:id="rId8"/>
+    <p:sldId id="259" r:id="rId9"/>
+    <p:sldId id="260" r:id="rId10"/>
+    <p:sldId id="264" r:id="rId11"/>
+    <p:sldId id="267" r:id="rId12"/>
+    <p:sldId id="269" r:id="rId13"/>
+    <p:sldId id="270" r:id="rId14"/>
+    <p:sldId id="274" r:id="rId15"/>
+    <p:sldId id="261" r:id="rId16"/>
+    <p:sldId id="278" r:id="rId17"/>
+    <p:sldId id="279" r:id="rId18"/>
   </p:sldIdLst>
   <p:sldSz cx="12192000" cy="6858000"/>
   <p:notesSz cx="6858000" cy="9144000"/>
@@ -596,7 +606,7 @@
           <a:p>
             <a:fld id="{38D02DA0-3F72-481A-A6C3-F10341206BF2}" type="slidenum">
               <a:rPr kumimoji="1" lang="ja-JP" altLang="en-US" smtClean="0"/>
-              <a:t>1</a:t>
+              <a:t>4</a:t>
             </a:fld>
             <a:endParaRPr kumimoji="1" lang="ja-JP" altLang="en-US"/>
           </a:p>
@@ -606,6 +616,396 @@
     <p:extLst>
       <p:ext uri="{BB962C8B-B14F-4D97-AF65-F5344CB8AC3E}">
         <p14:creationId xmlns:p14="http://schemas.microsoft.com/office/powerpoint/2010/main" val="538024424"/>
+      </p:ext>
+    </p:extLst>
+  </p:cSld>
+  <p:clrMapOvr>
+    <a:masterClrMapping/>
+  </p:clrMapOvr>
+</p:notes>
+</file>
+
+<file path=ppt/notesSlides/notesSlide2.xml><?xml version="1.0" encoding="utf-8"?>
+<p:notes xmlns:a="http://schemas.openxmlformats.org/drawingml/2006/main" xmlns:r="http://schemas.openxmlformats.org/officeDocument/2006/relationships" xmlns:p="http://schemas.openxmlformats.org/presentationml/2006/main">
+  <p:cSld>
+    <p:spTree>
+      <p:nvGrpSpPr>
+        <p:cNvPr id="1" name=""/>
+        <p:cNvGrpSpPr/>
+        <p:nvPr/>
+      </p:nvGrpSpPr>
+      <p:grpSpPr>
+        <a:xfrm>
+          <a:off x="0" y="0"/>
+          <a:ext cx="0" cy="0"/>
+          <a:chOff x="0" y="0"/>
+          <a:chExt cx="0" cy="0"/>
+        </a:xfrm>
+      </p:grpSpPr>
+      <p:sp>
+        <p:nvSpPr>
+          <p:cNvPr id="2" name="スライド イメージ プレースホルダー 1"/>
+          <p:cNvSpPr>
+            <a:spLocks noGrp="1" noRot="1" noChangeAspect="1"/>
+          </p:cNvSpPr>
+          <p:nvPr>
+            <p:ph type="sldImg"/>
+          </p:nvPr>
+        </p:nvSpPr>
+        <p:spPr/>
+      </p:sp>
+      <p:sp>
+        <p:nvSpPr>
+          <p:cNvPr id="3" name="ノート プレースホルダー 2"/>
+          <p:cNvSpPr>
+            <a:spLocks noGrp="1"/>
+          </p:cNvSpPr>
+          <p:nvPr>
+            <p:ph type="body" idx="1"/>
+          </p:nvPr>
+        </p:nvSpPr>
+        <p:spPr/>
+        <p:txBody>
+          <a:bodyPr/>
+          <a:lstStyle/>
+          <a:p>
+            <a:pPr marL="0" indent="0">
+              <a:buNone/>
+            </a:pPr>
+            <a:r>
+              <a:rPr lang="en-US" altLang="ja-JP" dirty="0"/>
+              <a:t>Minecraft</a:t>
+            </a:r>
+            <a:r>
+              <a:rPr lang="ja-JP" altLang="en-US" dirty="0"/>
+              <a:t>：アルゴリズムやボクセルデザインなど </a:t>
+            </a:r>
+            <a:endParaRPr lang="en-US" altLang="ja-JP" dirty="0"/>
+          </a:p>
+          <a:p>
+            <a:pPr marL="0" indent="0">
+              <a:buNone/>
+            </a:pPr>
+            <a:r>
+              <a:rPr lang="en-US" altLang="ja-JP" dirty="0" err="1"/>
+              <a:t>Fortnite</a:t>
+            </a:r>
+            <a:r>
+              <a:rPr lang="ja-JP" altLang="en-US" dirty="0"/>
+              <a:t>：破壊する際の動きなどとして参考に（耐久性） </a:t>
+            </a:r>
+            <a:endParaRPr lang="en-US" altLang="ja-JP" dirty="0"/>
+          </a:p>
+          <a:p>
+            <a:pPr marL="0" indent="0">
+              <a:buNone/>
+            </a:pPr>
+            <a:r>
+              <a:rPr lang="ja-JP" altLang="en-US" dirty="0"/>
+              <a:t>ドラクエビルダーズ：デザイン、</a:t>
+            </a:r>
+            <a:r>
+              <a:rPr lang="en-US" altLang="ja-JP" dirty="0"/>
+              <a:t>Minecraft</a:t>
+            </a:r>
+            <a:r>
+              <a:rPr lang="ja-JP" altLang="en-US" dirty="0"/>
+              <a:t>よりかはこちらに寄せたい 雰囲気はポップな形にしたい。</a:t>
+            </a:r>
+            <a:endParaRPr kumimoji="1" lang="ja-JP" altLang="en-US" dirty="0"/>
+          </a:p>
+          <a:p>
+            <a:endParaRPr kumimoji="1" lang="ja-JP" altLang="en-US" dirty="0"/>
+          </a:p>
+        </p:txBody>
+      </p:sp>
+      <p:sp>
+        <p:nvSpPr>
+          <p:cNvPr id="4" name="スライド番号プレースホルダー 3"/>
+          <p:cNvSpPr>
+            <a:spLocks noGrp="1"/>
+          </p:cNvSpPr>
+          <p:nvPr>
+            <p:ph type="sldNum" sz="quarter" idx="5"/>
+          </p:nvPr>
+        </p:nvSpPr>
+        <p:spPr/>
+        <p:txBody>
+          <a:bodyPr/>
+          <a:lstStyle/>
+          <a:p>
+            <a:fld id="{38D02DA0-3F72-481A-A6C3-F10341206BF2}" type="slidenum">
+              <a:rPr kumimoji="1" lang="ja-JP" altLang="en-US" smtClean="0"/>
+              <a:t>14</a:t>
+            </a:fld>
+            <a:endParaRPr kumimoji="1" lang="ja-JP" altLang="en-US"/>
+          </a:p>
+        </p:txBody>
+      </p:sp>
+    </p:spTree>
+    <p:extLst>
+      <p:ext uri="{BB962C8B-B14F-4D97-AF65-F5344CB8AC3E}">
+        <p14:creationId xmlns:p14="http://schemas.microsoft.com/office/powerpoint/2010/main" val="4110824237"/>
+      </p:ext>
+    </p:extLst>
+  </p:cSld>
+  <p:clrMapOvr>
+    <a:masterClrMapping/>
+  </p:clrMapOvr>
+</p:notes>
+</file>
+
+<file path=ppt/notesSlides/notesSlide3.xml><?xml version="1.0" encoding="utf-8"?>
+<p:notes xmlns:a="http://schemas.openxmlformats.org/drawingml/2006/main" xmlns:r="http://schemas.openxmlformats.org/officeDocument/2006/relationships" xmlns:p="http://schemas.openxmlformats.org/presentationml/2006/main">
+  <p:cSld>
+    <p:spTree>
+      <p:nvGrpSpPr>
+        <p:cNvPr id="1" name=""/>
+        <p:cNvGrpSpPr/>
+        <p:nvPr/>
+      </p:nvGrpSpPr>
+      <p:grpSpPr>
+        <a:xfrm>
+          <a:off x="0" y="0"/>
+          <a:ext cx="0" cy="0"/>
+          <a:chOff x="0" y="0"/>
+          <a:chExt cx="0" cy="0"/>
+        </a:xfrm>
+      </p:grpSpPr>
+      <p:sp>
+        <p:nvSpPr>
+          <p:cNvPr id="2" name="スライド イメージ プレースホルダー 1"/>
+          <p:cNvSpPr>
+            <a:spLocks noGrp="1" noRot="1" noChangeAspect="1"/>
+          </p:cNvSpPr>
+          <p:nvPr>
+            <p:ph type="sldImg"/>
+          </p:nvPr>
+        </p:nvSpPr>
+        <p:spPr/>
+      </p:sp>
+      <p:sp>
+        <p:nvSpPr>
+          <p:cNvPr id="3" name="ノート プレースホルダー 2"/>
+          <p:cNvSpPr>
+            <a:spLocks noGrp="1"/>
+          </p:cNvSpPr>
+          <p:nvPr>
+            <p:ph type="body" idx="1"/>
+          </p:nvPr>
+        </p:nvSpPr>
+        <p:spPr/>
+        <p:txBody>
+          <a:bodyPr/>
+          <a:lstStyle/>
+          <a:p>
+            <a:pPr marL="0" indent="0">
+              <a:buNone/>
+            </a:pPr>
+            <a:r>
+              <a:rPr lang="en-US" altLang="ja-JP" dirty="0"/>
+              <a:t>Minecraft</a:t>
+            </a:r>
+            <a:r>
+              <a:rPr lang="ja-JP" altLang="en-US" dirty="0"/>
+              <a:t>：アルゴリズムやボクセルデザインなど </a:t>
+            </a:r>
+            <a:endParaRPr lang="en-US" altLang="ja-JP" dirty="0"/>
+          </a:p>
+          <a:p>
+            <a:pPr marL="0" indent="0">
+              <a:buNone/>
+            </a:pPr>
+            <a:r>
+              <a:rPr lang="en-US" altLang="ja-JP" dirty="0" err="1"/>
+              <a:t>Fortnite</a:t>
+            </a:r>
+            <a:r>
+              <a:rPr lang="ja-JP" altLang="en-US" dirty="0"/>
+              <a:t>：破壊する際の動きなどとして参考に（耐久性） </a:t>
+            </a:r>
+            <a:endParaRPr lang="en-US" altLang="ja-JP" dirty="0"/>
+          </a:p>
+          <a:p>
+            <a:pPr marL="0" indent="0">
+              <a:buNone/>
+            </a:pPr>
+            <a:r>
+              <a:rPr lang="ja-JP" altLang="en-US" dirty="0"/>
+              <a:t>ドラクエビルダーズ：デザイン、</a:t>
+            </a:r>
+            <a:r>
+              <a:rPr lang="en-US" altLang="ja-JP" dirty="0"/>
+              <a:t>Minecraft</a:t>
+            </a:r>
+            <a:r>
+              <a:rPr lang="ja-JP" altLang="en-US" dirty="0"/>
+              <a:t>よりかはこちらに寄せたい 雰囲気はポップな形にしたい。</a:t>
+            </a:r>
+            <a:endParaRPr kumimoji="1" lang="ja-JP" altLang="en-US" dirty="0"/>
+          </a:p>
+          <a:p>
+            <a:endParaRPr kumimoji="1" lang="ja-JP" altLang="en-US" dirty="0"/>
+          </a:p>
+        </p:txBody>
+      </p:sp>
+      <p:sp>
+        <p:nvSpPr>
+          <p:cNvPr id="4" name="スライド番号プレースホルダー 3"/>
+          <p:cNvSpPr>
+            <a:spLocks noGrp="1"/>
+          </p:cNvSpPr>
+          <p:nvPr>
+            <p:ph type="sldNum" sz="quarter" idx="5"/>
+          </p:nvPr>
+        </p:nvSpPr>
+        <p:spPr/>
+        <p:txBody>
+          <a:bodyPr/>
+          <a:lstStyle/>
+          <a:p>
+            <a:fld id="{38D02DA0-3F72-481A-A6C3-F10341206BF2}" type="slidenum">
+              <a:rPr kumimoji="1" lang="ja-JP" altLang="en-US" smtClean="0"/>
+              <a:t>15</a:t>
+            </a:fld>
+            <a:endParaRPr kumimoji="1" lang="ja-JP" altLang="en-US"/>
+          </a:p>
+        </p:txBody>
+      </p:sp>
+    </p:spTree>
+    <p:extLst>
+      <p:ext uri="{BB962C8B-B14F-4D97-AF65-F5344CB8AC3E}">
+        <p14:creationId xmlns:p14="http://schemas.microsoft.com/office/powerpoint/2010/main" val="1193404201"/>
+      </p:ext>
+    </p:extLst>
+  </p:cSld>
+  <p:clrMapOvr>
+    <a:masterClrMapping/>
+  </p:clrMapOvr>
+</p:notes>
+</file>
+
+<file path=ppt/notesSlides/notesSlide4.xml><?xml version="1.0" encoding="utf-8"?>
+<p:notes xmlns:a="http://schemas.openxmlformats.org/drawingml/2006/main" xmlns:r="http://schemas.openxmlformats.org/officeDocument/2006/relationships" xmlns:p="http://schemas.openxmlformats.org/presentationml/2006/main">
+  <p:cSld>
+    <p:spTree>
+      <p:nvGrpSpPr>
+        <p:cNvPr id="1" name=""/>
+        <p:cNvGrpSpPr/>
+        <p:nvPr/>
+      </p:nvGrpSpPr>
+      <p:grpSpPr>
+        <a:xfrm>
+          <a:off x="0" y="0"/>
+          <a:ext cx="0" cy="0"/>
+          <a:chOff x="0" y="0"/>
+          <a:chExt cx="0" cy="0"/>
+        </a:xfrm>
+      </p:grpSpPr>
+      <p:sp>
+        <p:nvSpPr>
+          <p:cNvPr id="2" name="スライド イメージ プレースホルダー 1"/>
+          <p:cNvSpPr>
+            <a:spLocks noGrp="1" noRot="1" noChangeAspect="1"/>
+          </p:cNvSpPr>
+          <p:nvPr>
+            <p:ph type="sldImg"/>
+          </p:nvPr>
+        </p:nvSpPr>
+        <p:spPr/>
+      </p:sp>
+      <p:sp>
+        <p:nvSpPr>
+          <p:cNvPr id="3" name="ノート プレースホルダー 2"/>
+          <p:cNvSpPr>
+            <a:spLocks noGrp="1"/>
+          </p:cNvSpPr>
+          <p:nvPr>
+            <p:ph type="body" idx="1"/>
+          </p:nvPr>
+        </p:nvSpPr>
+        <p:spPr/>
+        <p:txBody>
+          <a:bodyPr/>
+          <a:lstStyle/>
+          <a:p>
+            <a:pPr marL="0" indent="0">
+              <a:buNone/>
+            </a:pPr>
+            <a:r>
+              <a:rPr lang="en-US" altLang="ja-JP" dirty="0"/>
+              <a:t>Minecraft</a:t>
+            </a:r>
+            <a:r>
+              <a:rPr lang="ja-JP" altLang="en-US" dirty="0"/>
+              <a:t>：アルゴリズムやボクセルデザインなど </a:t>
+            </a:r>
+            <a:endParaRPr lang="en-US" altLang="ja-JP" dirty="0"/>
+          </a:p>
+          <a:p>
+            <a:pPr marL="0" indent="0">
+              <a:buNone/>
+            </a:pPr>
+            <a:r>
+              <a:rPr lang="en-US" altLang="ja-JP" dirty="0" err="1"/>
+              <a:t>Fortnite</a:t>
+            </a:r>
+            <a:r>
+              <a:rPr lang="ja-JP" altLang="en-US" dirty="0"/>
+              <a:t>：破壊する際の動きなどとして参考に（耐久性） </a:t>
+            </a:r>
+            <a:endParaRPr lang="en-US" altLang="ja-JP" dirty="0"/>
+          </a:p>
+          <a:p>
+            <a:pPr marL="0" indent="0">
+              <a:buNone/>
+            </a:pPr>
+            <a:r>
+              <a:rPr lang="ja-JP" altLang="en-US" dirty="0"/>
+              <a:t>ドラクエビルダーズ：デザイン、</a:t>
+            </a:r>
+            <a:r>
+              <a:rPr lang="en-US" altLang="ja-JP" dirty="0"/>
+              <a:t>Minecraft</a:t>
+            </a:r>
+            <a:r>
+              <a:rPr lang="ja-JP" altLang="en-US" dirty="0"/>
+              <a:t>よりかはこちらに寄せたい 雰囲気はポップな形にしたい。</a:t>
+            </a:r>
+            <a:endParaRPr kumimoji="1" lang="ja-JP" altLang="en-US" dirty="0"/>
+          </a:p>
+          <a:p>
+            <a:endParaRPr kumimoji="1" lang="ja-JP" altLang="en-US" dirty="0"/>
+          </a:p>
+        </p:txBody>
+      </p:sp>
+      <p:sp>
+        <p:nvSpPr>
+          <p:cNvPr id="4" name="スライド番号プレースホルダー 3"/>
+          <p:cNvSpPr>
+            <a:spLocks noGrp="1"/>
+          </p:cNvSpPr>
+          <p:nvPr>
+            <p:ph type="sldNum" sz="quarter" idx="5"/>
+          </p:nvPr>
+        </p:nvSpPr>
+        <p:spPr/>
+        <p:txBody>
+          <a:bodyPr/>
+          <a:lstStyle/>
+          <a:p>
+            <a:fld id="{38D02DA0-3F72-481A-A6C3-F10341206BF2}" type="slidenum">
+              <a:rPr kumimoji="1" lang="ja-JP" altLang="en-US" smtClean="0"/>
+              <a:t>16</a:t>
+            </a:fld>
+            <a:endParaRPr kumimoji="1" lang="ja-JP" altLang="en-US"/>
+          </a:p>
+        </p:txBody>
+      </p:sp>
+    </p:spTree>
+    <p:extLst>
+      <p:ext uri="{BB962C8B-B14F-4D97-AF65-F5344CB8AC3E}">
+        <p14:creationId xmlns:p14="http://schemas.microsoft.com/office/powerpoint/2010/main" val="2184754100"/>
       </p:ext>
     </p:extLst>
   </p:cSld>
@@ -1228,7 +1628,7 @@
   <p:clrMapOvr>
     <a:masterClrMapping/>
   </p:clrMapOvr>
-  <p:extLst>
+  <p:extLst mod="1">
     <p:ext uri="{DCECCB84-F9BA-43D5-87BE-67443E8EF086}">
       <p15:sldGuideLst xmlns:p15="http://schemas.microsoft.com/office/powerpoint/2012/main">
         <p15:guide id="1" orient="horz" pos="890" userDrawn="1">
@@ -1395,7 +1795,7 @@
             <a:avLst/>
           </a:prstGeom>
           <a:solidFill>
-            <a:srgbClr val="54B235"/>
+            <a:srgbClr val="4CA331"/>
           </a:solidFill>
           <a:ln>
             <a:noFill/>
@@ -2669,7 +3069,7 @@
     <p:bg>
       <p:bgPr>
         <a:solidFill>
-          <a:srgbClr val="45942C"/>
+          <a:srgbClr val="4CA331"/>
         </a:solidFill>
         <a:effectLst/>
       </p:bgPr>
@@ -2890,7 +3290,7 @@
         </p:nvSpPr>
         <p:spPr>
           <a:xfrm>
-            <a:off x="838200" y="6176963"/>
+            <a:off x="838200" y="6269563"/>
             <a:ext cx="2743200" cy="365125"/>
           </a:xfrm>
           <a:prstGeom prst="rect">
@@ -2933,7 +3333,7 @@
         </p:nvSpPr>
         <p:spPr>
           <a:xfrm>
-            <a:off x="4038600" y="6176963"/>
+            <a:off x="4038600" y="6269563"/>
             <a:ext cx="4114800" cy="365125"/>
           </a:xfrm>
           <a:prstGeom prst="rect">
@@ -2976,7 +3376,7 @@
         </p:nvSpPr>
         <p:spPr>
           <a:xfrm>
-            <a:off x="8610600" y="6176963"/>
+            <a:off x="8610600" y="6269563"/>
             <a:ext cx="2743200" cy="365125"/>
           </a:xfrm>
           <a:prstGeom prst="rect">
@@ -3023,7 +3423,7 @@
     <p:sldLayoutId id="2147483654" r:id="rId6"/>
     <p:sldLayoutId id="2147483655" r:id="rId7"/>
   </p:sldLayoutIdLst>
-  <p:hf hdr="0" ftr="0" dt="0"/>
+  <p:hf sldNum="0" hdr="0" ftr="0" dt="0"/>
   <p:txStyles>
     <p:titleStyle>
       <a:lvl1pPr algn="l" defTabSz="914400" rtl="0" eaLnBrk="1" latinLnBrk="0" hangingPunct="1">
@@ -3304,7 +3704,7 @@
       </a:lvl9pPr>
     </p:otherStyle>
   </p:txStyles>
-  <p:extLst>
+  <p:extLst mod="1">
     <p:ext uri="{27BBF7A9-308A-43DC-89C8-2F10F3537804}">
       <p15:sldGuideLst xmlns:p15="http://schemas.microsoft.com/office/powerpoint/2012/main">
         <p15:guide id="1" orient="horz" pos="3884" userDrawn="1">
@@ -3418,7 +3818,1330 @@
 </p:sld>
 </file>
 
+<file path=ppt/slides/slide10.xml><?xml version="1.0" encoding="utf-8"?>
+<p:sld xmlns:a="http://schemas.openxmlformats.org/drawingml/2006/main" xmlns:r="http://schemas.openxmlformats.org/officeDocument/2006/relationships" xmlns:p="http://schemas.openxmlformats.org/presentationml/2006/main">
+  <p:cSld>
+    <p:spTree>
+      <p:nvGrpSpPr>
+        <p:cNvPr id="1" name=""/>
+        <p:cNvGrpSpPr/>
+        <p:nvPr/>
+      </p:nvGrpSpPr>
+      <p:grpSpPr>
+        <a:xfrm>
+          <a:off x="0" y="0"/>
+          <a:ext cx="0" cy="0"/>
+          <a:chOff x="0" y="0"/>
+          <a:chExt cx="0" cy="0"/>
+        </a:xfrm>
+      </p:grpSpPr>
+      <p:sp>
+        <p:nvSpPr>
+          <p:cNvPr id="2" name="タイトル 1">
+            <a:extLst>
+              <a:ext uri="{FF2B5EF4-FFF2-40B4-BE49-F238E27FC236}">
+                <a16:creationId xmlns:a16="http://schemas.microsoft.com/office/drawing/2014/main" id="{E717F422-584C-42C6-BC20-B141BAB2C6BD}"/>
+              </a:ext>
+            </a:extLst>
+          </p:cNvPr>
+          <p:cNvSpPr>
+            <a:spLocks noGrp="1"/>
+          </p:cNvSpPr>
+          <p:nvPr>
+            <p:ph type="title"/>
+          </p:nvPr>
+        </p:nvSpPr>
+        <p:spPr/>
+        <p:txBody>
+          <a:bodyPr/>
+          <a:lstStyle/>
+          <a:p>
+            <a:r>
+              <a:rPr kumimoji="1" lang="ja-JP" altLang="en-US" dirty="0"/>
+              <a:t>技術ポイント</a:t>
+            </a:r>
+          </a:p>
+        </p:txBody>
+      </p:sp>
+    </p:spTree>
+    <p:extLst>
+      <p:ext uri="{BB962C8B-B14F-4D97-AF65-F5344CB8AC3E}">
+        <p14:creationId xmlns:p14="http://schemas.microsoft.com/office/powerpoint/2010/main" val="1070738521"/>
+      </p:ext>
+    </p:extLst>
+  </p:cSld>
+  <p:clrMapOvr>
+    <a:masterClrMapping/>
+  </p:clrMapOvr>
+  <p:transition spd="slow">
+    <p:push dir="u"/>
+  </p:transition>
+</p:sld>
+</file>
+
+<file path=ppt/slides/slide11.xml><?xml version="1.0" encoding="utf-8"?>
+<p:sld xmlns:a="http://schemas.openxmlformats.org/drawingml/2006/main" xmlns:r="http://schemas.openxmlformats.org/officeDocument/2006/relationships" xmlns:p="http://schemas.openxmlformats.org/presentationml/2006/main">
+  <p:cSld>
+    <p:spTree>
+      <p:nvGrpSpPr>
+        <p:cNvPr id="1" name=""/>
+        <p:cNvGrpSpPr/>
+        <p:nvPr/>
+      </p:nvGrpSpPr>
+      <p:grpSpPr>
+        <a:xfrm>
+          <a:off x="0" y="0"/>
+          <a:ext cx="0" cy="0"/>
+          <a:chOff x="0" y="0"/>
+          <a:chExt cx="0" cy="0"/>
+        </a:xfrm>
+      </p:grpSpPr>
+      <p:sp>
+        <p:nvSpPr>
+          <p:cNvPr id="2" name="タイトル 1">
+            <a:extLst>
+              <a:ext uri="{FF2B5EF4-FFF2-40B4-BE49-F238E27FC236}">
+                <a16:creationId xmlns:a16="http://schemas.microsoft.com/office/drawing/2014/main" id="{8771D084-7BBA-4726-9DF5-118520A53DEC}"/>
+              </a:ext>
+            </a:extLst>
+          </p:cNvPr>
+          <p:cNvSpPr>
+            <a:spLocks noGrp="1"/>
+          </p:cNvSpPr>
+          <p:nvPr>
+            <p:ph type="title"/>
+          </p:nvPr>
+        </p:nvSpPr>
+        <p:spPr/>
+        <p:txBody>
+          <a:bodyPr/>
+          <a:lstStyle/>
+          <a:p>
+            <a:pPr algn="ctr"/>
+            <a:r>
+              <a:rPr kumimoji="1" lang="ja-JP" altLang="en-US" dirty="0"/>
+              <a:t>地形生成用アルゴリズム</a:t>
+            </a:r>
+          </a:p>
+        </p:txBody>
+      </p:sp>
+      <p:sp>
+        <p:nvSpPr>
+          <p:cNvPr id="8" name="テキスト ボックス 7">
+            <a:extLst>
+              <a:ext uri="{FF2B5EF4-FFF2-40B4-BE49-F238E27FC236}">
+                <a16:creationId xmlns:a16="http://schemas.microsoft.com/office/drawing/2014/main" id="{A0F4528A-D7B6-447E-AAE0-8C59A0087914}"/>
+              </a:ext>
+            </a:extLst>
+          </p:cNvPr>
+          <p:cNvSpPr txBox="1"/>
+          <p:nvPr/>
+        </p:nvSpPr>
+        <p:spPr>
+          <a:xfrm>
+            <a:off x="838200" y="1690688"/>
+            <a:ext cx="6225702" cy="523220"/>
+          </a:xfrm>
+          <a:prstGeom prst="rect">
+            <a:avLst/>
+          </a:prstGeom>
+          <a:noFill/>
+        </p:spPr>
+        <p:txBody>
+          <a:bodyPr wrap="square" rtlCol="0">
+            <a:spAutoFit/>
+          </a:bodyPr>
+          <a:lstStyle/>
+          <a:p>
+            <a:r>
+              <a:rPr lang="en-US" altLang="ja-JP" sz="2800" dirty="0"/>
+              <a:t>Noise</a:t>
+            </a:r>
+            <a:r>
+              <a:rPr lang="ja-JP" altLang="en-US" sz="2800" dirty="0"/>
+              <a:t>（通常のノイズ）</a:t>
+            </a:r>
+            <a:endParaRPr kumimoji="1" lang="ja-JP" altLang="en-US" sz="2800" dirty="0"/>
+          </a:p>
+        </p:txBody>
+      </p:sp>
+      <p:sp>
+        <p:nvSpPr>
+          <p:cNvPr id="11" name="テキスト ボックス 10">
+            <a:extLst>
+              <a:ext uri="{FF2B5EF4-FFF2-40B4-BE49-F238E27FC236}">
+                <a16:creationId xmlns:a16="http://schemas.microsoft.com/office/drawing/2014/main" id="{D05E19D4-B3FC-4679-9D4C-9B5A51AEEB84}"/>
+              </a:ext>
+            </a:extLst>
+          </p:cNvPr>
+          <p:cNvSpPr txBox="1"/>
+          <p:nvPr/>
+        </p:nvSpPr>
+        <p:spPr>
+          <a:xfrm>
+            <a:off x="838200" y="2631530"/>
+            <a:ext cx="10301748" cy="2677656"/>
+          </a:xfrm>
+          <a:prstGeom prst="rect">
+            <a:avLst/>
+          </a:prstGeom>
+          <a:noFill/>
+        </p:spPr>
+        <p:txBody>
+          <a:bodyPr wrap="square" rtlCol="0">
+            <a:spAutoFit/>
+          </a:bodyPr>
+          <a:lstStyle/>
+          <a:p>
+            <a:r>
+              <a:rPr lang="ja-JP" altLang="en-US" sz="2800" dirty="0"/>
+              <a:t>完全にランダムで</a:t>
+            </a:r>
+            <a:br>
+              <a:rPr lang="en-US" altLang="ja-JP" sz="2800" dirty="0"/>
+            </a:br>
+            <a:r>
+              <a:rPr lang="ja-JP" altLang="en-US" sz="2800" dirty="0"/>
+              <a:t>隣同士に関連性がない</a:t>
+            </a:r>
+            <a:br>
+              <a:rPr lang="en-US" altLang="ja-JP" sz="2800" dirty="0"/>
+            </a:br>
+            <a:br>
+              <a:rPr lang="en-US" altLang="ja-JP" sz="2800" dirty="0"/>
+            </a:br>
+            <a:r>
+              <a:rPr lang="ja-JP" altLang="en-US" sz="2800" dirty="0"/>
+              <a:t>不自然な点の集合体</a:t>
+            </a:r>
+            <a:br>
+              <a:rPr lang="en-US" altLang="ja-JP" sz="2800" dirty="0"/>
+            </a:br>
+            <a:br>
+              <a:rPr lang="en-US" altLang="ja-JP" sz="2800" dirty="0"/>
+            </a:br>
+            <a:r>
+              <a:rPr lang="ja-JP" altLang="en-US" sz="2800" dirty="0"/>
+              <a:t>例：テレビの砂嵐など</a:t>
+            </a:r>
+            <a:endParaRPr lang="en-US" altLang="ja-JP" sz="2800" dirty="0"/>
+          </a:p>
+        </p:txBody>
+      </p:sp>
+      <p:pic>
+        <p:nvPicPr>
+          <p:cNvPr id="3074" name="Picture 2" descr="パーリンノイズ - 週末レイトレーシング 第二週 (翻訳) - inzkyk.xyz">
+            <a:extLst>
+              <a:ext uri="{FF2B5EF4-FFF2-40B4-BE49-F238E27FC236}">
+                <a16:creationId xmlns:a16="http://schemas.microsoft.com/office/drawing/2014/main" id="{0202A5F4-4850-4BEE-A675-DF1AF6DDA414}"/>
+              </a:ext>
+            </a:extLst>
+          </p:cNvPr>
+          <p:cNvPicPr>
+            <a:picLocks noChangeAspect="1" noChangeArrowheads="1"/>
+          </p:cNvPicPr>
+          <p:nvPr/>
+        </p:nvPicPr>
+        <p:blipFill>
+          <a:blip r:embed="rId2">
+            <a:extLst>
+              <a:ext uri="{28A0092B-C50C-407E-A947-70E740481C1C}">
+                <a14:useLocalDpi xmlns:a14="http://schemas.microsoft.com/office/drawing/2010/main" val="0"/>
+              </a:ext>
+            </a:extLst>
+          </a:blip>
+          <a:srcRect/>
+          <a:stretch>
+            <a:fillRect/>
+          </a:stretch>
+        </p:blipFill>
+        <p:spPr bwMode="auto">
+          <a:xfrm>
+            <a:off x="6321328" y="2213908"/>
+            <a:ext cx="5358357" cy="3215014"/>
+          </a:xfrm>
+          <a:prstGeom prst="rect">
+            <a:avLst/>
+          </a:prstGeom>
+          <a:noFill/>
+          <a:extLst>
+            <a:ext uri="{909E8E84-426E-40DD-AFC4-6F175D3DCCD1}">
+              <a14:hiddenFill xmlns:a14="http://schemas.microsoft.com/office/drawing/2010/main">
+                <a:solidFill>
+                  <a:srgbClr val="FFFFFF"/>
+                </a:solidFill>
+              </a14:hiddenFill>
+            </a:ext>
+          </a:extLst>
+        </p:spPr>
+      </p:pic>
+    </p:spTree>
+    <p:extLst>
+      <p:ext uri="{BB962C8B-B14F-4D97-AF65-F5344CB8AC3E}">
+        <p14:creationId xmlns:p14="http://schemas.microsoft.com/office/powerpoint/2010/main" val="3275893108"/>
+      </p:ext>
+    </p:extLst>
+  </p:cSld>
+  <p:clrMapOvr>
+    <a:masterClrMapping/>
+  </p:clrMapOvr>
+  <p:transition spd="slow">
+    <p:push/>
+  </p:transition>
+</p:sld>
+</file>
+
+<file path=ppt/slides/slide12.xml><?xml version="1.0" encoding="utf-8"?>
+<p:sld xmlns:a="http://schemas.openxmlformats.org/drawingml/2006/main" xmlns:r="http://schemas.openxmlformats.org/officeDocument/2006/relationships" xmlns:p="http://schemas.openxmlformats.org/presentationml/2006/main">
+  <p:cSld>
+    <p:spTree>
+      <p:nvGrpSpPr>
+        <p:cNvPr id="1" name=""/>
+        <p:cNvGrpSpPr/>
+        <p:nvPr/>
+      </p:nvGrpSpPr>
+      <p:grpSpPr>
+        <a:xfrm>
+          <a:off x="0" y="0"/>
+          <a:ext cx="0" cy="0"/>
+          <a:chOff x="0" y="0"/>
+          <a:chExt cx="0" cy="0"/>
+        </a:xfrm>
+      </p:grpSpPr>
+      <p:sp>
+        <p:nvSpPr>
+          <p:cNvPr id="2" name="タイトル 1">
+            <a:extLst>
+              <a:ext uri="{FF2B5EF4-FFF2-40B4-BE49-F238E27FC236}">
+                <a16:creationId xmlns:a16="http://schemas.microsoft.com/office/drawing/2014/main" id="{8771D084-7BBA-4726-9DF5-118520A53DEC}"/>
+              </a:ext>
+            </a:extLst>
+          </p:cNvPr>
+          <p:cNvSpPr>
+            <a:spLocks noGrp="1"/>
+          </p:cNvSpPr>
+          <p:nvPr>
+            <p:ph type="title"/>
+          </p:nvPr>
+        </p:nvSpPr>
+        <p:spPr/>
+        <p:txBody>
+          <a:bodyPr/>
+          <a:lstStyle/>
+          <a:p>
+            <a:pPr algn="ctr"/>
+            <a:r>
+              <a:rPr kumimoji="1" lang="ja-JP" altLang="en-US" dirty="0"/>
+              <a:t>地形生成用アルゴリズム</a:t>
+            </a:r>
+          </a:p>
+        </p:txBody>
+      </p:sp>
+      <p:pic>
+        <p:nvPicPr>
+          <p:cNvPr id="4098" name="Picture 2" descr="image">
+            <a:extLst>
+              <a:ext uri="{FF2B5EF4-FFF2-40B4-BE49-F238E27FC236}">
+                <a16:creationId xmlns:a16="http://schemas.microsoft.com/office/drawing/2014/main" id="{0571DC30-46E9-4037-8D48-257581D3E82C}"/>
+              </a:ext>
+            </a:extLst>
+          </p:cNvPr>
+          <p:cNvPicPr>
+            <a:picLocks noChangeAspect="1" noChangeArrowheads="1"/>
+          </p:cNvPicPr>
+          <p:nvPr/>
+        </p:nvPicPr>
+        <p:blipFill>
+          <a:blip r:embed="rId2">
+            <a:extLst>
+              <a:ext uri="{28A0092B-C50C-407E-A947-70E740481C1C}">
+                <a14:useLocalDpi xmlns:a14="http://schemas.microsoft.com/office/drawing/2010/main" val="0"/>
+              </a:ext>
+            </a:extLst>
+          </a:blip>
+          <a:srcRect/>
+          <a:stretch>
+            <a:fillRect/>
+          </a:stretch>
+        </p:blipFill>
+        <p:spPr bwMode="auto">
+          <a:xfrm>
+            <a:off x="6321327" y="2213907"/>
+            <a:ext cx="5358357" cy="3215015"/>
+          </a:xfrm>
+          <a:prstGeom prst="rect">
+            <a:avLst/>
+          </a:prstGeom>
+          <a:noFill/>
+          <a:extLst>
+            <a:ext uri="{909E8E84-426E-40DD-AFC4-6F175D3DCCD1}">
+              <a14:hiddenFill xmlns:a14="http://schemas.microsoft.com/office/drawing/2010/main">
+                <a:solidFill>
+                  <a:srgbClr val="FFFFFF"/>
+                </a:solidFill>
+              </a14:hiddenFill>
+            </a:ext>
+          </a:extLst>
+        </p:spPr>
+      </p:pic>
+      <p:sp>
+        <p:nvSpPr>
+          <p:cNvPr id="9" name="テキスト ボックス 8">
+            <a:extLst>
+              <a:ext uri="{FF2B5EF4-FFF2-40B4-BE49-F238E27FC236}">
+                <a16:creationId xmlns:a16="http://schemas.microsoft.com/office/drawing/2014/main" id="{0A89A4B4-AFEA-44B5-A461-EB8FB55C6D2B}"/>
+              </a:ext>
+            </a:extLst>
+          </p:cNvPr>
+          <p:cNvSpPr txBox="1"/>
+          <p:nvPr/>
+        </p:nvSpPr>
+        <p:spPr>
+          <a:xfrm>
+            <a:off x="838200" y="1690688"/>
+            <a:ext cx="6225702" cy="523220"/>
+          </a:xfrm>
+          <a:prstGeom prst="rect">
+            <a:avLst/>
+          </a:prstGeom>
+          <a:noFill/>
+        </p:spPr>
+        <p:txBody>
+          <a:bodyPr wrap="square" rtlCol="0">
+            <a:spAutoFit/>
+          </a:bodyPr>
+          <a:lstStyle/>
+          <a:p>
+            <a:r>
+              <a:rPr lang="en-US" altLang="ja-JP" sz="2800" dirty="0" err="1"/>
+              <a:t>Perilin</a:t>
+            </a:r>
+            <a:r>
+              <a:rPr lang="en-US" altLang="ja-JP" sz="2800" dirty="0"/>
+              <a:t> Noise</a:t>
+            </a:r>
+            <a:r>
+              <a:rPr lang="ja-JP" altLang="en-US" sz="2800" dirty="0"/>
+              <a:t>（パーリンノイズ）</a:t>
+            </a:r>
+            <a:endParaRPr kumimoji="1" lang="ja-JP" altLang="en-US" sz="2800" dirty="0"/>
+          </a:p>
+        </p:txBody>
+      </p:sp>
+      <p:sp>
+        <p:nvSpPr>
+          <p:cNvPr id="10" name="テキスト ボックス 9">
+            <a:extLst>
+              <a:ext uri="{FF2B5EF4-FFF2-40B4-BE49-F238E27FC236}">
+                <a16:creationId xmlns:a16="http://schemas.microsoft.com/office/drawing/2014/main" id="{FAA9669D-4AAA-4F3E-A6C6-5F2FDE34ACBF}"/>
+              </a:ext>
+            </a:extLst>
+          </p:cNvPr>
+          <p:cNvSpPr txBox="1"/>
+          <p:nvPr/>
+        </p:nvSpPr>
+        <p:spPr>
+          <a:xfrm>
+            <a:off x="838200" y="2631530"/>
+            <a:ext cx="10301748" cy="2677656"/>
+          </a:xfrm>
+          <a:prstGeom prst="rect">
+            <a:avLst/>
+          </a:prstGeom>
+          <a:noFill/>
+        </p:spPr>
+        <p:txBody>
+          <a:bodyPr wrap="square" rtlCol="0">
+            <a:spAutoFit/>
+          </a:bodyPr>
+          <a:lstStyle/>
+          <a:p>
+            <a:r>
+              <a:rPr lang="ja-JP" altLang="en-US" sz="2800" dirty="0"/>
+              <a:t>連続性があり</a:t>
+            </a:r>
+            <a:br>
+              <a:rPr lang="en-US" altLang="ja-JP" sz="2800" dirty="0"/>
+            </a:br>
+            <a:r>
+              <a:rPr lang="ja-JP" altLang="en-US" sz="2800" dirty="0"/>
+              <a:t>隣同士の値が近しい</a:t>
+            </a:r>
+            <a:br>
+              <a:rPr lang="en-US" altLang="ja-JP" sz="2800" dirty="0"/>
+            </a:br>
+            <a:br>
+              <a:rPr lang="en-US" altLang="ja-JP" sz="2800" dirty="0"/>
+            </a:br>
+            <a:r>
+              <a:rPr lang="ja-JP" altLang="en-US" sz="2800" dirty="0"/>
+              <a:t>自然な見た目に近づく</a:t>
+            </a:r>
+            <a:br>
+              <a:rPr lang="en-US" altLang="ja-JP" sz="2800" dirty="0"/>
+            </a:br>
+            <a:br>
+              <a:rPr lang="en-US" altLang="ja-JP" sz="2800" dirty="0"/>
+            </a:br>
+            <a:r>
+              <a:rPr lang="ja-JP" altLang="en-US" sz="2800" dirty="0"/>
+              <a:t>例：雲など</a:t>
+            </a:r>
+            <a:endParaRPr lang="en-US" altLang="ja-JP" sz="2800" dirty="0"/>
+          </a:p>
+        </p:txBody>
+      </p:sp>
+    </p:spTree>
+    <p:extLst>
+      <p:ext uri="{BB962C8B-B14F-4D97-AF65-F5344CB8AC3E}">
+        <p14:creationId xmlns:p14="http://schemas.microsoft.com/office/powerpoint/2010/main" val="1037219999"/>
+      </p:ext>
+    </p:extLst>
+  </p:cSld>
+  <p:clrMapOvr>
+    <a:masterClrMapping/>
+  </p:clrMapOvr>
+  <p:transition spd="slow">
+    <p:push/>
+  </p:transition>
+</p:sld>
+</file>
+
+<file path=ppt/slides/slide13.xml><?xml version="1.0" encoding="utf-8"?>
+<p:sld xmlns:a="http://schemas.openxmlformats.org/drawingml/2006/main" xmlns:r="http://schemas.openxmlformats.org/officeDocument/2006/relationships" xmlns:p="http://schemas.openxmlformats.org/presentationml/2006/main">
+  <p:cSld>
+    <p:spTree>
+      <p:nvGrpSpPr>
+        <p:cNvPr id="1" name=""/>
+        <p:cNvGrpSpPr/>
+        <p:nvPr/>
+      </p:nvGrpSpPr>
+      <p:grpSpPr>
+        <a:xfrm>
+          <a:off x="0" y="0"/>
+          <a:ext cx="0" cy="0"/>
+          <a:chOff x="0" y="0"/>
+          <a:chExt cx="0" cy="0"/>
+        </a:xfrm>
+      </p:grpSpPr>
+      <p:sp>
+        <p:nvSpPr>
+          <p:cNvPr id="2" name="タイトル 1">
+            <a:extLst>
+              <a:ext uri="{FF2B5EF4-FFF2-40B4-BE49-F238E27FC236}">
+                <a16:creationId xmlns:a16="http://schemas.microsoft.com/office/drawing/2014/main" id="{8771D084-7BBA-4726-9DF5-118520A53DEC}"/>
+              </a:ext>
+            </a:extLst>
+          </p:cNvPr>
+          <p:cNvSpPr>
+            <a:spLocks noGrp="1"/>
+          </p:cNvSpPr>
+          <p:nvPr>
+            <p:ph type="title"/>
+          </p:nvPr>
+        </p:nvSpPr>
+        <p:spPr/>
+        <p:txBody>
+          <a:bodyPr/>
+          <a:lstStyle/>
+          <a:p>
+            <a:pPr algn="ctr"/>
+            <a:r>
+              <a:rPr kumimoji="1" lang="ja-JP" altLang="en-US" dirty="0"/>
+              <a:t>地形生成用アルゴリズム</a:t>
+            </a:r>
+          </a:p>
+        </p:txBody>
+      </p:sp>
+      <p:pic>
+        <p:nvPicPr>
+          <p:cNvPr id="4098" name="Picture 2" descr="image">
+            <a:extLst>
+              <a:ext uri="{FF2B5EF4-FFF2-40B4-BE49-F238E27FC236}">
+                <a16:creationId xmlns:a16="http://schemas.microsoft.com/office/drawing/2014/main" id="{0571DC30-46E9-4037-8D48-257581D3E82C}"/>
+              </a:ext>
+            </a:extLst>
+          </p:cNvPr>
+          <p:cNvPicPr>
+            <a:picLocks noChangeAspect="1" noChangeArrowheads="1"/>
+          </p:cNvPicPr>
+          <p:nvPr/>
+        </p:nvPicPr>
+        <p:blipFill>
+          <a:blip r:embed="rId2">
+            <a:extLst>
+              <a:ext uri="{28A0092B-C50C-407E-A947-70E740481C1C}">
+                <a14:useLocalDpi xmlns:a14="http://schemas.microsoft.com/office/drawing/2010/main" val="0"/>
+              </a:ext>
+            </a:extLst>
+          </a:blip>
+          <a:srcRect/>
+          <a:stretch>
+            <a:fillRect/>
+          </a:stretch>
+        </p:blipFill>
+        <p:spPr bwMode="auto">
+          <a:xfrm>
+            <a:off x="3416822" y="1821492"/>
+            <a:ext cx="5358357" cy="3215015"/>
+          </a:xfrm>
+          <a:prstGeom prst="rect">
+            <a:avLst/>
+          </a:prstGeom>
+          <a:noFill/>
+          <a:extLst>
+            <a:ext uri="{909E8E84-426E-40DD-AFC4-6F175D3DCCD1}">
+              <a14:hiddenFill xmlns:a14="http://schemas.microsoft.com/office/drawing/2010/main">
+                <a:solidFill>
+                  <a:srgbClr val="FFFFFF"/>
+                </a:solidFill>
+              </a14:hiddenFill>
+            </a:ext>
+          </a:extLst>
+        </p:spPr>
+      </p:pic>
+      <p:sp>
+        <p:nvSpPr>
+          <p:cNvPr id="7" name="テキスト ボックス 6">
+            <a:extLst>
+              <a:ext uri="{FF2B5EF4-FFF2-40B4-BE49-F238E27FC236}">
+                <a16:creationId xmlns:a16="http://schemas.microsoft.com/office/drawing/2014/main" id="{66187D81-A869-4601-843D-57B22250133D}"/>
+              </a:ext>
+            </a:extLst>
+          </p:cNvPr>
+          <p:cNvSpPr txBox="1"/>
+          <p:nvPr/>
+        </p:nvSpPr>
+        <p:spPr>
+          <a:xfrm>
+            <a:off x="838199" y="5173353"/>
+            <a:ext cx="10354519" cy="1015663"/>
+          </a:xfrm>
+          <a:prstGeom prst="rect">
+            <a:avLst/>
+          </a:prstGeom>
+          <a:noFill/>
+        </p:spPr>
+        <p:txBody>
+          <a:bodyPr wrap="square" rtlCol="0" anchor="ctr" anchorCtr="1">
+            <a:spAutoFit/>
+          </a:bodyPr>
+          <a:lstStyle/>
+          <a:p>
+            <a:pPr algn="r"/>
+            <a:r>
+              <a:rPr lang="ja-JP" altLang="en-US" sz="3200" dirty="0"/>
+              <a:t>こちらのノイズを用いて地形を生成することにする</a:t>
+            </a:r>
+            <a:br>
+              <a:rPr lang="en-US" altLang="ja-JP" sz="3200" dirty="0"/>
+            </a:br>
+            <a:r>
+              <a:rPr lang="en-US" altLang="ja-JP" sz="2800" dirty="0"/>
+              <a:t>※</a:t>
+            </a:r>
+            <a:r>
+              <a:rPr lang="ja-JP" altLang="en-US" sz="2800" dirty="0"/>
+              <a:t>各施設は逐次判定</a:t>
+            </a:r>
+            <a:endParaRPr kumimoji="1" lang="ja-JP" altLang="en-US" sz="3200" dirty="0"/>
+          </a:p>
+        </p:txBody>
+      </p:sp>
+    </p:spTree>
+    <p:extLst>
+      <p:ext uri="{BB962C8B-B14F-4D97-AF65-F5344CB8AC3E}">
+        <p14:creationId xmlns:p14="http://schemas.microsoft.com/office/powerpoint/2010/main" val="2677020799"/>
+      </p:ext>
+    </p:extLst>
+  </p:cSld>
+  <p:clrMapOvr>
+    <a:masterClrMapping/>
+  </p:clrMapOvr>
+  <p:transition spd="slow">
+    <p:push/>
+  </p:transition>
+</p:sld>
+</file>
+
+<file path=ppt/slides/slide14.xml><?xml version="1.0" encoding="utf-8"?>
+<p:sld xmlns:a="http://schemas.openxmlformats.org/drawingml/2006/main" xmlns:r="http://schemas.openxmlformats.org/officeDocument/2006/relationships" xmlns:p="http://schemas.openxmlformats.org/presentationml/2006/main">
+  <p:cSld>
+    <p:spTree>
+      <p:nvGrpSpPr>
+        <p:cNvPr id="1" name=""/>
+        <p:cNvGrpSpPr/>
+        <p:nvPr/>
+      </p:nvGrpSpPr>
+      <p:grpSpPr>
+        <a:xfrm>
+          <a:off x="0" y="0"/>
+          <a:ext cx="0" cy="0"/>
+          <a:chOff x="0" y="0"/>
+          <a:chExt cx="0" cy="0"/>
+        </a:xfrm>
+      </p:grpSpPr>
+      <p:sp>
+        <p:nvSpPr>
+          <p:cNvPr id="2" name="タイトル 1">
+            <a:extLst>
+              <a:ext uri="{FF2B5EF4-FFF2-40B4-BE49-F238E27FC236}">
+                <a16:creationId xmlns:a16="http://schemas.microsoft.com/office/drawing/2014/main" id="{C889E847-0C0C-46CE-A52B-08B7F96B8E24}"/>
+              </a:ext>
+            </a:extLst>
+          </p:cNvPr>
+          <p:cNvSpPr>
+            <a:spLocks noGrp="1"/>
+          </p:cNvSpPr>
+          <p:nvPr>
+            <p:ph type="title"/>
+          </p:nvPr>
+        </p:nvSpPr>
+        <p:spPr/>
+        <p:txBody>
+          <a:bodyPr/>
+          <a:lstStyle/>
+          <a:p>
+            <a:r>
+              <a:rPr kumimoji="1" lang="ja-JP" altLang="en-US" dirty="0"/>
+              <a:t>参考タイトル</a:t>
+            </a:r>
+          </a:p>
+        </p:txBody>
+      </p:sp>
+    </p:spTree>
+    <p:extLst>
+      <p:ext uri="{BB962C8B-B14F-4D97-AF65-F5344CB8AC3E}">
+        <p14:creationId xmlns:p14="http://schemas.microsoft.com/office/powerpoint/2010/main" val="4294745709"/>
+      </p:ext>
+    </p:extLst>
+  </p:cSld>
+  <p:clrMapOvr>
+    <a:masterClrMapping/>
+  </p:clrMapOvr>
+  <p:transition spd="slow">
+    <p:push dir="u"/>
+  </p:transition>
+</p:sld>
+</file>
+
+<file path=ppt/slides/slide15.xml><?xml version="1.0" encoding="utf-8"?>
+<p:sld xmlns:a="http://schemas.openxmlformats.org/drawingml/2006/main" xmlns:r="http://schemas.openxmlformats.org/officeDocument/2006/relationships" xmlns:p="http://schemas.openxmlformats.org/presentationml/2006/main">
+  <p:cSld>
+    <p:spTree>
+      <p:nvGrpSpPr>
+        <p:cNvPr id="1" name=""/>
+        <p:cNvGrpSpPr/>
+        <p:nvPr/>
+      </p:nvGrpSpPr>
+      <p:grpSpPr>
+        <a:xfrm>
+          <a:off x="0" y="0"/>
+          <a:ext cx="0" cy="0"/>
+          <a:chOff x="0" y="0"/>
+          <a:chExt cx="0" cy="0"/>
+        </a:xfrm>
+      </p:grpSpPr>
+      <p:sp>
+        <p:nvSpPr>
+          <p:cNvPr id="2" name="タイトル 1">
+            <a:extLst>
+              <a:ext uri="{FF2B5EF4-FFF2-40B4-BE49-F238E27FC236}">
+                <a16:creationId xmlns:a16="http://schemas.microsoft.com/office/drawing/2014/main" id="{9795BBF7-520C-4411-BD63-44BC8D7B080C}"/>
+              </a:ext>
+            </a:extLst>
+          </p:cNvPr>
+          <p:cNvSpPr>
+            <a:spLocks noGrp="1"/>
+          </p:cNvSpPr>
+          <p:nvPr>
+            <p:ph type="title"/>
+          </p:nvPr>
+        </p:nvSpPr>
+        <p:spPr/>
+        <p:txBody>
+          <a:bodyPr/>
+          <a:lstStyle/>
+          <a:p>
+            <a:pPr algn="ctr"/>
+            <a:r>
+              <a:rPr kumimoji="1" lang="ja-JP" altLang="en-US" dirty="0"/>
+              <a:t>参考タイトル</a:t>
+            </a:r>
+          </a:p>
+        </p:txBody>
+      </p:sp>
+      <p:pic>
+        <p:nvPicPr>
+          <p:cNvPr id="13" name="図 12">
+            <a:extLst>
+              <a:ext uri="{FF2B5EF4-FFF2-40B4-BE49-F238E27FC236}">
+                <a16:creationId xmlns:a16="http://schemas.microsoft.com/office/drawing/2014/main" id="{E73CAD5F-32F4-4781-8F8B-B78E6119C957}"/>
+              </a:ext>
+            </a:extLst>
+          </p:cNvPr>
+          <p:cNvPicPr>
+            <a:picLocks noChangeAspect="1"/>
+          </p:cNvPicPr>
+          <p:nvPr/>
+        </p:nvPicPr>
+        <p:blipFill rotWithShape="1">
+          <a:blip r:embed="rId3">
+            <a:extLst>
+              <a:ext uri="{28A0092B-C50C-407E-A947-70E740481C1C}">
+                <a14:useLocalDpi xmlns:a14="http://schemas.microsoft.com/office/drawing/2010/main" val="0"/>
+              </a:ext>
+            </a:extLst>
+          </a:blip>
+          <a:srcRect l="4690" r="4690"/>
+          <a:stretch/>
+        </p:blipFill>
+        <p:spPr>
+          <a:xfrm>
+            <a:off x="6385127" y="2028856"/>
+            <a:ext cx="4968673" cy="2800289"/>
+          </a:xfrm>
+          <a:prstGeom prst="rect">
+            <a:avLst/>
+          </a:prstGeom>
+          <a:ln w="38100">
+            <a:solidFill>
+              <a:schemeClr val="bg1"/>
+            </a:solidFill>
+          </a:ln>
+          <a:effectLst>
+            <a:outerShdw blurRad="50800" dist="38100" dir="5400000" algn="t" rotWithShape="0">
+              <a:prstClr val="black">
+                <a:alpha val="40000"/>
+              </a:prstClr>
+            </a:outerShdw>
+          </a:effectLst>
+        </p:spPr>
+      </p:pic>
+    </p:spTree>
+    <p:extLst>
+      <p:ext uri="{BB962C8B-B14F-4D97-AF65-F5344CB8AC3E}">
+        <p14:creationId xmlns:p14="http://schemas.microsoft.com/office/powerpoint/2010/main" val="1734843366"/>
+      </p:ext>
+    </p:extLst>
+  </p:cSld>
+  <p:clrMapOvr>
+    <a:masterClrMapping/>
+  </p:clrMapOvr>
+  <p:transition spd="slow">
+    <p:push/>
+  </p:transition>
+</p:sld>
+</file>
+
+<file path=ppt/slides/slide16.xml><?xml version="1.0" encoding="utf-8"?>
+<p:sld xmlns:a="http://schemas.openxmlformats.org/drawingml/2006/main" xmlns:r="http://schemas.openxmlformats.org/officeDocument/2006/relationships" xmlns:p="http://schemas.openxmlformats.org/presentationml/2006/main">
+  <p:cSld>
+    <p:spTree>
+      <p:nvGrpSpPr>
+        <p:cNvPr id="1" name=""/>
+        <p:cNvGrpSpPr/>
+        <p:nvPr/>
+      </p:nvGrpSpPr>
+      <p:grpSpPr>
+        <a:xfrm>
+          <a:off x="0" y="0"/>
+          <a:ext cx="0" cy="0"/>
+          <a:chOff x="0" y="0"/>
+          <a:chExt cx="0" cy="0"/>
+        </a:xfrm>
+      </p:grpSpPr>
+      <p:pic>
+        <p:nvPicPr>
+          <p:cNvPr id="5" name="図 4">
+            <a:extLst>
+              <a:ext uri="{FF2B5EF4-FFF2-40B4-BE49-F238E27FC236}">
+                <a16:creationId xmlns:a16="http://schemas.microsoft.com/office/drawing/2014/main" id="{73E7DD9A-648E-4313-B617-355FE40C64DA}"/>
+              </a:ext>
+            </a:extLst>
+          </p:cNvPr>
+          <p:cNvPicPr>
+            <a:picLocks noChangeAspect="1"/>
+          </p:cNvPicPr>
+          <p:nvPr/>
+        </p:nvPicPr>
+        <p:blipFill>
+          <a:blip r:embed="rId3">
+            <a:extLst>
+              <a:ext uri="{28A0092B-C50C-407E-A947-70E740481C1C}">
+                <a14:useLocalDpi xmlns:a14="http://schemas.microsoft.com/office/drawing/2010/main" val="0"/>
+              </a:ext>
+            </a:extLst>
+          </a:blip>
+          <a:stretch>
+            <a:fillRect/>
+          </a:stretch>
+        </p:blipFill>
+        <p:spPr>
+          <a:xfrm>
+            <a:off x="6382875" y="2028856"/>
+            <a:ext cx="4970926" cy="2800289"/>
+          </a:xfrm>
+          <a:prstGeom prst="rect">
+            <a:avLst/>
+          </a:prstGeom>
+          <a:ln w="38100">
+            <a:solidFill>
+              <a:schemeClr val="bg1"/>
+            </a:solidFill>
+          </a:ln>
+          <a:effectLst>
+            <a:outerShdw blurRad="50800" dist="38100" dir="5400000" algn="t" rotWithShape="0">
+              <a:prstClr val="black">
+                <a:alpha val="40000"/>
+              </a:prstClr>
+            </a:outerShdw>
+          </a:effectLst>
+        </p:spPr>
+      </p:pic>
+      <p:sp>
+        <p:nvSpPr>
+          <p:cNvPr id="2" name="タイトル 1">
+            <a:extLst>
+              <a:ext uri="{FF2B5EF4-FFF2-40B4-BE49-F238E27FC236}">
+                <a16:creationId xmlns:a16="http://schemas.microsoft.com/office/drawing/2014/main" id="{9795BBF7-520C-4411-BD63-44BC8D7B080C}"/>
+              </a:ext>
+            </a:extLst>
+          </p:cNvPr>
+          <p:cNvSpPr>
+            <a:spLocks noGrp="1"/>
+          </p:cNvSpPr>
+          <p:nvPr>
+            <p:ph type="title"/>
+          </p:nvPr>
+        </p:nvSpPr>
+        <p:spPr/>
+        <p:txBody>
+          <a:bodyPr/>
+          <a:lstStyle/>
+          <a:p>
+            <a:pPr algn="ctr"/>
+            <a:r>
+              <a:rPr kumimoji="1" lang="ja-JP" altLang="en-US" dirty="0"/>
+              <a:t>参考タイトル</a:t>
+            </a:r>
+          </a:p>
+        </p:txBody>
+      </p:sp>
+    </p:spTree>
+    <p:extLst>
+      <p:ext uri="{BB962C8B-B14F-4D97-AF65-F5344CB8AC3E}">
+        <p14:creationId xmlns:p14="http://schemas.microsoft.com/office/powerpoint/2010/main" val="3352603169"/>
+      </p:ext>
+    </p:extLst>
+  </p:cSld>
+  <p:clrMapOvr>
+    <a:masterClrMapping/>
+  </p:clrMapOvr>
+  <p:transition spd="slow">
+    <p:push/>
+  </p:transition>
+</p:sld>
+</file>
+
+<file path=ppt/slides/slide17.xml><?xml version="1.0" encoding="utf-8"?>
+<p:sld xmlns:a="http://schemas.openxmlformats.org/drawingml/2006/main" xmlns:r="http://schemas.openxmlformats.org/officeDocument/2006/relationships" xmlns:p="http://schemas.openxmlformats.org/presentationml/2006/main">
+  <p:cSld>
+    <p:spTree>
+      <p:nvGrpSpPr>
+        <p:cNvPr id="1" name=""/>
+        <p:cNvGrpSpPr/>
+        <p:nvPr/>
+      </p:nvGrpSpPr>
+      <p:grpSpPr>
+        <a:xfrm>
+          <a:off x="0" y="0"/>
+          <a:ext cx="0" cy="0"/>
+          <a:chOff x="0" y="0"/>
+          <a:chExt cx="0" cy="0"/>
+        </a:xfrm>
+      </p:grpSpPr>
+      <p:pic>
+        <p:nvPicPr>
+          <p:cNvPr id="5" name="図 4">
+            <a:extLst>
+              <a:ext uri="{FF2B5EF4-FFF2-40B4-BE49-F238E27FC236}">
+                <a16:creationId xmlns:a16="http://schemas.microsoft.com/office/drawing/2014/main" id="{B2268F83-8A74-485D-93CC-15836E88D0B7}"/>
+              </a:ext>
+            </a:extLst>
+          </p:cNvPr>
+          <p:cNvPicPr>
+            <a:picLocks noChangeAspect="1"/>
+          </p:cNvPicPr>
+          <p:nvPr/>
+        </p:nvPicPr>
+        <p:blipFill rotWithShape="1">
+          <a:blip r:embed="rId3">
+            <a:extLst>
+              <a:ext uri="{28A0092B-C50C-407E-A947-70E740481C1C}">
+                <a14:useLocalDpi xmlns:a14="http://schemas.microsoft.com/office/drawing/2010/main" val="0"/>
+              </a:ext>
+            </a:extLst>
+          </a:blip>
+          <a:srcRect l="4199" r="3995"/>
+          <a:stretch/>
+        </p:blipFill>
+        <p:spPr>
+          <a:xfrm>
+            <a:off x="6393965" y="2028856"/>
+            <a:ext cx="4959836" cy="2800289"/>
+          </a:xfrm>
+          <a:prstGeom prst="rect">
+            <a:avLst/>
+          </a:prstGeom>
+          <a:ln w="38100">
+            <a:solidFill>
+              <a:schemeClr val="bg1"/>
+            </a:solidFill>
+          </a:ln>
+          <a:effectLst>
+            <a:outerShdw blurRad="50800" dist="38100" dir="5400000" algn="t" rotWithShape="0">
+              <a:prstClr val="black">
+                <a:alpha val="40000"/>
+              </a:prstClr>
+            </a:outerShdw>
+          </a:effectLst>
+        </p:spPr>
+      </p:pic>
+      <p:sp>
+        <p:nvSpPr>
+          <p:cNvPr id="2" name="タイトル 1">
+            <a:extLst>
+              <a:ext uri="{FF2B5EF4-FFF2-40B4-BE49-F238E27FC236}">
+                <a16:creationId xmlns:a16="http://schemas.microsoft.com/office/drawing/2014/main" id="{9795BBF7-520C-4411-BD63-44BC8D7B080C}"/>
+              </a:ext>
+            </a:extLst>
+          </p:cNvPr>
+          <p:cNvSpPr>
+            <a:spLocks noGrp="1"/>
+          </p:cNvSpPr>
+          <p:nvPr>
+            <p:ph type="title"/>
+          </p:nvPr>
+        </p:nvSpPr>
+        <p:spPr/>
+        <p:txBody>
+          <a:bodyPr/>
+          <a:lstStyle/>
+          <a:p>
+            <a:pPr algn="ctr"/>
+            <a:r>
+              <a:rPr kumimoji="1" lang="ja-JP" altLang="en-US" dirty="0"/>
+              <a:t>参考タイトル</a:t>
+            </a:r>
+          </a:p>
+        </p:txBody>
+      </p:sp>
+    </p:spTree>
+    <p:extLst>
+      <p:ext uri="{BB962C8B-B14F-4D97-AF65-F5344CB8AC3E}">
+        <p14:creationId xmlns:p14="http://schemas.microsoft.com/office/powerpoint/2010/main" val="3721222259"/>
+      </p:ext>
+    </p:extLst>
+  </p:cSld>
+  <p:clrMapOvr>
+    <a:masterClrMapping/>
+  </p:clrMapOvr>
+  <p:transition spd="slow">
+    <p:push/>
+  </p:transition>
+</p:sld>
+</file>
+
 <file path=ppt/slides/slide2.xml><?xml version="1.0" encoding="utf-8"?>
+<p:sld xmlns:a="http://schemas.openxmlformats.org/drawingml/2006/main" xmlns:r="http://schemas.openxmlformats.org/officeDocument/2006/relationships" xmlns:p="http://schemas.openxmlformats.org/presentationml/2006/main">
+  <p:cSld>
+    <p:spTree>
+      <p:nvGrpSpPr>
+        <p:cNvPr id="1" name=""/>
+        <p:cNvGrpSpPr/>
+        <p:nvPr/>
+      </p:nvGrpSpPr>
+      <p:grpSpPr>
+        <a:xfrm>
+          <a:off x="0" y="0"/>
+          <a:ext cx="0" cy="0"/>
+          <a:chOff x="0" y="0"/>
+          <a:chExt cx="0" cy="0"/>
+        </a:xfrm>
+      </p:grpSpPr>
+      <p:sp>
+        <p:nvSpPr>
+          <p:cNvPr id="2" name="タイトル 1">
+            <a:extLst>
+              <a:ext uri="{FF2B5EF4-FFF2-40B4-BE49-F238E27FC236}">
+                <a16:creationId xmlns:a16="http://schemas.microsoft.com/office/drawing/2014/main" id="{B770D915-CCC3-4805-91D2-AE8948E5833F}"/>
+              </a:ext>
+            </a:extLst>
+          </p:cNvPr>
+          <p:cNvSpPr>
+            <a:spLocks noGrp="1"/>
+          </p:cNvSpPr>
+          <p:nvPr>
+            <p:ph type="title"/>
+          </p:nvPr>
+        </p:nvSpPr>
+        <p:spPr/>
+        <p:txBody>
+          <a:bodyPr/>
+          <a:lstStyle/>
+          <a:p>
+            <a:pPr algn="ctr"/>
+            <a:r>
+              <a:rPr kumimoji="1" lang="ja-JP" altLang="en-US" dirty="0"/>
+              <a:t>目次</a:t>
+            </a:r>
+          </a:p>
+        </p:txBody>
+      </p:sp>
+      <p:sp>
+        <p:nvSpPr>
+          <p:cNvPr id="3" name="コンテンツ プレースホルダー 2">
+            <a:extLst>
+              <a:ext uri="{FF2B5EF4-FFF2-40B4-BE49-F238E27FC236}">
+                <a16:creationId xmlns:a16="http://schemas.microsoft.com/office/drawing/2014/main" id="{C8A645F5-6797-4E86-8466-A3CBB11761C6}"/>
+              </a:ext>
+            </a:extLst>
+          </p:cNvPr>
+          <p:cNvSpPr>
+            <a:spLocks noGrp="1"/>
+          </p:cNvSpPr>
+          <p:nvPr>
+            <p:ph idx="1"/>
+          </p:nvPr>
+        </p:nvSpPr>
+        <p:spPr>
+          <a:xfrm>
+            <a:off x="8295588" y="1825625"/>
+            <a:ext cx="3058212" cy="4351338"/>
+          </a:xfrm>
+        </p:spPr>
+        <p:txBody>
+          <a:bodyPr/>
+          <a:lstStyle/>
+          <a:p>
+            <a:r>
+              <a:rPr kumimoji="1" lang="ja-JP" altLang="en-US" dirty="0"/>
+              <a:t>コンセプト</a:t>
+            </a:r>
+            <a:endParaRPr kumimoji="1" lang="en-US" altLang="ja-JP" dirty="0"/>
+          </a:p>
+          <a:p>
+            <a:r>
+              <a:rPr kumimoji="1" lang="ja-JP" altLang="en-US" dirty="0"/>
+              <a:t>ゲーム</a:t>
+            </a:r>
+            <a:endParaRPr kumimoji="1" lang="en-US" altLang="ja-JP" dirty="0"/>
+          </a:p>
+          <a:p>
+            <a:pPr lvl="1"/>
+            <a:r>
+              <a:rPr kumimoji="1" lang="ja-JP" altLang="en-US" dirty="0"/>
+              <a:t>コンセプト</a:t>
+            </a:r>
+            <a:endParaRPr kumimoji="1" lang="en-US" altLang="ja-JP" dirty="0"/>
+          </a:p>
+          <a:p>
+            <a:pPr lvl="1"/>
+            <a:r>
+              <a:rPr kumimoji="1" lang="ja-JP" altLang="en-US" dirty="0"/>
+              <a:t>概要</a:t>
+            </a:r>
+            <a:endParaRPr kumimoji="1" lang="en-US" altLang="ja-JP" dirty="0"/>
+          </a:p>
+          <a:p>
+            <a:pPr lvl="1"/>
+            <a:r>
+              <a:rPr kumimoji="1" lang="ja-JP" altLang="en-US" dirty="0"/>
+              <a:t>ルール</a:t>
+            </a:r>
+            <a:endParaRPr kumimoji="1" lang="en-US" altLang="ja-JP" dirty="0"/>
+          </a:p>
+          <a:p>
+            <a:pPr lvl="1"/>
+            <a:r>
+              <a:rPr lang="ja-JP" altLang="en-US" dirty="0"/>
+              <a:t>システム</a:t>
+            </a:r>
+            <a:endParaRPr lang="en-US" altLang="ja-JP" dirty="0"/>
+          </a:p>
+          <a:p>
+            <a:r>
+              <a:rPr lang="ja-JP" altLang="en-US" dirty="0"/>
+              <a:t>参考タイトル</a:t>
+            </a:r>
+            <a:endParaRPr lang="en-US" altLang="ja-JP" dirty="0"/>
+          </a:p>
+          <a:p>
+            <a:pPr lvl="1"/>
+            <a:endParaRPr kumimoji="1" lang="en-US" altLang="ja-JP" dirty="0"/>
+          </a:p>
+          <a:p>
+            <a:endParaRPr kumimoji="1" lang="ja-JP" altLang="en-US" dirty="0"/>
+          </a:p>
+        </p:txBody>
+      </p:sp>
+    </p:spTree>
+    <p:extLst>
+      <p:ext uri="{BB962C8B-B14F-4D97-AF65-F5344CB8AC3E}">
+        <p14:creationId xmlns:p14="http://schemas.microsoft.com/office/powerpoint/2010/main" val="3143533302"/>
+      </p:ext>
+    </p:extLst>
+  </p:cSld>
+  <p:clrMapOvr>
+    <a:masterClrMapping/>
+  </p:clrMapOvr>
+</p:sld>
+</file>
+
+<file path=ppt/slides/slide3.xml><?xml version="1.0" encoding="utf-8"?>
+<p:sld xmlns:a="http://schemas.openxmlformats.org/drawingml/2006/main" xmlns:r="http://schemas.openxmlformats.org/officeDocument/2006/relationships" xmlns:p="http://schemas.openxmlformats.org/presentationml/2006/main">
+  <p:cSld>
+    <p:spTree>
+      <p:nvGrpSpPr>
+        <p:cNvPr id="1" name=""/>
+        <p:cNvGrpSpPr/>
+        <p:nvPr/>
+      </p:nvGrpSpPr>
+      <p:grpSpPr>
+        <a:xfrm>
+          <a:off x="0" y="0"/>
+          <a:ext cx="0" cy="0"/>
+          <a:chOff x="0" y="0"/>
+          <a:chExt cx="0" cy="0"/>
+        </a:xfrm>
+      </p:grpSpPr>
+      <p:sp>
+        <p:nvSpPr>
+          <p:cNvPr id="2" name="タイトル 1">
+            <a:extLst>
+              <a:ext uri="{FF2B5EF4-FFF2-40B4-BE49-F238E27FC236}">
+                <a16:creationId xmlns:a16="http://schemas.microsoft.com/office/drawing/2014/main" id="{C76D78A5-4604-43FA-9F14-24F13EFB70E1}"/>
+              </a:ext>
+            </a:extLst>
+          </p:cNvPr>
+          <p:cNvSpPr>
+            <a:spLocks noGrp="1"/>
+          </p:cNvSpPr>
+          <p:nvPr>
+            <p:ph type="title"/>
+          </p:nvPr>
+        </p:nvSpPr>
+        <p:spPr/>
+        <p:txBody>
+          <a:bodyPr/>
+          <a:lstStyle/>
+          <a:p>
+            <a:r>
+              <a:rPr kumimoji="1" lang="ja-JP" altLang="en-US" dirty="0"/>
+              <a:t>ゲームコンセプト・概要</a:t>
+            </a:r>
+          </a:p>
+        </p:txBody>
+      </p:sp>
+    </p:spTree>
+    <p:extLst>
+      <p:ext uri="{BB962C8B-B14F-4D97-AF65-F5344CB8AC3E}">
+        <p14:creationId xmlns:p14="http://schemas.microsoft.com/office/powerpoint/2010/main" val="3946591161"/>
+      </p:ext>
+    </p:extLst>
+  </p:cSld>
+  <p:clrMapOvr>
+    <a:masterClrMapping/>
+  </p:clrMapOvr>
+</p:sld>
+</file>
+
+<file path=ppt/slides/slide4.xml><?xml version="1.0" encoding="utf-8"?>
+<p:sld xmlns:a="http://schemas.openxmlformats.org/drawingml/2006/main" xmlns:r="http://schemas.openxmlformats.org/officeDocument/2006/relationships" xmlns:p="http://schemas.openxmlformats.org/presentationml/2006/main">
+  <p:cSld>
+    <p:spTree>
+      <p:nvGrpSpPr>
+        <p:cNvPr id="1" name=""/>
+        <p:cNvGrpSpPr/>
+        <p:nvPr/>
+      </p:nvGrpSpPr>
+      <p:grpSpPr>
+        <a:xfrm>
+          <a:off x="0" y="0"/>
+          <a:ext cx="0" cy="0"/>
+          <a:chOff x="0" y="0"/>
+          <a:chExt cx="0" cy="0"/>
+        </a:xfrm>
+      </p:grpSpPr>
+      <p:sp>
+        <p:nvSpPr>
+          <p:cNvPr id="2" name="タイトル 1">
+            <a:extLst>
+              <a:ext uri="{FF2B5EF4-FFF2-40B4-BE49-F238E27FC236}">
+                <a16:creationId xmlns:a16="http://schemas.microsoft.com/office/drawing/2014/main" id="{55F1C2B7-3EE7-413B-BC7E-BBB348FF9348}"/>
+              </a:ext>
+            </a:extLst>
+          </p:cNvPr>
+          <p:cNvSpPr>
+            <a:spLocks noGrp="1"/>
+          </p:cNvSpPr>
+          <p:nvPr>
+            <p:ph type="title"/>
+          </p:nvPr>
+        </p:nvSpPr>
+        <p:spPr/>
+        <p:txBody>
+          <a:bodyPr/>
+          <a:lstStyle/>
+          <a:p>
+            <a:pPr algn="ctr"/>
+            <a:r>
+              <a:rPr kumimoji="1" lang="ja-JP" altLang="en-US" dirty="0"/>
+              <a:t>コンセプト</a:t>
+            </a:r>
+          </a:p>
+        </p:txBody>
+      </p:sp>
+      <p:sp>
+        <p:nvSpPr>
+          <p:cNvPr id="3" name="コンテンツ プレースホルダー 2">
+            <a:extLst>
+              <a:ext uri="{FF2B5EF4-FFF2-40B4-BE49-F238E27FC236}">
+                <a16:creationId xmlns:a16="http://schemas.microsoft.com/office/drawing/2014/main" id="{A2E27731-2750-4643-92DB-A94CC7DAC7FA}"/>
+              </a:ext>
+            </a:extLst>
+          </p:cNvPr>
+          <p:cNvSpPr>
+            <a:spLocks noGrp="1"/>
+          </p:cNvSpPr>
+          <p:nvPr>
+            <p:ph idx="1"/>
+          </p:nvPr>
+        </p:nvSpPr>
+        <p:spPr/>
+        <p:txBody>
+          <a:bodyPr/>
+          <a:lstStyle/>
+          <a:p>
+            <a:endParaRPr kumimoji="1" lang="ja-JP" altLang="en-US"/>
+          </a:p>
+        </p:txBody>
+      </p:sp>
+    </p:spTree>
+    <p:extLst>
+      <p:ext uri="{BB962C8B-B14F-4D97-AF65-F5344CB8AC3E}">
+        <p14:creationId xmlns:p14="http://schemas.microsoft.com/office/powerpoint/2010/main" val="3230389322"/>
+      </p:ext>
+    </p:extLst>
+  </p:cSld>
+  <p:clrMapOvr>
+    <a:masterClrMapping/>
+  </p:clrMapOvr>
+</p:sld>
+</file>
+
+<file path=ppt/slides/slide5.xml><?xml version="1.0" encoding="utf-8"?>
 <p:sld xmlns:a="http://schemas.openxmlformats.org/drawingml/2006/main" xmlns:r="http://schemas.openxmlformats.org/officeDocument/2006/relationships" xmlns:p="http://schemas.openxmlformats.org/presentationml/2006/main">
   <p:cSld>
     <p:spTree>
@@ -3861,10 +5584,9 @@
           </a:fontRef>
         </p:style>
         <p:txBody>
-          <a:bodyPr rtlCol="0" anchor="ctr"/>
-          <a:lstStyle/>
-          <a:p>
-            <a:pPr algn="ctr"/>
+          <a:bodyPr rtlCol="0" anchor="ctr" anchorCtr="1"/>
+          <a:lstStyle/>
+          <a:p>
             <a:r>
               <a:rPr lang="ja-JP" altLang="en-US" sz="2000" dirty="0"/>
               <a:t>戦略的に協力したいゲーマー（</a:t>
@@ -3901,35 +5623,6 @@
               <a:t>チーム連携に燃える効率化志向</a:t>
             </a:r>
             <a:endParaRPr kumimoji="1" lang="ja-JP" altLang="en-US" sz="2000" dirty="0"/>
-          </a:p>
-        </p:txBody>
-      </p:sp>
-      <p:sp>
-        <p:nvSpPr>
-          <p:cNvPr id="18" name="スライド番号プレースホルダー 17">
-            <a:extLst>
-              <a:ext uri="{FF2B5EF4-FFF2-40B4-BE49-F238E27FC236}">
-                <a16:creationId xmlns:a16="http://schemas.microsoft.com/office/drawing/2014/main" id="{A77A6C28-0455-CFA5-2ED7-0EFF6A407137}"/>
-              </a:ext>
-            </a:extLst>
-          </p:cNvPr>
-          <p:cNvSpPr>
-            <a:spLocks noGrp="1"/>
-          </p:cNvSpPr>
-          <p:nvPr>
-            <p:ph type="sldNum" sz="quarter" idx="12"/>
-          </p:nvPr>
-        </p:nvSpPr>
-        <p:spPr/>
-        <p:txBody>
-          <a:bodyPr/>
-          <a:lstStyle/>
-          <a:p>
-            <a:fld id="{131D73D8-14F5-4D69-99A1-794EA162E220}" type="slidenum">
-              <a:rPr kumimoji="1" lang="ja-JP" altLang="en-US" smtClean="0"/>
-              <a:t>1</a:t>
-            </a:fld>
-            <a:endParaRPr kumimoji="1" lang="ja-JP" altLang="en-US"/>
           </a:p>
         </p:txBody>
       </p:sp>
@@ -3946,7 +5639,91 @@
 </p:sld>
 </file>
 
-<file path=ppt/slides/slide3.xml><?xml version="1.0" encoding="utf-8"?>
+<file path=ppt/slides/slide6.xml><?xml version="1.0" encoding="utf-8"?>
+<p:sld xmlns:a="http://schemas.openxmlformats.org/drawingml/2006/main" xmlns:r="http://schemas.openxmlformats.org/officeDocument/2006/relationships" xmlns:p="http://schemas.openxmlformats.org/presentationml/2006/main">
+  <p:cSld>
+    <p:spTree>
+      <p:nvGrpSpPr>
+        <p:cNvPr id="1" name=""/>
+        <p:cNvGrpSpPr/>
+        <p:nvPr/>
+      </p:nvGrpSpPr>
+      <p:grpSpPr>
+        <a:xfrm>
+          <a:off x="0" y="0"/>
+          <a:ext cx="0" cy="0"/>
+          <a:chOff x="0" y="0"/>
+          <a:chExt cx="0" cy="0"/>
+        </a:xfrm>
+      </p:grpSpPr>
+      <p:sp>
+        <p:nvSpPr>
+          <p:cNvPr id="2" name="タイトル 1">
+            <a:extLst>
+              <a:ext uri="{FF2B5EF4-FFF2-40B4-BE49-F238E27FC236}">
+                <a16:creationId xmlns:a16="http://schemas.microsoft.com/office/drawing/2014/main" id="{8D9A1A5B-AAAD-4304-98F4-1BD3E2D02A67}"/>
+              </a:ext>
+            </a:extLst>
+          </p:cNvPr>
+          <p:cNvSpPr>
+            <a:spLocks noGrp="1"/>
+          </p:cNvSpPr>
+          <p:nvPr>
+            <p:ph type="title"/>
+          </p:nvPr>
+        </p:nvSpPr>
+        <p:spPr/>
+        <p:txBody>
+          <a:bodyPr/>
+          <a:lstStyle/>
+          <a:p>
+            <a:pPr algn="ctr"/>
+            <a:r>
+              <a:rPr kumimoji="1" lang="ja-JP" altLang="en-US" dirty="0"/>
+              <a:t>ゲームイメージ</a:t>
+            </a:r>
+          </a:p>
+        </p:txBody>
+      </p:sp>
+      <p:sp>
+        <p:nvSpPr>
+          <p:cNvPr id="3" name="コンテンツ プレースホルダー 2">
+            <a:extLst>
+              <a:ext uri="{FF2B5EF4-FFF2-40B4-BE49-F238E27FC236}">
+                <a16:creationId xmlns:a16="http://schemas.microsoft.com/office/drawing/2014/main" id="{1E1A3264-1C85-46EB-9E50-778EB9253552}"/>
+              </a:ext>
+            </a:extLst>
+          </p:cNvPr>
+          <p:cNvSpPr>
+            <a:spLocks noGrp="1"/>
+          </p:cNvSpPr>
+          <p:nvPr>
+            <p:ph idx="1"/>
+          </p:nvPr>
+        </p:nvSpPr>
+        <p:spPr/>
+        <p:txBody>
+          <a:bodyPr/>
+          <a:lstStyle/>
+          <a:p>
+            <a:endParaRPr kumimoji="1" lang="ja-JP" altLang="en-US"/>
+          </a:p>
+        </p:txBody>
+      </p:sp>
+    </p:spTree>
+    <p:extLst>
+      <p:ext uri="{BB962C8B-B14F-4D97-AF65-F5344CB8AC3E}">
+        <p14:creationId xmlns:p14="http://schemas.microsoft.com/office/powerpoint/2010/main" val="1937536967"/>
+      </p:ext>
+    </p:extLst>
+  </p:cSld>
+  <p:clrMapOvr>
+    <a:masterClrMapping/>
+  </p:clrMapOvr>
+</p:sld>
+</file>
+
+<file path=ppt/slides/slide7.xml><?xml version="1.0" encoding="utf-8"?>
 <p:sld xmlns:a="http://schemas.openxmlformats.org/drawingml/2006/main" xmlns:r="http://schemas.openxmlformats.org/officeDocument/2006/relationships" xmlns:p="http://schemas.openxmlformats.org/presentationml/2006/main">
   <p:cSld>
     <p:spTree>
@@ -4101,35 +5878,6 @@
           </a:prstGeom>
         </p:spPr>
       </p:pic>
-      <p:sp>
-        <p:nvSpPr>
-          <p:cNvPr id="6" name="スライド番号プレースホルダー 5">
-            <a:extLst>
-              <a:ext uri="{FF2B5EF4-FFF2-40B4-BE49-F238E27FC236}">
-                <a16:creationId xmlns:a16="http://schemas.microsoft.com/office/drawing/2014/main" id="{17C72A5D-AC9D-05AF-64F7-CC6E4447873E}"/>
-              </a:ext>
-            </a:extLst>
-          </p:cNvPr>
-          <p:cNvSpPr>
-            <a:spLocks noGrp="1"/>
-          </p:cNvSpPr>
-          <p:nvPr>
-            <p:ph type="sldNum" sz="quarter" idx="12"/>
-          </p:nvPr>
-        </p:nvSpPr>
-        <p:spPr/>
-        <p:txBody>
-          <a:bodyPr/>
-          <a:lstStyle/>
-          <a:p>
-            <a:fld id="{131D73D8-14F5-4D69-99A1-794EA162E220}" type="slidenum">
-              <a:rPr kumimoji="1" lang="ja-JP" altLang="en-US" smtClean="0"/>
-              <a:t>2</a:t>
-            </a:fld>
-            <a:endParaRPr kumimoji="1" lang="ja-JP" altLang="en-US"/>
-          </a:p>
-        </p:txBody>
-      </p:sp>
     </p:spTree>
     <p:extLst>
       <p:ext uri="{BB962C8B-B14F-4D97-AF65-F5344CB8AC3E}">
@@ -4143,7 +5891,7 @@
 </p:sld>
 </file>
 
-<file path=ppt/slides/slide4.xml><?xml version="1.0" encoding="utf-8"?>
+<file path=ppt/slides/slide8.xml><?xml version="1.0" encoding="utf-8"?>
 <p:sld xmlns:a="http://schemas.openxmlformats.org/drawingml/2006/main" xmlns:r="http://schemas.openxmlformats.org/officeDocument/2006/relationships" xmlns:p="http://schemas.openxmlformats.org/presentationml/2006/main">
   <p:cSld>
     <p:spTree>
@@ -4265,35 +6013,6 @@
           </a:p>
         </p:txBody>
       </p:sp>
-      <p:sp>
-        <p:nvSpPr>
-          <p:cNvPr id="4" name="スライド番号プレースホルダー 3">
-            <a:extLst>
-              <a:ext uri="{FF2B5EF4-FFF2-40B4-BE49-F238E27FC236}">
-                <a16:creationId xmlns:a16="http://schemas.microsoft.com/office/drawing/2014/main" id="{F28A0EC6-8368-BFFA-DAD2-7DB37F69A1A2}"/>
-              </a:ext>
-            </a:extLst>
-          </p:cNvPr>
-          <p:cNvSpPr>
-            <a:spLocks noGrp="1"/>
-          </p:cNvSpPr>
-          <p:nvPr>
-            <p:ph type="sldNum" sz="quarter" idx="12"/>
-          </p:nvPr>
-        </p:nvSpPr>
-        <p:spPr/>
-        <p:txBody>
-          <a:bodyPr/>
-          <a:lstStyle/>
-          <a:p>
-            <a:fld id="{131D73D8-14F5-4D69-99A1-794EA162E220}" type="slidenum">
-              <a:rPr kumimoji="1" lang="ja-JP" altLang="en-US" smtClean="0"/>
-              <a:t>3</a:t>
-            </a:fld>
-            <a:endParaRPr kumimoji="1" lang="ja-JP" altLang="en-US"/>
-          </a:p>
-        </p:txBody>
-      </p:sp>
     </p:spTree>
     <p:extLst>
       <p:ext uri="{BB962C8B-B14F-4D97-AF65-F5344CB8AC3E}">
@@ -4307,7 +6026,7 @@
 </p:sld>
 </file>
 
-<file path=ppt/slides/slide5.xml><?xml version="1.0" encoding="utf-8"?>
+<file path=ppt/slides/slide9.xml><?xml version="1.0" encoding="utf-8"?>
 <p:sld xmlns:a="http://schemas.openxmlformats.org/drawingml/2006/main" xmlns:r="http://schemas.openxmlformats.org/officeDocument/2006/relationships" xmlns:p="http://schemas.openxmlformats.org/presentationml/2006/main">
   <p:cSld>
     <p:spTree>
@@ -4413,358 +6132,10 @@
           </a:p>
         </p:txBody>
       </p:sp>
-      <p:sp>
-        <p:nvSpPr>
-          <p:cNvPr id="4" name="スライド番号プレースホルダー 3">
-            <a:extLst>
-              <a:ext uri="{FF2B5EF4-FFF2-40B4-BE49-F238E27FC236}">
-                <a16:creationId xmlns:a16="http://schemas.microsoft.com/office/drawing/2014/main" id="{F02E9AC1-4AD4-7C38-F46D-087C7BC50158}"/>
-              </a:ext>
-            </a:extLst>
-          </p:cNvPr>
-          <p:cNvSpPr>
-            <a:spLocks noGrp="1"/>
-          </p:cNvSpPr>
-          <p:nvPr>
-            <p:ph type="sldNum" sz="quarter" idx="12"/>
-          </p:nvPr>
-        </p:nvSpPr>
-        <p:spPr/>
-        <p:txBody>
-          <a:bodyPr/>
-          <a:lstStyle/>
-          <a:p>
-            <a:fld id="{131D73D8-14F5-4D69-99A1-794EA162E220}" type="slidenum">
-              <a:rPr kumimoji="1" lang="ja-JP" altLang="en-US" smtClean="0"/>
-              <a:t>4</a:t>
-            </a:fld>
-            <a:endParaRPr kumimoji="1" lang="ja-JP" altLang="en-US"/>
-          </a:p>
-        </p:txBody>
-      </p:sp>
     </p:spTree>
     <p:extLst>
       <p:ext uri="{BB962C8B-B14F-4D97-AF65-F5344CB8AC3E}">
         <p14:creationId xmlns:p14="http://schemas.microsoft.com/office/powerpoint/2010/main" val="3683277554"/>
-      </p:ext>
-    </p:extLst>
-  </p:cSld>
-  <p:clrMapOvr>
-    <a:masterClrMapping/>
-  </p:clrMapOvr>
-</p:sld>
-</file>
-
-<file path=ppt/slides/slide6.xml><?xml version="1.0" encoding="utf-8"?>
-<p:sld xmlns:a="http://schemas.openxmlformats.org/drawingml/2006/main" xmlns:r="http://schemas.openxmlformats.org/officeDocument/2006/relationships" xmlns:p="http://schemas.openxmlformats.org/presentationml/2006/main">
-  <p:cSld>
-    <p:spTree>
-      <p:nvGrpSpPr>
-        <p:cNvPr id="1" name=""/>
-        <p:cNvGrpSpPr/>
-        <p:nvPr/>
-      </p:nvGrpSpPr>
-      <p:grpSpPr>
-        <a:xfrm>
-          <a:off x="0" y="0"/>
-          <a:ext cx="0" cy="0"/>
-          <a:chOff x="0" y="0"/>
-          <a:chExt cx="0" cy="0"/>
-        </a:xfrm>
-      </p:grpSpPr>
-      <p:sp>
-        <p:nvSpPr>
-          <p:cNvPr id="2" name="タイトル 1">
-            <a:extLst>
-              <a:ext uri="{FF2B5EF4-FFF2-40B4-BE49-F238E27FC236}">
-                <a16:creationId xmlns:a16="http://schemas.microsoft.com/office/drawing/2014/main" id="{9795BBF7-520C-4411-BD63-44BC8D7B080C}"/>
-              </a:ext>
-            </a:extLst>
-          </p:cNvPr>
-          <p:cNvSpPr>
-            <a:spLocks noGrp="1"/>
-          </p:cNvSpPr>
-          <p:nvPr>
-            <p:ph type="title"/>
-          </p:nvPr>
-        </p:nvSpPr>
-        <p:spPr/>
-        <p:txBody>
-          <a:bodyPr/>
-          <a:lstStyle/>
-          <a:p>
-            <a:pPr algn="ctr"/>
-            <a:r>
-              <a:rPr kumimoji="1" lang="ja-JP" altLang="en-US" dirty="0"/>
-              <a:t>参考タイトル</a:t>
-            </a:r>
-          </a:p>
-        </p:txBody>
-      </p:sp>
-      <p:sp>
-        <p:nvSpPr>
-          <p:cNvPr id="3" name="コンテンツ プレースホルダー 2">
-            <a:extLst>
-              <a:ext uri="{FF2B5EF4-FFF2-40B4-BE49-F238E27FC236}">
-                <a16:creationId xmlns:a16="http://schemas.microsoft.com/office/drawing/2014/main" id="{D131992C-5EC8-4B16-AFD9-1DA424CE3464}"/>
-              </a:ext>
-            </a:extLst>
-          </p:cNvPr>
-          <p:cNvSpPr>
-            <a:spLocks noGrp="1"/>
-          </p:cNvSpPr>
-          <p:nvPr>
-            <p:ph idx="1"/>
-          </p:nvPr>
-        </p:nvSpPr>
-        <p:spPr/>
-        <p:txBody>
-          <a:bodyPr/>
-          <a:lstStyle/>
-          <a:p>
-            <a:pPr marL="0" indent="0">
-              <a:buNone/>
-            </a:pPr>
-            <a:r>
-              <a:rPr lang="en-US" altLang="ja-JP" dirty="0"/>
-              <a:t>Minecraft</a:t>
-            </a:r>
-            <a:r>
-              <a:rPr lang="ja-JP" altLang="en-US" dirty="0"/>
-              <a:t>：アルゴリズムやボクセルデザインなど </a:t>
-            </a:r>
-            <a:endParaRPr lang="en-US" altLang="ja-JP" dirty="0"/>
-          </a:p>
-          <a:p>
-            <a:pPr marL="0" indent="0">
-              <a:buNone/>
-            </a:pPr>
-            <a:r>
-              <a:rPr lang="en-US" altLang="ja-JP" dirty="0" err="1"/>
-              <a:t>Fortnite</a:t>
-            </a:r>
-            <a:r>
-              <a:rPr lang="ja-JP" altLang="en-US" dirty="0"/>
-              <a:t>：破壊する際の動きなどとして参考に（耐久性） </a:t>
-            </a:r>
-            <a:endParaRPr lang="en-US" altLang="ja-JP" dirty="0"/>
-          </a:p>
-          <a:p>
-            <a:pPr marL="0" indent="0">
-              <a:buNone/>
-            </a:pPr>
-            <a:r>
-              <a:rPr lang="ja-JP" altLang="en-US" dirty="0"/>
-              <a:t>ドラクエビルダーズ：デザイン、</a:t>
-            </a:r>
-            <a:r>
-              <a:rPr lang="en-US" altLang="ja-JP" dirty="0"/>
-              <a:t>Minecraft</a:t>
-            </a:r>
-            <a:r>
-              <a:rPr lang="ja-JP" altLang="en-US" dirty="0"/>
-              <a:t>よりかはこちらに寄せたい 雰囲気はポップな形にしたい。</a:t>
-            </a:r>
-            <a:endParaRPr kumimoji="1" lang="ja-JP" altLang="en-US" dirty="0"/>
-          </a:p>
-        </p:txBody>
-      </p:sp>
-      <p:pic>
-        <p:nvPicPr>
-          <p:cNvPr id="5" name="図 4">
-            <a:extLst>
-              <a:ext uri="{FF2B5EF4-FFF2-40B4-BE49-F238E27FC236}">
-                <a16:creationId xmlns:a16="http://schemas.microsoft.com/office/drawing/2014/main" id="{B0F58679-BE41-473E-B216-82FDB8BA93C7}"/>
-              </a:ext>
-            </a:extLst>
-          </p:cNvPr>
-          <p:cNvPicPr>
-            <a:picLocks noChangeAspect="1"/>
-          </p:cNvPicPr>
-          <p:nvPr/>
-        </p:nvPicPr>
-        <p:blipFill>
-          <a:blip r:embed="rId2">
-            <a:extLst>
-              <a:ext uri="{28A0092B-C50C-407E-A947-70E740481C1C}">
-                <a14:useLocalDpi xmlns:a14="http://schemas.microsoft.com/office/drawing/2010/main" val="0"/>
-              </a:ext>
-            </a:extLst>
-          </a:blip>
-          <a:stretch>
-            <a:fillRect/>
-          </a:stretch>
-        </p:blipFill>
-        <p:spPr>
-          <a:xfrm>
-            <a:off x="611097" y="4158071"/>
-            <a:ext cx="3638550" cy="1885950"/>
-          </a:xfrm>
-          <a:prstGeom prst="rect">
-            <a:avLst/>
-          </a:prstGeom>
-        </p:spPr>
-      </p:pic>
-      <p:pic>
-        <p:nvPicPr>
-          <p:cNvPr id="7" name="図 6">
-            <a:extLst>
-              <a:ext uri="{FF2B5EF4-FFF2-40B4-BE49-F238E27FC236}">
-                <a16:creationId xmlns:a16="http://schemas.microsoft.com/office/drawing/2014/main" id="{0EB34601-6F7C-41DC-B76F-8A9B79408BC7}"/>
-              </a:ext>
-            </a:extLst>
-          </p:cNvPr>
-          <p:cNvPicPr>
-            <a:picLocks noChangeAspect="1"/>
-          </p:cNvPicPr>
-          <p:nvPr/>
-        </p:nvPicPr>
-        <p:blipFill>
-          <a:blip r:embed="rId3">
-            <a:extLst>
-              <a:ext uri="{28A0092B-C50C-407E-A947-70E740481C1C}">
-                <a14:useLocalDpi xmlns:a14="http://schemas.microsoft.com/office/drawing/2010/main" val="0"/>
-              </a:ext>
-            </a:extLst>
-          </a:blip>
-          <a:stretch>
-            <a:fillRect/>
-          </a:stretch>
-        </p:blipFill>
-        <p:spPr>
-          <a:xfrm>
-            <a:off x="4476750" y="4158071"/>
-            <a:ext cx="3692708" cy="1885950"/>
-          </a:xfrm>
-          <a:prstGeom prst="rect">
-            <a:avLst/>
-          </a:prstGeom>
-        </p:spPr>
-      </p:pic>
-      <p:pic>
-        <p:nvPicPr>
-          <p:cNvPr id="9" name="図 8">
-            <a:extLst>
-              <a:ext uri="{FF2B5EF4-FFF2-40B4-BE49-F238E27FC236}">
-                <a16:creationId xmlns:a16="http://schemas.microsoft.com/office/drawing/2014/main" id="{859E256C-104E-415D-AEB1-7A012314AAD6}"/>
-              </a:ext>
-            </a:extLst>
-          </p:cNvPr>
-          <p:cNvPicPr>
-            <a:picLocks noChangeAspect="1"/>
-          </p:cNvPicPr>
-          <p:nvPr/>
-        </p:nvPicPr>
-        <p:blipFill>
-          <a:blip r:embed="rId4">
-            <a:extLst>
-              <a:ext uri="{28A0092B-C50C-407E-A947-70E740481C1C}">
-                <a14:useLocalDpi xmlns:a14="http://schemas.microsoft.com/office/drawing/2010/main" val="0"/>
-              </a:ext>
-            </a:extLst>
-          </a:blip>
-          <a:stretch>
-            <a:fillRect/>
-          </a:stretch>
-        </p:blipFill>
-        <p:spPr>
-          <a:xfrm>
-            <a:off x="8396561" y="4160357"/>
-            <a:ext cx="3343782" cy="1883664"/>
-          </a:xfrm>
-          <a:prstGeom prst="rect">
-            <a:avLst/>
-          </a:prstGeom>
-        </p:spPr>
-      </p:pic>
-      <p:sp>
-        <p:nvSpPr>
-          <p:cNvPr id="4" name="スライド番号プレースホルダー 3">
-            <a:extLst>
-              <a:ext uri="{FF2B5EF4-FFF2-40B4-BE49-F238E27FC236}">
-                <a16:creationId xmlns:a16="http://schemas.microsoft.com/office/drawing/2014/main" id="{21E6F544-A794-16E4-6ECA-7CA2F3849546}"/>
-              </a:ext>
-            </a:extLst>
-          </p:cNvPr>
-          <p:cNvSpPr>
-            <a:spLocks noGrp="1"/>
-          </p:cNvSpPr>
-          <p:nvPr>
-            <p:ph type="sldNum" sz="quarter" idx="12"/>
-          </p:nvPr>
-        </p:nvSpPr>
-        <p:spPr/>
-        <p:txBody>
-          <a:bodyPr/>
-          <a:lstStyle/>
-          <a:p>
-            <a:fld id="{131D73D8-14F5-4D69-99A1-794EA162E220}" type="slidenum">
-              <a:rPr kumimoji="1" lang="ja-JP" altLang="en-US" smtClean="0"/>
-              <a:t>5</a:t>
-            </a:fld>
-            <a:endParaRPr kumimoji="1" lang="ja-JP" altLang="en-US"/>
-          </a:p>
-        </p:txBody>
-      </p:sp>
-    </p:spTree>
-    <p:extLst>
-      <p:ext uri="{BB962C8B-B14F-4D97-AF65-F5344CB8AC3E}">
-        <p14:creationId xmlns:p14="http://schemas.microsoft.com/office/powerpoint/2010/main" val="1734843366"/>
-      </p:ext>
-    </p:extLst>
-  </p:cSld>
-  <p:clrMapOvr>
-    <a:masterClrMapping/>
-  </p:clrMapOvr>
-</p:sld>
-</file>
-
-<file path=ppt/slides/slide7.xml><?xml version="1.0" encoding="utf-8"?>
-<p:sld xmlns:a="http://schemas.openxmlformats.org/drawingml/2006/main" xmlns:r="http://schemas.openxmlformats.org/officeDocument/2006/relationships" xmlns:p="http://schemas.openxmlformats.org/presentationml/2006/main">
-  <p:cSld>
-    <p:spTree>
-      <p:nvGrpSpPr>
-        <p:cNvPr id="1" name=""/>
-        <p:cNvGrpSpPr/>
-        <p:nvPr/>
-      </p:nvGrpSpPr>
-      <p:grpSpPr>
-        <a:xfrm>
-          <a:off x="0" y="0"/>
-          <a:ext cx="0" cy="0"/>
-          <a:chOff x="0" y="0"/>
-          <a:chExt cx="0" cy="0"/>
-        </a:xfrm>
-      </p:grpSpPr>
-      <p:sp>
-        <p:nvSpPr>
-          <p:cNvPr id="2" name="タイトル 1">
-            <a:extLst>
-              <a:ext uri="{FF2B5EF4-FFF2-40B4-BE49-F238E27FC236}">
-                <a16:creationId xmlns:a16="http://schemas.microsoft.com/office/drawing/2014/main" id="{F5507A44-8AB6-40EC-81DB-E180B1BC1D8F}"/>
-              </a:ext>
-            </a:extLst>
-          </p:cNvPr>
-          <p:cNvSpPr>
-            <a:spLocks noGrp="1"/>
-          </p:cNvSpPr>
-          <p:nvPr>
-            <p:ph type="title"/>
-          </p:nvPr>
-        </p:nvSpPr>
-        <p:spPr/>
-        <p:txBody>
-          <a:bodyPr/>
-          <a:lstStyle/>
-          <a:p>
-            <a:endParaRPr kumimoji="1" lang="ja-JP" altLang="en-US"/>
-          </a:p>
-        </p:txBody>
-      </p:sp>
-    </p:spTree>
-    <p:extLst>
-      <p:ext uri="{BB962C8B-B14F-4D97-AF65-F5344CB8AC3E}">
-        <p14:creationId xmlns:p14="http://schemas.microsoft.com/office/powerpoint/2010/main" val="3680466502"/>
       </p:ext>
     </p:extLst>
   </p:cSld>
@@ -4815,76 +6186,16 @@
         <a:srgbClr val="954F72"/>
       </a:folHlink>
     </a:clrScheme>
-    <a:fontScheme name="Calibri">
+    <a:fontScheme name="GroupCreate2">
       <a:majorFont>
-        <a:latin typeface="Calibri" panose="020F0502020204030204"/>
-        <a:ea typeface=""/>
+        <a:latin typeface="Arial Black"/>
+        <a:ea typeface="VDL Ｖ７ゴシック B"/>
         <a:cs typeface=""/>
-        <a:font script="Jpan" typeface="メイリオ"/>
-        <a:font script="Hang" typeface="맑은 고딕"/>
-        <a:font script="Hans" typeface="宋体"/>
-        <a:font script="Hant" typeface="新細明體"/>
-        <a:font script="Arab" typeface="Arial"/>
-        <a:font script="Hebr" typeface="Arial"/>
-        <a:font script="Thai" typeface="Cordia New"/>
-        <a:font script="Ethi" typeface="Nyala"/>
-        <a:font script="Beng" typeface="Vrinda"/>
-        <a:font script="Gujr" typeface="Shruti"/>
-        <a:font script="Khmr" typeface="DaunPenh"/>
-        <a:font script="Knda" typeface="Tunga"/>
-        <a:font script="Guru" typeface="Raavi"/>
-        <a:font script="Cans" typeface="Euphemia"/>
-        <a:font script="Cher" typeface="Plantagenet Cherokee"/>
-        <a:font script="Yiii" typeface="Microsoft Yi Baiti"/>
-        <a:font script="Tibt" typeface="Microsoft Himalaya"/>
-        <a:font script="Thaa" typeface="MV Boli"/>
-        <a:font script="Deva" typeface="Mangal"/>
-        <a:font script="Telu" typeface="Gautami"/>
-        <a:font script="Taml" typeface="Latha"/>
-        <a:font script="Syrc" typeface="Estrangelo Edessa"/>
-        <a:font script="Orya" typeface="Kalinga"/>
-        <a:font script="Mlym" typeface="Kartika"/>
-        <a:font script="Laoo" typeface="DokChampa"/>
-        <a:font script="Sinh" typeface="Iskoola Pota"/>
-        <a:font script="Mong" typeface="Mongolian Baiti"/>
-        <a:font script="Viet" typeface="Tahoma"/>
-        <a:font script="Uigh" typeface="Microsoft Uighur"/>
-        <a:font script="Geor" typeface="Sylfaen"/>
       </a:majorFont>
       <a:minorFont>
-        <a:latin typeface="Calibri" panose="020F0502020204030204"/>
-        <a:ea typeface=""/>
+        <a:latin typeface="Arial"/>
+        <a:ea typeface="VDL Ｖ７ゴシック L"/>
         <a:cs typeface=""/>
-        <a:font script="Jpan" typeface="メイリオ"/>
-        <a:font script="Hang" typeface="맑은 고딕"/>
-        <a:font script="Hans" typeface="宋体"/>
-        <a:font script="Hant" typeface="新細明體"/>
-        <a:font script="Arab" typeface="Arial"/>
-        <a:font script="Hebr" typeface="Arial"/>
-        <a:font script="Thai" typeface="Cordia New"/>
-        <a:font script="Ethi" typeface="Nyala"/>
-        <a:font script="Beng" typeface="Vrinda"/>
-        <a:font script="Gujr" typeface="Shruti"/>
-        <a:font script="Khmr" typeface="DaunPenh"/>
-        <a:font script="Knda" typeface="Tunga"/>
-        <a:font script="Guru" typeface="Raavi"/>
-        <a:font script="Cans" typeface="Euphemia"/>
-        <a:font script="Cher" typeface="Plantagenet Cherokee"/>
-        <a:font script="Yiii" typeface="Microsoft Yi Baiti"/>
-        <a:font script="Tibt" typeface="Microsoft Himalaya"/>
-        <a:font script="Thaa" typeface="MV Boli"/>
-        <a:font script="Deva" typeface="Mangal"/>
-        <a:font script="Telu" typeface="Gautami"/>
-        <a:font script="Taml" typeface="Latha"/>
-        <a:font script="Syrc" typeface="Estrangelo Edessa"/>
-        <a:font script="Orya" typeface="Kalinga"/>
-        <a:font script="Mlym" typeface="Kartika"/>
-        <a:font script="Laoo" typeface="DokChampa"/>
-        <a:font script="Sinh" typeface="Iskoola Pota"/>
-        <a:font script="Mong" typeface="Mongolian Baiti"/>
-        <a:font script="Viet" typeface="Tahoma"/>
-        <a:font script="Uigh" typeface="Microsoft Uighur"/>
-        <a:font script="Geor" typeface="Sylfaen"/>
       </a:minorFont>
     </a:fontScheme>
     <a:fmtScheme name="Office">

--- a/企画/PowerPoint/企画案２.pptx
+++ b/企画/PowerPoint/企画案２.pptx
@@ -5,7 +5,7 @@
     <p:sldMasterId id="2147483648" r:id="rId1"/>
   </p:sldMasterIdLst>
   <p:notesMasterIdLst>
-    <p:notesMasterId r:id="rId19"/>
+    <p:notesMasterId r:id="rId26"/>
   </p:notesMasterIdLst>
   <p:sldIdLst>
     <p:sldId id="263" r:id="rId2"/>
@@ -15,16 +15,23 @@
     <p:sldId id="257" r:id="rId6"/>
     <p:sldId id="273" r:id="rId7"/>
     <p:sldId id="258" r:id="rId8"/>
-    <p:sldId id="259" r:id="rId9"/>
-    <p:sldId id="260" r:id="rId10"/>
-    <p:sldId id="264" r:id="rId11"/>
-    <p:sldId id="267" r:id="rId12"/>
-    <p:sldId id="269" r:id="rId13"/>
-    <p:sldId id="270" r:id="rId14"/>
-    <p:sldId id="274" r:id="rId15"/>
-    <p:sldId id="261" r:id="rId16"/>
-    <p:sldId id="278" r:id="rId17"/>
-    <p:sldId id="279" r:id="rId18"/>
+    <p:sldId id="284" r:id="rId9"/>
+    <p:sldId id="291" r:id="rId10"/>
+    <p:sldId id="290" r:id="rId11"/>
+    <p:sldId id="292" r:id="rId12"/>
+    <p:sldId id="260" r:id="rId13"/>
+    <p:sldId id="282" r:id="rId14"/>
+    <p:sldId id="283" r:id="rId15"/>
+    <p:sldId id="264" r:id="rId16"/>
+    <p:sldId id="267" r:id="rId17"/>
+    <p:sldId id="269" r:id="rId18"/>
+    <p:sldId id="270" r:id="rId19"/>
+    <p:sldId id="288" r:id="rId20"/>
+    <p:sldId id="289" r:id="rId21"/>
+    <p:sldId id="274" r:id="rId22"/>
+    <p:sldId id="261" r:id="rId23"/>
+    <p:sldId id="278" r:id="rId24"/>
+    <p:sldId id="279" r:id="rId25"/>
   </p:sldIdLst>
   <p:sldSz cx="12192000" cy="6858000"/>
   <p:notesSz cx="6858000" cy="9144000"/>
@@ -213,7 +220,7 @@
           <a:p>
             <a:fld id="{5F5F61CF-0E8B-46BF-B851-917FA295F748}" type="datetimeFigureOut">
               <a:rPr kumimoji="1" lang="ja-JP" altLang="en-US" smtClean="0"/>
-              <a:t>2025/4/11</a:t>
+              <a:t>2025/4/13</a:t>
             </a:fld>
             <a:endParaRPr kumimoji="1" lang="ja-JP" altLang="en-US"/>
           </a:p>
@@ -674,11 +681,11 @@
             </a:pPr>
             <a:r>
               <a:rPr lang="en-US" altLang="ja-JP" dirty="0"/>
-              <a:t>Minecraft</a:t>
+              <a:t>WASD</a:t>
             </a:r>
             <a:r>
               <a:rPr lang="ja-JP" altLang="en-US" dirty="0"/>
-              <a:t>：アルゴリズムやボクセルデザインなど </a:t>
+              <a:t>：移動</a:t>
             </a:r>
             <a:endParaRPr lang="en-US" altLang="ja-JP" dirty="0"/>
           </a:p>
@@ -687,12 +694,12 @@
               <a:buNone/>
             </a:pPr>
             <a:r>
-              <a:rPr lang="en-US" altLang="ja-JP" dirty="0" err="1"/>
-              <a:t>Fortnite</a:t>
+              <a:rPr lang="en-US" altLang="ja-JP" dirty="0"/>
+              <a:t>Space</a:t>
             </a:r>
             <a:r>
               <a:rPr lang="ja-JP" altLang="en-US" dirty="0"/>
-              <a:t>：破壊する際の動きなどとして参考に（耐久性） </a:t>
+              <a:t>：ジャンプ</a:t>
             </a:r>
             <a:endParaRPr lang="en-US" altLang="ja-JP" dirty="0"/>
           </a:p>
@@ -702,17 +709,9 @@
             </a:pPr>
             <a:r>
               <a:rPr lang="ja-JP" altLang="en-US" dirty="0"/>
-              <a:t>ドラクエビルダーズ：デザイン、</a:t>
-            </a:r>
-            <a:r>
-              <a:rPr lang="en-US" altLang="ja-JP" dirty="0"/>
-              <a:t>Minecraft</a:t>
-            </a:r>
-            <a:r>
-              <a:rPr lang="ja-JP" altLang="en-US" dirty="0"/>
-              <a:t>よりかはこちらに寄せたい 雰囲気はポップな形にしたい。</a:t>
-            </a:r>
-            <a:endParaRPr kumimoji="1" lang="ja-JP" altLang="en-US" dirty="0"/>
+              <a:t>左クリック：破壊操作</a:t>
+            </a:r>
+            <a:endParaRPr lang="en-US" altLang="ja-JP" dirty="0"/>
           </a:p>
           <a:p>
             <a:endParaRPr kumimoji="1" lang="ja-JP" altLang="en-US" dirty="0"/>
@@ -736,7 +735,7 @@
           <a:p>
             <a:fld id="{38D02DA0-3F72-481A-A6C3-F10341206BF2}" type="slidenum">
               <a:rPr kumimoji="1" lang="ja-JP" altLang="en-US" smtClean="0"/>
-              <a:t>14</a:t>
+              <a:t>11</a:t>
             </a:fld>
             <a:endParaRPr kumimoji="1" lang="ja-JP" altLang="en-US"/>
           </a:p>
@@ -745,7 +744,7 @@
     </p:spTree>
     <p:extLst>
       <p:ext uri="{BB962C8B-B14F-4D97-AF65-F5344CB8AC3E}">
-        <p14:creationId xmlns:p14="http://schemas.microsoft.com/office/powerpoint/2010/main" val="4110824237"/>
+        <p14:creationId xmlns:p14="http://schemas.microsoft.com/office/powerpoint/2010/main" val="365716784"/>
       </p:ext>
     </p:extLst>
   </p:cSld>
@@ -866,7 +865,7 @@
           <a:p>
             <a:fld id="{38D02DA0-3F72-481A-A6C3-F10341206BF2}" type="slidenum">
               <a:rPr kumimoji="1" lang="ja-JP" altLang="en-US" smtClean="0"/>
-              <a:t>15</a:t>
+              <a:t>21</a:t>
             </a:fld>
             <a:endParaRPr kumimoji="1" lang="ja-JP" altLang="en-US"/>
           </a:p>
@@ -875,7 +874,7 @@
     </p:spTree>
     <p:extLst>
       <p:ext uri="{BB962C8B-B14F-4D97-AF65-F5344CB8AC3E}">
-        <p14:creationId xmlns:p14="http://schemas.microsoft.com/office/powerpoint/2010/main" val="1193404201"/>
+        <p14:creationId xmlns:p14="http://schemas.microsoft.com/office/powerpoint/2010/main" val="4110824237"/>
       </p:ext>
     </p:extLst>
   </p:cSld>
@@ -996,7 +995,137 @@
           <a:p>
             <a:fld id="{38D02DA0-3F72-481A-A6C3-F10341206BF2}" type="slidenum">
               <a:rPr kumimoji="1" lang="ja-JP" altLang="en-US" smtClean="0"/>
-              <a:t>16</a:t>
+              <a:t>22</a:t>
+            </a:fld>
+            <a:endParaRPr kumimoji="1" lang="ja-JP" altLang="en-US"/>
+          </a:p>
+        </p:txBody>
+      </p:sp>
+    </p:spTree>
+    <p:extLst>
+      <p:ext uri="{BB962C8B-B14F-4D97-AF65-F5344CB8AC3E}">
+        <p14:creationId xmlns:p14="http://schemas.microsoft.com/office/powerpoint/2010/main" val="1193404201"/>
+      </p:ext>
+    </p:extLst>
+  </p:cSld>
+  <p:clrMapOvr>
+    <a:masterClrMapping/>
+  </p:clrMapOvr>
+</p:notes>
+</file>
+
+<file path=ppt/notesSlides/notesSlide5.xml><?xml version="1.0" encoding="utf-8"?>
+<p:notes xmlns:a="http://schemas.openxmlformats.org/drawingml/2006/main" xmlns:r="http://schemas.openxmlformats.org/officeDocument/2006/relationships" xmlns:p="http://schemas.openxmlformats.org/presentationml/2006/main">
+  <p:cSld>
+    <p:spTree>
+      <p:nvGrpSpPr>
+        <p:cNvPr id="1" name=""/>
+        <p:cNvGrpSpPr/>
+        <p:nvPr/>
+      </p:nvGrpSpPr>
+      <p:grpSpPr>
+        <a:xfrm>
+          <a:off x="0" y="0"/>
+          <a:ext cx="0" cy="0"/>
+          <a:chOff x="0" y="0"/>
+          <a:chExt cx="0" cy="0"/>
+        </a:xfrm>
+      </p:grpSpPr>
+      <p:sp>
+        <p:nvSpPr>
+          <p:cNvPr id="2" name="スライド イメージ プレースホルダー 1"/>
+          <p:cNvSpPr>
+            <a:spLocks noGrp="1" noRot="1" noChangeAspect="1"/>
+          </p:cNvSpPr>
+          <p:nvPr>
+            <p:ph type="sldImg"/>
+          </p:nvPr>
+        </p:nvSpPr>
+        <p:spPr/>
+      </p:sp>
+      <p:sp>
+        <p:nvSpPr>
+          <p:cNvPr id="3" name="ノート プレースホルダー 2"/>
+          <p:cNvSpPr>
+            <a:spLocks noGrp="1"/>
+          </p:cNvSpPr>
+          <p:nvPr>
+            <p:ph type="body" idx="1"/>
+          </p:nvPr>
+        </p:nvSpPr>
+        <p:spPr/>
+        <p:txBody>
+          <a:bodyPr/>
+          <a:lstStyle/>
+          <a:p>
+            <a:pPr marL="0" indent="0">
+              <a:buNone/>
+            </a:pPr>
+            <a:r>
+              <a:rPr lang="en-US" altLang="ja-JP" dirty="0"/>
+              <a:t>Minecraft</a:t>
+            </a:r>
+            <a:r>
+              <a:rPr lang="ja-JP" altLang="en-US" dirty="0"/>
+              <a:t>：アルゴリズムやボクセルデザインなど </a:t>
+            </a:r>
+            <a:endParaRPr lang="en-US" altLang="ja-JP" dirty="0"/>
+          </a:p>
+          <a:p>
+            <a:pPr marL="0" indent="0">
+              <a:buNone/>
+            </a:pPr>
+            <a:r>
+              <a:rPr lang="en-US" altLang="ja-JP" dirty="0" err="1"/>
+              <a:t>Fortnite</a:t>
+            </a:r>
+            <a:r>
+              <a:rPr lang="ja-JP" altLang="en-US" dirty="0"/>
+              <a:t>：破壊する際の動きなどとして参考に（耐久性） </a:t>
+            </a:r>
+            <a:endParaRPr lang="en-US" altLang="ja-JP" dirty="0"/>
+          </a:p>
+          <a:p>
+            <a:pPr marL="0" indent="0">
+              <a:buNone/>
+            </a:pPr>
+            <a:r>
+              <a:rPr lang="ja-JP" altLang="en-US" dirty="0"/>
+              <a:t>ドラクエビルダーズ：デザイン、</a:t>
+            </a:r>
+            <a:r>
+              <a:rPr lang="en-US" altLang="ja-JP" dirty="0"/>
+              <a:t>Minecraft</a:t>
+            </a:r>
+            <a:r>
+              <a:rPr lang="ja-JP" altLang="en-US" dirty="0"/>
+              <a:t>よりかはこちらに寄せたい 雰囲気はポップな形にしたい。</a:t>
+            </a:r>
+            <a:endParaRPr kumimoji="1" lang="ja-JP" altLang="en-US" dirty="0"/>
+          </a:p>
+          <a:p>
+            <a:endParaRPr kumimoji="1" lang="ja-JP" altLang="en-US" dirty="0"/>
+          </a:p>
+        </p:txBody>
+      </p:sp>
+      <p:sp>
+        <p:nvSpPr>
+          <p:cNvPr id="4" name="スライド番号プレースホルダー 3"/>
+          <p:cNvSpPr>
+            <a:spLocks noGrp="1"/>
+          </p:cNvSpPr>
+          <p:nvPr>
+            <p:ph type="sldNum" sz="quarter" idx="5"/>
+          </p:nvPr>
+        </p:nvSpPr>
+        <p:spPr/>
+        <p:txBody>
+          <a:bodyPr/>
+          <a:lstStyle/>
+          <a:p>
+            <a:fld id="{38D02DA0-3F72-481A-A6C3-F10341206BF2}" type="slidenum">
+              <a:rPr kumimoji="1" lang="ja-JP" altLang="en-US" smtClean="0"/>
+              <a:t>23</a:t>
             </a:fld>
             <a:endParaRPr kumimoji="1" lang="ja-JP" altLang="en-US"/>
           </a:p>
@@ -1195,10 +1324,10 @@
       </p:sp>
       <p:pic>
         <p:nvPicPr>
-          <p:cNvPr id="7" name="図 6" descr="グラフ, ヒストグラム&#10;&#10;AI によって生成されたコンテンツは間違っている可能性があります。">
-            <a:extLst>
-              <a:ext uri="{FF2B5EF4-FFF2-40B4-BE49-F238E27FC236}">
-                <a16:creationId xmlns:a16="http://schemas.microsoft.com/office/drawing/2014/main" id="{5FB667A3-354E-D122-33AC-D5E4AF22515A}"/>
+          <p:cNvPr id="10" name="図 9">
+            <a:extLst>
+              <a:ext uri="{FF2B5EF4-FFF2-40B4-BE49-F238E27FC236}">
+                <a16:creationId xmlns:a16="http://schemas.microsoft.com/office/drawing/2014/main" id="{D966CA57-9D0F-4964-D001-0394803F2C4C}"/>
               </a:ext>
             </a:extLst>
           </p:cNvPr>
@@ -1209,42 +1338,6 @@
         </p:nvPicPr>
         <p:blipFill>
           <a:blip r:embed="rId2">
-            <a:extLst>
-              <a:ext uri="{28A0092B-C50C-407E-A947-70E740481C1C}">
-                <a14:useLocalDpi xmlns:a14="http://schemas.microsoft.com/office/drawing/2010/main" val="0"/>
-              </a:ext>
-            </a:extLst>
-          </a:blip>
-          <a:stretch>
-            <a:fillRect/>
-          </a:stretch>
-        </p:blipFill>
-        <p:spPr>
-          <a:xfrm>
-            <a:off x="9811828" y="-466376"/>
-            <a:ext cx="3083943" cy="3083943"/>
-          </a:xfrm>
-          <a:prstGeom prst="rect">
-            <a:avLst/>
-          </a:prstGeom>
-        </p:spPr>
-      </p:pic>
-      <p:pic>
-        <p:nvPicPr>
-          <p:cNvPr id="10" name="図 9">
-            <a:extLst>
-              <a:ext uri="{FF2B5EF4-FFF2-40B4-BE49-F238E27FC236}">
-                <a16:creationId xmlns:a16="http://schemas.microsoft.com/office/drawing/2014/main" id="{D966CA57-9D0F-4964-D001-0394803F2C4C}"/>
-              </a:ext>
-            </a:extLst>
-          </p:cNvPr>
-          <p:cNvPicPr>
-            <a:picLocks noChangeAspect="1"/>
-          </p:cNvPicPr>
-          <p:nvPr userDrawn="1"/>
-        </p:nvPicPr>
-        <p:blipFill>
-          <a:blip r:embed="rId3">
             <a:extLst>
               <a:ext uri="{28A0092B-C50C-407E-A947-70E740481C1C}">
                 <a14:useLocalDpi xmlns:a14="http://schemas.microsoft.com/office/drawing/2010/main" val="0"/>
@@ -1279,7 +1372,7 @@
           <p:nvPr userDrawn="1"/>
         </p:nvPicPr>
         <p:blipFill rotWithShape="1">
-          <a:blip r:embed="rId4">
+          <a:blip r:embed="rId3">
             <a:extLst>
               <a:ext uri="{28A0092B-C50C-407E-A947-70E740481C1C}">
                 <a14:useLocalDpi xmlns:a14="http://schemas.microsoft.com/office/drawing/2010/main" val="0"/>
@@ -1314,7 +1407,7 @@
           <p:nvPr userDrawn="1"/>
         </p:nvPicPr>
         <p:blipFill>
-          <a:blip r:embed="rId3">
+          <a:blip r:embed="rId2">
             <a:extLst>
               <a:ext uri="{28A0092B-C50C-407E-A947-70E740481C1C}">
                 <a14:useLocalDpi xmlns:a14="http://schemas.microsoft.com/office/drawing/2010/main" val="0"/>
@@ -1351,6 +1444,9 @@
   <p:clrMapOvr>
     <a:masterClrMapping/>
   </p:clrMapOvr>
+  <p:transition spd="slow">
+    <p:push/>
+  </p:transition>
   <p:extLst>
     <p:ext uri="{DCECCB84-F9BA-43D5-87BE-67443E8EF086}">
       <p15:sldGuideLst xmlns:p15="http://schemas.microsoft.com/office/powerpoint/2012/main">
@@ -1406,10 +1502,14 @@
         <p:spPr/>
         <p:txBody>
           <a:bodyPr/>
-          <a:lstStyle/>
-          <a:p>
-            <a:r>
-              <a:rPr kumimoji="1" lang="ja-JP" altLang="en-US"/>
+          <a:lstStyle>
+            <a:lvl1pPr algn="ctr">
+              <a:defRPr/>
+            </a:lvl1pPr>
+          </a:lstStyle>
+          <a:p>
+            <a:r>
+              <a:rPr kumimoji="1" lang="ja-JP" altLang="en-US" dirty="0"/>
               <a:t>マスター タイトルの書式設定</a:t>
             </a:r>
           </a:p>
@@ -1612,6 +1712,87 @@
           <a:xfrm>
             <a:off x="10593237" y="4656088"/>
             <a:ext cx="1388854" cy="1951746"/>
+          </a:xfrm>
+          <a:prstGeom prst="rect">
+            <a:avLst/>
+          </a:prstGeom>
+        </p:spPr>
+      </p:pic>
+      <p:pic>
+        <p:nvPicPr>
+          <p:cNvPr id="8" name="図 7" descr="グラフ, ヒストグラム&#10;&#10;AI によって生成されたコンテンツは間違っている可能性があります。">
+            <a:extLst>
+              <a:ext uri="{FF2B5EF4-FFF2-40B4-BE49-F238E27FC236}">
+                <a16:creationId xmlns:a16="http://schemas.microsoft.com/office/drawing/2014/main" id="{FF2F3AA9-718E-CC3E-E088-82228777AE7A}"/>
+              </a:ext>
+            </a:extLst>
+          </p:cNvPr>
+          <p:cNvPicPr>
+            <a:picLocks noChangeAspect="1"/>
+          </p:cNvPicPr>
+          <p:nvPr userDrawn="1"/>
+        </p:nvPicPr>
+        <p:blipFill>
+          <a:blip r:embed="rId3">
+            <a:alphaModFix amt="20000"/>
+            <a:extLst>
+              <a:ext uri="{BEBA8EAE-BF5A-486C-A8C5-ECC9F3942E4B}">
+                <a14:imgProps xmlns:a14="http://schemas.microsoft.com/office/drawing/2010/main">
+                  <a14:imgLayer r:embed="rId4">
+                    <a14:imgEffect>
+                      <a14:saturation sat="0"/>
+                    </a14:imgEffect>
+                  </a14:imgLayer>
+                </a14:imgProps>
+              </a:ext>
+              <a:ext uri="{28A0092B-C50C-407E-A947-70E740481C1C}">
+                <a14:useLocalDpi xmlns:a14="http://schemas.microsoft.com/office/drawing/2010/main" val="0"/>
+              </a:ext>
+            </a:extLst>
+          </a:blip>
+          <a:stretch>
+            <a:fillRect/>
+          </a:stretch>
+        </p:blipFill>
+        <p:spPr>
+          <a:xfrm>
+            <a:off x="7245928" y="-1202899"/>
+            <a:ext cx="6331527" cy="6331527"/>
+          </a:xfrm>
+          <a:prstGeom prst="rect">
+            <a:avLst/>
+          </a:prstGeom>
+        </p:spPr>
+      </p:pic>
+      <p:pic>
+        <p:nvPicPr>
+          <p:cNvPr id="9" name="図 8">
+            <a:extLst>
+              <a:ext uri="{FF2B5EF4-FFF2-40B4-BE49-F238E27FC236}">
+                <a16:creationId xmlns:a16="http://schemas.microsoft.com/office/drawing/2014/main" id="{31621C01-5EFD-A9A3-BD03-D2255E786664}"/>
+              </a:ext>
+            </a:extLst>
+          </p:cNvPr>
+          <p:cNvPicPr>
+            <a:picLocks noChangeAspect="1"/>
+          </p:cNvPicPr>
+          <p:nvPr userDrawn="1"/>
+        </p:nvPicPr>
+        <p:blipFill>
+          <a:blip r:embed="rId2">
+            <a:extLst>
+              <a:ext uri="{28A0092B-C50C-407E-A947-70E740481C1C}">
+                <a14:useLocalDpi xmlns:a14="http://schemas.microsoft.com/office/drawing/2010/main" val="0"/>
+              </a:ext>
+            </a:extLst>
+          </a:blip>
+          <a:srcRect r="36925" b="11362"/>
+          <a:stretch/>
+        </p:blipFill>
+        <p:spPr>
+          <a:xfrm flipH="1">
+            <a:off x="211659" y="5282270"/>
+            <a:ext cx="943266" cy="1325564"/>
           </a:xfrm>
           <a:prstGeom prst="rect">
             <a:avLst/>
@@ -1628,7 +1809,10 @@
   <p:clrMapOvr>
     <a:masterClrMapping/>
   </p:clrMapOvr>
-  <p:extLst mod="1">
+  <p:transition spd="slow">
+    <p:push/>
+  </p:transition>
+  <p:extLst>
     <p:ext uri="{DCECCB84-F9BA-43D5-87BE-67443E8EF086}">
       <p15:sldGuideLst xmlns:p15="http://schemas.microsoft.com/office/powerpoint/2012/main">
         <p15:guide id="1" orient="horz" pos="890" userDrawn="1">
@@ -1643,6 +1827,320 @@
 </file>
 
 <file path=ppt/slideLayouts/slideLayout3.xml><?xml version="1.0" encoding="utf-8"?>
+<p:sldLayout xmlns:a="http://schemas.openxmlformats.org/drawingml/2006/main" xmlns:r="http://schemas.openxmlformats.org/officeDocument/2006/relationships" xmlns:p="http://schemas.openxmlformats.org/presentationml/2006/main" type="obj" preserve="1">
+  <p:cSld name="1_タイトルとコンテンツ">
+    <p:spTree>
+      <p:nvGrpSpPr>
+        <p:cNvPr id="1" name=""/>
+        <p:cNvGrpSpPr/>
+        <p:nvPr/>
+      </p:nvGrpSpPr>
+      <p:grpSpPr>
+        <a:xfrm>
+          <a:off x="0" y="0"/>
+          <a:ext cx="0" cy="0"/>
+          <a:chOff x="0" y="0"/>
+          <a:chExt cx="0" cy="0"/>
+        </a:xfrm>
+      </p:grpSpPr>
+      <p:sp>
+        <p:nvSpPr>
+          <p:cNvPr id="2" name="タイトル 1">
+            <a:extLst>
+              <a:ext uri="{FF2B5EF4-FFF2-40B4-BE49-F238E27FC236}">
+                <a16:creationId xmlns:a16="http://schemas.microsoft.com/office/drawing/2014/main" id="{A13A33C1-2E90-41EC-B692-951913FE0A09}"/>
+              </a:ext>
+            </a:extLst>
+          </p:cNvPr>
+          <p:cNvSpPr>
+            <a:spLocks noGrp="1"/>
+          </p:cNvSpPr>
+          <p:nvPr>
+            <p:ph type="title"/>
+          </p:nvPr>
+        </p:nvSpPr>
+        <p:spPr/>
+        <p:txBody>
+          <a:bodyPr/>
+          <a:lstStyle>
+            <a:lvl1pPr algn="ctr">
+              <a:defRPr/>
+            </a:lvl1pPr>
+          </a:lstStyle>
+          <a:p>
+            <a:r>
+              <a:rPr kumimoji="1" lang="ja-JP" altLang="en-US" dirty="0"/>
+              <a:t>マスター タイトルの書式設定</a:t>
+            </a:r>
+          </a:p>
+        </p:txBody>
+      </p:sp>
+      <p:sp>
+        <p:nvSpPr>
+          <p:cNvPr id="3" name="コンテンツ プレースホルダー 2">
+            <a:extLst>
+              <a:ext uri="{FF2B5EF4-FFF2-40B4-BE49-F238E27FC236}">
+                <a16:creationId xmlns:a16="http://schemas.microsoft.com/office/drawing/2014/main" id="{D506A3D5-7C9B-46A5-B9D0-2BF2BCBAE932}"/>
+              </a:ext>
+            </a:extLst>
+          </p:cNvPr>
+          <p:cNvSpPr>
+            <a:spLocks noGrp="1"/>
+          </p:cNvSpPr>
+          <p:nvPr>
+            <p:ph idx="1"/>
+          </p:nvPr>
+        </p:nvSpPr>
+        <p:spPr/>
+        <p:txBody>
+          <a:bodyPr/>
+          <a:lstStyle/>
+          <a:p>
+            <a:pPr lvl="0"/>
+            <a:r>
+              <a:rPr kumimoji="1" lang="ja-JP" altLang="en-US"/>
+              <a:t>マスター テキストの書式設定</a:t>
+            </a:r>
+          </a:p>
+          <a:p>
+            <a:pPr lvl="1"/>
+            <a:r>
+              <a:rPr kumimoji="1" lang="ja-JP" altLang="en-US"/>
+              <a:t>第 </a:t>
+            </a:r>
+            <a:r>
+              <a:rPr kumimoji="1" lang="en-US" altLang="ja-JP"/>
+              <a:t>2 </a:t>
+            </a:r>
+            <a:r>
+              <a:rPr kumimoji="1" lang="ja-JP" altLang="en-US"/>
+              <a:t>レベル</a:t>
+            </a:r>
+          </a:p>
+          <a:p>
+            <a:pPr lvl="2"/>
+            <a:r>
+              <a:rPr kumimoji="1" lang="ja-JP" altLang="en-US"/>
+              <a:t>第 </a:t>
+            </a:r>
+            <a:r>
+              <a:rPr kumimoji="1" lang="en-US" altLang="ja-JP"/>
+              <a:t>3 </a:t>
+            </a:r>
+            <a:r>
+              <a:rPr kumimoji="1" lang="ja-JP" altLang="en-US"/>
+              <a:t>レベル</a:t>
+            </a:r>
+          </a:p>
+          <a:p>
+            <a:pPr lvl="3"/>
+            <a:r>
+              <a:rPr kumimoji="1" lang="ja-JP" altLang="en-US"/>
+              <a:t>第 </a:t>
+            </a:r>
+            <a:r>
+              <a:rPr kumimoji="1" lang="en-US" altLang="ja-JP"/>
+              <a:t>4 </a:t>
+            </a:r>
+            <a:r>
+              <a:rPr kumimoji="1" lang="ja-JP" altLang="en-US"/>
+              <a:t>レベル</a:t>
+            </a:r>
+          </a:p>
+          <a:p>
+            <a:pPr lvl="4"/>
+            <a:r>
+              <a:rPr kumimoji="1" lang="ja-JP" altLang="en-US"/>
+              <a:t>第 </a:t>
+            </a:r>
+            <a:r>
+              <a:rPr kumimoji="1" lang="en-US" altLang="ja-JP"/>
+              <a:t>5 </a:t>
+            </a:r>
+            <a:r>
+              <a:rPr kumimoji="1" lang="ja-JP" altLang="en-US"/>
+              <a:t>レベル</a:t>
+            </a:r>
+          </a:p>
+        </p:txBody>
+      </p:sp>
+      <p:sp>
+        <p:nvSpPr>
+          <p:cNvPr id="4" name="日付プレースホルダー 3">
+            <a:extLst>
+              <a:ext uri="{FF2B5EF4-FFF2-40B4-BE49-F238E27FC236}">
+                <a16:creationId xmlns:a16="http://schemas.microsoft.com/office/drawing/2014/main" id="{6AB9C31A-9575-4E2D-AD01-181B505DA7F1}"/>
+              </a:ext>
+            </a:extLst>
+          </p:cNvPr>
+          <p:cNvSpPr>
+            <a:spLocks noGrp="1"/>
+          </p:cNvSpPr>
+          <p:nvPr>
+            <p:ph type="dt" sz="half" idx="10"/>
+          </p:nvPr>
+        </p:nvSpPr>
+        <p:spPr/>
+        <p:txBody>
+          <a:bodyPr/>
+          <a:lstStyle/>
+          <a:p>
+            <a:endParaRPr kumimoji="1" lang="ja-JP" altLang="en-US"/>
+          </a:p>
+        </p:txBody>
+      </p:sp>
+      <p:sp>
+        <p:nvSpPr>
+          <p:cNvPr id="5" name="フッター プレースホルダー 4">
+            <a:extLst>
+              <a:ext uri="{FF2B5EF4-FFF2-40B4-BE49-F238E27FC236}">
+                <a16:creationId xmlns:a16="http://schemas.microsoft.com/office/drawing/2014/main" id="{156E73EE-9BDF-4D80-AA01-E18179AEEBCC}"/>
+              </a:ext>
+            </a:extLst>
+          </p:cNvPr>
+          <p:cNvSpPr>
+            <a:spLocks noGrp="1"/>
+          </p:cNvSpPr>
+          <p:nvPr>
+            <p:ph type="ftr" sz="quarter" idx="11"/>
+          </p:nvPr>
+        </p:nvSpPr>
+        <p:spPr/>
+        <p:txBody>
+          <a:bodyPr/>
+          <a:lstStyle/>
+          <a:p>
+            <a:endParaRPr kumimoji="1" lang="ja-JP" altLang="en-US"/>
+          </a:p>
+        </p:txBody>
+      </p:sp>
+      <p:sp>
+        <p:nvSpPr>
+          <p:cNvPr id="6" name="スライド番号プレースホルダー 5">
+            <a:extLst>
+              <a:ext uri="{FF2B5EF4-FFF2-40B4-BE49-F238E27FC236}">
+                <a16:creationId xmlns:a16="http://schemas.microsoft.com/office/drawing/2014/main" id="{7CEEA539-90F0-435B-8B3E-6CDA19547FCB}"/>
+              </a:ext>
+            </a:extLst>
+          </p:cNvPr>
+          <p:cNvSpPr>
+            <a:spLocks noGrp="1"/>
+          </p:cNvSpPr>
+          <p:nvPr>
+            <p:ph type="sldNum" sz="quarter" idx="12"/>
+          </p:nvPr>
+        </p:nvSpPr>
+        <p:spPr/>
+        <p:txBody>
+          <a:bodyPr/>
+          <a:lstStyle/>
+          <a:p>
+            <a:fld id="{131D73D8-14F5-4D69-99A1-794EA162E220}" type="slidenum">
+              <a:rPr kumimoji="1" lang="ja-JP" altLang="en-US" smtClean="0"/>
+              <a:t>‹#›</a:t>
+            </a:fld>
+            <a:endParaRPr kumimoji="1" lang="ja-JP" altLang="en-US"/>
+          </a:p>
+        </p:txBody>
+      </p:sp>
+      <p:pic>
+        <p:nvPicPr>
+          <p:cNvPr id="7" name="図 6">
+            <a:extLst>
+              <a:ext uri="{FF2B5EF4-FFF2-40B4-BE49-F238E27FC236}">
+                <a16:creationId xmlns:a16="http://schemas.microsoft.com/office/drawing/2014/main" id="{2D3FCD48-C691-F0CE-E92A-BBC85A020420}"/>
+              </a:ext>
+            </a:extLst>
+          </p:cNvPr>
+          <p:cNvPicPr>
+            <a:picLocks noChangeAspect="1"/>
+          </p:cNvPicPr>
+          <p:nvPr userDrawn="1"/>
+        </p:nvPicPr>
+        <p:blipFill>
+          <a:blip r:embed="rId2">
+            <a:extLst>
+              <a:ext uri="{28A0092B-C50C-407E-A947-70E740481C1C}">
+                <a14:useLocalDpi xmlns:a14="http://schemas.microsoft.com/office/drawing/2010/main" val="0"/>
+              </a:ext>
+            </a:extLst>
+          </a:blip>
+          <a:srcRect r="36925" b="11362"/>
+          <a:stretch/>
+        </p:blipFill>
+        <p:spPr>
+          <a:xfrm>
+            <a:off x="10593237" y="4656088"/>
+            <a:ext cx="1388854" cy="1951746"/>
+          </a:xfrm>
+          <a:prstGeom prst="rect">
+            <a:avLst/>
+          </a:prstGeom>
+        </p:spPr>
+      </p:pic>
+      <p:pic>
+        <p:nvPicPr>
+          <p:cNvPr id="9" name="図 8">
+            <a:extLst>
+              <a:ext uri="{FF2B5EF4-FFF2-40B4-BE49-F238E27FC236}">
+                <a16:creationId xmlns:a16="http://schemas.microsoft.com/office/drawing/2014/main" id="{31621C01-5EFD-A9A3-BD03-D2255E786664}"/>
+              </a:ext>
+            </a:extLst>
+          </p:cNvPr>
+          <p:cNvPicPr>
+            <a:picLocks noChangeAspect="1"/>
+          </p:cNvPicPr>
+          <p:nvPr userDrawn="1"/>
+        </p:nvPicPr>
+        <p:blipFill>
+          <a:blip r:embed="rId2">
+            <a:extLst>
+              <a:ext uri="{28A0092B-C50C-407E-A947-70E740481C1C}">
+                <a14:useLocalDpi xmlns:a14="http://schemas.microsoft.com/office/drawing/2010/main" val="0"/>
+              </a:ext>
+            </a:extLst>
+          </a:blip>
+          <a:srcRect r="36925" b="11362"/>
+          <a:stretch/>
+        </p:blipFill>
+        <p:spPr>
+          <a:xfrm flipH="1">
+            <a:off x="211659" y="5282270"/>
+            <a:ext cx="943266" cy="1325564"/>
+          </a:xfrm>
+          <a:prstGeom prst="rect">
+            <a:avLst/>
+          </a:prstGeom>
+        </p:spPr>
+      </p:pic>
+    </p:spTree>
+    <p:extLst>
+      <p:ext uri="{BB962C8B-B14F-4D97-AF65-F5344CB8AC3E}">
+        <p14:creationId xmlns:p14="http://schemas.microsoft.com/office/powerpoint/2010/main" val="99819660"/>
+      </p:ext>
+    </p:extLst>
+  </p:cSld>
+  <p:clrMapOvr>
+    <a:masterClrMapping/>
+  </p:clrMapOvr>
+  <p:transition spd="slow">
+    <p:push/>
+  </p:transition>
+  <p:extLst>
+    <p:ext uri="{DCECCB84-F9BA-43D5-87BE-67443E8EF086}">
+      <p15:sldGuideLst xmlns:p15="http://schemas.microsoft.com/office/powerpoint/2012/main">
+        <p15:guide id="1" orient="horz" pos="890">
+          <p15:clr>
+            <a:srgbClr val="FBAE40"/>
+          </p15:clr>
+        </p15:guide>
+      </p15:sldGuideLst>
+    </p:ext>
+  </p:extLst>
+</p:sldLayout>
+</file>
+
+<file path=ppt/slideLayouts/slideLayout4.xml><?xml version="1.0" encoding="utf-8"?>
 <p:sldLayout xmlns:a="http://schemas.openxmlformats.org/drawingml/2006/main" xmlns:r="http://schemas.openxmlformats.org/officeDocument/2006/relationships" xmlns:p="http://schemas.openxmlformats.org/presentationml/2006/main" preserve="1" userDrawn="1">
   <p:cSld name="セクション見出し">
     <p:spTree>
@@ -1659,121 +2157,6 @@
           <a:chExt cx="0" cy="0"/>
         </a:xfrm>
       </p:grpSpPr>
-      <p:pic>
-        <p:nvPicPr>
-          <p:cNvPr id="6" name="図 5">
-            <a:extLst>
-              <a:ext uri="{FF2B5EF4-FFF2-40B4-BE49-F238E27FC236}">
-                <a16:creationId xmlns:a16="http://schemas.microsoft.com/office/drawing/2014/main" id="{2C639E4A-5F80-4382-BFE8-126E54828C71}"/>
-              </a:ext>
-            </a:extLst>
-          </p:cNvPr>
-          <p:cNvPicPr>
-            <a:picLocks noChangeAspect="1"/>
-          </p:cNvPicPr>
-          <p:nvPr userDrawn="1"/>
-        </p:nvPicPr>
-        <p:blipFill>
-          <a:blip r:embed="rId2">
-            <a:extLst>
-              <a:ext uri="{28A0092B-C50C-407E-A947-70E740481C1C}">
-                <a14:useLocalDpi xmlns:a14="http://schemas.microsoft.com/office/drawing/2010/main" val="0"/>
-              </a:ext>
-            </a:extLst>
-          </a:blip>
-          <a:stretch>
-            <a:fillRect/>
-          </a:stretch>
-        </p:blipFill>
-        <p:spPr>
-          <a:xfrm>
-            <a:off x="9661800" y="98898"/>
-            <a:ext cx="1692000" cy="1692000"/>
-          </a:xfrm>
-          <a:prstGeom prst="rect">
-            <a:avLst/>
-          </a:prstGeom>
-        </p:spPr>
-      </p:pic>
-      <p:pic>
-        <p:nvPicPr>
-          <p:cNvPr id="9" name="図 8">
-            <a:extLst>
-              <a:ext uri="{FF2B5EF4-FFF2-40B4-BE49-F238E27FC236}">
-                <a16:creationId xmlns:a16="http://schemas.microsoft.com/office/drawing/2014/main" id="{E215FD0E-D2B2-4A40-B0B5-79BD4419E0DA}"/>
-              </a:ext>
-            </a:extLst>
-          </p:cNvPr>
-          <p:cNvPicPr>
-            <a:picLocks noChangeAspect="1"/>
-          </p:cNvPicPr>
-          <p:nvPr userDrawn="1"/>
-        </p:nvPicPr>
-        <p:blipFill>
-          <a:blip r:embed="rId3">
-            <a:extLst>
-              <a:ext uri="{28A0092B-C50C-407E-A947-70E740481C1C}">
-                <a14:useLocalDpi xmlns:a14="http://schemas.microsoft.com/office/drawing/2010/main" val="0"/>
-              </a:ext>
-            </a:extLst>
-          </a:blip>
-          <a:stretch>
-            <a:fillRect/>
-          </a:stretch>
-        </p:blipFill>
-        <p:spPr>
-          <a:xfrm>
-            <a:off x="1665768" y="554634"/>
-            <a:ext cx="1012104" cy="1012104"/>
-          </a:xfrm>
-          <a:prstGeom prst="rect">
-            <a:avLst/>
-          </a:prstGeom>
-        </p:spPr>
-      </p:pic>
-      <p:pic>
-        <p:nvPicPr>
-          <p:cNvPr id="11" name="図 10">
-            <a:extLst>
-              <a:ext uri="{FF2B5EF4-FFF2-40B4-BE49-F238E27FC236}">
-                <a16:creationId xmlns:a16="http://schemas.microsoft.com/office/drawing/2014/main" id="{74A3A40C-65C4-4F6A-BCFC-07548A0FD5C4}"/>
-              </a:ext>
-            </a:extLst>
-          </p:cNvPr>
-          <p:cNvPicPr>
-            <a:picLocks noChangeAspect="1"/>
-          </p:cNvPicPr>
-          <p:nvPr userDrawn="1"/>
-        </p:nvPicPr>
-        <p:blipFill>
-          <a:blip r:embed="rId3">
-            <a:extLst>
-              <a:ext uri="{28A0092B-C50C-407E-A947-70E740481C1C}">
-                <a14:useLocalDpi xmlns:a14="http://schemas.microsoft.com/office/drawing/2010/main" val="0"/>
-              </a:ext>
-            </a:extLst>
-          </a:blip>
-          <a:stretch>
-            <a:fillRect/>
-          </a:stretch>
-        </p:blipFill>
-        <p:spPr>
-          <a:xfrm>
-            <a:off x="928140" y="323058"/>
-            <a:ext cx="1243680" cy="1243680"/>
-          </a:xfrm>
-          <a:prstGeom prst="rect">
-            <a:avLst/>
-          </a:prstGeom>
-          <a:effectLst>
-            <a:outerShdw blurRad="50800" dist="38100" dir="2700000" algn="tl" rotWithShape="0">
-              <a:prstClr val="black">
-                <a:alpha val="40000"/>
-              </a:prstClr>
-            </a:outerShdw>
-          </a:effectLst>
-        </p:spPr>
-      </p:pic>
       <p:sp>
         <p:nvSpPr>
           <p:cNvPr id="7" name="正方形/長方形 6">
@@ -1867,6 +2250,108 @@
           </a:p>
         </p:txBody>
       </p:sp>
+      <p:pic>
+        <p:nvPicPr>
+          <p:cNvPr id="6" name="図 5">
+            <a:extLst>
+              <a:ext uri="{FF2B5EF4-FFF2-40B4-BE49-F238E27FC236}">
+                <a16:creationId xmlns:a16="http://schemas.microsoft.com/office/drawing/2014/main" id="{2C639E4A-5F80-4382-BFE8-126E54828C71}"/>
+              </a:ext>
+            </a:extLst>
+          </p:cNvPr>
+          <p:cNvPicPr>
+            <a:picLocks noChangeAspect="1"/>
+          </p:cNvPicPr>
+          <p:nvPr userDrawn="1"/>
+        </p:nvPicPr>
+        <p:blipFill>
+          <a:blip r:embed="rId2">
+            <a:alphaModFix amt="50000"/>
+            <a:lum bright="70000" contrast="-70000"/>
+            <a:extLst>
+              <a:ext uri="{BEBA8EAE-BF5A-486C-A8C5-ECC9F3942E4B}">
+                <a14:imgProps xmlns:a14="http://schemas.microsoft.com/office/drawing/2010/main">
+                  <a14:imgLayer r:embed="rId3">
+                    <a14:imgEffect>
+                      <a14:colorTemperature colorTemp="11200"/>
+                    </a14:imgEffect>
+                    <a14:imgEffect>
+                      <a14:saturation sat="0"/>
+                    </a14:imgEffect>
+                  </a14:imgLayer>
+                </a14:imgProps>
+              </a:ext>
+              <a:ext uri="{28A0092B-C50C-407E-A947-70E740481C1C}">
+                <a14:useLocalDpi xmlns:a14="http://schemas.microsoft.com/office/drawing/2010/main" val="0"/>
+              </a:ext>
+            </a:extLst>
+          </a:blip>
+          <a:stretch>
+            <a:fillRect/>
+          </a:stretch>
+        </p:blipFill>
+        <p:spPr>
+          <a:xfrm>
+            <a:off x="9322777" y="2103804"/>
+            <a:ext cx="4062046" cy="4062046"/>
+          </a:xfrm>
+          <a:prstGeom prst="rect">
+            <a:avLst/>
+          </a:prstGeom>
+          <a:effectLst/>
+        </p:spPr>
+      </p:pic>
+      <p:pic>
+        <p:nvPicPr>
+          <p:cNvPr id="4" name="図 3">
+            <a:extLst>
+              <a:ext uri="{FF2B5EF4-FFF2-40B4-BE49-F238E27FC236}">
+                <a16:creationId xmlns:a16="http://schemas.microsoft.com/office/drawing/2014/main" id="{53668F5D-C8A5-ABDE-2614-264F8F97DC12}"/>
+              </a:ext>
+            </a:extLst>
+          </p:cNvPr>
+          <p:cNvPicPr>
+            <a:picLocks noChangeAspect="1"/>
+          </p:cNvPicPr>
+          <p:nvPr userDrawn="1"/>
+        </p:nvPicPr>
+        <p:blipFill>
+          <a:blip r:embed="rId4">
+            <a:biLevel thresh="25000"/>
+            <a:alphaModFix amt="50000"/>
+            <a:extLst>
+              <a:ext uri="{BEBA8EAE-BF5A-486C-A8C5-ECC9F3942E4B}">
+                <a14:imgProps xmlns:a14="http://schemas.microsoft.com/office/drawing/2010/main">
+                  <a14:imgLayer r:embed="rId5">
+                    <a14:imgEffect>
+                      <a14:colorTemperature colorTemp="11200"/>
+                    </a14:imgEffect>
+                    <a14:imgEffect>
+                      <a14:saturation sat="0"/>
+                    </a14:imgEffect>
+                  </a14:imgLayer>
+                </a14:imgProps>
+              </a:ext>
+              <a:ext uri="{28A0092B-C50C-407E-A947-70E740481C1C}">
+                <a14:useLocalDpi xmlns:a14="http://schemas.microsoft.com/office/drawing/2010/main" val="0"/>
+              </a:ext>
+            </a:extLst>
+          </a:blip>
+          <a:stretch>
+            <a:fillRect/>
+          </a:stretch>
+        </p:blipFill>
+        <p:spPr>
+          <a:xfrm>
+            <a:off x="-927665" y="2182566"/>
+            <a:ext cx="3671328" cy="3671328"/>
+          </a:xfrm>
+          <a:prstGeom prst="rect">
+            <a:avLst/>
+          </a:prstGeom>
+          <a:effectLst/>
+        </p:spPr>
+      </p:pic>
     </p:spTree>
     <p:extLst>
       <p:ext uri="{BB962C8B-B14F-4D97-AF65-F5344CB8AC3E}">
@@ -1877,10 +2362,13 @@
   <p:clrMapOvr>
     <a:masterClrMapping/>
   </p:clrMapOvr>
+  <p:transition spd="slow">
+    <p:push/>
+  </p:transition>
 </p:sldLayout>
 </file>
 
-<file path=ppt/slideLayouts/slideLayout4.xml><?xml version="1.0" encoding="utf-8"?>
+<file path=ppt/slideLayouts/slideLayout5.xml><?xml version="1.0" encoding="utf-8"?>
 <p:sldLayout xmlns:a="http://schemas.openxmlformats.org/drawingml/2006/main" xmlns:r="http://schemas.openxmlformats.org/officeDocument/2006/relationships" xmlns:p="http://schemas.openxmlformats.org/presentationml/2006/main" type="twoObj" preserve="1">
   <p:cSld name="2 つのコンテンツ">
     <p:spTree>
@@ -2237,10 +2725,13 @@
   <p:clrMapOvr>
     <a:masterClrMapping/>
   </p:clrMapOvr>
+  <p:transition spd="slow">
+    <p:push/>
+  </p:transition>
 </p:sldLayout>
 </file>
 
-<file path=ppt/slideLayouts/slideLayout5.xml><?xml version="1.0" encoding="utf-8"?>
+<file path=ppt/slideLayouts/slideLayout6.xml><?xml version="1.0" encoding="utf-8"?>
 <p:sldLayout xmlns:a="http://schemas.openxmlformats.org/drawingml/2006/main" xmlns:r="http://schemas.openxmlformats.org/officeDocument/2006/relationships" xmlns:p="http://schemas.openxmlformats.org/presentationml/2006/main" type="twoTxTwoObj" preserve="1">
   <p:cSld name="比較">
     <p:spTree>
@@ -2744,10 +3235,13 @@
   <p:clrMapOvr>
     <a:masterClrMapping/>
   </p:clrMapOvr>
+  <p:transition spd="slow">
+    <p:push/>
+  </p:transition>
 </p:sldLayout>
 </file>
 
-<file path=ppt/slideLayouts/slideLayout6.xml><?xml version="1.0" encoding="utf-8"?>
+<file path=ppt/slideLayouts/slideLayout7.xml><?xml version="1.0" encoding="utf-8"?>
 <p:sldLayout xmlns:a="http://schemas.openxmlformats.org/drawingml/2006/main" xmlns:r="http://schemas.openxmlformats.org/officeDocument/2006/relationships" xmlns:p="http://schemas.openxmlformats.org/presentationml/2006/main" type="titleOnly" preserve="1">
   <p:cSld name="タイトルのみ">
     <p:spTree>
@@ -2916,10 +3410,13 @@
   <p:clrMapOvr>
     <a:masterClrMapping/>
   </p:clrMapOvr>
+  <p:transition spd="slow">
+    <p:push/>
+  </p:transition>
 </p:sldLayout>
 </file>
 
-<file path=ppt/slideLayouts/slideLayout7.xml><?xml version="1.0" encoding="utf-8"?>
+<file path=ppt/slideLayouts/slideLayout8.xml><?xml version="1.0" encoding="utf-8"?>
 <p:sldLayout xmlns:a="http://schemas.openxmlformats.org/drawingml/2006/main" xmlns:r="http://schemas.openxmlformats.org/officeDocument/2006/relationships" xmlns:p="http://schemas.openxmlformats.org/presentationml/2006/main" type="blank" preserve="1">
   <p:cSld name="白紙">
     <p:spTree>
@@ -3060,6 +3557,9 @@
   <p:clrMapOvr>
     <a:masterClrMapping/>
   </p:clrMapOvr>
+  <p:transition spd="slow">
+    <p:push/>
+  </p:transition>
 </p:sldLayout>
 </file>
 
@@ -3417,12 +3917,16 @@
   <p:sldLayoutIdLst>
     <p:sldLayoutId id="2147483649" r:id="rId1"/>
     <p:sldLayoutId id="2147483650" r:id="rId2"/>
-    <p:sldLayoutId id="2147483651" r:id="rId3"/>
-    <p:sldLayoutId id="2147483652" r:id="rId4"/>
-    <p:sldLayoutId id="2147483653" r:id="rId5"/>
-    <p:sldLayoutId id="2147483654" r:id="rId6"/>
-    <p:sldLayoutId id="2147483655" r:id="rId7"/>
+    <p:sldLayoutId id="2147483656" r:id="rId3"/>
+    <p:sldLayoutId id="2147483651" r:id="rId4"/>
+    <p:sldLayoutId id="2147483652" r:id="rId5"/>
+    <p:sldLayoutId id="2147483653" r:id="rId6"/>
+    <p:sldLayoutId id="2147483654" r:id="rId7"/>
+    <p:sldLayoutId id="2147483655" r:id="rId8"/>
   </p:sldLayoutIdLst>
+  <p:transition spd="slow">
+    <p:push/>
+  </p:transition>
   <p:hf sldNum="0" hdr="0" ftr="0" dt="0"/>
   <p:txStyles>
     <p:titleStyle>
@@ -3704,7 +4208,7 @@
       </a:lvl9pPr>
     </p:otherStyle>
   </p:txStyles>
-  <p:extLst mod="1">
+  <p:extLst>
     <p:ext uri="{27BBF7A9-308A-43DC-89C8-2F10F3537804}">
       <p15:sldGuideLst xmlns:p15="http://schemas.microsoft.com/office/powerpoint/2012/main">
         <p15:guide id="1" orient="horz" pos="3884" userDrawn="1">
@@ -3740,6 +4244,52 @@
           <a:chExt cx="0" cy="0"/>
         </a:xfrm>
       </p:grpSpPr>
+      <p:pic>
+        <p:nvPicPr>
+          <p:cNvPr id="6" name="図 5" descr="グラフ, ヒストグラム&#10;&#10;AI によって生成されたコンテンツは間違っている可能性があります。">
+            <a:extLst>
+              <a:ext uri="{FF2B5EF4-FFF2-40B4-BE49-F238E27FC236}">
+                <a16:creationId xmlns:a16="http://schemas.microsoft.com/office/drawing/2014/main" id="{8CF81AE9-E3CC-BEF8-528B-F3E1AB278B9B}"/>
+              </a:ext>
+            </a:extLst>
+          </p:cNvPr>
+          <p:cNvPicPr>
+            <a:picLocks noChangeAspect="1"/>
+          </p:cNvPicPr>
+          <p:nvPr/>
+        </p:nvPicPr>
+        <p:blipFill>
+          <a:blip r:embed="rId2">
+            <a:alphaModFix amt="20000"/>
+            <a:extLst>
+              <a:ext uri="{BEBA8EAE-BF5A-486C-A8C5-ECC9F3942E4B}">
+                <a14:imgProps xmlns:a14="http://schemas.microsoft.com/office/drawing/2010/main">
+                  <a14:imgLayer r:embed="rId3">
+                    <a14:imgEffect>
+                      <a14:saturation sat="0"/>
+                    </a14:imgEffect>
+                  </a14:imgLayer>
+                </a14:imgProps>
+              </a:ext>
+              <a:ext uri="{28A0092B-C50C-407E-A947-70E740481C1C}">
+                <a14:useLocalDpi xmlns:a14="http://schemas.microsoft.com/office/drawing/2010/main" val="0"/>
+              </a:ext>
+            </a:extLst>
+          </a:blip>
+          <a:stretch>
+            <a:fillRect/>
+          </a:stretch>
+        </p:blipFill>
+        <p:spPr>
+          <a:xfrm>
+            <a:off x="7245928" y="-1202899"/>
+            <a:ext cx="6331527" cy="6331527"/>
+          </a:xfrm>
+          <a:prstGeom prst="rect">
+            <a:avLst/>
+          </a:prstGeom>
+        </p:spPr>
+      </p:pic>
       <p:sp>
         <p:nvSpPr>
           <p:cNvPr id="2" name="タイトル 1">
@@ -3758,22 +4308,15 @@
         </p:nvSpPr>
         <p:spPr/>
         <p:txBody>
-          <a:bodyPr/>
+          <a:bodyPr>
+            <a:normAutofit/>
+          </a:bodyPr>
           <a:lstStyle/>
           <a:p>
             <a:r>
-              <a:rPr kumimoji="1" lang="en-US" altLang="ja-JP" dirty="0"/>
-              <a:t>LOGO</a:t>
-            </a:r>
-            <a:r>
               <a:rPr kumimoji="1" lang="ja-JP" altLang="en-US" dirty="0"/>
-              <a:t>が</a:t>
-            </a:r>
-            <a:r>
-              <a:rPr kumimoji="1" lang="en-US" altLang="ja-JP" dirty="0"/>
-              <a:t>DOOOON</a:t>
-            </a:r>
-            <a:endParaRPr kumimoji="1" lang="ja-JP" altLang="en-US" dirty="0"/>
+              <a:t>タイトルが思いつかない</a:t>
+            </a:r>
           </a:p>
         </p:txBody>
       </p:sp>
@@ -3805,6 +4348,42 @@
           </a:p>
         </p:txBody>
       </p:sp>
+      <p:pic>
+        <p:nvPicPr>
+          <p:cNvPr id="5" name="図 4" descr="グラフ, ヒストグラム&#10;&#10;AI によって生成されたコンテンツは間違っている可能性があります。">
+            <a:extLst>
+              <a:ext uri="{FF2B5EF4-FFF2-40B4-BE49-F238E27FC236}">
+                <a16:creationId xmlns:a16="http://schemas.microsoft.com/office/drawing/2014/main" id="{23E5619A-6DAF-B55E-553B-D49A992341CA}"/>
+              </a:ext>
+            </a:extLst>
+          </p:cNvPr>
+          <p:cNvPicPr>
+            <a:picLocks noChangeAspect="1"/>
+          </p:cNvPicPr>
+          <p:nvPr/>
+        </p:nvPicPr>
+        <p:blipFill>
+          <a:blip r:embed="rId4">
+            <a:extLst>
+              <a:ext uri="{28A0092B-C50C-407E-A947-70E740481C1C}">
+                <a14:useLocalDpi xmlns:a14="http://schemas.microsoft.com/office/drawing/2010/main" val="0"/>
+              </a:ext>
+            </a:extLst>
+          </a:blip>
+          <a:stretch>
+            <a:fillRect/>
+          </a:stretch>
+        </p:blipFill>
+        <p:spPr>
+          <a:xfrm>
+            <a:off x="8395855" y="-1202899"/>
+            <a:ext cx="5181600" cy="5181600"/>
+          </a:xfrm>
+          <a:prstGeom prst="rect">
+            <a:avLst/>
+          </a:prstGeom>
+        </p:spPr>
+      </p:pic>
     </p:spTree>
     <p:extLst>
       <p:ext uri="{BB962C8B-B14F-4D97-AF65-F5344CB8AC3E}">
@@ -3815,10 +4394,1346 @@
   <p:clrMapOvr>
     <a:masterClrMapping/>
   </p:clrMapOvr>
+  <mc:AlternateContent xmlns:mc="http://schemas.openxmlformats.org/markup-compatibility/2006" xmlns:p14="http://schemas.microsoft.com/office/powerpoint/2010/main">
+    <mc:Choice Requires="p14">
+      <p:transition p14:dur="0"/>
+    </mc:Choice>
+    <mc:Fallback xmlns="">
+      <p:transition/>
+    </mc:Fallback>
+  </mc:AlternateContent>
 </p:sld>
 </file>
 
 <file path=ppt/slides/slide10.xml><?xml version="1.0" encoding="utf-8"?>
+<p:sld xmlns:a="http://schemas.openxmlformats.org/drawingml/2006/main" xmlns:r="http://schemas.openxmlformats.org/officeDocument/2006/relationships" xmlns:p="http://schemas.openxmlformats.org/presentationml/2006/main">
+  <p:cSld>
+    <p:spTree>
+      <p:nvGrpSpPr>
+        <p:cNvPr id="1" name="">
+          <a:extLst>
+            <a:ext uri="{FF2B5EF4-FFF2-40B4-BE49-F238E27FC236}">
+              <a16:creationId xmlns:a16="http://schemas.microsoft.com/office/drawing/2014/main" id="{F3AFA5F9-7FF3-D7F9-0B1D-0F079335B6C1}"/>
+            </a:ext>
+          </a:extLst>
+        </p:cNvPr>
+        <p:cNvGrpSpPr/>
+        <p:nvPr/>
+      </p:nvGrpSpPr>
+      <p:grpSpPr>
+        <a:xfrm>
+          <a:off x="0" y="0"/>
+          <a:ext cx="0" cy="0"/>
+          <a:chOff x="0" y="0"/>
+          <a:chExt cx="0" cy="0"/>
+        </a:xfrm>
+      </p:grpSpPr>
+      <p:sp>
+        <p:nvSpPr>
+          <p:cNvPr id="2" name="タイトル 1">
+            <a:extLst>
+              <a:ext uri="{FF2B5EF4-FFF2-40B4-BE49-F238E27FC236}">
+                <a16:creationId xmlns:a16="http://schemas.microsoft.com/office/drawing/2014/main" id="{0157EA9F-ED44-3C25-B81A-13225D57B63D}"/>
+              </a:ext>
+            </a:extLst>
+          </p:cNvPr>
+          <p:cNvSpPr>
+            <a:spLocks noGrp="1"/>
+          </p:cNvSpPr>
+          <p:nvPr>
+            <p:ph type="title"/>
+          </p:nvPr>
+        </p:nvSpPr>
+        <p:spPr/>
+        <p:txBody>
+          <a:bodyPr/>
+          <a:lstStyle/>
+          <a:p>
+            <a:r>
+              <a:rPr lang="ja-JP" altLang="en-US" dirty="0"/>
+              <a:t>素材を集める</a:t>
+            </a:r>
+            <a:endParaRPr kumimoji="1" lang="ja-JP" altLang="en-US" dirty="0"/>
+          </a:p>
+        </p:txBody>
+      </p:sp>
+      <p:pic>
+        <p:nvPicPr>
+          <p:cNvPr id="5" name="図 4" descr="テーブル, 記号 が含まれている画像&#10;&#10;AI によって生成されたコンテンツは間違っている可能性があります。">
+            <a:extLst>
+              <a:ext uri="{FF2B5EF4-FFF2-40B4-BE49-F238E27FC236}">
+                <a16:creationId xmlns:a16="http://schemas.microsoft.com/office/drawing/2014/main" id="{6416EA7C-7555-D362-7911-E0B1FFEC3289}"/>
+              </a:ext>
+            </a:extLst>
+          </p:cNvPr>
+          <p:cNvPicPr>
+            <a:picLocks noChangeAspect="1"/>
+          </p:cNvPicPr>
+          <p:nvPr/>
+        </p:nvPicPr>
+        <p:blipFill>
+          <a:blip r:embed="rId2">
+            <a:extLst>
+              <a:ext uri="{28A0092B-C50C-407E-A947-70E740481C1C}">
+                <a14:useLocalDpi xmlns:a14="http://schemas.microsoft.com/office/drawing/2010/main" val="0"/>
+              </a:ext>
+            </a:extLst>
+          </a:blip>
+          <a:srcRect l="70966" t="19505" r="1" b="19423"/>
+          <a:stretch/>
+        </p:blipFill>
+        <p:spPr>
+          <a:xfrm>
+            <a:off x="8458200" y="1805268"/>
+            <a:ext cx="2895600" cy="4060644"/>
+          </a:xfrm>
+          <a:prstGeom prst="rect">
+            <a:avLst/>
+          </a:prstGeom>
+          <a:effectLst>
+            <a:softEdge rad="31750"/>
+          </a:effectLst>
+        </p:spPr>
+      </p:pic>
+      <p:sp>
+        <p:nvSpPr>
+          <p:cNvPr id="7" name="テキスト ボックス 6">
+            <a:extLst>
+              <a:ext uri="{FF2B5EF4-FFF2-40B4-BE49-F238E27FC236}">
+                <a16:creationId xmlns:a16="http://schemas.microsoft.com/office/drawing/2014/main" id="{4D350403-2EB0-D9A5-D228-3B6F9EEE9C0E}"/>
+              </a:ext>
+            </a:extLst>
+          </p:cNvPr>
+          <p:cNvSpPr txBox="1"/>
+          <p:nvPr/>
+        </p:nvSpPr>
+        <p:spPr>
+          <a:xfrm>
+            <a:off x="838200" y="1690688"/>
+            <a:ext cx="6225702" cy="830997"/>
+          </a:xfrm>
+          <a:prstGeom prst="rect">
+            <a:avLst/>
+          </a:prstGeom>
+          <a:noFill/>
+        </p:spPr>
+        <p:txBody>
+          <a:bodyPr wrap="square" rtlCol="0">
+            <a:spAutoFit/>
+          </a:bodyPr>
+          <a:lstStyle/>
+          <a:p>
+            <a:r>
+              <a:rPr lang="ja-JP" altLang="en-US" sz="2800" dirty="0"/>
+              <a:t>種類は固定で３種類にする</a:t>
+            </a:r>
+            <a:endParaRPr lang="en-US" altLang="ja-JP" sz="2800" dirty="0"/>
+          </a:p>
+          <a:p>
+            <a:r>
+              <a:rPr lang="en-US" altLang="ja-JP" sz="2000" dirty="0"/>
+              <a:t>※</a:t>
+            </a:r>
+            <a:r>
+              <a:rPr lang="ja-JP" altLang="en-US" sz="2000" dirty="0"/>
+              <a:t>素材種類は確定していません</a:t>
+            </a:r>
+            <a:endParaRPr kumimoji="1" lang="ja-JP" altLang="en-US" sz="2000" dirty="0"/>
+          </a:p>
+        </p:txBody>
+      </p:sp>
+      <p:sp>
+        <p:nvSpPr>
+          <p:cNvPr id="8" name="テキスト ボックス 7">
+            <a:extLst>
+              <a:ext uri="{FF2B5EF4-FFF2-40B4-BE49-F238E27FC236}">
+                <a16:creationId xmlns:a16="http://schemas.microsoft.com/office/drawing/2014/main" id="{82AAC541-6699-9469-09EB-A04ADB3194EE}"/>
+              </a:ext>
+            </a:extLst>
+          </p:cNvPr>
+          <p:cNvSpPr txBox="1"/>
+          <p:nvPr/>
+        </p:nvSpPr>
+        <p:spPr>
+          <a:xfrm>
+            <a:off x="838200" y="2806719"/>
+            <a:ext cx="6225702" cy="523220"/>
+          </a:xfrm>
+          <a:prstGeom prst="rect">
+            <a:avLst/>
+          </a:prstGeom>
+          <a:noFill/>
+        </p:spPr>
+        <p:txBody>
+          <a:bodyPr wrap="square" rtlCol="0">
+            <a:spAutoFit/>
+          </a:bodyPr>
+          <a:lstStyle/>
+          <a:p>
+            <a:r>
+              <a:rPr lang="ja-JP" altLang="en-US" sz="2800" dirty="0"/>
+              <a:t>兵器開発に素材を使用する</a:t>
+            </a:r>
+            <a:endParaRPr kumimoji="1" lang="ja-JP" altLang="en-US" sz="2000" dirty="0"/>
+          </a:p>
+        </p:txBody>
+      </p:sp>
+      <p:sp>
+        <p:nvSpPr>
+          <p:cNvPr id="9" name="八角形 8">
+            <a:extLst>
+              <a:ext uri="{FF2B5EF4-FFF2-40B4-BE49-F238E27FC236}">
+                <a16:creationId xmlns:a16="http://schemas.microsoft.com/office/drawing/2014/main" id="{428204E6-0C99-F26C-DB65-40D6E239C450}"/>
+              </a:ext>
+            </a:extLst>
+          </p:cNvPr>
+          <p:cNvSpPr/>
+          <p:nvPr/>
+        </p:nvSpPr>
+        <p:spPr>
+          <a:xfrm>
+            <a:off x="1171575" y="3414812"/>
+            <a:ext cx="666750" cy="666750"/>
+          </a:xfrm>
+          <a:prstGeom prst="octagon">
+            <a:avLst/>
+          </a:prstGeom>
+          <a:solidFill>
+            <a:srgbClr val="377523"/>
+          </a:solidFill>
+          <a:ln>
+            <a:noFill/>
+          </a:ln>
+        </p:spPr>
+        <p:style>
+          <a:lnRef idx="2">
+            <a:schemeClr val="accent1">
+              <a:shade val="15000"/>
+            </a:schemeClr>
+          </a:lnRef>
+          <a:fillRef idx="1">
+            <a:schemeClr val="accent1"/>
+          </a:fillRef>
+          <a:effectRef idx="0">
+            <a:schemeClr val="accent1"/>
+          </a:effectRef>
+          <a:fontRef idx="minor">
+            <a:schemeClr val="lt1"/>
+          </a:fontRef>
+        </p:style>
+        <p:txBody>
+          <a:bodyPr rtlCol="0" anchor="ctr"/>
+          <a:lstStyle/>
+          <a:p>
+            <a:pPr algn="ctr"/>
+            <a:r>
+              <a:rPr kumimoji="1" lang="en-US" altLang="ja-JP" dirty="0"/>
+              <a:t>A</a:t>
+            </a:r>
+            <a:endParaRPr kumimoji="1" lang="ja-JP" altLang="en-US" dirty="0"/>
+          </a:p>
+        </p:txBody>
+      </p:sp>
+      <p:sp>
+        <p:nvSpPr>
+          <p:cNvPr id="10" name="八角形 9">
+            <a:extLst>
+              <a:ext uri="{FF2B5EF4-FFF2-40B4-BE49-F238E27FC236}">
+                <a16:creationId xmlns:a16="http://schemas.microsoft.com/office/drawing/2014/main" id="{1B087D21-6B9E-21A9-6FDC-0BC09153A729}"/>
+              </a:ext>
+            </a:extLst>
+          </p:cNvPr>
+          <p:cNvSpPr/>
+          <p:nvPr/>
+        </p:nvSpPr>
+        <p:spPr>
+          <a:xfrm>
+            <a:off x="1171575" y="4306987"/>
+            <a:ext cx="666750" cy="666750"/>
+          </a:xfrm>
+          <a:prstGeom prst="octagon">
+            <a:avLst/>
+          </a:prstGeom>
+          <a:solidFill>
+            <a:srgbClr val="377523"/>
+          </a:solidFill>
+          <a:ln>
+            <a:noFill/>
+          </a:ln>
+        </p:spPr>
+        <p:style>
+          <a:lnRef idx="2">
+            <a:schemeClr val="accent1">
+              <a:shade val="15000"/>
+            </a:schemeClr>
+          </a:lnRef>
+          <a:fillRef idx="1">
+            <a:schemeClr val="accent1"/>
+          </a:fillRef>
+          <a:effectRef idx="0">
+            <a:schemeClr val="accent1"/>
+          </a:effectRef>
+          <a:fontRef idx="minor">
+            <a:schemeClr val="lt1"/>
+          </a:fontRef>
+        </p:style>
+        <p:txBody>
+          <a:bodyPr rtlCol="0" anchor="ctr"/>
+          <a:lstStyle/>
+          <a:p>
+            <a:pPr algn="ctr"/>
+            <a:r>
+              <a:rPr kumimoji="1" lang="en-US" altLang="ja-JP" dirty="0"/>
+              <a:t>B</a:t>
+            </a:r>
+            <a:endParaRPr kumimoji="1" lang="ja-JP" altLang="en-US" dirty="0"/>
+          </a:p>
+        </p:txBody>
+      </p:sp>
+      <p:sp>
+        <p:nvSpPr>
+          <p:cNvPr id="11" name="八角形 10">
+            <a:extLst>
+              <a:ext uri="{FF2B5EF4-FFF2-40B4-BE49-F238E27FC236}">
+                <a16:creationId xmlns:a16="http://schemas.microsoft.com/office/drawing/2014/main" id="{2FC8EA16-0C69-1F37-4E51-56D2D8448E1D}"/>
+              </a:ext>
+            </a:extLst>
+          </p:cNvPr>
+          <p:cNvSpPr/>
+          <p:nvPr/>
+        </p:nvSpPr>
+        <p:spPr>
+          <a:xfrm>
+            <a:off x="1171575" y="5199162"/>
+            <a:ext cx="666750" cy="666750"/>
+          </a:xfrm>
+          <a:prstGeom prst="octagon">
+            <a:avLst/>
+          </a:prstGeom>
+          <a:solidFill>
+            <a:srgbClr val="377523"/>
+          </a:solidFill>
+          <a:ln>
+            <a:noFill/>
+          </a:ln>
+        </p:spPr>
+        <p:style>
+          <a:lnRef idx="2">
+            <a:schemeClr val="accent1">
+              <a:shade val="15000"/>
+            </a:schemeClr>
+          </a:lnRef>
+          <a:fillRef idx="1">
+            <a:schemeClr val="accent1"/>
+          </a:fillRef>
+          <a:effectRef idx="0">
+            <a:schemeClr val="accent1"/>
+          </a:effectRef>
+          <a:fontRef idx="minor">
+            <a:schemeClr val="lt1"/>
+          </a:fontRef>
+        </p:style>
+        <p:txBody>
+          <a:bodyPr rtlCol="0" anchor="ctr"/>
+          <a:lstStyle/>
+          <a:p>
+            <a:pPr algn="ctr"/>
+            <a:r>
+              <a:rPr kumimoji="1" lang="en-US" altLang="ja-JP" dirty="0"/>
+              <a:t>C</a:t>
+            </a:r>
+            <a:endParaRPr kumimoji="1" lang="ja-JP" altLang="en-US" dirty="0"/>
+          </a:p>
+        </p:txBody>
+      </p:sp>
+      <p:sp>
+        <p:nvSpPr>
+          <p:cNvPr id="14" name="正方形/長方形 13">
+            <a:extLst>
+              <a:ext uri="{FF2B5EF4-FFF2-40B4-BE49-F238E27FC236}">
+                <a16:creationId xmlns:a16="http://schemas.microsoft.com/office/drawing/2014/main" id="{9950275D-2307-2499-60DB-7D5086256088}"/>
+              </a:ext>
+            </a:extLst>
+          </p:cNvPr>
+          <p:cNvSpPr/>
+          <p:nvPr/>
+        </p:nvSpPr>
+        <p:spPr>
+          <a:xfrm>
+            <a:off x="1981200" y="3533875"/>
+            <a:ext cx="666750" cy="428625"/>
+          </a:xfrm>
+          <a:prstGeom prst="rect">
+            <a:avLst/>
+          </a:prstGeom>
+        </p:spPr>
+        <p:style>
+          <a:lnRef idx="3">
+            <a:schemeClr val="lt1"/>
+          </a:lnRef>
+          <a:fillRef idx="1">
+            <a:schemeClr val="accent3"/>
+          </a:fillRef>
+          <a:effectRef idx="1">
+            <a:schemeClr val="accent3"/>
+          </a:effectRef>
+          <a:fontRef idx="minor">
+            <a:schemeClr val="lt1"/>
+          </a:fontRef>
+        </p:style>
+        <p:txBody>
+          <a:bodyPr rtlCol="0" anchor="ctr"/>
+          <a:lstStyle/>
+          <a:p>
+            <a:pPr algn="ctr"/>
+            <a:endParaRPr kumimoji="1" lang="ja-JP" altLang="en-US"/>
+          </a:p>
+        </p:txBody>
+      </p:sp>
+      <p:sp>
+        <p:nvSpPr>
+          <p:cNvPr id="6" name="正方形/長方形 5">
+            <a:extLst>
+              <a:ext uri="{FF2B5EF4-FFF2-40B4-BE49-F238E27FC236}">
+                <a16:creationId xmlns:a16="http://schemas.microsoft.com/office/drawing/2014/main" id="{830721BD-D374-2CFE-8F62-745D9971DBA3}"/>
+              </a:ext>
+            </a:extLst>
+          </p:cNvPr>
+          <p:cNvSpPr/>
+          <p:nvPr/>
+        </p:nvSpPr>
+        <p:spPr>
+          <a:xfrm>
+            <a:off x="2790825" y="3533875"/>
+            <a:ext cx="2133600" cy="428625"/>
+          </a:xfrm>
+          <a:prstGeom prst="rect">
+            <a:avLst/>
+          </a:prstGeom>
+        </p:spPr>
+        <p:style>
+          <a:lnRef idx="3">
+            <a:schemeClr val="lt1"/>
+          </a:lnRef>
+          <a:fillRef idx="1">
+            <a:schemeClr val="accent3"/>
+          </a:fillRef>
+          <a:effectRef idx="1">
+            <a:schemeClr val="accent3"/>
+          </a:effectRef>
+          <a:fontRef idx="minor">
+            <a:schemeClr val="lt1"/>
+          </a:fontRef>
+        </p:style>
+        <p:txBody>
+          <a:bodyPr rtlCol="0" anchor="ctr"/>
+          <a:lstStyle/>
+          <a:p>
+            <a:pPr algn="ctr"/>
+            <a:endParaRPr kumimoji="1" lang="ja-JP" altLang="en-US"/>
+          </a:p>
+        </p:txBody>
+      </p:sp>
+      <p:sp>
+        <p:nvSpPr>
+          <p:cNvPr id="21" name="正方形/長方形 20">
+            <a:extLst>
+              <a:ext uri="{FF2B5EF4-FFF2-40B4-BE49-F238E27FC236}">
+                <a16:creationId xmlns:a16="http://schemas.microsoft.com/office/drawing/2014/main" id="{63E185DE-B7DB-3A30-6EAC-8DD2AE911EB1}"/>
+              </a:ext>
+            </a:extLst>
+          </p:cNvPr>
+          <p:cNvSpPr/>
+          <p:nvPr/>
+        </p:nvSpPr>
+        <p:spPr>
+          <a:xfrm>
+            <a:off x="5067300" y="3533875"/>
+            <a:ext cx="568746" cy="428625"/>
+          </a:xfrm>
+          <a:prstGeom prst="rect">
+            <a:avLst/>
+          </a:prstGeom>
+        </p:spPr>
+        <p:style>
+          <a:lnRef idx="3">
+            <a:schemeClr val="lt1"/>
+          </a:lnRef>
+          <a:fillRef idx="1">
+            <a:schemeClr val="accent3"/>
+          </a:fillRef>
+          <a:effectRef idx="1">
+            <a:schemeClr val="accent3"/>
+          </a:effectRef>
+          <a:fontRef idx="minor">
+            <a:schemeClr val="lt1"/>
+          </a:fontRef>
+        </p:style>
+        <p:txBody>
+          <a:bodyPr rtlCol="0" anchor="ctr"/>
+          <a:lstStyle/>
+          <a:p>
+            <a:pPr algn="ctr"/>
+            <a:endParaRPr kumimoji="1" lang="ja-JP" altLang="en-US"/>
+          </a:p>
+        </p:txBody>
+      </p:sp>
+      <p:sp>
+        <p:nvSpPr>
+          <p:cNvPr id="25" name="正方形/長方形 24">
+            <a:extLst>
+              <a:ext uri="{FF2B5EF4-FFF2-40B4-BE49-F238E27FC236}">
+                <a16:creationId xmlns:a16="http://schemas.microsoft.com/office/drawing/2014/main" id="{CBB2EEC7-339A-679C-1DAB-CFCCF1427083}"/>
+              </a:ext>
+            </a:extLst>
+          </p:cNvPr>
+          <p:cNvSpPr/>
+          <p:nvPr/>
+        </p:nvSpPr>
+        <p:spPr>
+          <a:xfrm>
+            <a:off x="1981200" y="4438750"/>
+            <a:ext cx="666750" cy="428625"/>
+          </a:xfrm>
+          <a:prstGeom prst="rect">
+            <a:avLst/>
+          </a:prstGeom>
+        </p:spPr>
+        <p:style>
+          <a:lnRef idx="3">
+            <a:schemeClr val="lt1"/>
+          </a:lnRef>
+          <a:fillRef idx="1">
+            <a:schemeClr val="accent3"/>
+          </a:fillRef>
+          <a:effectRef idx="1">
+            <a:schemeClr val="accent3"/>
+          </a:effectRef>
+          <a:fontRef idx="minor">
+            <a:schemeClr val="lt1"/>
+          </a:fontRef>
+        </p:style>
+        <p:txBody>
+          <a:bodyPr rtlCol="0" anchor="ctr"/>
+          <a:lstStyle/>
+          <a:p>
+            <a:pPr algn="ctr"/>
+            <a:endParaRPr kumimoji="1" lang="ja-JP" altLang="en-US"/>
+          </a:p>
+        </p:txBody>
+      </p:sp>
+      <p:sp>
+        <p:nvSpPr>
+          <p:cNvPr id="26" name="正方形/長方形 25">
+            <a:extLst>
+              <a:ext uri="{FF2B5EF4-FFF2-40B4-BE49-F238E27FC236}">
+                <a16:creationId xmlns:a16="http://schemas.microsoft.com/office/drawing/2014/main" id="{CF2CBFBA-BE35-E57D-5397-59B0832E14A3}"/>
+              </a:ext>
+            </a:extLst>
+          </p:cNvPr>
+          <p:cNvSpPr/>
+          <p:nvPr/>
+        </p:nvSpPr>
+        <p:spPr>
+          <a:xfrm>
+            <a:off x="2790825" y="4438750"/>
+            <a:ext cx="2133600" cy="428625"/>
+          </a:xfrm>
+          <a:prstGeom prst="rect">
+            <a:avLst/>
+          </a:prstGeom>
+        </p:spPr>
+        <p:style>
+          <a:lnRef idx="3">
+            <a:schemeClr val="lt1"/>
+          </a:lnRef>
+          <a:fillRef idx="1">
+            <a:schemeClr val="accent3"/>
+          </a:fillRef>
+          <a:effectRef idx="1">
+            <a:schemeClr val="accent3"/>
+          </a:effectRef>
+          <a:fontRef idx="minor">
+            <a:schemeClr val="lt1"/>
+          </a:fontRef>
+        </p:style>
+        <p:txBody>
+          <a:bodyPr rtlCol="0" anchor="ctr"/>
+          <a:lstStyle/>
+          <a:p>
+            <a:pPr algn="ctr"/>
+            <a:endParaRPr kumimoji="1" lang="ja-JP" altLang="en-US"/>
+          </a:p>
+        </p:txBody>
+      </p:sp>
+      <p:sp>
+        <p:nvSpPr>
+          <p:cNvPr id="27" name="正方形/長方形 26">
+            <a:extLst>
+              <a:ext uri="{FF2B5EF4-FFF2-40B4-BE49-F238E27FC236}">
+                <a16:creationId xmlns:a16="http://schemas.microsoft.com/office/drawing/2014/main" id="{02B74892-31B2-0388-662C-3DAA089B2332}"/>
+              </a:ext>
+            </a:extLst>
+          </p:cNvPr>
+          <p:cNvSpPr/>
+          <p:nvPr/>
+        </p:nvSpPr>
+        <p:spPr>
+          <a:xfrm>
+            <a:off x="5067300" y="4438750"/>
+            <a:ext cx="568746" cy="428625"/>
+          </a:xfrm>
+          <a:prstGeom prst="rect">
+            <a:avLst/>
+          </a:prstGeom>
+        </p:spPr>
+        <p:style>
+          <a:lnRef idx="3">
+            <a:schemeClr val="lt1"/>
+          </a:lnRef>
+          <a:fillRef idx="1">
+            <a:schemeClr val="accent3"/>
+          </a:fillRef>
+          <a:effectRef idx="1">
+            <a:schemeClr val="accent3"/>
+          </a:effectRef>
+          <a:fontRef idx="minor">
+            <a:schemeClr val="lt1"/>
+          </a:fontRef>
+        </p:style>
+        <p:txBody>
+          <a:bodyPr rtlCol="0" anchor="ctr"/>
+          <a:lstStyle/>
+          <a:p>
+            <a:pPr algn="ctr"/>
+            <a:endParaRPr kumimoji="1" lang="ja-JP" altLang="en-US"/>
+          </a:p>
+        </p:txBody>
+      </p:sp>
+      <p:sp>
+        <p:nvSpPr>
+          <p:cNvPr id="28" name="正方形/長方形 27">
+            <a:extLst>
+              <a:ext uri="{FF2B5EF4-FFF2-40B4-BE49-F238E27FC236}">
+                <a16:creationId xmlns:a16="http://schemas.microsoft.com/office/drawing/2014/main" id="{904F23CD-F7D0-3892-7A3F-C904CCE0D717}"/>
+              </a:ext>
+            </a:extLst>
+          </p:cNvPr>
+          <p:cNvSpPr/>
+          <p:nvPr/>
+        </p:nvSpPr>
+        <p:spPr>
+          <a:xfrm>
+            <a:off x="1981200" y="5343625"/>
+            <a:ext cx="666750" cy="428625"/>
+          </a:xfrm>
+          <a:prstGeom prst="rect">
+            <a:avLst/>
+          </a:prstGeom>
+        </p:spPr>
+        <p:style>
+          <a:lnRef idx="3">
+            <a:schemeClr val="lt1"/>
+          </a:lnRef>
+          <a:fillRef idx="1">
+            <a:schemeClr val="accent3"/>
+          </a:fillRef>
+          <a:effectRef idx="1">
+            <a:schemeClr val="accent3"/>
+          </a:effectRef>
+          <a:fontRef idx="minor">
+            <a:schemeClr val="lt1"/>
+          </a:fontRef>
+        </p:style>
+        <p:txBody>
+          <a:bodyPr rtlCol="0" anchor="ctr"/>
+          <a:lstStyle/>
+          <a:p>
+            <a:pPr algn="ctr"/>
+            <a:endParaRPr kumimoji="1" lang="ja-JP" altLang="en-US"/>
+          </a:p>
+        </p:txBody>
+      </p:sp>
+      <p:sp>
+        <p:nvSpPr>
+          <p:cNvPr id="29" name="正方形/長方形 28">
+            <a:extLst>
+              <a:ext uri="{FF2B5EF4-FFF2-40B4-BE49-F238E27FC236}">
+                <a16:creationId xmlns:a16="http://schemas.microsoft.com/office/drawing/2014/main" id="{9E4ABFC6-B327-5186-8961-7F33A85FAD39}"/>
+              </a:ext>
+            </a:extLst>
+          </p:cNvPr>
+          <p:cNvSpPr/>
+          <p:nvPr/>
+        </p:nvSpPr>
+        <p:spPr>
+          <a:xfrm>
+            <a:off x="2790825" y="5343625"/>
+            <a:ext cx="2133600" cy="428625"/>
+          </a:xfrm>
+          <a:prstGeom prst="rect">
+            <a:avLst/>
+          </a:prstGeom>
+        </p:spPr>
+        <p:style>
+          <a:lnRef idx="3">
+            <a:schemeClr val="lt1"/>
+          </a:lnRef>
+          <a:fillRef idx="1">
+            <a:schemeClr val="accent3"/>
+          </a:fillRef>
+          <a:effectRef idx="1">
+            <a:schemeClr val="accent3"/>
+          </a:effectRef>
+          <a:fontRef idx="minor">
+            <a:schemeClr val="lt1"/>
+          </a:fontRef>
+        </p:style>
+        <p:txBody>
+          <a:bodyPr rtlCol="0" anchor="ctr"/>
+          <a:lstStyle/>
+          <a:p>
+            <a:pPr algn="ctr"/>
+            <a:endParaRPr kumimoji="1" lang="ja-JP" altLang="en-US"/>
+          </a:p>
+        </p:txBody>
+      </p:sp>
+      <p:sp>
+        <p:nvSpPr>
+          <p:cNvPr id="30" name="正方形/長方形 29">
+            <a:extLst>
+              <a:ext uri="{FF2B5EF4-FFF2-40B4-BE49-F238E27FC236}">
+                <a16:creationId xmlns:a16="http://schemas.microsoft.com/office/drawing/2014/main" id="{CAA6E102-E342-DB71-3F0B-23D3E051993F}"/>
+              </a:ext>
+            </a:extLst>
+          </p:cNvPr>
+          <p:cNvSpPr/>
+          <p:nvPr/>
+        </p:nvSpPr>
+        <p:spPr>
+          <a:xfrm>
+            <a:off x="5067300" y="5343625"/>
+            <a:ext cx="568746" cy="428625"/>
+          </a:xfrm>
+          <a:prstGeom prst="rect">
+            <a:avLst/>
+          </a:prstGeom>
+        </p:spPr>
+        <p:style>
+          <a:lnRef idx="3">
+            <a:schemeClr val="lt1"/>
+          </a:lnRef>
+          <a:fillRef idx="1">
+            <a:schemeClr val="accent3"/>
+          </a:fillRef>
+          <a:effectRef idx="1">
+            <a:schemeClr val="accent3"/>
+          </a:effectRef>
+          <a:fontRef idx="minor">
+            <a:schemeClr val="lt1"/>
+          </a:fontRef>
+        </p:style>
+        <p:txBody>
+          <a:bodyPr rtlCol="0" anchor="ctr"/>
+          <a:lstStyle/>
+          <a:p>
+            <a:pPr algn="ctr"/>
+            <a:endParaRPr kumimoji="1" lang="ja-JP" altLang="en-US"/>
+          </a:p>
+        </p:txBody>
+      </p:sp>
+    </p:spTree>
+    <p:extLst>
+      <p:ext uri="{BB962C8B-B14F-4D97-AF65-F5344CB8AC3E}">
+        <p14:creationId xmlns:p14="http://schemas.microsoft.com/office/powerpoint/2010/main" val="1664757929"/>
+      </p:ext>
+    </p:extLst>
+  </p:cSld>
+  <p:clrMapOvr>
+    <a:masterClrMapping/>
+  </p:clrMapOvr>
+  <mc:AlternateContent xmlns:mc="http://schemas.openxmlformats.org/markup-compatibility/2006">
+    <mc:Choice xmlns:p159="http://schemas.microsoft.com/office/powerpoint/2015/09/main" Requires="p159">
+      <p:transition xmlns:p14="http://schemas.microsoft.com/office/powerpoint/2010/main" spd="slow" p14:dur="2000">
+        <p159:morph option="byObject"/>
+      </p:transition>
+    </mc:Choice>
+    <mc:Fallback>
+      <p:transition spd="slow">
+        <p:fade/>
+      </p:transition>
+    </mc:Fallback>
+  </mc:AlternateContent>
+</p:sld>
+</file>
+
+<file path=ppt/slides/slide11.xml><?xml version="1.0" encoding="utf-8"?>
+<p:sld xmlns:a="http://schemas.openxmlformats.org/drawingml/2006/main" xmlns:r="http://schemas.openxmlformats.org/officeDocument/2006/relationships" xmlns:p="http://schemas.openxmlformats.org/presentationml/2006/main">
+  <p:cSld>
+    <p:spTree>
+      <p:nvGrpSpPr>
+        <p:cNvPr id="1" name="">
+          <a:extLst>
+            <a:ext uri="{FF2B5EF4-FFF2-40B4-BE49-F238E27FC236}">
+              <a16:creationId xmlns:a16="http://schemas.microsoft.com/office/drawing/2014/main" id="{76BFA958-9492-34BB-9671-9398CDDE39F5}"/>
+            </a:ext>
+          </a:extLst>
+        </p:cNvPr>
+        <p:cNvGrpSpPr/>
+        <p:nvPr/>
+      </p:nvGrpSpPr>
+      <p:grpSpPr>
+        <a:xfrm>
+          <a:off x="0" y="0"/>
+          <a:ext cx="0" cy="0"/>
+          <a:chOff x="0" y="0"/>
+          <a:chExt cx="0" cy="0"/>
+        </a:xfrm>
+      </p:grpSpPr>
+      <p:sp>
+        <p:nvSpPr>
+          <p:cNvPr id="2" name="タイトル 1">
+            <a:extLst>
+              <a:ext uri="{FF2B5EF4-FFF2-40B4-BE49-F238E27FC236}">
+                <a16:creationId xmlns:a16="http://schemas.microsoft.com/office/drawing/2014/main" id="{0F4265EC-F5CF-094F-01AF-26B69F0FCA52}"/>
+              </a:ext>
+            </a:extLst>
+          </p:cNvPr>
+          <p:cNvSpPr>
+            <a:spLocks noGrp="1"/>
+          </p:cNvSpPr>
+          <p:nvPr>
+            <p:ph type="title"/>
+          </p:nvPr>
+        </p:nvSpPr>
+        <p:spPr/>
+        <p:txBody>
+          <a:bodyPr/>
+          <a:lstStyle/>
+          <a:p>
+            <a:r>
+              <a:rPr lang="ja-JP" altLang="en-US" dirty="0"/>
+              <a:t>素材を集める</a:t>
+            </a:r>
+            <a:endParaRPr kumimoji="1" lang="ja-JP" altLang="en-US" dirty="0"/>
+          </a:p>
+        </p:txBody>
+      </p:sp>
+      <p:sp>
+        <p:nvSpPr>
+          <p:cNvPr id="8" name="テキスト ボックス 7">
+            <a:extLst>
+              <a:ext uri="{FF2B5EF4-FFF2-40B4-BE49-F238E27FC236}">
+                <a16:creationId xmlns:a16="http://schemas.microsoft.com/office/drawing/2014/main" id="{C0691059-75FE-ABB3-D7C2-C9667C44F2AF}"/>
+              </a:ext>
+            </a:extLst>
+          </p:cNvPr>
+          <p:cNvSpPr txBox="1"/>
+          <p:nvPr/>
+        </p:nvSpPr>
+        <p:spPr>
+          <a:xfrm>
+            <a:off x="838200" y="1690688"/>
+            <a:ext cx="6225702" cy="523220"/>
+          </a:xfrm>
+          <a:prstGeom prst="rect">
+            <a:avLst/>
+          </a:prstGeom>
+          <a:noFill/>
+        </p:spPr>
+        <p:txBody>
+          <a:bodyPr wrap="square" rtlCol="0">
+            <a:spAutoFit/>
+          </a:bodyPr>
+          <a:lstStyle/>
+          <a:p>
+            <a:r>
+              <a:rPr lang="ja-JP" altLang="en-US" sz="2800" dirty="0"/>
+              <a:t>兵器開発に素材を使用する</a:t>
+            </a:r>
+            <a:endParaRPr kumimoji="1" lang="ja-JP" altLang="en-US" sz="2000" dirty="0"/>
+          </a:p>
+        </p:txBody>
+      </p:sp>
+      <p:grpSp>
+        <p:nvGrpSpPr>
+          <p:cNvPr id="4" name="グループ化 3">
+            <a:extLst>
+              <a:ext uri="{FF2B5EF4-FFF2-40B4-BE49-F238E27FC236}">
+                <a16:creationId xmlns:a16="http://schemas.microsoft.com/office/drawing/2014/main" id="{8A8E6C1D-9DBE-D4F0-2C33-0FAD7DB2ABC6}"/>
+              </a:ext>
+            </a:extLst>
+          </p:cNvPr>
+          <p:cNvGrpSpPr/>
+          <p:nvPr/>
+        </p:nvGrpSpPr>
+        <p:grpSpPr>
+          <a:xfrm>
+            <a:off x="1171575" y="2298781"/>
+            <a:ext cx="4295775" cy="2451100"/>
+            <a:chOff x="1171575" y="3414812"/>
+            <a:chExt cx="4295775" cy="2451100"/>
+          </a:xfrm>
+        </p:grpSpPr>
+        <p:sp>
+          <p:nvSpPr>
+            <p:cNvPr id="9" name="八角形 8">
+              <a:extLst>
+                <a:ext uri="{FF2B5EF4-FFF2-40B4-BE49-F238E27FC236}">
+                  <a16:creationId xmlns:a16="http://schemas.microsoft.com/office/drawing/2014/main" id="{5E95414F-1CF1-70C8-1CD3-204697AC9657}"/>
+                </a:ext>
+              </a:extLst>
+            </p:cNvPr>
+            <p:cNvSpPr/>
+            <p:nvPr/>
+          </p:nvSpPr>
+          <p:spPr>
+            <a:xfrm>
+              <a:off x="1171575" y="3414812"/>
+              <a:ext cx="666750" cy="666750"/>
+            </a:xfrm>
+            <a:prstGeom prst="octagon">
+              <a:avLst/>
+            </a:prstGeom>
+            <a:solidFill>
+              <a:srgbClr val="377523"/>
+            </a:solidFill>
+            <a:ln>
+              <a:noFill/>
+            </a:ln>
+          </p:spPr>
+          <p:style>
+            <a:lnRef idx="2">
+              <a:schemeClr val="accent1">
+                <a:shade val="15000"/>
+              </a:schemeClr>
+            </a:lnRef>
+            <a:fillRef idx="1">
+              <a:schemeClr val="accent1"/>
+            </a:fillRef>
+            <a:effectRef idx="0">
+              <a:schemeClr val="accent1"/>
+            </a:effectRef>
+            <a:fontRef idx="minor">
+              <a:schemeClr val="lt1"/>
+            </a:fontRef>
+          </p:style>
+          <p:txBody>
+            <a:bodyPr rtlCol="0" anchor="ctr"/>
+            <a:lstStyle/>
+            <a:p>
+              <a:pPr algn="ctr"/>
+              <a:r>
+                <a:rPr kumimoji="1" lang="en-US" altLang="ja-JP" dirty="0"/>
+                <a:t>A</a:t>
+              </a:r>
+              <a:endParaRPr kumimoji="1" lang="ja-JP" altLang="en-US" dirty="0"/>
+            </a:p>
+          </p:txBody>
+        </p:sp>
+        <p:sp>
+          <p:nvSpPr>
+            <p:cNvPr id="10" name="八角形 9">
+              <a:extLst>
+                <a:ext uri="{FF2B5EF4-FFF2-40B4-BE49-F238E27FC236}">
+                  <a16:creationId xmlns:a16="http://schemas.microsoft.com/office/drawing/2014/main" id="{356D3464-0CD3-505F-550D-51F65E6B8EE0}"/>
+                </a:ext>
+              </a:extLst>
+            </p:cNvPr>
+            <p:cNvSpPr/>
+            <p:nvPr/>
+          </p:nvSpPr>
+          <p:spPr>
+            <a:xfrm>
+              <a:off x="1171575" y="4306987"/>
+              <a:ext cx="666750" cy="666750"/>
+            </a:xfrm>
+            <a:prstGeom prst="octagon">
+              <a:avLst/>
+            </a:prstGeom>
+            <a:solidFill>
+              <a:srgbClr val="377523"/>
+            </a:solidFill>
+            <a:ln>
+              <a:noFill/>
+            </a:ln>
+          </p:spPr>
+          <p:style>
+            <a:lnRef idx="2">
+              <a:schemeClr val="accent1">
+                <a:shade val="15000"/>
+              </a:schemeClr>
+            </a:lnRef>
+            <a:fillRef idx="1">
+              <a:schemeClr val="accent1"/>
+            </a:fillRef>
+            <a:effectRef idx="0">
+              <a:schemeClr val="accent1"/>
+            </a:effectRef>
+            <a:fontRef idx="minor">
+              <a:schemeClr val="lt1"/>
+            </a:fontRef>
+          </p:style>
+          <p:txBody>
+            <a:bodyPr rtlCol="0" anchor="ctr"/>
+            <a:lstStyle/>
+            <a:p>
+              <a:pPr algn="ctr"/>
+              <a:r>
+                <a:rPr kumimoji="1" lang="en-US" altLang="ja-JP" dirty="0"/>
+                <a:t>B</a:t>
+              </a:r>
+              <a:endParaRPr kumimoji="1" lang="ja-JP" altLang="en-US" dirty="0"/>
+            </a:p>
+          </p:txBody>
+        </p:sp>
+        <p:sp>
+          <p:nvSpPr>
+            <p:cNvPr id="11" name="八角形 10">
+              <a:extLst>
+                <a:ext uri="{FF2B5EF4-FFF2-40B4-BE49-F238E27FC236}">
+                  <a16:creationId xmlns:a16="http://schemas.microsoft.com/office/drawing/2014/main" id="{0E225DA1-5425-34EF-C3BD-4D0E309E15BE}"/>
+                </a:ext>
+              </a:extLst>
+            </p:cNvPr>
+            <p:cNvSpPr/>
+            <p:nvPr/>
+          </p:nvSpPr>
+          <p:spPr>
+            <a:xfrm>
+              <a:off x="1171575" y="5199162"/>
+              <a:ext cx="666750" cy="666750"/>
+            </a:xfrm>
+            <a:prstGeom prst="octagon">
+              <a:avLst/>
+            </a:prstGeom>
+            <a:solidFill>
+              <a:srgbClr val="377523"/>
+            </a:solidFill>
+            <a:ln>
+              <a:noFill/>
+            </a:ln>
+          </p:spPr>
+          <p:style>
+            <a:lnRef idx="2">
+              <a:schemeClr val="accent1">
+                <a:shade val="15000"/>
+              </a:schemeClr>
+            </a:lnRef>
+            <a:fillRef idx="1">
+              <a:schemeClr val="accent1"/>
+            </a:fillRef>
+            <a:effectRef idx="0">
+              <a:schemeClr val="accent1"/>
+            </a:effectRef>
+            <a:fontRef idx="minor">
+              <a:schemeClr val="lt1"/>
+            </a:fontRef>
+          </p:style>
+          <p:txBody>
+            <a:bodyPr rtlCol="0" anchor="ctr"/>
+            <a:lstStyle/>
+            <a:p>
+              <a:pPr algn="ctr"/>
+              <a:r>
+                <a:rPr kumimoji="1" lang="en-US" altLang="ja-JP" dirty="0"/>
+                <a:t>C</a:t>
+              </a:r>
+              <a:endParaRPr kumimoji="1" lang="ja-JP" altLang="en-US" dirty="0"/>
+            </a:p>
+          </p:txBody>
+        </p:sp>
+        <p:sp>
+          <p:nvSpPr>
+            <p:cNvPr id="12" name="正方形/長方形 11">
+              <a:extLst>
+                <a:ext uri="{FF2B5EF4-FFF2-40B4-BE49-F238E27FC236}">
+                  <a16:creationId xmlns:a16="http://schemas.microsoft.com/office/drawing/2014/main" id="{20793E5F-E3A7-3388-37AE-8EC0694C864C}"/>
+                </a:ext>
+              </a:extLst>
+            </p:cNvPr>
+            <p:cNvSpPr/>
+            <p:nvPr/>
+          </p:nvSpPr>
+          <p:spPr>
+            <a:xfrm>
+              <a:off x="1981200" y="3533875"/>
+              <a:ext cx="3486150" cy="428625"/>
+            </a:xfrm>
+            <a:prstGeom prst="rect">
+              <a:avLst/>
+            </a:prstGeom>
+          </p:spPr>
+          <p:style>
+            <a:lnRef idx="3">
+              <a:schemeClr val="lt1"/>
+            </a:lnRef>
+            <a:fillRef idx="1">
+              <a:schemeClr val="accent3"/>
+            </a:fillRef>
+            <a:effectRef idx="1">
+              <a:schemeClr val="accent3"/>
+            </a:effectRef>
+            <a:fontRef idx="minor">
+              <a:schemeClr val="lt1"/>
+            </a:fontRef>
+          </p:style>
+          <p:txBody>
+            <a:bodyPr rtlCol="0" anchor="ctr"/>
+            <a:lstStyle/>
+            <a:p>
+              <a:pPr algn="ctr"/>
+              <a:endParaRPr kumimoji="1" lang="ja-JP" altLang="en-US" dirty="0"/>
+            </a:p>
+          </p:txBody>
+        </p:sp>
+        <p:sp>
+          <p:nvSpPr>
+            <p:cNvPr id="15" name="正方形/長方形 14">
+              <a:extLst>
+                <a:ext uri="{FF2B5EF4-FFF2-40B4-BE49-F238E27FC236}">
+                  <a16:creationId xmlns:a16="http://schemas.microsoft.com/office/drawing/2014/main" id="{891668E0-B0CF-9475-E1A0-97B22D71484E}"/>
+                </a:ext>
+              </a:extLst>
+            </p:cNvPr>
+            <p:cNvSpPr/>
+            <p:nvPr/>
+          </p:nvSpPr>
+          <p:spPr>
+            <a:xfrm>
+              <a:off x="1981201" y="3533875"/>
+              <a:ext cx="2000250" cy="428625"/>
+            </a:xfrm>
+            <a:prstGeom prst="rect">
+              <a:avLst/>
+            </a:prstGeom>
+          </p:spPr>
+          <p:style>
+            <a:lnRef idx="3">
+              <a:schemeClr val="lt1"/>
+            </a:lnRef>
+            <a:fillRef idx="1">
+              <a:schemeClr val="accent5"/>
+            </a:fillRef>
+            <a:effectRef idx="1">
+              <a:schemeClr val="accent5"/>
+            </a:effectRef>
+            <a:fontRef idx="minor">
+              <a:schemeClr val="lt1"/>
+            </a:fontRef>
+          </p:style>
+          <p:txBody>
+            <a:bodyPr rtlCol="0" anchor="ctr"/>
+            <a:lstStyle/>
+            <a:p>
+              <a:pPr algn="ctr"/>
+              <a:endParaRPr kumimoji="1" lang="ja-JP" altLang="en-US"/>
+            </a:p>
+          </p:txBody>
+        </p:sp>
+        <p:sp>
+          <p:nvSpPr>
+            <p:cNvPr id="13" name="正方形/長方形 12">
+              <a:extLst>
+                <a:ext uri="{FF2B5EF4-FFF2-40B4-BE49-F238E27FC236}">
+                  <a16:creationId xmlns:a16="http://schemas.microsoft.com/office/drawing/2014/main" id="{E81B0AE2-5F75-AFA1-91CF-E4B4503B3F6F}"/>
+                </a:ext>
+              </a:extLst>
+            </p:cNvPr>
+            <p:cNvSpPr/>
+            <p:nvPr/>
+          </p:nvSpPr>
+          <p:spPr>
+            <a:xfrm>
+              <a:off x="1981200" y="4426050"/>
+              <a:ext cx="3486150" cy="428625"/>
+            </a:xfrm>
+            <a:prstGeom prst="rect">
+              <a:avLst/>
+            </a:prstGeom>
+          </p:spPr>
+          <p:style>
+            <a:lnRef idx="3">
+              <a:schemeClr val="lt1"/>
+            </a:lnRef>
+            <a:fillRef idx="1">
+              <a:schemeClr val="accent3"/>
+            </a:fillRef>
+            <a:effectRef idx="1">
+              <a:schemeClr val="accent3"/>
+            </a:effectRef>
+            <a:fontRef idx="minor">
+              <a:schemeClr val="lt1"/>
+            </a:fontRef>
+          </p:style>
+          <p:txBody>
+            <a:bodyPr rtlCol="0" anchor="ctr"/>
+            <a:lstStyle/>
+            <a:p>
+              <a:pPr algn="ctr"/>
+              <a:endParaRPr kumimoji="1" lang="ja-JP" altLang="en-US" dirty="0"/>
+            </a:p>
+          </p:txBody>
+        </p:sp>
+        <p:sp>
+          <p:nvSpPr>
+            <p:cNvPr id="16" name="正方形/長方形 15">
+              <a:extLst>
+                <a:ext uri="{FF2B5EF4-FFF2-40B4-BE49-F238E27FC236}">
+                  <a16:creationId xmlns:a16="http://schemas.microsoft.com/office/drawing/2014/main" id="{61A2593A-6B0B-D3BC-6708-85968B2A9314}"/>
+                </a:ext>
+              </a:extLst>
+            </p:cNvPr>
+            <p:cNvSpPr/>
+            <p:nvPr/>
+          </p:nvSpPr>
+          <p:spPr>
+            <a:xfrm>
+              <a:off x="1981200" y="4426050"/>
+              <a:ext cx="1546699" cy="428625"/>
+            </a:xfrm>
+            <a:prstGeom prst="rect">
+              <a:avLst/>
+            </a:prstGeom>
+          </p:spPr>
+          <p:style>
+            <a:lnRef idx="3">
+              <a:schemeClr val="lt1"/>
+            </a:lnRef>
+            <a:fillRef idx="1">
+              <a:schemeClr val="accent5"/>
+            </a:fillRef>
+            <a:effectRef idx="1">
+              <a:schemeClr val="accent5"/>
+            </a:effectRef>
+            <a:fontRef idx="minor">
+              <a:schemeClr val="lt1"/>
+            </a:fontRef>
+          </p:style>
+          <p:txBody>
+            <a:bodyPr rtlCol="0" anchor="ctr"/>
+            <a:lstStyle/>
+            <a:p>
+              <a:pPr algn="ctr"/>
+              <a:endParaRPr kumimoji="1" lang="ja-JP" altLang="en-US"/>
+            </a:p>
+          </p:txBody>
+        </p:sp>
+        <p:sp>
+          <p:nvSpPr>
+            <p:cNvPr id="14" name="正方形/長方形 13">
+              <a:extLst>
+                <a:ext uri="{FF2B5EF4-FFF2-40B4-BE49-F238E27FC236}">
+                  <a16:creationId xmlns:a16="http://schemas.microsoft.com/office/drawing/2014/main" id="{9911186E-33FA-A2B3-27C4-6E7FA1AC8F88}"/>
+                </a:ext>
+              </a:extLst>
+            </p:cNvPr>
+            <p:cNvSpPr/>
+            <p:nvPr/>
+          </p:nvSpPr>
+          <p:spPr>
+            <a:xfrm>
+              <a:off x="1981200" y="5318225"/>
+              <a:ext cx="3486150" cy="428625"/>
+            </a:xfrm>
+            <a:prstGeom prst="rect">
+              <a:avLst/>
+            </a:prstGeom>
+          </p:spPr>
+          <p:style>
+            <a:lnRef idx="3">
+              <a:schemeClr val="lt1"/>
+            </a:lnRef>
+            <a:fillRef idx="1">
+              <a:schemeClr val="accent3"/>
+            </a:fillRef>
+            <a:effectRef idx="1">
+              <a:schemeClr val="accent3"/>
+            </a:effectRef>
+            <a:fontRef idx="minor">
+              <a:schemeClr val="lt1"/>
+            </a:fontRef>
+          </p:style>
+          <p:txBody>
+            <a:bodyPr rtlCol="0" anchor="ctr"/>
+            <a:lstStyle/>
+            <a:p>
+              <a:pPr algn="ctr"/>
+              <a:endParaRPr kumimoji="1" lang="ja-JP" altLang="en-US"/>
+            </a:p>
+          </p:txBody>
+        </p:sp>
+        <p:sp>
+          <p:nvSpPr>
+            <p:cNvPr id="17" name="正方形/長方形 16">
+              <a:extLst>
+                <a:ext uri="{FF2B5EF4-FFF2-40B4-BE49-F238E27FC236}">
+                  <a16:creationId xmlns:a16="http://schemas.microsoft.com/office/drawing/2014/main" id="{8272CC4A-F926-142C-9D50-6D270235EF84}"/>
+                </a:ext>
+              </a:extLst>
+            </p:cNvPr>
+            <p:cNvSpPr/>
+            <p:nvPr/>
+          </p:nvSpPr>
+          <p:spPr>
+            <a:xfrm>
+              <a:off x="1962150" y="5318225"/>
+              <a:ext cx="3486150" cy="428625"/>
+            </a:xfrm>
+            <a:prstGeom prst="rect">
+              <a:avLst/>
+            </a:prstGeom>
+          </p:spPr>
+          <p:style>
+            <a:lnRef idx="3">
+              <a:schemeClr val="lt1"/>
+            </a:lnRef>
+            <a:fillRef idx="1">
+              <a:schemeClr val="accent5"/>
+            </a:fillRef>
+            <a:effectRef idx="1">
+              <a:schemeClr val="accent5"/>
+            </a:effectRef>
+            <a:fontRef idx="minor">
+              <a:schemeClr val="lt1"/>
+            </a:fontRef>
+          </p:style>
+          <p:txBody>
+            <a:bodyPr rtlCol="0" anchor="ctr"/>
+            <a:lstStyle/>
+            <a:p>
+              <a:pPr algn="ctr"/>
+              <a:endParaRPr kumimoji="1" lang="ja-JP" altLang="en-US"/>
+            </a:p>
+          </p:txBody>
+        </p:sp>
+      </p:grpSp>
+    </p:spTree>
+    <p:extLst>
+      <p:ext uri="{BB962C8B-B14F-4D97-AF65-F5344CB8AC3E}">
+        <p14:creationId xmlns:p14="http://schemas.microsoft.com/office/powerpoint/2010/main" val="3423579008"/>
+      </p:ext>
+    </p:extLst>
+  </p:cSld>
+  <p:clrMapOvr>
+    <a:masterClrMapping/>
+  </p:clrMapOvr>
+  <mc:AlternateContent xmlns:mc="http://schemas.openxmlformats.org/markup-compatibility/2006">
+    <mc:Choice xmlns:p159="http://schemas.microsoft.com/office/powerpoint/2015/09/main" Requires="p159">
+      <p:transition spd="slow">
+        <p159:morph option="byObject"/>
+      </p:transition>
+    </mc:Choice>
+    <mc:Fallback>
+      <p:transition spd="slow">
+        <p:fade/>
+      </p:transition>
+    </mc:Fallback>
+  </mc:AlternateContent>
+</p:sld>
+</file>
+
+<file path=ppt/slides/slide12.xml><?xml version="1.0" encoding="utf-8"?>
 <p:sld xmlns:a="http://schemas.openxmlformats.org/drawingml/2006/main" xmlns:r="http://schemas.openxmlformats.org/officeDocument/2006/relationships" xmlns:p="http://schemas.openxmlformats.org/presentationml/2006/main">
   <p:cSld>
     <p:spTree>
@@ -3840,6 +5755,1250 @@
           <p:cNvPr id="2" name="タイトル 1">
             <a:extLst>
               <a:ext uri="{FF2B5EF4-FFF2-40B4-BE49-F238E27FC236}">
+                <a16:creationId xmlns:a16="http://schemas.microsoft.com/office/drawing/2014/main" id="{610A6D60-3FBA-4D4B-9CF1-3B931FE46F2C}"/>
+              </a:ext>
+            </a:extLst>
+          </p:cNvPr>
+          <p:cNvSpPr>
+            <a:spLocks noGrp="1"/>
+          </p:cNvSpPr>
+          <p:nvPr>
+            <p:ph type="title"/>
+          </p:nvPr>
+        </p:nvSpPr>
+        <p:spPr/>
+        <p:txBody>
+          <a:bodyPr/>
+          <a:lstStyle/>
+          <a:p>
+            <a:pPr algn="ctr"/>
+            <a:r>
+              <a:rPr kumimoji="1" lang="ja-JP" altLang="en-US" dirty="0"/>
+              <a:t>システム</a:t>
+            </a:r>
+          </a:p>
+        </p:txBody>
+      </p:sp>
+      <p:pic>
+        <p:nvPicPr>
+          <p:cNvPr id="5" name="図 4" descr="図形&#10;&#10;AI によって生成されたコンテンツは間違っている可能性があります。">
+            <a:extLst>
+              <a:ext uri="{FF2B5EF4-FFF2-40B4-BE49-F238E27FC236}">
+                <a16:creationId xmlns:a16="http://schemas.microsoft.com/office/drawing/2014/main" id="{56FDBC90-CD6A-0808-4EFA-2B80050DAA4A}"/>
+              </a:ext>
+            </a:extLst>
+          </p:cNvPr>
+          <p:cNvPicPr>
+            <a:picLocks noChangeAspect="1"/>
+          </p:cNvPicPr>
+          <p:nvPr/>
+        </p:nvPicPr>
+        <p:blipFill>
+          <a:blip r:embed="rId3">
+            <a:extLst>
+              <a:ext uri="{BEBA8EAE-BF5A-486C-A8C5-ECC9F3942E4B}">
+                <a14:imgProps xmlns:a14="http://schemas.microsoft.com/office/drawing/2010/main">
+                  <a14:imgLayer r:embed="rId4">
+                    <a14:imgEffect>
+                      <a14:sharpenSoften amount="25000"/>
+                    </a14:imgEffect>
+                    <a14:imgEffect>
+                      <a14:brightnessContrast bright="20000"/>
+                    </a14:imgEffect>
+                  </a14:imgLayer>
+                </a14:imgProps>
+              </a:ext>
+              <a:ext uri="{28A0092B-C50C-407E-A947-70E740481C1C}">
+                <a14:useLocalDpi xmlns:a14="http://schemas.microsoft.com/office/drawing/2010/main" val="0"/>
+              </a:ext>
+            </a:extLst>
+          </a:blip>
+          <a:stretch>
+            <a:fillRect/>
+          </a:stretch>
+        </p:blipFill>
+        <p:spPr>
+          <a:xfrm>
+            <a:off x="3216000" y="1690688"/>
+            <a:ext cx="5760000" cy="4320000"/>
+          </a:xfrm>
+          <a:prstGeom prst="rect">
+            <a:avLst/>
+          </a:prstGeom>
+        </p:spPr>
+      </p:pic>
+      <p:sp>
+        <p:nvSpPr>
+          <p:cNvPr id="7" name="吹き出し: 線 (枠付き、強調線付き) 6">
+            <a:extLst>
+              <a:ext uri="{FF2B5EF4-FFF2-40B4-BE49-F238E27FC236}">
+                <a16:creationId xmlns:a16="http://schemas.microsoft.com/office/drawing/2014/main" id="{B5BFD5F3-712A-2EBF-839A-386C74B16853}"/>
+              </a:ext>
+            </a:extLst>
+          </p:cNvPr>
+          <p:cNvSpPr/>
+          <p:nvPr/>
+        </p:nvSpPr>
+        <p:spPr>
+          <a:xfrm>
+            <a:off x="9199982" y="2645972"/>
+            <a:ext cx="2153818" cy="619125"/>
+          </a:xfrm>
+          <a:prstGeom prst="accentBorderCallout1">
+            <a:avLst>
+              <a:gd name="adj1" fmla="val 18750"/>
+              <a:gd name="adj2" fmla="val -8333"/>
+              <a:gd name="adj3" fmla="val 52319"/>
+              <a:gd name="adj4" fmla="val -95833"/>
+            </a:avLst>
+          </a:prstGeom>
+          <a:ln w="28575"/>
+        </p:spPr>
+        <p:style>
+          <a:lnRef idx="2">
+            <a:schemeClr val="accent1"/>
+          </a:lnRef>
+          <a:fillRef idx="1">
+            <a:schemeClr val="lt1"/>
+          </a:fillRef>
+          <a:effectRef idx="0">
+            <a:schemeClr val="accent1"/>
+          </a:effectRef>
+          <a:fontRef idx="minor">
+            <a:schemeClr val="dk1"/>
+          </a:fontRef>
+        </p:style>
+        <p:txBody>
+          <a:bodyPr rtlCol="0" anchor="ctr"/>
+          <a:lstStyle/>
+          <a:p>
+            <a:pPr algn="ctr"/>
+            <a:r>
+              <a:rPr kumimoji="1" lang="ja-JP" altLang="en-US" dirty="0"/>
+              <a:t>インタラクト</a:t>
+            </a:r>
+          </a:p>
+        </p:txBody>
+      </p:sp>
+      <p:sp>
+        <p:nvSpPr>
+          <p:cNvPr id="8" name="吹き出し: 線 (枠付き、強調線付き) 7">
+            <a:extLst>
+              <a:ext uri="{FF2B5EF4-FFF2-40B4-BE49-F238E27FC236}">
+                <a16:creationId xmlns:a16="http://schemas.microsoft.com/office/drawing/2014/main" id="{34FFE0B0-61B8-C25F-626D-1330503EA694}"/>
+              </a:ext>
+            </a:extLst>
+          </p:cNvPr>
+          <p:cNvSpPr/>
+          <p:nvPr/>
+        </p:nvSpPr>
+        <p:spPr>
+          <a:xfrm>
+            <a:off x="9199982" y="3573506"/>
+            <a:ext cx="2153818" cy="619125"/>
+          </a:xfrm>
+          <a:prstGeom prst="accentBorderCallout1">
+            <a:avLst>
+              <a:gd name="adj1" fmla="val 18750"/>
+              <a:gd name="adj2" fmla="val -8333"/>
+              <a:gd name="adj3" fmla="val -32685"/>
+              <a:gd name="adj4" fmla="val -76937"/>
+            </a:avLst>
+          </a:prstGeom>
+          <a:ln w="28575"/>
+        </p:spPr>
+        <p:style>
+          <a:lnRef idx="2">
+            <a:schemeClr val="accent1"/>
+          </a:lnRef>
+          <a:fillRef idx="1">
+            <a:schemeClr val="lt1"/>
+          </a:fillRef>
+          <a:effectRef idx="0">
+            <a:schemeClr val="accent1"/>
+          </a:effectRef>
+          <a:fontRef idx="minor">
+            <a:schemeClr val="dk1"/>
+          </a:fontRef>
+        </p:style>
+        <p:txBody>
+          <a:bodyPr rtlCol="0" anchor="ctr"/>
+          <a:lstStyle/>
+          <a:p>
+            <a:pPr algn="ctr"/>
+            <a:r>
+              <a:rPr kumimoji="1" lang="ja-JP" altLang="en-US" dirty="0"/>
+              <a:t>ジャンプ</a:t>
+            </a:r>
+          </a:p>
+        </p:txBody>
+      </p:sp>
+      <p:sp>
+        <p:nvSpPr>
+          <p:cNvPr id="9" name="吹き出し: 線 (枠付き、強調線付き) 8">
+            <a:extLst>
+              <a:ext uri="{FF2B5EF4-FFF2-40B4-BE49-F238E27FC236}">
+                <a16:creationId xmlns:a16="http://schemas.microsoft.com/office/drawing/2014/main" id="{1F05E361-25FF-49F5-35DE-1F0D4E9CBA6F}"/>
+              </a:ext>
+            </a:extLst>
+          </p:cNvPr>
+          <p:cNvSpPr/>
+          <p:nvPr/>
+        </p:nvSpPr>
+        <p:spPr>
+          <a:xfrm>
+            <a:off x="9199982" y="4501040"/>
+            <a:ext cx="2153818" cy="619125"/>
+          </a:xfrm>
+          <a:prstGeom prst="accentBorderCallout1">
+            <a:avLst>
+              <a:gd name="adj1" fmla="val 18750"/>
+              <a:gd name="adj2" fmla="val -8333"/>
+              <a:gd name="adj3" fmla="val -104417"/>
+              <a:gd name="adj4" fmla="val -112531"/>
+            </a:avLst>
+          </a:prstGeom>
+          <a:ln w="28575"/>
+        </p:spPr>
+        <p:style>
+          <a:lnRef idx="2">
+            <a:schemeClr val="accent1"/>
+          </a:lnRef>
+          <a:fillRef idx="1">
+            <a:schemeClr val="lt1"/>
+          </a:fillRef>
+          <a:effectRef idx="0">
+            <a:schemeClr val="accent1"/>
+          </a:effectRef>
+          <a:fontRef idx="minor">
+            <a:schemeClr val="dk1"/>
+          </a:fontRef>
+        </p:style>
+        <p:txBody>
+          <a:bodyPr rtlCol="0" anchor="ctr"/>
+          <a:lstStyle/>
+          <a:p>
+            <a:pPr algn="ctr"/>
+            <a:r>
+              <a:rPr kumimoji="1" lang="ja-JP" altLang="en-US" dirty="0"/>
+              <a:t>視点操作</a:t>
+            </a:r>
+          </a:p>
+        </p:txBody>
+      </p:sp>
+      <p:sp>
+        <p:nvSpPr>
+          <p:cNvPr id="11" name="吹き出し: 線 (枠付き、強調線付き) 10">
+            <a:extLst>
+              <a:ext uri="{FF2B5EF4-FFF2-40B4-BE49-F238E27FC236}">
+                <a16:creationId xmlns:a16="http://schemas.microsoft.com/office/drawing/2014/main" id="{29B877BC-C49E-A6F9-07AC-6B9DAA15B42B}"/>
+              </a:ext>
+            </a:extLst>
+          </p:cNvPr>
+          <p:cNvSpPr/>
+          <p:nvPr/>
+        </p:nvSpPr>
+        <p:spPr>
+          <a:xfrm>
+            <a:off x="838200" y="2645972"/>
+            <a:ext cx="2153818" cy="619125"/>
+          </a:xfrm>
+          <a:prstGeom prst="accentBorderCallout1">
+            <a:avLst>
+              <a:gd name="adj1" fmla="val 23318"/>
+              <a:gd name="adj2" fmla="val 106776"/>
+              <a:gd name="adj3" fmla="val 40138"/>
+              <a:gd name="adj4" fmla="val 175090"/>
+            </a:avLst>
+          </a:prstGeom>
+          <a:ln w="28575"/>
+        </p:spPr>
+        <p:style>
+          <a:lnRef idx="2">
+            <a:schemeClr val="accent1"/>
+          </a:lnRef>
+          <a:fillRef idx="1">
+            <a:schemeClr val="lt1"/>
+          </a:fillRef>
+          <a:effectRef idx="0">
+            <a:schemeClr val="accent1"/>
+          </a:effectRef>
+          <a:fontRef idx="minor">
+            <a:schemeClr val="dk1"/>
+          </a:fontRef>
+        </p:style>
+        <p:txBody>
+          <a:bodyPr rtlCol="0" anchor="ctr"/>
+          <a:lstStyle/>
+          <a:p>
+            <a:pPr algn="ctr"/>
+            <a:r>
+              <a:rPr kumimoji="1" lang="ja-JP" altLang="en-US" dirty="0"/>
+              <a:t>移動</a:t>
+            </a:r>
+          </a:p>
+        </p:txBody>
+      </p:sp>
+      <p:sp>
+        <p:nvSpPr>
+          <p:cNvPr id="14" name="吹き出し: 線 (枠付き、強調線付き) 13">
+            <a:extLst>
+              <a:ext uri="{FF2B5EF4-FFF2-40B4-BE49-F238E27FC236}">
+                <a16:creationId xmlns:a16="http://schemas.microsoft.com/office/drawing/2014/main" id="{33C5F054-B493-8EC5-7E0F-DFE2B28953AC}"/>
+              </a:ext>
+            </a:extLst>
+          </p:cNvPr>
+          <p:cNvSpPr/>
+          <p:nvPr/>
+        </p:nvSpPr>
+        <p:spPr>
+          <a:xfrm>
+            <a:off x="9199982" y="1718438"/>
+            <a:ext cx="2153818" cy="619125"/>
+          </a:xfrm>
+          <a:prstGeom prst="accentBorderCallout1">
+            <a:avLst>
+              <a:gd name="adj1" fmla="val 18750"/>
+              <a:gd name="adj2" fmla="val -8333"/>
+              <a:gd name="adj3" fmla="val 47751"/>
+              <a:gd name="adj4" fmla="val -72198"/>
+            </a:avLst>
+          </a:prstGeom>
+          <a:ln w="28575"/>
+        </p:spPr>
+        <p:style>
+          <a:lnRef idx="2">
+            <a:schemeClr val="accent1"/>
+          </a:lnRef>
+          <a:fillRef idx="1">
+            <a:schemeClr val="lt1"/>
+          </a:fillRef>
+          <a:effectRef idx="0">
+            <a:schemeClr val="accent1"/>
+          </a:effectRef>
+          <a:fontRef idx="minor">
+            <a:schemeClr val="dk1"/>
+          </a:fontRef>
+        </p:style>
+        <p:txBody>
+          <a:bodyPr rtlCol="0" anchor="ctr"/>
+          <a:lstStyle/>
+          <a:p>
+            <a:pPr algn="ctr"/>
+            <a:r>
+              <a:rPr lang="ja-JP" altLang="en-US" dirty="0"/>
+              <a:t>破壊操作</a:t>
+            </a:r>
+            <a:endParaRPr kumimoji="1" lang="ja-JP" altLang="en-US" dirty="0"/>
+          </a:p>
+        </p:txBody>
+      </p:sp>
+    </p:spTree>
+    <p:extLst>
+      <p:ext uri="{BB962C8B-B14F-4D97-AF65-F5344CB8AC3E}">
+        <p14:creationId xmlns:p14="http://schemas.microsoft.com/office/powerpoint/2010/main" val="3683277554"/>
+      </p:ext>
+    </p:extLst>
+  </p:cSld>
+  <p:clrMapOvr>
+    <a:masterClrMapping/>
+  </p:clrMapOvr>
+  <p:transition spd="slow">
+    <p:push/>
+  </p:transition>
+</p:sld>
+</file>
+
+<file path=ppt/slides/slide13.xml><?xml version="1.0" encoding="utf-8"?>
+<p:sld xmlns:a="http://schemas.openxmlformats.org/drawingml/2006/main" xmlns:r="http://schemas.openxmlformats.org/officeDocument/2006/relationships" xmlns:p="http://schemas.openxmlformats.org/presentationml/2006/main">
+  <p:cSld>
+    <p:spTree>
+      <p:nvGrpSpPr>
+        <p:cNvPr id="1" name="">
+          <a:extLst>
+            <a:ext uri="{FF2B5EF4-FFF2-40B4-BE49-F238E27FC236}">
+              <a16:creationId xmlns:a16="http://schemas.microsoft.com/office/drawing/2014/main" id="{2E894EFE-F958-8234-E5C0-106A6C06A6E1}"/>
+            </a:ext>
+          </a:extLst>
+        </p:cNvPr>
+        <p:cNvGrpSpPr/>
+        <p:nvPr/>
+      </p:nvGrpSpPr>
+      <p:grpSpPr>
+        <a:xfrm>
+          <a:off x="0" y="0"/>
+          <a:ext cx="0" cy="0"/>
+          <a:chOff x="0" y="0"/>
+          <a:chExt cx="0" cy="0"/>
+        </a:xfrm>
+      </p:grpSpPr>
+      <p:sp>
+        <p:nvSpPr>
+          <p:cNvPr id="2" name="タイトル 1">
+            <a:extLst>
+              <a:ext uri="{FF2B5EF4-FFF2-40B4-BE49-F238E27FC236}">
+                <a16:creationId xmlns:a16="http://schemas.microsoft.com/office/drawing/2014/main" id="{68A506D7-C3D1-5349-F2B1-BBA7DC09848C}"/>
+              </a:ext>
+            </a:extLst>
+          </p:cNvPr>
+          <p:cNvSpPr>
+            <a:spLocks noGrp="1"/>
+          </p:cNvSpPr>
+          <p:nvPr>
+            <p:ph type="title"/>
+          </p:nvPr>
+        </p:nvSpPr>
+        <p:spPr/>
+        <p:txBody>
+          <a:bodyPr/>
+          <a:lstStyle/>
+          <a:p>
+            <a:pPr algn="ctr"/>
+            <a:r>
+              <a:rPr lang="ja-JP" altLang="en-US" dirty="0"/>
+              <a:t>シーン遷移</a:t>
+            </a:r>
+            <a:endParaRPr kumimoji="1" lang="ja-JP" altLang="en-US" dirty="0"/>
+          </a:p>
+        </p:txBody>
+      </p:sp>
+      <p:sp>
+        <p:nvSpPr>
+          <p:cNvPr id="6" name="四角形: 角を丸くする 5">
+            <a:extLst>
+              <a:ext uri="{FF2B5EF4-FFF2-40B4-BE49-F238E27FC236}">
+                <a16:creationId xmlns:a16="http://schemas.microsoft.com/office/drawing/2014/main" id="{11D155F1-4ABE-0F8F-50D7-EF37D05B3E95}"/>
+              </a:ext>
+            </a:extLst>
+          </p:cNvPr>
+          <p:cNvSpPr/>
+          <p:nvPr/>
+        </p:nvSpPr>
+        <p:spPr>
+          <a:xfrm>
+            <a:off x="658313" y="2358525"/>
+            <a:ext cx="2160000" cy="1080000"/>
+          </a:xfrm>
+          <a:prstGeom prst="roundRect">
+            <a:avLst/>
+          </a:prstGeom>
+          <a:solidFill>
+            <a:srgbClr val="4CA331"/>
+          </a:solidFill>
+          <a:ln>
+            <a:noFill/>
+          </a:ln>
+        </p:spPr>
+        <p:style>
+          <a:lnRef idx="2">
+            <a:schemeClr val="accent1">
+              <a:shade val="15000"/>
+            </a:schemeClr>
+          </a:lnRef>
+          <a:fillRef idx="1">
+            <a:schemeClr val="accent1"/>
+          </a:fillRef>
+          <a:effectRef idx="0">
+            <a:schemeClr val="accent1"/>
+          </a:effectRef>
+          <a:fontRef idx="minor">
+            <a:schemeClr val="lt1"/>
+          </a:fontRef>
+        </p:style>
+        <p:txBody>
+          <a:bodyPr rtlCol="0" anchor="ctr"/>
+          <a:lstStyle/>
+          <a:p>
+            <a:pPr algn="ctr"/>
+            <a:r>
+              <a:rPr kumimoji="1" lang="ja-JP" altLang="en-US" sz="2400" dirty="0"/>
+              <a:t>タイトル</a:t>
+            </a:r>
+          </a:p>
+        </p:txBody>
+      </p:sp>
+      <p:sp>
+        <p:nvSpPr>
+          <p:cNvPr id="7" name="四角形: 角を丸くする 6">
+            <a:extLst>
+              <a:ext uri="{FF2B5EF4-FFF2-40B4-BE49-F238E27FC236}">
+                <a16:creationId xmlns:a16="http://schemas.microsoft.com/office/drawing/2014/main" id="{4358457F-A7C0-B48F-D254-84E4357E6192}"/>
+              </a:ext>
+            </a:extLst>
+          </p:cNvPr>
+          <p:cNvSpPr/>
+          <p:nvPr/>
+        </p:nvSpPr>
+        <p:spPr>
+          <a:xfrm>
+            <a:off x="3563438" y="2349000"/>
+            <a:ext cx="2160000" cy="1080000"/>
+          </a:xfrm>
+          <a:prstGeom prst="roundRect">
+            <a:avLst/>
+          </a:prstGeom>
+          <a:solidFill>
+            <a:srgbClr val="4CA331"/>
+          </a:solidFill>
+          <a:ln>
+            <a:noFill/>
+          </a:ln>
+        </p:spPr>
+        <p:style>
+          <a:lnRef idx="2">
+            <a:schemeClr val="accent1">
+              <a:shade val="15000"/>
+            </a:schemeClr>
+          </a:lnRef>
+          <a:fillRef idx="1">
+            <a:schemeClr val="accent1"/>
+          </a:fillRef>
+          <a:effectRef idx="0">
+            <a:schemeClr val="accent1"/>
+          </a:effectRef>
+          <a:fontRef idx="minor">
+            <a:schemeClr val="lt1"/>
+          </a:fontRef>
+        </p:style>
+        <p:txBody>
+          <a:bodyPr rtlCol="0" anchor="ctr"/>
+          <a:lstStyle/>
+          <a:p>
+            <a:pPr algn="ctr"/>
+            <a:r>
+              <a:rPr lang="ja-JP" altLang="en-US" sz="2400" dirty="0"/>
+              <a:t>選択</a:t>
+            </a:r>
+            <a:endParaRPr kumimoji="1" lang="ja-JP" altLang="en-US" sz="2400" dirty="0"/>
+          </a:p>
+        </p:txBody>
+      </p:sp>
+      <p:sp>
+        <p:nvSpPr>
+          <p:cNvPr id="9" name="四角形: 角を丸くする 8">
+            <a:extLst>
+              <a:ext uri="{FF2B5EF4-FFF2-40B4-BE49-F238E27FC236}">
+                <a16:creationId xmlns:a16="http://schemas.microsoft.com/office/drawing/2014/main" id="{DD9A765D-1AE9-E961-C4D8-588A6E2B894F}"/>
+              </a:ext>
+            </a:extLst>
+          </p:cNvPr>
+          <p:cNvSpPr/>
+          <p:nvPr/>
+        </p:nvSpPr>
+        <p:spPr>
+          <a:xfrm>
+            <a:off x="6468563" y="2349000"/>
+            <a:ext cx="2160000" cy="1080000"/>
+          </a:xfrm>
+          <a:prstGeom prst="roundRect">
+            <a:avLst/>
+          </a:prstGeom>
+          <a:solidFill>
+            <a:srgbClr val="4CA331"/>
+          </a:solidFill>
+          <a:ln>
+            <a:noFill/>
+          </a:ln>
+        </p:spPr>
+        <p:style>
+          <a:lnRef idx="2">
+            <a:schemeClr val="accent1">
+              <a:shade val="15000"/>
+            </a:schemeClr>
+          </a:lnRef>
+          <a:fillRef idx="1">
+            <a:schemeClr val="accent1"/>
+          </a:fillRef>
+          <a:effectRef idx="0">
+            <a:schemeClr val="accent1"/>
+          </a:effectRef>
+          <a:fontRef idx="minor">
+            <a:schemeClr val="lt1"/>
+          </a:fontRef>
+        </p:style>
+        <p:txBody>
+          <a:bodyPr rtlCol="0" anchor="ctr"/>
+          <a:lstStyle/>
+          <a:p>
+            <a:pPr algn="ctr"/>
+            <a:r>
+              <a:rPr lang="ja-JP" altLang="en-US" sz="2400" dirty="0"/>
+              <a:t>１人プレイ</a:t>
+            </a:r>
+            <a:endParaRPr kumimoji="1" lang="ja-JP" altLang="en-US" sz="2400" dirty="0"/>
+          </a:p>
+        </p:txBody>
+      </p:sp>
+      <p:sp>
+        <p:nvSpPr>
+          <p:cNvPr id="10" name="四角形: 角を丸くする 9">
+            <a:extLst>
+              <a:ext uri="{FF2B5EF4-FFF2-40B4-BE49-F238E27FC236}">
+                <a16:creationId xmlns:a16="http://schemas.microsoft.com/office/drawing/2014/main" id="{1A7FC1CC-CC92-EF48-BE1C-E5B01EF5B3D4}"/>
+              </a:ext>
+            </a:extLst>
+          </p:cNvPr>
+          <p:cNvSpPr/>
+          <p:nvPr/>
+        </p:nvSpPr>
+        <p:spPr>
+          <a:xfrm>
+            <a:off x="9373688" y="2349000"/>
+            <a:ext cx="2160000" cy="1080000"/>
+          </a:xfrm>
+          <a:prstGeom prst="roundRect">
+            <a:avLst/>
+          </a:prstGeom>
+          <a:solidFill>
+            <a:srgbClr val="4CA331"/>
+          </a:solidFill>
+          <a:ln>
+            <a:noFill/>
+          </a:ln>
+        </p:spPr>
+        <p:style>
+          <a:lnRef idx="2">
+            <a:schemeClr val="accent1">
+              <a:shade val="15000"/>
+            </a:schemeClr>
+          </a:lnRef>
+          <a:fillRef idx="1">
+            <a:schemeClr val="accent1"/>
+          </a:fillRef>
+          <a:effectRef idx="0">
+            <a:schemeClr val="accent1"/>
+          </a:effectRef>
+          <a:fontRef idx="minor">
+            <a:schemeClr val="lt1"/>
+          </a:fontRef>
+        </p:style>
+        <p:txBody>
+          <a:bodyPr rtlCol="0" anchor="ctr"/>
+          <a:lstStyle/>
+          <a:p>
+            <a:pPr algn="ctr"/>
+            <a:r>
+              <a:rPr kumimoji="1" lang="ja-JP" altLang="en-US" sz="2400" dirty="0"/>
+              <a:t>リザルト</a:t>
+            </a:r>
+          </a:p>
+        </p:txBody>
+      </p:sp>
+      <p:sp>
+        <p:nvSpPr>
+          <p:cNvPr id="12" name="四角形: 角を丸くする 11">
+            <a:extLst>
+              <a:ext uri="{FF2B5EF4-FFF2-40B4-BE49-F238E27FC236}">
+                <a16:creationId xmlns:a16="http://schemas.microsoft.com/office/drawing/2014/main" id="{C84BF8DF-4304-7385-4D69-E39570A33818}"/>
+              </a:ext>
+            </a:extLst>
+          </p:cNvPr>
+          <p:cNvSpPr/>
+          <p:nvPr/>
+        </p:nvSpPr>
+        <p:spPr>
+          <a:xfrm>
+            <a:off x="658313" y="4023675"/>
+            <a:ext cx="2160000" cy="1080000"/>
+          </a:xfrm>
+          <a:prstGeom prst="roundRect">
+            <a:avLst/>
+          </a:prstGeom>
+          <a:solidFill>
+            <a:srgbClr val="45942C"/>
+          </a:solidFill>
+          <a:ln>
+            <a:noFill/>
+          </a:ln>
+        </p:spPr>
+        <p:style>
+          <a:lnRef idx="2">
+            <a:schemeClr val="accent1">
+              <a:shade val="15000"/>
+            </a:schemeClr>
+          </a:lnRef>
+          <a:fillRef idx="1">
+            <a:schemeClr val="accent1"/>
+          </a:fillRef>
+          <a:effectRef idx="0">
+            <a:schemeClr val="accent1"/>
+          </a:effectRef>
+          <a:fontRef idx="minor">
+            <a:schemeClr val="lt1"/>
+          </a:fontRef>
+        </p:style>
+        <p:txBody>
+          <a:bodyPr rtlCol="0" anchor="ctr"/>
+          <a:lstStyle/>
+          <a:p>
+            <a:pPr algn="ctr"/>
+            <a:r>
+              <a:rPr kumimoji="1" lang="ja-JP" altLang="en-US" sz="2400" dirty="0"/>
+              <a:t>コレクション</a:t>
+            </a:r>
+          </a:p>
+        </p:txBody>
+      </p:sp>
+      <p:sp>
+        <p:nvSpPr>
+          <p:cNvPr id="14" name="四角形: 角を丸くする 13">
+            <a:extLst>
+              <a:ext uri="{FF2B5EF4-FFF2-40B4-BE49-F238E27FC236}">
+                <a16:creationId xmlns:a16="http://schemas.microsoft.com/office/drawing/2014/main" id="{FCE6901F-6A14-CDCF-63BF-1764A1388E81}"/>
+              </a:ext>
+            </a:extLst>
+          </p:cNvPr>
+          <p:cNvSpPr/>
+          <p:nvPr/>
+        </p:nvSpPr>
+        <p:spPr>
+          <a:xfrm>
+            <a:off x="6468563" y="4023675"/>
+            <a:ext cx="2160000" cy="1080000"/>
+          </a:xfrm>
+          <a:prstGeom prst="roundRect">
+            <a:avLst/>
+          </a:prstGeom>
+          <a:solidFill>
+            <a:srgbClr val="4CA331"/>
+          </a:solidFill>
+          <a:ln>
+            <a:noFill/>
+          </a:ln>
+        </p:spPr>
+        <p:style>
+          <a:lnRef idx="2">
+            <a:schemeClr val="accent1">
+              <a:shade val="15000"/>
+            </a:schemeClr>
+          </a:lnRef>
+          <a:fillRef idx="1">
+            <a:schemeClr val="accent1"/>
+          </a:fillRef>
+          <a:effectRef idx="0">
+            <a:schemeClr val="accent1"/>
+          </a:effectRef>
+          <a:fontRef idx="minor">
+            <a:schemeClr val="lt1"/>
+          </a:fontRef>
+        </p:style>
+        <p:txBody>
+          <a:bodyPr rtlCol="0" anchor="ctr"/>
+          <a:lstStyle/>
+          <a:p>
+            <a:pPr algn="ctr"/>
+            <a:r>
+              <a:rPr lang="ja-JP" altLang="en-US" sz="2400" dirty="0"/>
+              <a:t>２人プレイ</a:t>
+            </a:r>
+            <a:endParaRPr kumimoji="1" lang="ja-JP" altLang="en-US" sz="2400" dirty="0"/>
+          </a:p>
+        </p:txBody>
+      </p:sp>
+      <p:cxnSp>
+        <p:nvCxnSpPr>
+          <p:cNvPr id="16" name="直線矢印コネクタ 15">
+            <a:extLst>
+              <a:ext uri="{FF2B5EF4-FFF2-40B4-BE49-F238E27FC236}">
+                <a16:creationId xmlns:a16="http://schemas.microsoft.com/office/drawing/2014/main" id="{5966ED87-88C3-2AA5-4793-669060F4B900}"/>
+              </a:ext>
+            </a:extLst>
+          </p:cNvPr>
+          <p:cNvCxnSpPr>
+            <a:stCxn id="6" idx="3"/>
+            <a:endCxn id="7" idx="1"/>
+          </p:cNvCxnSpPr>
+          <p:nvPr/>
+        </p:nvCxnSpPr>
+        <p:spPr>
+          <a:xfrm flipV="1">
+            <a:off x="2818313" y="2889000"/>
+            <a:ext cx="745125" cy="9525"/>
+          </a:xfrm>
+          <a:prstGeom prst="straightConnector1">
+            <a:avLst/>
+          </a:prstGeom>
+          <a:ln w="76200" cap="flat" cmpd="sng" algn="ctr">
+            <a:solidFill>
+              <a:srgbClr val="FF9966"/>
+            </a:solidFill>
+            <a:prstDash val="solid"/>
+            <a:round/>
+            <a:headEnd type="none" w="med" len="med"/>
+            <a:tailEnd type="triangle" w="med" len="med"/>
+          </a:ln>
+        </p:spPr>
+        <p:style>
+          <a:lnRef idx="0">
+            <a:scrgbClr r="0" g="0" b="0"/>
+          </a:lnRef>
+          <a:fillRef idx="0">
+            <a:scrgbClr r="0" g="0" b="0"/>
+          </a:fillRef>
+          <a:effectRef idx="0">
+            <a:scrgbClr r="0" g="0" b="0"/>
+          </a:effectRef>
+          <a:fontRef idx="minor">
+            <a:schemeClr val="tx1"/>
+          </a:fontRef>
+        </p:style>
+      </p:cxnSp>
+      <p:cxnSp>
+        <p:nvCxnSpPr>
+          <p:cNvPr id="17" name="直線矢印コネクタ 16">
+            <a:extLst>
+              <a:ext uri="{FF2B5EF4-FFF2-40B4-BE49-F238E27FC236}">
+                <a16:creationId xmlns:a16="http://schemas.microsoft.com/office/drawing/2014/main" id="{7C372913-17B0-A4B7-008E-47774E253BF8}"/>
+              </a:ext>
+            </a:extLst>
+          </p:cNvPr>
+          <p:cNvCxnSpPr/>
+          <p:nvPr/>
+        </p:nvCxnSpPr>
+        <p:spPr>
+          <a:xfrm flipV="1">
+            <a:off x="5723438" y="2889000"/>
+            <a:ext cx="745125" cy="9525"/>
+          </a:xfrm>
+          <a:prstGeom prst="straightConnector1">
+            <a:avLst/>
+          </a:prstGeom>
+          <a:ln w="76200" cap="flat" cmpd="sng" algn="ctr">
+            <a:solidFill>
+              <a:srgbClr val="FF9966"/>
+            </a:solidFill>
+            <a:prstDash val="solid"/>
+            <a:round/>
+            <a:headEnd type="none" w="med" len="med"/>
+            <a:tailEnd type="triangle" w="med" len="med"/>
+          </a:ln>
+        </p:spPr>
+        <p:style>
+          <a:lnRef idx="0">
+            <a:scrgbClr r="0" g="0" b="0"/>
+          </a:lnRef>
+          <a:fillRef idx="0">
+            <a:scrgbClr r="0" g="0" b="0"/>
+          </a:fillRef>
+          <a:effectRef idx="0">
+            <a:scrgbClr r="0" g="0" b="0"/>
+          </a:effectRef>
+          <a:fontRef idx="minor">
+            <a:schemeClr val="tx1"/>
+          </a:fontRef>
+        </p:style>
+      </p:cxnSp>
+      <p:cxnSp>
+        <p:nvCxnSpPr>
+          <p:cNvPr id="18" name="直線矢印コネクタ 17">
+            <a:extLst>
+              <a:ext uri="{FF2B5EF4-FFF2-40B4-BE49-F238E27FC236}">
+                <a16:creationId xmlns:a16="http://schemas.microsoft.com/office/drawing/2014/main" id="{AEB9E226-140B-9408-BFCA-83DFDCE4D112}"/>
+              </a:ext>
+            </a:extLst>
+          </p:cNvPr>
+          <p:cNvCxnSpPr/>
+          <p:nvPr/>
+        </p:nvCxnSpPr>
+        <p:spPr>
+          <a:xfrm flipV="1">
+            <a:off x="8628563" y="2889000"/>
+            <a:ext cx="745125" cy="9525"/>
+          </a:xfrm>
+          <a:prstGeom prst="straightConnector1">
+            <a:avLst/>
+          </a:prstGeom>
+          <a:ln w="76200" cap="flat" cmpd="sng" algn="ctr">
+            <a:solidFill>
+              <a:srgbClr val="FF9966"/>
+            </a:solidFill>
+            <a:prstDash val="solid"/>
+            <a:round/>
+            <a:headEnd type="none" w="med" len="med"/>
+            <a:tailEnd type="triangle" w="med" len="med"/>
+          </a:ln>
+        </p:spPr>
+        <p:style>
+          <a:lnRef idx="0">
+            <a:scrgbClr r="0" g="0" b="0"/>
+          </a:lnRef>
+          <a:fillRef idx="0">
+            <a:scrgbClr r="0" g="0" b="0"/>
+          </a:fillRef>
+          <a:effectRef idx="0">
+            <a:scrgbClr r="0" g="0" b="0"/>
+          </a:effectRef>
+          <a:fontRef idx="minor">
+            <a:schemeClr val="tx1"/>
+          </a:fontRef>
+        </p:style>
+      </p:cxnSp>
+      <p:cxnSp>
+        <p:nvCxnSpPr>
+          <p:cNvPr id="24" name="コネクタ: カギ線 23">
+            <a:extLst>
+              <a:ext uri="{FF2B5EF4-FFF2-40B4-BE49-F238E27FC236}">
+                <a16:creationId xmlns:a16="http://schemas.microsoft.com/office/drawing/2014/main" id="{90038A59-411A-E8C5-EC7C-D333CC5FEE69}"/>
+              </a:ext>
+            </a:extLst>
+          </p:cNvPr>
+          <p:cNvCxnSpPr>
+            <a:stCxn id="10" idx="0"/>
+            <a:endCxn id="6" idx="0"/>
+          </p:cNvCxnSpPr>
+          <p:nvPr/>
+        </p:nvCxnSpPr>
+        <p:spPr>
+          <a:xfrm rot="16200000" flipH="1" flipV="1">
+            <a:off x="6091238" y="-2003926"/>
+            <a:ext cx="9525" cy="8715375"/>
+          </a:xfrm>
+          <a:prstGeom prst="bentConnector3">
+            <a:avLst>
+              <a:gd name="adj1" fmla="val -4400000"/>
+            </a:avLst>
+          </a:prstGeom>
+          <a:ln w="76200">
+            <a:solidFill>
+              <a:srgbClr val="FF9966"/>
+            </a:solidFill>
+            <a:tailEnd type="triangle"/>
+          </a:ln>
+        </p:spPr>
+        <p:style>
+          <a:lnRef idx="1">
+            <a:schemeClr val="accent1"/>
+          </a:lnRef>
+          <a:fillRef idx="0">
+            <a:schemeClr val="accent1"/>
+          </a:fillRef>
+          <a:effectRef idx="0">
+            <a:schemeClr val="accent1"/>
+          </a:effectRef>
+          <a:fontRef idx="minor">
+            <a:schemeClr val="tx1"/>
+          </a:fontRef>
+        </p:style>
+      </p:cxnSp>
+      <p:cxnSp>
+        <p:nvCxnSpPr>
+          <p:cNvPr id="27" name="コネクタ: カギ線 26">
+            <a:extLst>
+              <a:ext uri="{FF2B5EF4-FFF2-40B4-BE49-F238E27FC236}">
+                <a16:creationId xmlns:a16="http://schemas.microsoft.com/office/drawing/2014/main" id="{3E37DA29-C199-8B1A-2688-A5AC174C225C}"/>
+              </a:ext>
+            </a:extLst>
+          </p:cNvPr>
+          <p:cNvCxnSpPr>
+            <a:stCxn id="7" idx="3"/>
+            <a:endCxn id="14" idx="1"/>
+          </p:cNvCxnSpPr>
+          <p:nvPr/>
+        </p:nvCxnSpPr>
+        <p:spPr>
+          <a:xfrm>
+            <a:off x="5723438" y="2889000"/>
+            <a:ext cx="745125" cy="1674675"/>
+          </a:xfrm>
+          <a:prstGeom prst="bentConnector3">
+            <a:avLst/>
+          </a:prstGeom>
+          <a:ln w="76200">
+            <a:solidFill>
+              <a:srgbClr val="FF9966"/>
+            </a:solidFill>
+            <a:tailEnd type="triangle"/>
+          </a:ln>
+        </p:spPr>
+        <p:style>
+          <a:lnRef idx="1">
+            <a:schemeClr val="accent1"/>
+          </a:lnRef>
+          <a:fillRef idx="0">
+            <a:schemeClr val="accent1"/>
+          </a:fillRef>
+          <a:effectRef idx="0">
+            <a:schemeClr val="accent1"/>
+          </a:effectRef>
+          <a:fontRef idx="minor">
+            <a:schemeClr val="tx1"/>
+          </a:fontRef>
+        </p:style>
+      </p:cxnSp>
+      <p:cxnSp>
+        <p:nvCxnSpPr>
+          <p:cNvPr id="29" name="コネクタ: カギ線 28">
+            <a:extLst>
+              <a:ext uri="{FF2B5EF4-FFF2-40B4-BE49-F238E27FC236}">
+                <a16:creationId xmlns:a16="http://schemas.microsoft.com/office/drawing/2014/main" id="{ABC72D79-98C8-A7AF-A32A-F42A813A29CF}"/>
+              </a:ext>
+            </a:extLst>
+          </p:cNvPr>
+          <p:cNvCxnSpPr>
+            <a:stCxn id="14" idx="3"/>
+            <a:endCxn id="10" idx="1"/>
+          </p:cNvCxnSpPr>
+          <p:nvPr/>
+        </p:nvCxnSpPr>
+        <p:spPr>
+          <a:xfrm flipV="1">
+            <a:off x="8628563" y="2889000"/>
+            <a:ext cx="745125" cy="1674675"/>
+          </a:xfrm>
+          <a:prstGeom prst="bentConnector3">
+            <a:avLst/>
+          </a:prstGeom>
+          <a:ln w="76200">
+            <a:solidFill>
+              <a:srgbClr val="FF9966"/>
+            </a:solidFill>
+            <a:tailEnd type="triangle"/>
+          </a:ln>
+        </p:spPr>
+        <p:style>
+          <a:lnRef idx="1">
+            <a:schemeClr val="accent1"/>
+          </a:lnRef>
+          <a:fillRef idx="0">
+            <a:schemeClr val="accent1"/>
+          </a:fillRef>
+          <a:effectRef idx="0">
+            <a:schemeClr val="accent1"/>
+          </a:effectRef>
+          <a:fontRef idx="minor">
+            <a:schemeClr val="tx1"/>
+          </a:fontRef>
+        </p:style>
+      </p:cxnSp>
+      <p:cxnSp>
+        <p:nvCxnSpPr>
+          <p:cNvPr id="31" name="直線矢印コネクタ 30">
+            <a:extLst>
+              <a:ext uri="{FF2B5EF4-FFF2-40B4-BE49-F238E27FC236}">
+                <a16:creationId xmlns:a16="http://schemas.microsoft.com/office/drawing/2014/main" id="{337F5123-F59C-CDAE-84CE-C5F0E9E00FC8}"/>
+              </a:ext>
+            </a:extLst>
+          </p:cNvPr>
+          <p:cNvCxnSpPr>
+            <a:stCxn id="6" idx="2"/>
+            <a:endCxn id="12" idx="0"/>
+          </p:cNvCxnSpPr>
+          <p:nvPr/>
+        </p:nvCxnSpPr>
+        <p:spPr>
+          <a:xfrm>
+            <a:off x="1738313" y="3438525"/>
+            <a:ext cx="0" cy="585150"/>
+          </a:xfrm>
+          <a:prstGeom prst="straightConnector1">
+            <a:avLst/>
+          </a:prstGeom>
+          <a:ln w="76200">
+            <a:solidFill>
+              <a:srgbClr val="FF9966"/>
+            </a:solidFill>
+            <a:headEnd type="triangle" w="med" len="med"/>
+            <a:tailEnd type="triangle" w="med" len="med"/>
+          </a:ln>
+        </p:spPr>
+        <p:style>
+          <a:lnRef idx="1">
+            <a:schemeClr val="accent1"/>
+          </a:lnRef>
+          <a:fillRef idx="0">
+            <a:schemeClr val="accent1"/>
+          </a:fillRef>
+          <a:effectRef idx="0">
+            <a:schemeClr val="accent1"/>
+          </a:effectRef>
+          <a:fontRef idx="minor">
+            <a:schemeClr val="tx1"/>
+          </a:fontRef>
+        </p:style>
+      </p:cxnSp>
+    </p:spTree>
+    <p:extLst>
+      <p:ext uri="{BB962C8B-B14F-4D97-AF65-F5344CB8AC3E}">
+        <p14:creationId xmlns:p14="http://schemas.microsoft.com/office/powerpoint/2010/main" val="3267016711"/>
+      </p:ext>
+    </p:extLst>
+  </p:cSld>
+  <p:clrMapOvr>
+    <a:masterClrMapping/>
+  </p:clrMapOvr>
+  <p:transition spd="slow">
+    <p:push/>
+  </p:transition>
+</p:sld>
+</file>
+
+<file path=ppt/slides/slide14.xml><?xml version="1.0" encoding="utf-8"?>
+<p:sld xmlns:a="http://schemas.openxmlformats.org/drawingml/2006/main" xmlns:r="http://schemas.openxmlformats.org/officeDocument/2006/relationships" xmlns:p="http://schemas.openxmlformats.org/presentationml/2006/main">
+  <p:cSld>
+    <p:spTree>
+      <p:nvGrpSpPr>
+        <p:cNvPr id="1" name="">
+          <a:extLst>
+            <a:ext uri="{FF2B5EF4-FFF2-40B4-BE49-F238E27FC236}">
+              <a16:creationId xmlns:a16="http://schemas.microsoft.com/office/drawing/2014/main" id="{63C73656-F522-4845-FCD8-FDC5074389AF}"/>
+            </a:ext>
+          </a:extLst>
+        </p:cNvPr>
+        <p:cNvGrpSpPr/>
+        <p:nvPr/>
+      </p:nvGrpSpPr>
+      <p:grpSpPr>
+        <a:xfrm>
+          <a:off x="0" y="0"/>
+          <a:ext cx="0" cy="0"/>
+          <a:chOff x="0" y="0"/>
+          <a:chExt cx="0" cy="0"/>
+        </a:xfrm>
+      </p:grpSpPr>
+      <p:sp>
+        <p:nvSpPr>
+          <p:cNvPr id="2" name="タイトル 1">
+            <a:extLst>
+              <a:ext uri="{FF2B5EF4-FFF2-40B4-BE49-F238E27FC236}">
+                <a16:creationId xmlns:a16="http://schemas.microsoft.com/office/drawing/2014/main" id="{D9FF3CAB-B843-0B1C-4042-160AA280AEA9}"/>
+              </a:ext>
+            </a:extLst>
+          </p:cNvPr>
+          <p:cNvSpPr>
+            <a:spLocks noGrp="1"/>
+          </p:cNvSpPr>
+          <p:nvPr>
+            <p:ph type="title"/>
+          </p:nvPr>
+        </p:nvSpPr>
+        <p:spPr/>
+        <p:txBody>
+          <a:bodyPr/>
+          <a:lstStyle/>
+          <a:p>
+            <a:pPr algn="ctr"/>
+            <a:r>
+              <a:rPr lang="ja-JP" altLang="en-US" dirty="0"/>
+              <a:t>シーン遷移</a:t>
+            </a:r>
+            <a:endParaRPr kumimoji="1" lang="ja-JP" altLang="en-US" dirty="0"/>
+          </a:p>
+        </p:txBody>
+      </p:sp>
+      <p:sp>
+        <p:nvSpPr>
+          <p:cNvPr id="3" name="コンテンツ プレースホルダー 2">
+            <a:extLst>
+              <a:ext uri="{FF2B5EF4-FFF2-40B4-BE49-F238E27FC236}">
+                <a16:creationId xmlns:a16="http://schemas.microsoft.com/office/drawing/2014/main" id="{15928E2A-2D59-FE00-22F9-62047CA607A9}"/>
+              </a:ext>
+            </a:extLst>
+          </p:cNvPr>
+          <p:cNvSpPr>
+            <a:spLocks noGrp="1"/>
+          </p:cNvSpPr>
+          <p:nvPr>
+            <p:ph idx="1"/>
+          </p:nvPr>
+        </p:nvSpPr>
+        <p:spPr/>
+        <p:txBody>
+          <a:bodyPr/>
+          <a:lstStyle/>
+          <a:p>
+            <a:pPr marL="0" indent="0">
+              <a:buNone/>
+            </a:pPr>
+            <a:endParaRPr lang="en-US" altLang="ja-JP" dirty="0"/>
+          </a:p>
+          <a:p>
+            <a:pPr marL="0" indent="0">
+              <a:buNone/>
+            </a:pPr>
+            <a:r>
+              <a:rPr lang="ja-JP" altLang="en-US" dirty="0"/>
+              <a:t>破壊するための兵器を、住処や近くのオブジェクトを崩して再構築し作成する</a:t>
+            </a:r>
+            <a:endParaRPr lang="en-US" altLang="ja-JP" dirty="0"/>
+          </a:p>
+          <a:p>
+            <a:pPr marL="0" indent="0">
+              <a:buNone/>
+            </a:pPr>
+            <a:r>
+              <a:rPr lang="ja-JP" altLang="en-US" dirty="0"/>
+              <a:t>ステージは箱庭型にする</a:t>
+            </a:r>
+            <a:endParaRPr lang="en-US" altLang="ja-JP" dirty="0"/>
+          </a:p>
+          <a:p>
+            <a:pPr marL="0" indent="0">
+              <a:buNone/>
+            </a:pPr>
+            <a:r>
+              <a:rPr lang="ja-JP" altLang="en-US" dirty="0"/>
+              <a:t>（</a:t>
+            </a:r>
+            <a:r>
+              <a:rPr lang="en-US" altLang="ja-JP" dirty="0" err="1"/>
+              <a:t>PerlinNoise</a:t>
+            </a:r>
+            <a:r>
+              <a:rPr lang="ja-JP" altLang="en-US" dirty="0"/>
+              <a:t>による地形生成、また施設生成も行う）</a:t>
+            </a:r>
+            <a:endParaRPr lang="en-US" altLang="ja-JP" dirty="0"/>
+          </a:p>
+          <a:p>
+            <a:pPr marL="0" indent="0">
+              <a:buNone/>
+            </a:pPr>
+            <a:r>
+              <a:rPr lang="ja-JP" altLang="en-US" dirty="0"/>
+              <a:t> 最終的に集めた素材で作成される物が変わる（収集要素） </a:t>
+            </a:r>
+            <a:endParaRPr kumimoji="1" lang="ja-JP" altLang="en-US" dirty="0"/>
+          </a:p>
+        </p:txBody>
+      </p:sp>
+    </p:spTree>
+    <p:extLst>
+      <p:ext uri="{BB962C8B-B14F-4D97-AF65-F5344CB8AC3E}">
+        <p14:creationId xmlns:p14="http://schemas.microsoft.com/office/powerpoint/2010/main" val="1879504713"/>
+      </p:ext>
+    </p:extLst>
+  </p:cSld>
+  <p:clrMapOvr>
+    <a:masterClrMapping/>
+  </p:clrMapOvr>
+  <p:transition spd="slow">
+    <p:push/>
+  </p:transition>
+</p:sld>
+</file>
+
+<file path=ppt/slides/slide15.xml><?xml version="1.0" encoding="utf-8"?>
+<p:sld xmlns:a="http://schemas.openxmlformats.org/drawingml/2006/main" xmlns:r="http://schemas.openxmlformats.org/officeDocument/2006/relationships" xmlns:p="http://schemas.openxmlformats.org/presentationml/2006/main">
+  <p:cSld>
+    <p:spTree>
+      <p:nvGrpSpPr>
+        <p:cNvPr id="1" name=""/>
+        <p:cNvGrpSpPr/>
+        <p:nvPr/>
+      </p:nvGrpSpPr>
+      <p:grpSpPr>
+        <a:xfrm>
+          <a:off x="0" y="0"/>
+          <a:ext cx="0" cy="0"/>
+          <a:chOff x="0" y="0"/>
+          <a:chExt cx="0" cy="0"/>
+        </a:xfrm>
+      </p:grpSpPr>
+      <p:sp>
+        <p:nvSpPr>
+          <p:cNvPr id="2" name="タイトル 1">
+            <a:extLst>
+              <a:ext uri="{FF2B5EF4-FFF2-40B4-BE49-F238E27FC236}">
                 <a16:creationId xmlns:a16="http://schemas.microsoft.com/office/drawing/2014/main" id="{E717F422-584C-42C6-BC20-B141BAB2C6BD}"/>
               </a:ext>
             </a:extLst>
@@ -3879,7 +7038,7 @@
 </p:sld>
 </file>
 
-<file path=ppt/slides/slide11.xml><?xml version="1.0" encoding="utf-8"?>
+<file path=ppt/slides/slide16.xml><?xml version="1.0" encoding="utf-8"?>
 <p:sld xmlns:a="http://schemas.openxmlformats.org/drawingml/2006/main" xmlns:r="http://schemas.openxmlformats.org/officeDocument/2006/relationships" xmlns:p="http://schemas.openxmlformats.org/presentationml/2006/main">
   <p:cSld>
     <p:spTree>
@@ -4091,7 +7250,7 @@
 </p:sld>
 </file>
 
-<file path=ppt/slides/slide12.xml><?xml version="1.0" encoding="utf-8"?>
+<file path=ppt/slides/slide17.xml><?xml version="1.0" encoding="utf-8"?>
 <p:sld xmlns:a="http://schemas.openxmlformats.org/drawingml/2006/main" xmlns:r="http://schemas.openxmlformats.org/officeDocument/2006/relationships" xmlns:p="http://schemas.openxmlformats.org/presentationml/2006/main">
   <p:cSld>
     <p:spTree>
@@ -4307,7 +7466,7 @@
 </p:sld>
 </file>
 
-<file path=ppt/slides/slide13.xml><?xml version="1.0" encoding="utf-8"?>
+<file path=ppt/slides/slide18.xml><?xml version="1.0" encoding="utf-8"?>
 <p:sld xmlns:a="http://schemas.openxmlformats.org/drawingml/2006/main" xmlns:r="http://schemas.openxmlformats.org/officeDocument/2006/relationships" xmlns:p="http://schemas.openxmlformats.org/presentationml/2006/main">
   <p:cSld>
     <p:spTree>
@@ -4464,7 +7623,7 @@
 </p:sld>
 </file>
 
-<file path=ppt/slides/slide14.xml><?xml version="1.0" encoding="utf-8"?>
+<file path=ppt/slides/slide19.xml><?xml version="1.0" encoding="utf-8"?>
 <p:sld xmlns:a="http://schemas.openxmlformats.org/drawingml/2006/main" xmlns:r="http://schemas.openxmlformats.org/officeDocument/2006/relationships" xmlns:p="http://schemas.openxmlformats.org/presentationml/2006/main">
   <p:cSld>
     <p:spTree>
@@ -4486,7 +7645,7 @@
           <p:cNvPr id="2" name="タイトル 1">
             <a:extLst>
               <a:ext uri="{FF2B5EF4-FFF2-40B4-BE49-F238E27FC236}">
-                <a16:creationId xmlns:a16="http://schemas.microsoft.com/office/drawing/2014/main" id="{C889E847-0C0C-46CE-A52B-08B7F96B8E24}"/>
+                <a16:creationId xmlns:a16="http://schemas.microsoft.com/office/drawing/2014/main" id="{BECDBE70-A109-E7DE-C2CF-33B6EDAC6F79}"/>
               </a:ext>
             </a:extLst>
           </p:cNvPr>
@@ -4503,344 +7662,17 @@
           <a:lstStyle/>
           <a:p>
             <a:r>
-              <a:rPr kumimoji="1" lang="ja-JP" altLang="en-US" dirty="0"/>
-              <a:t>参考タイトル</a:t>
-            </a:r>
+              <a:rPr lang="ja-JP" altLang="en-US" dirty="0"/>
+              <a:t>工数について</a:t>
+            </a:r>
+            <a:endParaRPr kumimoji="1" lang="ja-JP" altLang="en-US" dirty="0"/>
           </a:p>
         </p:txBody>
       </p:sp>
     </p:spTree>
     <p:extLst>
       <p:ext uri="{BB962C8B-B14F-4D97-AF65-F5344CB8AC3E}">
-        <p14:creationId xmlns:p14="http://schemas.microsoft.com/office/powerpoint/2010/main" val="4294745709"/>
-      </p:ext>
-    </p:extLst>
-  </p:cSld>
-  <p:clrMapOvr>
-    <a:masterClrMapping/>
-  </p:clrMapOvr>
-  <p:transition spd="slow">
-    <p:push dir="u"/>
-  </p:transition>
-</p:sld>
-</file>
-
-<file path=ppt/slides/slide15.xml><?xml version="1.0" encoding="utf-8"?>
-<p:sld xmlns:a="http://schemas.openxmlformats.org/drawingml/2006/main" xmlns:r="http://schemas.openxmlformats.org/officeDocument/2006/relationships" xmlns:p="http://schemas.openxmlformats.org/presentationml/2006/main">
-  <p:cSld>
-    <p:spTree>
-      <p:nvGrpSpPr>
-        <p:cNvPr id="1" name=""/>
-        <p:cNvGrpSpPr/>
-        <p:nvPr/>
-      </p:nvGrpSpPr>
-      <p:grpSpPr>
-        <a:xfrm>
-          <a:off x="0" y="0"/>
-          <a:ext cx="0" cy="0"/>
-          <a:chOff x="0" y="0"/>
-          <a:chExt cx="0" cy="0"/>
-        </a:xfrm>
-      </p:grpSpPr>
-      <p:sp>
-        <p:nvSpPr>
-          <p:cNvPr id="2" name="タイトル 1">
-            <a:extLst>
-              <a:ext uri="{FF2B5EF4-FFF2-40B4-BE49-F238E27FC236}">
-                <a16:creationId xmlns:a16="http://schemas.microsoft.com/office/drawing/2014/main" id="{9795BBF7-520C-4411-BD63-44BC8D7B080C}"/>
-              </a:ext>
-            </a:extLst>
-          </p:cNvPr>
-          <p:cNvSpPr>
-            <a:spLocks noGrp="1"/>
-          </p:cNvSpPr>
-          <p:nvPr>
-            <p:ph type="title"/>
-          </p:nvPr>
-        </p:nvSpPr>
-        <p:spPr/>
-        <p:txBody>
-          <a:bodyPr/>
-          <a:lstStyle/>
-          <a:p>
-            <a:pPr algn="ctr"/>
-            <a:r>
-              <a:rPr kumimoji="1" lang="ja-JP" altLang="en-US" dirty="0"/>
-              <a:t>参考タイトル</a:t>
-            </a:r>
-          </a:p>
-        </p:txBody>
-      </p:sp>
-      <p:pic>
-        <p:nvPicPr>
-          <p:cNvPr id="13" name="図 12">
-            <a:extLst>
-              <a:ext uri="{FF2B5EF4-FFF2-40B4-BE49-F238E27FC236}">
-                <a16:creationId xmlns:a16="http://schemas.microsoft.com/office/drawing/2014/main" id="{E73CAD5F-32F4-4781-8F8B-B78E6119C957}"/>
-              </a:ext>
-            </a:extLst>
-          </p:cNvPr>
-          <p:cNvPicPr>
-            <a:picLocks noChangeAspect="1"/>
-          </p:cNvPicPr>
-          <p:nvPr/>
-        </p:nvPicPr>
-        <p:blipFill rotWithShape="1">
-          <a:blip r:embed="rId3">
-            <a:extLst>
-              <a:ext uri="{28A0092B-C50C-407E-A947-70E740481C1C}">
-                <a14:useLocalDpi xmlns:a14="http://schemas.microsoft.com/office/drawing/2010/main" val="0"/>
-              </a:ext>
-            </a:extLst>
-          </a:blip>
-          <a:srcRect l="4690" r="4690"/>
-          <a:stretch/>
-        </p:blipFill>
-        <p:spPr>
-          <a:xfrm>
-            <a:off x="6385127" y="2028856"/>
-            <a:ext cx="4968673" cy="2800289"/>
-          </a:xfrm>
-          <a:prstGeom prst="rect">
-            <a:avLst/>
-          </a:prstGeom>
-          <a:ln w="38100">
-            <a:solidFill>
-              <a:schemeClr val="bg1"/>
-            </a:solidFill>
-          </a:ln>
-          <a:effectLst>
-            <a:outerShdw blurRad="50800" dist="38100" dir="5400000" algn="t" rotWithShape="0">
-              <a:prstClr val="black">
-                <a:alpha val="40000"/>
-              </a:prstClr>
-            </a:outerShdw>
-          </a:effectLst>
-        </p:spPr>
-      </p:pic>
-    </p:spTree>
-    <p:extLst>
-      <p:ext uri="{BB962C8B-B14F-4D97-AF65-F5344CB8AC3E}">
-        <p14:creationId xmlns:p14="http://schemas.microsoft.com/office/powerpoint/2010/main" val="1734843366"/>
-      </p:ext>
-    </p:extLst>
-  </p:cSld>
-  <p:clrMapOvr>
-    <a:masterClrMapping/>
-  </p:clrMapOvr>
-  <p:transition spd="slow">
-    <p:push/>
-  </p:transition>
-</p:sld>
-</file>
-
-<file path=ppt/slides/slide16.xml><?xml version="1.0" encoding="utf-8"?>
-<p:sld xmlns:a="http://schemas.openxmlformats.org/drawingml/2006/main" xmlns:r="http://schemas.openxmlformats.org/officeDocument/2006/relationships" xmlns:p="http://schemas.openxmlformats.org/presentationml/2006/main">
-  <p:cSld>
-    <p:spTree>
-      <p:nvGrpSpPr>
-        <p:cNvPr id="1" name=""/>
-        <p:cNvGrpSpPr/>
-        <p:nvPr/>
-      </p:nvGrpSpPr>
-      <p:grpSpPr>
-        <a:xfrm>
-          <a:off x="0" y="0"/>
-          <a:ext cx="0" cy="0"/>
-          <a:chOff x="0" y="0"/>
-          <a:chExt cx="0" cy="0"/>
-        </a:xfrm>
-      </p:grpSpPr>
-      <p:pic>
-        <p:nvPicPr>
-          <p:cNvPr id="5" name="図 4">
-            <a:extLst>
-              <a:ext uri="{FF2B5EF4-FFF2-40B4-BE49-F238E27FC236}">
-                <a16:creationId xmlns:a16="http://schemas.microsoft.com/office/drawing/2014/main" id="{73E7DD9A-648E-4313-B617-355FE40C64DA}"/>
-              </a:ext>
-            </a:extLst>
-          </p:cNvPr>
-          <p:cNvPicPr>
-            <a:picLocks noChangeAspect="1"/>
-          </p:cNvPicPr>
-          <p:nvPr/>
-        </p:nvPicPr>
-        <p:blipFill>
-          <a:blip r:embed="rId3">
-            <a:extLst>
-              <a:ext uri="{28A0092B-C50C-407E-A947-70E740481C1C}">
-                <a14:useLocalDpi xmlns:a14="http://schemas.microsoft.com/office/drawing/2010/main" val="0"/>
-              </a:ext>
-            </a:extLst>
-          </a:blip>
-          <a:stretch>
-            <a:fillRect/>
-          </a:stretch>
-        </p:blipFill>
-        <p:spPr>
-          <a:xfrm>
-            <a:off x="6382875" y="2028856"/>
-            <a:ext cx="4970926" cy="2800289"/>
-          </a:xfrm>
-          <a:prstGeom prst="rect">
-            <a:avLst/>
-          </a:prstGeom>
-          <a:ln w="38100">
-            <a:solidFill>
-              <a:schemeClr val="bg1"/>
-            </a:solidFill>
-          </a:ln>
-          <a:effectLst>
-            <a:outerShdw blurRad="50800" dist="38100" dir="5400000" algn="t" rotWithShape="0">
-              <a:prstClr val="black">
-                <a:alpha val="40000"/>
-              </a:prstClr>
-            </a:outerShdw>
-          </a:effectLst>
-        </p:spPr>
-      </p:pic>
-      <p:sp>
-        <p:nvSpPr>
-          <p:cNvPr id="2" name="タイトル 1">
-            <a:extLst>
-              <a:ext uri="{FF2B5EF4-FFF2-40B4-BE49-F238E27FC236}">
-                <a16:creationId xmlns:a16="http://schemas.microsoft.com/office/drawing/2014/main" id="{9795BBF7-520C-4411-BD63-44BC8D7B080C}"/>
-              </a:ext>
-            </a:extLst>
-          </p:cNvPr>
-          <p:cNvSpPr>
-            <a:spLocks noGrp="1"/>
-          </p:cNvSpPr>
-          <p:nvPr>
-            <p:ph type="title"/>
-          </p:nvPr>
-        </p:nvSpPr>
-        <p:spPr/>
-        <p:txBody>
-          <a:bodyPr/>
-          <a:lstStyle/>
-          <a:p>
-            <a:pPr algn="ctr"/>
-            <a:r>
-              <a:rPr kumimoji="1" lang="ja-JP" altLang="en-US" dirty="0"/>
-              <a:t>参考タイトル</a:t>
-            </a:r>
-          </a:p>
-        </p:txBody>
-      </p:sp>
-    </p:spTree>
-    <p:extLst>
-      <p:ext uri="{BB962C8B-B14F-4D97-AF65-F5344CB8AC3E}">
-        <p14:creationId xmlns:p14="http://schemas.microsoft.com/office/powerpoint/2010/main" val="3352603169"/>
-      </p:ext>
-    </p:extLst>
-  </p:cSld>
-  <p:clrMapOvr>
-    <a:masterClrMapping/>
-  </p:clrMapOvr>
-  <p:transition spd="slow">
-    <p:push/>
-  </p:transition>
-</p:sld>
-</file>
-
-<file path=ppt/slides/slide17.xml><?xml version="1.0" encoding="utf-8"?>
-<p:sld xmlns:a="http://schemas.openxmlformats.org/drawingml/2006/main" xmlns:r="http://schemas.openxmlformats.org/officeDocument/2006/relationships" xmlns:p="http://schemas.openxmlformats.org/presentationml/2006/main">
-  <p:cSld>
-    <p:spTree>
-      <p:nvGrpSpPr>
-        <p:cNvPr id="1" name=""/>
-        <p:cNvGrpSpPr/>
-        <p:nvPr/>
-      </p:nvGrpSpPr>
-      <p:grpSpPr>
-        <a:xfrm>
-          <a:off x="0" y="0"/>
-          <a:ext cx="0" cy="0"/>
-          <a:chOff x="0" y="0"/>
-          <a:chExt cx="0" cy="0"/>
-        </a:xfrm>
-      </p:grpSpPr>
-      <p:pic>
-        <p:nvPicPr>
-          <p:cNvPr id="5" name="図 4">
-            <a:extLst>
-              <a:ext uri="{FF2B5EF4-FFF2-40B4-BE49-F238E27FC236}">
-                <a16:creationId xmlns:a16="http://schemas.microsoft.com/office/drawing/2014/main" id="{B2268F83-8A74-485D-93CC-15836E88D0B7}"/>
-              </a:ext>
-            </a:extLst>
-          </p:cNvPr>
-          <p:cNvPicPr>
-            <a:picLocks noChangeAspect="1"/>
-          </p:cNvPicPr>
-          <p:nvPr/>
-        </p:nvPicPr>
-        <p:blipFill rotWithShape="1">
-          <a:blip r:embed="rId3">
-            <a:extLst>
-              <a:ext uri="{28A0092B-C50C-407E-A947-70E740481C1C}">
-                <a14:useLocalDpi xmlns:a14="http://schemas.microsoft.com/office/drawing/2010/main" val="0"/>
-              </a:ext>
-            </a:extLst>
-          </a:blip>
-          <a:srcRect l="4199" r="3995"/>
-          <a:stretch/>
-        </p:blipFill>
-        <p:spPr>
-          <a:xfrm>
-            <a:off x="6393965" y="2028856"/>
-            <a:ext cx="4959836" cy="2800289"/>
-          </a:xfrm>
-          <a:prstGeom prst="rect">
-            <a:avLst/>
-          </a:prstGeom>
-          <a:ln w="38100">
-            <a:solidFill>
-              <a:schemeClr val="bg1"/>
-            </a:solidFill>
-          </a:ln>
-          <a:effectLst>
-            <a:outerShdw blurRad="50800" dist="38100" dir="5400000" algn="t" rotWithShape="0">
-              <a:prstClr val="black">
-                <a:alpha val="40000"/>
-              </a:prstClr>
-            </a:outerShdw>
-          </a:effectLst>
-        </p:spPr>
-      </p:pic>
-      <p:sp>
-        <p:nvSpPr>
-          <p:cNvPr id="2" name="タイトル 1">
-            <a:extLst>
-              <a:ext uri="{FF2B5EF4-FFF2-40B4-BE49-F238E27FC236}">
-                <a16:creationId xmlns:a16="http://schemas.microsoft.com/office/drawing/2014/main" id="{9795BBF7-520C-4411-BD63-44BC8D7B080C}"/>
-              </a:ext>
-            </a:extLst>
-          </p:cNvPr>
-          <p:cNvSpPr>
-            <a:spLocks noGrp="1"/>
-          </p:cNvSpPr>
-          <p:nvPr>
-            <p:ph type="title"/>
-          </p:nvPr>
-        </p:nvSpPr>
-        <p:spPr/>
-        <p:txBody>
-          <a:bodyPr/>
-          <a:lstStyle/>
-          <a:p>
-            <a:pPr algn="ctr"/>
-            <a:r>
-              <a:rPr kumimoji="1" lang="ja-JP" altLang="en-US" dirty="0"/>
-              <a:t>参考タイトル</a:t>
-            </a:r>
-          </a:p>
-        </p:txBody>
-      </p:sp>
-    </p:spTree>
-    <p:extLst>
-      <p:ext uri="{BB962C8B-B14F-4D97-AF65-F5344CB8AC3E}">
-        <p14:creationId xmlns:p14="http://schemas.microsoft.com/office/powerpoint/2010/main" val="3721222259"/>
+        <p14:creationId xmlns:p14="http://schemas.microsoft.com/office/powerpoint/2010/main" val="466109853"/>
       </p:ext>
     </p:extLst>
   </p:cSld>
@@ -4996,6 +7828,858 @@
   <p:clrMapOvr>
     <a:masterClrMapping/>
   </p:clrMapOvr>
+  <p:transition spd="slow">
+    <p:push/>
+  </p:transition>
+</p:sld>
+</file>
+
+<file path=ppt/slides/slide20.xml><?xml version="1.0" encoding="utf-8"?>
+<p:sld xmlns:a="http://schemas.openxmlformats.org/drawingml/2006/main" xmlns:r="http://schemas.openxmlformats.org/officeDocument/2006/relationships" xmlns:p="http://schemas.openxmlformats.org/presentationml/2006/main">
+  <p:cSld>
+    <p:spTree>
+      <p:nvGrpSpPr>
+        <p:cNvPr id="1" name=""/>
+        <p:cNvGrpSpPr/>
+        <p:nvPr/>
+      </p:nvGrpSpPr>
+      <p:grpSpPr>
+        <a:xfrm>
+          <a:off x="0" y="0"/>
+          <a:ext cx="0" cy="0"/>
+          <a:chOff x="0" y="0"/>
+          <a:chExt cx="0" cy="0"/>
+        </a:xfrm>
+      </p:grpSpPr>
+      <p:sp>
+        <p:nvSpPr>
+          <p:cNvPr id="2" name="タイトル 1">
+            <a:extLst>
+              <a:ext uri="{FF2B5EF4-FFF2-40B4-BE49-F238E27FC236}">
+                <a16:creationId xmlns:a16="http://schemas.microsoft.com/office/drawing/2014/main" id="{80640376-D4E3-A4EB-2A1B-F44AE337C45F}"/>
+              </a:ext>
+            </a:extLst>
+          </p:cNvPr>
+          <p:cNvSpPr>
+            <a:spLocks noGrp="1"/>
+          </p:cNvSpPr>
+          <p:nvPr>
+            <p:ph type="title"/>
+          </p:nvPr>
+        </p:nvSpPr>
+        <p:spPr/>
+        <p:txBody>
+          <a:bodyPr/>
+          <a:lstStyle/>
+          <a:p>
+            <a:r>
+              <a:rPr kumimoji="1" lang="ja-JP" altLang="en-US" dirty="0"/>
+              <a:t>モデル</a:t>
+            </a:r>
+          </a:p>
+        </p:txBody>
+      </p:sp>
+      <p:sp>
+        <p:nvSpPr>
+          <p:cNvPr id="3" name="コンテンツ プレースホルダー 2">
+            <a:extLst>
+              <a:ext uri="{FF2B5EF4-FFF2-40B4-BE49-F238E27FC236}">
+                <a16:creationId xmlns:a16="http://schemas.microsoft.com/office/drawing/2014/main" id="{063F8EBD-BC03-6B4D-02B9-BEEBC79DD171}"/>
+              </a:ext>
+            </a:extLst>
+          </p:cNvPr>
+          <p:cNvSpPr>
+            <a:spLocks noGrp="1"/>
+          </p:cNvSpPr>
+          <p:nvPr>
+            <p:ph idx="1"/>
+          </p:nvPr>
+        </p:nvSpPr>
+        <p:spPr/>
+        <p:txBody>
+          <a:bodyPr/>
+          <a:lstStyle/>
+          <a:p>
+            <a:r>
+              <a:rPr kumimoji="1" lang="ja-JP" altLang="en-US" dirty="0"/>
+              <a:t>プレイヤーモデル　</a:t>
+            </a:r>
+            <a:r>
+              <a:rPr lang="ja-JP" altLang="en-US" dirty="0"/>
+              <a:t>２種類</a:t>
+            </a:r>
+            <a:endParaRPr lang="en-US" altLang="ja-JP" dirty="0"/>
+          </a:p>
+          <a:p>
+            <a:r>
+              <a:rPr lang="ja-JP" altLang="en-US" dirty="0"/>
+              <a:t>兵器モデル</a:t>
+            </a:r>
+            <a:endParaRPr lang="en-US" altLang="ja-JP" dirty="0"/>
+          </a:p>
+          <a:p>
+            <a:pPr lvl="1"/>
+            <a:r>
+              <a:rPr lang="ja-JP" altLang="en-US" dirty="0"/>
+              <a:t>１つのモデルを７段階分割</a:t>
+            </a:r>
+            <a:endParaRPr lang="en-US" altLang="ja-JP" dirty="0"/>
+          </a:p>
+        </p:txBody>
+      </p:sp>
+    </p:spTree>
+    <p:extLst>
+      <p:ext uri="{BB962C8B-B14F-4D97-AF65-F5344CB8AC3E}">
+        <p14:creationId xmlns:p14="http://schemas.microsoft.com/office/powerpoint/2010/main" val="1485243543"/>
+      </p:ext>
+    </p:extLst>
+  </p:cSld>
+  <p:clrMapOvr>
+    <a:masterClrMapping/>
+  </p:clrMapOvr>
+  <p:transition spd="slow">
+    <p:push/>
+  </p:transition>
+</p:sld>
+</file>
+
+<file path=ppt/slides/slide21.xml><?xml version="1.0" encoding="utf-8"?>
+<p:sld xmlns:a="http://schemas.openxmlformats.org/drawingml/2006/main" xmlns:r="http://schemas.openxmlformats.org/officeDocument/2006/relationships" xmlns:p="http://schemas.openxmlformats.org/presentationml/2006/main">
+  <p:cSld>
+    <p:spTree>
+      <p:nvGrpSpPr>
+        <p:cNvPr id="1" name=""/>
+        <p:cNvGrpSpPr/>
+        <p:nvPr/>
+      </p:nvGrpSpPr>
+      <p:grpSpPr>
+        <a:xfrm>
+          <a:off x="0" y="0"/>
+          <a:ext cx="0" cy="0"/>
+          <a:chOff x="0" y="0"/>
+          <a:chExt cx="0" cy="0"/>
+        </a:xfrm>
+      </p:grpSpPr>
+      <p:sp>
+        <p:nvSpPr>
+          <p:cNvPr id="2" name="タイトル 1">
+            <a:extLst>
+              <a:ext uri="{FF2B5EF4-FFF2-40B4-BE49-F238E27FC236}">
+                <a16:creationId xmlns:a16="http://schemas.microsoft.com/office/drawing/2014/main" id="{C889E847-0C0C-46CE-A52B-08B7F96B8E24}"/>
+              </a:ext>
+            </a:extLst>
+          </p:cNvPr>
+          <p:cNvSpPr>
+            <a:spLocks noGrp="1"/>
+          </p:cNvSpPr>
+          <p:nvPr>
+            <p:ph type="title"/>
+          </p:nvPr>
+        </p:nvSpPr>
+        <p:spPr/>
+        <p:txBody>
+          <a:bodyPr/>
+          <a:lstStyle/>
+          <a:p>
+            <a:r>
+              <a:rPr kumimoji="1" lang="ja-JP" altLang="en-US" dirty="0"/>
+              <a:t>参考タイトル</a:t>
+            </a:r>
+          </a:p>
+        </p:txBody>
+      </p:sp>
+    </p:spTree>
+    <p:extLst>
+      <p:ext uri="{BB962C8B-B14F-4D97-AF65-F5344CB8AC3E}">
+        <p14:creationId xmlns:p14="http://schemas.microsoft.com/office/powerpoint/2010/main" val="4294745709"/>
+      </p:ext>
+    </p:extLst>
+  </p:cSld>
+  <p:clrMapOvr>
+    <a:masterClrMapping/>
+  </p:clrMapOvr>
+  <p:transition spd="slow">
+    <p:push dir="u"/>
+  </p:transition>
+</p:sld>
+</file>
+
+<file path=ppt/slides/slide22.xml><?xml version="1.0" encoding="utf-8"?>
+<p:sld xmlns:a="http://schemas.openxmlformats.org/drawingml/2006/main" xmlns:r="http://schemas.openxmlformats.org/officeDocument/2006/relationships" xmlns:p="http://schemas.openxmlformats.org/presentationml/2006/main">
+  <p:cSld>
+    <p:spTree>
+      <p:nvGrpSpPr>
+        <p:cNvPr id="1" name=""/>
+        <p:cNvGrpSpPr/>
+        <p:nvPr/>
+      </p:nvGrpSpPr>
+      <p:grpSpPr>
+        <a:xfrm>
+          <a:off x="0" y="0"/>
+          <a:ext cx="0" cy="0"/>
+          <a:chOff x="0" y="0"/>
+          <a:chExt cx="0" cy="0"/>
+        </a:xfrm>
+      </p:grpSpPr>
+      <p:sp>
+        <p:nvSpPr>
+          <p:cNvPr id="2" name="タイトル 1">
+            <a:extLst>
+              <a:ext uri="{FF2B5EF4-FFF2-40B4-BE49-F238E27FC236}">
+                <a16:creationId xmlns:a16="http://schemas.microsoft.com/office/drawing/2014/main" id="{9795BBF7-520C-4411-BD63-44BC8D7B080C}"/>
+              </a:ext>
+            </a:extLst>
+          </p:cNvPr>
+          <p:cNvSpPr>
+            <a:spLocks noGrp="1"/>
+          </p:cNvSpPr>
+          <p:nvPr>
+            <p:ph type="title"/>
+          </p:nvPr>
+        </p:nvSpPr>
+        <p:spPr/>
+        <p:txBody>
+          <a:bodyPr/>
+          <a:lstStyle/>
+          <a:p>
+            <a:pPr algn="ctr"/>
+            <a:r>
+              <a:rPr kumimoji="1" lang="ja-JP" altLang="en-US" dirty="0"/>
+              <a:t>参考タイトル</a:t>
+            </a:r>
+          </a:p>
+        </p:txBody>
+      </p:sp>
+      <p:pic>
+        <p:nvPicPr>
+          <p:cNvPr id="13" name="図 12">
+            <a:extLst>
+              <a:ext uri="{FF2B5EF4-FFF2-40B4-BE49-F238E27FC236}">
+                <a16:creationId xmlns:a16="http://schemas.microsoft.com/office/drawing/2014/main" id="{E73CAD5F-32F4-4781-8F8B-B78E6119C957}"/>
+              </a:ext>
+            </a:extLst>
+          </p:cNvPr>
+          <p:cNvPicPr>
+            <a:picLocks noChangeAspect="1"/>
+          </p:cNvPicPr>
+          <p:nvPr/>
+        </p:nvPicPr>
+        <p:blipFill rotWithShape="1">
+          <a:blip r:embed="rId3">
+            <a:extLst>
+              <a:ext uri="{28A0092B-C50C-407E-A947-70E740481C1C}">
+                <a14:useLocalDpi xmlns:a14="http://schemas.microsoft.com/office/drawing/2010/main" val="0"/>
+              </a:ext>
+            </a:extLst>
+          </a:blip>
+          <a:srcRect l="4690" r="4690"/>
+          <a:stretch/>
+        </p:blipFill>
+        <p:spPr>
+          <a:xfrm>
+            <a:off x="6385127" y="2028856"/>
+            <a:ext cx="4968673" cy="2800289"/>
+          </a:xfrm>
+          <a:prstGeom prst="rect">
+            <a:avLst/>
+          </a:prstGeom>
+          <a:ln w="38100">
+            <a:solidFill>
+              <a:schemeClr val="bg1"/>
+            </a:solidFill>
+          </a:ln>
+          <a:effectLst>
+            <a:outerShdw blurRad="50800" dist="38100" dir="5400000" algn="t" rotWithShape="0">
+              <a:prstClr val="black">
+                <a:alpha val="40000"/>
+              </a:prstClr>
+            </a:outerShdw>
+          </a:effectLst>
+        </p:spPr>
+      </p:pic>
+      <p:sp>
+        <p:nvSpPr>
+          <p:cNvPr id="3" name="テキスト ボックス 2">
+            <a:extLst>
+              <a:ext uri="{FF2B5EF4-FFF2-40B4-BE49-F238E27FC236}">
+                <a16:creationId xmlns:a16="http://schemas.microsoft.com/office/drawing/2014/main" id="{F6DD4564-00DF-87CF-C3E9-464D8B1D142C}"/>
+              </a:ext>
+            </a:extLst>
+          </p:cNvPr>
+          <p:cNvSpPr txBox="1"/>
+          <p:nvPr/>
+        </p:nvSpPr>
+        <p:spPr>
+          <a:xfrm>
+            <a:off x="838197" y="2028856"/>
+            <a:ext cx="4968673" cy="523220"/>
+          </a:xfrm>
+          <a:prstGeom prst="rect">
+            <a:avLst/>
+          </a:prstGeom>
+          <a:noFill/>
+        </p:spPr>
+        <p:txBody>
+          <a:bodyPr wrap="square" rtlCol="0">
+            <a:spAutoFit/>
+          </a:bodyPr>
+          <a:lstStyle/>
+          <a:p>
+            <a:pPr algn="ctr"/>
+            <a:r>
+              <a:rPr kumimoji="1" lang="en-US" altLang="ja-JP" sz="2800" spc="300" dirty="0">
+                <a:latin typeface="+mj-lt"/>
+              </a:rPr>
+              <a:t>Minecraft</a:t>
+            </a:r>
+            <a:endParaRPr kumimoji="1" lang="ja-JP" altLang="en-US" spc="300" dirty="0">
+              <a:latin typeface="+mj-lt"/>
+            </a:endParaRPr>
+          </a:p>
+        </p:txBody>
+      </p:sp>
+      <p:sp>
+        <p:nvSpPr>
+          <p:cNvPr id="4" name="テキスト ボックス 3">
+            <a:extLst>
+              <a:ext uri="{FF2B5EF4-FFF2-40B4-BE49-F238E27FC236}">
+                <a16:creationId xmlns:a16="http://schemas.microsoft.com/office/drawing/2014/main" id="{73418479-DD29-8462-E783-A0381893A404}"/>
+              </a:ext>
+            </a:extLst>
+          </p:cNvPr>
+          <p:cNvSpPr txBox="1"/>
+          <p:nvPr/>
+        </p:nvSpPr>
+        <p:spPr>
+          <a:xfrm>
+            <a:off x="838196" y="2731455"/>
+            <a:ext cx="4968673" cy="2097690"/>
+          </a:xfrm>
+          <a:prstGeom prst="rect">
+            <a:avLst/>
+          </a:prstGeom>
+          <a:noFill/>
+        </p:spPr>
+        <p:txBody>
+          <a:bodyPr wrap="square" rtlCol="0">
+            <a:spAutoFit/>
+          </a:bodyPr>
+          <a:lstStyle/>
+          <a:p>
+            <a:pPr>
+              <a:lnSpc>
+                <a:spcPct val="150000"/>
+              </a:lnSpc>
+            </a:pPr>
+            <a:r>
+              <a:rPr kumimoji="1" lang="ja-JP" altLang="en-US" dirty="0"/>
+              <a:t>参考部分</a:t>
+            </a:r>
+            <a:br>
+              <a:rPr kumimoji="1" lang="en-US" altLang="ja-JP" sz="2400" dirty="0"/>
+            </a:br>
+            <a:r>
+              <a:rPr kumimoji="1" lang="ja-JP" altLang="en-US" sz="2400" dirty="0"/>
+              <a:t>地形生成アルゴリズム</a:t>
+            </a:r>
+            <a:br>
+              <a:rPr kumimoji="1" lang="en-US" altLang="ja-JP" sz="2400" dirty="0"/>
+            </a:br>
+            <a:r>
+              <a:rPr kumimoji="1" lang="ja-JP" altLang="en-US" sz="2400" dirty="0"/>
+              <a:t>ツールなどの上下関係</a:t>
+            </a:r>
+            <a:endParaRPr kumimoji="1" lang="en-US" altLang="ja-JP" sz="2400" dirty="0"/>
+          </a:p>
+          <a:p>
+            <a:pPr>
+              <a:lnSpc>
+                <a:spcPct val="150000"/>
+              </a:lnSpc>
+            </a:pPr>
+            <a:r>
+              <a:rPr lang="en-US" altLang="ja-JP" sz="2400" dirty="0"/>
+              <a:t>“</a:t>
+            </a:r>
+            <a:r>
+              <a:rPr lang="ja-JP" altLang="en-US" sz="2400" dirty="0"/>
+              <a:t>ダイア＞鉄＞石</a:t>
+            </a:r>
+            <a:r>
+              <a:rPr lang="en-US" altLang="ja-JP" sz="2400" dirty="0"/>
+              <a:t>” </a:t>
+            </a:r>
+            <a:r>
+              <a:rPr lang="ja-JP" altLang="en-US" sz="2400" dirty="0"/>
+              <a:t>のような関係</a:t>
+            </a:r>
+            <a:endParaRPr kumimoji="1" lang="en-US" altLang="ja-JP" sz="2400" dirty="0"/>
+          </a:p>
+        </p:txBody>
+      </p:sp>
+    </p:spTree>
+    <p:extLst>
+      <p:ext uri="{BB962C8B-B14F-4D97-AF65-F5344CB8AC3E}">
+        <p14:creationId xmlns:p14="http://schemas.microsoft.com/office/powerpoint/2010/main" val="1734843366"/>
+      </p:ext>
+    </p:extLst>
+  </p:cSld>
+  <p:clrMapOvr>
+    <a:masterClrMapping/>
+  </p:clrMapOvr>
+  <p:transition spd="slow">
+    <p:push/>
+  </p:transition>
+</p:sld>
+</file>
+
+<file path=ppt/slides/slide23.xml><?xml version="1.0" encoding="utf-8"?>
+<p:sld xmlns:a="http://schemas.openxmlformats.org/drawingml/2006/main" xmlns:r="http://schemas.openxmlformats.org/officeDocument/2006/relationships" xmlns:p="http://schemas.openxmlformats.org/presentationml/2006/main">
+  <p:cSld>
+    <p:spTree>
+      <p:nvGrpSpPr>
+        <p:cNvPr id="1" name=""/>
+        <p:cNvGrpSpPr/>
+        <p:nvPr/>
+      </p:nvGrpSpPr>
+      <p:grpSpPr>
+        <a:xfrm>
+          <a:off x="0" y="0"/>
+          <a:ext cx="0" cy="0"/>
+          <a:chOff x="0" y="0"/>
+          <a:chExt cx="0" cy="0"/>
+        </a:xfrm>
+      </p:grpSpPr>
+      <p:pic>
+        <p:nvPicPr>
+          <p:cNvPr id="5" name="図 4">
+            <a:extLst>
+              <a:ext uri="{FF2B5EF4-FFF2-40B4-BE49-F238E27FC236}">
+                <a16:creationId xmlns:a16="http://schemas.microsoft.com/office/drawing/2014/main" id="{73E7DD9A-648E-4313-B617-355FE40C64DA}"/>
+              </a:ext>
+            </a:extLst>
+          </p:cNvPr>
+          <p:cNvPicPr>
+            <a:picLocks noChangeAspect="1"/>
+          </p:cNvPicPr>
+          <p:nvPr/>
+        </p:nvPicPr>
+        <p:blipFill>
+          <a:blip r:embed="rId3">
+            <a:extLst>
+              <a:ext uri="{28A0092B-C50C-407E-A947-70E740481C1C}">
+                <a14:useLocalDpi xmlns:a14="http://schemas.microsoft.com/office/drawing/2010/main" val="0"/>
+              </a:ext>
+            </a:extLst>
+          </a:blip>
+          <a:stretch>
+            <a:fillRect/>
+          </a:stretch>
+        </p:blipFill>
+        <p:spPr>
+          <a:xfrm>
+            <a:off x="6382875" y="2028856"/>
+            <a:ext cx="4970926" cy="2800289"/>
+          </a:xfrm>
+          <a:prstGeom prst="rect">
+            <a:avLst/>
+          </a:prstGeom>
+          <a:ln w="38100">
+            <a:solidFill>
+              <a:schemeClr val="bg1"/>
+            </a:solidFill>
+          </a:ln>
+          <a:effectLst>
+            <a:outerShdw blurRad="50800" dist="38100" dir="5400000" algn="t" rotWithShape="0">
+              <a:prstClr val="black">
+                <a:alpha val="40000"/>
+              </a:prstClr>
+            </a:outerShdw>
+          </a:effectLst>
+        </p:spPr>
+      </p:pic>
+      <p:sp>
+        <p:nvSpPr>
+          <p:cNvPr id="2" name="タイトル 1">
+            <a:extLst>
+              <a:ext uri="{FF2B5EF4-FFF2-40B4-BE49-F238E27FC236}">
+                <a16:creationId xmlns:a16="http://schemas.microsoft.com/office/drawing/2014/main" id="{9795BBF7-520C-4411-BD63-44BC8D7B080C}"/>
+              </a:ext>
+            </a:extLst>
+          </p:cNvPr>
+          <p:cNvSpPr>
+            <a:spLocks noGrp="1"/>
+          </p:cNvSpPr>
+          <p:nvPr>
+            <p:ph type="title"/>
+          </p:nvPr>
+        </p:nvSpPr>
+        <p:spPr/>
+        <p:txBody>
+          <a:bodyPr/>
+          <a:lstStyle/>
+          <a:p>
+            <a:pPr algn="ctr"/>
+            <a:r>
+              <a:rPr kumimoji="1" lang="ja-JP" altLang="en-US" dirty="0"/>
+              <a:t>参考タイトル</a:t>
+            </a:r>
+          </a:p>
+        </p:txBody>
+      </p:sp>
+      <p:sp>
+        <p:nvSpPr>
+          <p:cNvPr id="3" name="テキスト ボックス 2">
+            <a:extLst>
+              <a:ext uri="{FF2B5EF4-FFF2-40B4-BE49-F238E27FC236}">
+                <a16:creationId xmlns:a16="http://schemas.microsoft.com/office/drawing/2014/main" id="{CB2A723B-5C08-B148-1EE1-ACC178B14194}"/>
+              </a:ext>
+            </a:extLst>
+          </p:cNvPr>
+          <p:cNvSpPr txBox="1"/>
+          <p:nvPr/>
+        </p:nvSpPr>
+        <p:spPr>
+          <a:xfrm>
+            <a:off x="838197" y="2028856"/>
+            <a:ext cx="4968673" cy="523220"/>
+          </a:xfrm>
+          <a:prstGeom prst="rect">
+            <a:avLst/>
+          </a:prstGeom>
+          <a:noFill/>
+        </p:spPr>
+        <p:txBody>
+          <a:bodyPr wrap="square" rtlCol="0">
+            <a:spAutoFit/>
+          </a:bodyPr>
+          <a:lstStyle/>
+          <a:p>
+            <a:pPr algn="ctr"/>
+            <a:r>
+              <a:rPr kumimoji="1" lang="en-US" altLang="ja-JP" sz="2800" spc="300" dirty="0">
+                <a:latin typeface="+mj-lt"/>
+              </a:rPr>
+              <a:t>FORTNITE</a:t>
+            </a:r>
+            <a:endParaRPr kumimoji="1" lang="ja-JP" altLang="en-US" spc="300" dirty="0">
+              <a:latin typeface="+mj-lt"/>
+            </a:endParaRPr>
+          </a:p>
+        </p:txBody>
+      </p:sp>
+      <p:sp>
+        <p:nvSpPr>
+          <p:cNvPr id="4" name="テキスト ボックス 3">
+            <a:extLst>
+              <a:ext uri="{FF2B5EF4-FFF2-40B4-BE49-F238E27FC236}">
+                <a16:creationId xmlns:a16="http://schemas.microsoft.com/office/drawing/2014/main" id="{58DDD756-70EA-61D7-D5DD-368073095CE5}"/>
+              </a:ext>
+            </a:extLst>
+          </p:cNvPr>
+          <p:cNvSpPr txBox="1"/>
+          <p:nvPr/>
+        </p:nvSpPr>
+        <p:spPr>
+          <a:xfrm>
+            <a:off x="838196" y="2731455"/>
+            <a:ext cx="4968673" cy="2101344"/>
+          </a:xfrm>
+          <a:prstGeom prst="rect">
+            <a:avLst/>
+          </a:prstGeom>
+          <a:noFill/>
+        </p:spPr>
+        <p:txBody>
+          <a:bodyPr wrap="square" rtlCol="0">
+            <a:spAutoFit/>
+          </a:bodyPr>
+          <a:lstStyle/>
+          <a:p>
+            <a:pPr>
+              <a:lnSpc>
+                <a:spcPct val="150000"/>
+              </a:lnSpc>
+            </a:pPr>
+            <a:r>
+              <a:rPr kumimoji="1" lang="ja-JP" altLang="en-US" dirty="0"/>
+              <a:t>参考部分</a:t>
+            </a:r>
+            <a:br>
+              <a:rPr kumimoji="1" lang="en-US" altLang="ja-JP" sz="2400" dirty="0"/>
+            </a:br>
+            <a:r>
+              <a:rPr kumimoji="1" lang="ja-JP" altLang="en-US" sz="2400" dirty="0"/>
+              <a:t>耐久値や素材などのシステム</a:t>
+            </a:r>
+            <a:br>
+              <a:rPr kumimoji="1" lang="en-US" altLang="ja-JP" sz="2400" dirty="0"/>
+            </a:br>
+            <a:r>
+              <a:rPr kumimoji="1" lang="ja-JP" altLang="en-US" sz="2400" dirty="0"/>
+              <a:t>地形以外のモデルなどは</a:t>
+            </a:r>
+            <a:endParaRPr lang="en-US" altLang="ja-JP" sz="2400" dirty="0"/>
+          </a:p>
+          <a:p>
+            <a:pPr>
+              <a:lnSpc>
+                <a:spcPct val="150000"/>
+              </a:lnSpc>
+            </a:pPr>
+            <a:r>
+              <a:rPr kumimoji="1" lang="en-US" altLang="ja-JP" sz="2400" dirty="0"/>
+              <a:t>Asset Store</a:t>
+            </a:r>
+            <a:r>
+              <a:rPr kumimoji="1" lang="ja-JP" altLang="en-US" sz="2400" dirty="0"/>
+              <a:t>などから流用</a:t>
+            </a:r>
+            <a:endParaRPr kumimoji="1" lang="en-US" altLang="ja-JP" sz="2400" dirty="0"/>
+          </a:p>
+        </p:txBody>
+      </p:sp>
+    </p:spTree>
+    <p:extLst>
+      <p:ext uri="{BB962C8B-B14F-4D97-AF65-F5344CB8AC3E}">
+        <p14:creationId xmlns:p14="http://schemas.microsoft.com/office/powerpoint/2010/main" val="3352603169"/>
+      </p:ext>
+    </p:extLst>
+  </p:cSld>
+  <p:clrMapOvr>
+    <a:masterClrMapping/>
+  </p:clrMapOvr>
+  <p:transition spd="slow">
+    <p:push/>
+  </p:transition>
+</p:sld>
+</file>
+
+<file path=ppt/slides/slide24.xml><?xml version="1.0" encoding="utf-8"?>
+<p:sld xmlns:a="http://schemas.openxmlformats.org/drawingml/2006/main" xmlns:r="http://schemas.openxmlformats.org/officeDocument/2006/relationships" xmlns:p="http://schemas.openxmlformats.org/presentationml/2006/main">
+  <p:cSld>
+    <p:spTree>
+      <p:nvGrpSpPr>
+        <p:cNvPr id="1" name=""/>
+        <p:cNvGrpSpPr/>
+        <p:nvPr/>
+      </p:nvGrpSpPr>
+      <p:grpSpPr>
+        <a:xfrm>
+          <a:off x="0" y="0"/>
+          <a:ext cx="0" cy="0"/>
+          <a:chOff x="0" y="0"/>
+          <a:chExt cx="0" cy="0"/>
+        </a:xfrm>
+      </p:grpSpPr>
+      <p:pic>
+        <p:nvPicPr>
+          <p:cNvPr id="5" name="図 4">
+            <a:extLst>
+              <a:ext uri="{FF2B5EF4-FFF2-40B4-BE49-F238E27FC236}">
+                <a16:creationId xmlns:a16="http://schemas.microsoft.com/office/drawing/2014/main" id="{B2268F83-8A74-485D-93CC-15836E88D0B7}"/>
+              </a:ext>
+            </a:extLst>
+          </p:cNvPr>
+          <p:cNvPicPr>
+            <a:picLocks noChangeAspect="1"/>
+          </p:cNvPicPr>
+          <p:nvPr/>
+        </p:nvPicPr>
+        <p:blipFill rotWithShape="1">
+          <a:blip r:embed="rId3">
+            <a:extLst>
+              <a:ext uri="{28A0092B-C50C-407E-A947-70E740481C1C}">
+                <a14:useLocalDpi xmlns:a14="http://schemas.microsoft.com/office/drawing/2010/main" val="0"/>
+              </a:ext>
+            </a:extLst>
+          </a:blip>
+          <a:srcRect l="4199" r="3995"/>
+          <a:stretch/>
+        </p:blipFill>
+        <p:spPr>
+          <a:xfrm>
+            <a:off x="6393965" y="2028856"/>
+            <a:ext cx="4959836" cy="2800289"/>
+          </a:xfrm>
+          <a:prstGeom prst="rect">
+            <a:avLst/>
+          </a:prstGeom>
+          <a:ln w="38100">
+            <a:solidFill>
+              <a:schemeClr val="bg1"/>
+            </a:solidFill>
+          </a:ln>
+          <a:effectLst>
+            <a:outerShdw blurRad="50800" dist="38100" dir="5400000" algn="t" rotWithShape="0">
+              <a:prstClr val="black">
+                <a:alpha val="40000"/>
+              </a:prstClr>
+            </a:outerShdw>
+          </a:effectLst>
+        </p:spPr>
+      </p:pic>
+      <p:sp>
+        <p:nvSpPr>
+          <p:cNvPr id="2" name="タイトル 1">
+            <a:extLst>
+              <a:ext uri="{FF2B5EF4-FFF2-40B4-BE49-F238E27FC236}">
+                <a16:creationId xmlns:a16="http://schemas.microsoft.com/office/drawing/2014/main" id="{9795BBF7-520C-4411-BD63-44BC8D7B080C}"/>
+              </a:ext>
+            </a:extLst>
+          </p:cNvPr>
+          <p:cNvSpPr>
+            <a:spLocks noGrp="1"/>
+          </p:cNvSpPr>
+          <p:nvPr>
+            <p:ph type="title"/>
+          </p:nvPr>
+        </p:nvSpPr>
+        <p:spPr/>
+        <p:txBody>
+          <a:bodyPr/>
+          <a:lstStyle/>
+          <a:p>
+            <a:pPr algn="ctr"/>
+            <a:r>
+              <a:rPr kumimoji="1" lang="ja-JP" altLang="en-US" dirty="0"/>
+              <a:t>参考タイトル</a:t>
+            </a:r>
+          </a:p>
+        </p:txBody>
+      </p:sp>
+      <p:sp>
+        <p:nvSpPr>
+          <p:cNvPr id="3" name="テキスト ボックス 2">
+            <a:extLst>
+              <a:ext uri="{FF2B5EF4-FFF2-40B4-BE49-F238E27FC236}">
+                <a16:creationId xmlns:a16="http://schemas.microsoft.com/office/drawing/2014/main" id="{EB72A235-2031-9C9A-251D-B0FA397EBE08}"/>
+              </a:ext>
+            </a:extLst>
+          </p:cNvPr>
+          <p:cNvSpPr txBox="1"/>
+          <p:nvPr/>
+        </p:nvSpPr>
+        <p:spPr>
+          <a:xfrm>
+            <a:off x="838197" y="2028856"/>
+            <a:ext cx="4968673" cy="523220"/>
+          </a:xfrm>
+          <a:prstGeom prst="rect">
+            <a:avLst/>
+          </a:prstGeom>
+          <a:noFill/>
+        </p:spPr>
+        <p:txBody>
+          <a:bodyPr wrap="square" rtlCol="0">
+            <a:spAutoFit/>
+          </a:bodyPr>
+          <a:lstStyle/>
+          <a:p>
+            <a:pPr algn="ctr"/>
+            <a:r>
+              <a:rPr kumimoji="1" lang="ja-JP" altLang="en-US" sz="2800" dirty="0">
+                <a:latin typeface="+mj-ea"/>
+                <a:ea typeface="+mj-ea"/>
+              </a:rPr>
+              <a:t>ドラゴンクエストビルダーズ</a:t>
+            </a:r>
+            <a:endParaRPr kumimoji="1" lang="ja-JP" altLang="en-US" dirty="0">
+              <a:latin typeface="+mj-ea"/>
+              <a:ea typeface="+mj-ea"/>
+            </a:endParaRPr>
+          </a:p>
+        </p:txBody>
+      </p:sp>
+      <p:sp>
+        <p:nvSpPr>
+          <p:cNvPr id="4" name="テキスト ボックス 3">
+            <a:extLst>
+              <a:ext uri="{FF2B5EF4-FFF2-40B4-BE49-F238E27FC236}">
+                <a16:creationId xmlns:a16="http://schemas.microsoft.com/office/drawing/2014/main" id="{FDA243BA-641B-C09F-FE44-51FA16698EEA}"/>
+              </a:ext>
+            </a:extLst>
+          </p:cNvPr>
+          <p:cNvSpPr txBox="1"/>
+          <p:nvPr/>
+        </p:nvSpPr>
+        <p:spPr>
+          <a:xfrm>
+            <a:off x="838196" y="2731455"/>
+            <a:ext cx="4968673" cy="2097690"/>
+          </a:xfrm>
+          <a:prstGeom prst="rect">
+            <a:avLst/>
+          </a:prstGeom>
+          <a:noFill/>
+        </p:spPr>
+        <p:txBody>
+          <a:bodyPr wrap="square" rtlCol="0">
+            <a:spAutoFit/>
+          </a:bodyPr>
+          <a:lstStyle/>
+          <a:p>
+            <a:pPr>
+              <a:lnSpc>
+                <a:spcPct val="150000"/>
+              </a:lnSpc>
+            </a:pPr>
+            <a:r>
+              <a:rPr kumimoji="1" lang="ja-JP" altLang="en-US" dirty="0"/>
+              <a:t>参考部分</a:t>
+            </a:r>
+            <a:br>
+              <a:rPr kumimoji="1" lang="en-US" altLang="ja-JP" sz="2400" dirty="0"/>
+            </a:br>
+            <a:r>
+              <a:rPr kumimoji="1" lang="ja-JP" altLang="en-US" sz="2400" dirty="0"/>
+              <a:t>全体的な</a:t>
+            </a:r>
+            <a:r>
+              <a:rPr lang="ja-JP" altLang="en-US" sz="2400" dirty="0"/>
+              <a:t>ビジュアルの方向性</a:t>
+            </a:r>
+            <a:endParaRPr lang="en-US" altLang="ja-JP" sz="2400" dirty="0"/>
+          </a:p>
+          <a:p>
+            <a:pPr>
+              <a:lnSpc>
+                <a:spcPct val="150000"/>
+              </a:lnSpc>
+            </a:pPr>
+            <a:r>
+              <a:rPr lang="ja-JP" altLang="en-US" sz="2400" dirty="0"/>
+              <a:t>その他カメラ周りなどの</a:t>
+            </a:r>
+            <a:endParaRPr lang="en-US" altLang="ja-JP" sz="2400" dirty="0"/>
+          </a:p>
+          <a:p>
+            <a:pPr>
+              <a:lnSpc>
+                <a:spcPct val="150000"/>
+              </a:lnSpc>
+            </a:pPr>
+            <a:r>
+              <a:rPr lang="ja-JP" altLang="en-US" sz="2400" dirty="0"/>
+              <a:t>基礎システムも参考にする</a:t>
+            </a:r>
+            <a:endParaRPr lang="en-US" altLang="ja-JP" sz="2400" dirty="0"/>
+          </a:p>
+        </p:txBody>
+      </p:sp>
+    </p:spTree>
+    <p:extLst>
+      <p:ext uri="{BB962C8B-B14F-4D97-AF65-F5344CB8AC3E}">
+        <p14:creationId xmlns:p14="http://schemas.microsoft.com/office/powerpoint/2010/main" val="3721222259"/>
+      </p:ext>
+    </p:extLst>
+  </p:cSld>
+  <p:clrMapOvr>
+    <a:masterClrMapping/>
+  </p:clrMapOvr>
+  <p:transition spd="slow">
+    <p:push/>
+  </p:transition>
 </p:sld>
 </file>
 
@@ -5039,7 +8723,7 @@
           <a:p>
             <a:r>
               <a:rPr kumimoji="1" lang="ja-JP" altLang="en-US" dirty="0"/>
-              <a:t>ゲームコンセプト・概要</a:t>
+              <a:t>ゲームの特徴</a:t>
             </a:r>
           </a:p>
         </p:txBody>
@@ -5054,6 +8738,9 @@
   <p:clrMapOvr>
     <a:masterClrMapping/>
   </p:clrMapOvr>
+  <p:transition spd="slow">
+    <p:push dir="u"/>
+  </p:transition>
 </p:sld>
 </file>
 
@@ -5119,12 +8806,539 @@
             <p:ph idx="1"/>
           </p:nvPr>
         </p:nvSpPr>
-        <p:spPr/>
-        <p:txBody>
-          <a:bodyPr/>
+        <p:spPr>
+          <a:xfrm>
+            <a:off x="2338371" y="2160612"/>
+            <a:ext cx="7515258" cy="1848861"/>
+          </a:xfrm>
+        </p:spPr>
+        <p:txBody>
+          <a:bodyPr anchor="ctr">
+            <a:normAutofit/>
+          </a:bodyPr>
           <a:lstStyle/>
           <a:p>
-            <a:endParaRPr kumimoji="1" lang="ja-JP" altLang="en-US"/>
+            <a:pPr marL="0" indent="0" algn="ctr">
+              <a:buNone/>
+            </a:pPr>
+            <a:r>
+              <a:rPr lang="ja-JP" altLang="en-US" sz="4400" dirty="0"/>
+              <a:t>破壊で希望をつかむ</a:t>
+            </a:r>
+            <a:br>
+              <a:rPr lang="en-US" altLang="ja-JP" sz="4400" dirty="0"/>
+            </a:br>
+            <a:r>
+              <a:rPr lang="ja-JP" altLang="en-US" sz="4400" dirty="0"/>
+              <a:t>制限時間クラフトサバイバル</a:t>
+            </a:r>
+            <a:endParaRPr kumimoji="1" lang="ja-JP" altLang="en-US" sz="4400" dirty="0"/>
+          </a:p>
+        </p:txBody>
+      </p:sp>
+      <p:sp>
+        <p:nvSpPr>
+          <p:cNvPr id="4" name="正方形/長方形 3">
+            <a:extLst>
+              <a:ext uri="{FF2B5EF4-FFF2-40B4-BE49-F238E27FC236}">
+                <a16:creationId xmlns:a16="http://schemas.microsoft.com/office/drawing/2014/main" id="{C0D15E4F-175C-7D1A-D623-96123953D3D9}"/>
+              </a:ext>
+            </a:extLst>
+          </p:cNvPr>
+          <p:cNvSpPr/>
+          <p:nvPr/>
+        </p:nvSpPr>
+        <p:spPr>
+          <a:xfrm>
+            <a:off x="2305200" y="3772957"/>
+            <a:ext cx="7581600" cy="54000"/>
+          </a:xfrm>
+          <a:prstGeom prst="rect">
+            <a:avLst/>
+          </a:prstGeom>
+          <a:effectLst>
+            <a:softEdge rad="31750"/>
+          </a:effectLst>
+        </p:spPr>
+        <p:style>
+          <a:lnRef idx="3">
+            <a:schemeClr val="lt1"/>
+          </a:lnRef>
+          <a:fillRef idx="1">
+            <a:schemeClr val="dk1"/>
+          </a:fillRef>
+          <a:effectRef idx="1">
+            <a:schemeClr val="dk1"/>
+          </a:effectRef>
+          <a:fontRef idx="minor">
+            <a:schemeClr val="lt1"/>
+          </a:fontRef>
+        </p:style>
+        <p:txBody>
+          <a:bodyPr rtlCol="0" anchor="ctr"/>
+          <a:lstStyle/>
+          <a:p>
+            <a:pPr algn="ctr"/>
+            <a:endParaRPr kumimoji="1" lang="ja-JP" altLang="en-US" dirty="0"/>
+          </a:p>
+        </p:txBody>
+      </p:sp>
+      <p:sp>
+        <p:nvSpPr>
+          <p:cNvPr id="7" name="コンテンツ プレースホルダー 2">
+            <a:extLst>
+              <a:ext uri="{FF2B5EF4-FFF2-40B4-BE49-F238E27FC236}">
+                <a16:creationId xmlns:a16="http://schemas.microsoft.com/office/drawing/2014/main" id="{B0704075-D801-5CEB-D3FC-155A47BC84D7}"/>
+              </a:ext>
+            </a:extLst>
+          </p:cNvPr>
+          <p:cNvSpPr txBox="1">
+            <a:spLocks/>
+          </p:cNvSpPr>
+          <p:nvPr/>
+        </p:nvSpPr>
+        <p:spPr>
+          <a:xfrm>
+            <a:off x="2338371" y="2160611"/>
+            <a:ext cx="7515258" cy="1848861"/>
+          </a:xfrm>
+          <a:prstGeom prst="rect">
+            <a:avLst/>
+          </a:prstGeom>
+        </p:spPr>
+        <p:txBody>
+          <a:bodyPr vert="horz" lIns="91440" tIns="45720" rIns="91440" bIns="45720" rtlCol="0" anchor="ctr">
+            <a:normAutofit/>
+          </a:bodyPr>
+          <a:lstStyle>
+            <a:lvl1pPr marL="228600" indent="-228600" algn="l" defTabSz="914400" rtl="0" eaLnBrk="1" latinLnBrk="0" hangingPunct="1">
+              <a:lnSpc>
+                <a:spcPct val="90000"/>
+              </a:lnSpc>
+              <a:spcBef>
+                <a:spcPts val="1000"/>
+              </a:spcBef>
+              <a:buFont typeface="Arial" panose="020B0604020202020204" pitchFamily="34" charset="0"/>
+              <a:buChar char="•"/>
+              <a:defRPr kumimoji="1" sz="2800" kern="1200">
+                <a:solidFill>
+                  <a:schemeClr val="tx1"/>
+                </a:solidFill>
+                <a:latin typeface="+mn-lt"/>
+                <a:ea typeface="+mn-ea"/>
+                <a:cs typeface="+mn-cs"/>
+              </a:defRPr>
+            </a:lvl1pPr>
+            <a:lvl2pPr marL="685800" indent="-228600" algn="l" defTabSz="914400" rtl="0" eaLnBrk="1" latinLnBrk="0" hangingPunct="1">
+              <a:lnSpc>
+                <a:spcPct val="90000"/>
+              </a:lnSpc>
+              <a:spcBef>
+                <a:spcPts val="500"/>
+              </a:spcBef>
+              <a:buFont typeface="Arial" panose="020B0604020202020204" pitchFamily="34" charset="0"/>
+              <a:buChar char="•"/>
+              <a:defRPr kumimoji="1" sz="2400" kern="1200">
+                <a:solidFill>
+                  <a:schemeClr val="tx1"/>
+                </a:solidFill>
+                <a:latin typeface="+mn-lt"/>
+                <a:ea typeface="+mn-ea"/>
+                <a:cs typeface="+mn-cs"/>
+              </a:defRPr>
+            </a:lvl2pPr>
+            <a:lvl3pPr marL="1143000" indent="-228600" algn="l" defTabSz="914400" rtl="0" eaLnBrk="1" latinLnBrk="0" hangingPunct="1">
+              <a:lnSpc>
+                <a:spcPct val="90000"/>
+              </a:lnSpc>
+              <a:spcBef>
+                <a:spcPts val="500"/>
+              </a:spcBef>
+              <a:buFont typeface="Arial" panose="020B0604020202020204" pitchFamily="34" charset="0"/>
+              <a:buChar char="•"/>
+              <a:defRPr kumimoji="1" sz="2000" kern="1200">
+                <a:solidFill>
+                  <a:schemeClr val="tx1"/>
+                </a:solidFill>
+                <a:latin typeface="+mn-lt"/>
+                <a:ea typeface="+mn-ea"/>
+                <a:cs typeface="+mn-cs"/>
+              </a:defRPr>
+            </a:lvl3pPr>
+            <a:lvl4pPr marL="1600200" indent="-228600" algn="l" defTabSz="914400" rtl="0" eaLnBrk="1" latinLnBrk="0" hangingPunct="1">
+              <a:lnSpc>
+                <a:spcPct val="90000"/>
+              </a:lnSpc>
+              <a:spcBef>
+                <a:spcPts val="500"/>
+              </a:spcBef>
+              <a:buFont typeface="Arial" panose="020B0604020202020204" pitchFamily="34" charset="0"/>
+              <a:buChar char="•"/>
+              <a:defRPr kumimoji="1" sz="1800" kern="1200">
+                <a:solidFill>
+                  <a:schemeClr val="tx1"/>
+                </a:solidFill>
+                <a:latin typeface="+mn-lt"/>
+                <a:ea typeface="+mn-ea"/>
+                <a:cs typeface="+mn-cs"/>
+              </a:defRPr>
+            </a:lvl4pPr>
+            <a:lvl5pPr marL="2057400" indent="-228600" algn="l" defTabSz="914400" rtl="0" eaLnBrk="1" latinLnBrk="0" hangingPunct="1">
+              <a:lnSpc>
+                <a:spcPct val="90000"/>
+              </a:lnSpc>
+              <a:spcBef>
+                <a:spcPts val="500"/>
+              </a:spcBef>
+              <a:buFont typeface="Arial" panose="020B0604020202020204" pitchFamily="34" charset="0"/>
+              <a:buChar char="•"/>
+              <a:defRPr kumimoji="1" sz="1800" kern="1200">
+                <a:solidFill>
+                  <a:schemeClr val="tx1"/>
+                </a:solidFill>
+                <a:latin typeface="+mn-lt"/>
+                <a:ea typeface="+mn-ea"/>
+                <a:cs typeface="+mn-cs"/>
+              </a:defRPr>
+            </a:lvl5pPr>
+            <a:lvl6pPr marL="2514600" indent="-228600" algn="l" defTabSz="914400" rtl="0" eaLnBrk="1" latinLnBrk="0" hangingPunct="1">
+              <a:lnSpc>
+                <a:spcPct val="90000"/>
+              </a:lnSpc>
+              <a:spcBef>
+                <a:spcPts val="500"/>
+              </a:spcBef>
+              <a:buFont typeface="Arial" panose="020B0604020202020204" pitchFamily="34" charset="0"/>
+              <a:buChar char="•"/>
+              <a:defRPr kumimoji="1" sz="1800" kern="1200">
+                <a:solidFill>
+                  <a:schemeClr val="tx1"/>
+                </a:solidFill>
+                <a:latin typeface="+mn-lt"/>
+                <a:ea typeface="+mn-ea"/>
+                <a:cs typeface="+mn-cs"/>
+              </a:defRPr>
+            </a:lvl6pPr>
+            <a:lvl7pPr marL="2971800" indent="-228600" algn="l" defTabSz="914400" rtl="0" eaLnBrk="1" latinLnBrk="0" hangingPunct="1">
+              <a:lnSpc>
+                <a:spcPct val="90000"/>
+              </a:lnSpc>
+              <a:spcBef>
+                <a:spcPts val="500"/>
+              </a:spcBef>
+              <a:buFont typeface="Arial" panose="020B0604020202020204" pitchFamily="34" charset="0"/>
+              <a:buChar char="•"/>
+              <a:defRPr kumimoji="1" sz="1800" kern="1200">
+                <a:solidFill>
+                  <a:schemeClr val="tx1"/>
+                </a:solidFill>
+                <a:latin typeface="+mn-lt"/>
+                <a:ea typeface="+mn-ea"/>
+                <a:cs typeface="+mn-cs"/>
+              </a:defRPr>
+            </a:lvl7pPr>
+            <a:lvl8pPr marL="3429000" indent="-228600" algn="l" defTabSz="914400" rtl="0" eaLnBrk="1" latinLnBrk="0" hangingPunct="1">
+              <a:lnSpc>
+                <a:spcPct val="90000"/>
+              </a:lnSpc>
+              <a:spcBef>
+                <a:spcPts val="500"/>
+              </a:spcBef>
+              <a:buFont typeface="Arial" panose="020B0604020202020204" pitchFamily="34" charset="0"/>
+              <a:buChar char="•"/>
+              <a:defRPr kumimoji="1" sz="1800" kern="1200">
+                <a:solidFill>
+                  <a:schemeClr val="tx1"/>
+                </a:solidFill>
+                <a:latin typeface="+mn-lt"/>
+                <a:ea typeface="+mn-ea"/>
+                <a:cs typeface="+mn-cs"/>
+              </a:defRPr>
+            </a:lvl8pPr>
+            <a:lvl9pPr marL="3886200" indent="-228600" algn="l" defTabSz="914400" rtl="0" eaLnBrk="1" latinLnBrk="0" hangingPunct="1">
+              <a:lnSpc>
+                <a:spcPct val="90000"/>
+              </a:lnSpc>
+              <a:spcBef>
+                <a:spcPts val="500"/>
+              </a:spcBef>
+              <a:buFont typeface="Arial" panose="020B0604020202020204" pitchFamily="34" charset="0"/>
+              <a:buChar char="•"/>
+              <a:defRPr kumimoji="1" sz="1800" kern="1200">
+                <a:solidFill>
+                  <a:schemeClr val="tx1"/>
+                </a:solidFill>
+                <a:latin typeface="+mn-lt"/>
+                <a:ea typeface="+mn-ea"/>
+                <a:cs typeface="+mn-cs"/>
+              </a:defRPr>
+            </a:lvl9pPr>
+          </a:lstStyle>
+          <a:p>
+            <a:pPr marL="0" indent="0" algn="ctr">
+              <a:buFont typeface="Arial" panose="020B0604020202020204" pitchFamily="34" charset="0"/>
+              <a:buNone/>
+            </a:pPr>
+            <a:r>
+              <a:rPr lang="ja-JP" altLang="en-US" sz="4400" dirty="0">
+                <a:solidFill>
+                  <a:srgbClr val="FF0000"/>
+                </a:solidFill>
+              </a:rPr>
+              <a:t>破壊</a:t>
+            </a:r>
+            <a:r>
+              <a:rPr lang="ja-JP" altLang="en-US" sz="4400" dirty="0"/>
+              <a:t>で希望をつかむ</a:t>
+            </a:r>
+            <a:br>
+              <a:rPr lang="en-US" altLang="ja-JP" sz="4400" dirty="0"/>
+            </a:br>
+            <a:r>
+              <a:rPr lang="ja-JP" altLang="en-US" sz="4400" dirty="0"/>
+              <a:t>制限時間クラフトサバイバル</a:t>
+            </a:r>
+          </a:p>
+        </p:txBody>
+      </p:sp>
+      <p:sp>
+        <p:nvSpPr>
+          <p:cNvPr id="5" name="コンテンツ プレースホルダー 2">
+            <a:extLst>
+              <a:ext uri="{FF2B5EF4-FFF2-40B4-BE49-F238E27FC236}">
+                <a16:creationId xmlns:a16="http://schemas.microsoft.com/office/drawing/2014/main" id="{E3B59939-078C-4646-12A9-01B936714DB1}"/>
+              </a:ext>
+            </a:extLst>
+          </p:cNvPr>
+          <p:cNvSpPr txBox="1">
+            <a:spLocks/>
+          </p:cNvSpPr>
+          <p:nvPr/>
+        </p:nvSpPr>
+        <p:spPr>
+          <a:xfrm>
+            <a:off x="2338371" y="3872442"/>
+            <a:ext cx="7515258" cy="1848861"/>
+          </a:xfrm>
+          <a:prstGeom prst="rect">
+            <a:avLst/>
+          </a:prstGeom>
+        </p:spPr>
+        <p:txBody>
+          <a:bodyPr vert="horz" lIns="91440" tIns="45720" rIns="91440" bIns="45720" rtlCol="0" anchor="t">
+            <a:normAutofit/>
+          </a:bodyPr>
+          <a:lstStyle>
+            <a:lvl1pPr marL="228600" indent="-228600" algn="l" defTabSz="914400" rtl="0" eaLnBrk="1" latinLnBrk="0" hangingPunct="1">
+              <a:lnSpc>
+                <a:spcPct val="90000"/>
+              </a:lnSpc>
+              <a:spcBef>
+                <a:spcPts val="1000"/>
+              </a:spcBef>
+              <a:buFont typeface="Arial" panose="020B0604020202020204" pitchFamily="34" charset="0"/>
+              <a:buChar char="•"/>
+              <a:defRPr kumimoji="1" sz="2800" kern="1200">
+                <a:solidFill>
+                  <a:schemeClr val="tx1"/>
+                </a:solidFill>
+                <a:latin typeface="+mn-lt"/>
+                <a:ea typeface="+mn-ea"/>
+                <a:cs typeface="+mn-cs"/>
+              </a:defRPr>
+            </a:lvl1pPr>
+            <a:lvl2pPr marL="685800" indent="-228600" algn="l" defTabSz="914400" rtl="0" eaLnBrk="1" latinLnBrk="0" hangingPunct="1">
+              <a:lnSpc>
+                <a:spcPct val="90000"/>
+              </a:lnSpc>
+              <a:spcBef>
+                <a:spcPts val="500"/>
+              </a:spcBef>
+              <a:buFont typeface="Arial" panose="020B0604020202020204" pitchFamily="34" charset="0"/>
+              <a:buChar char="•"/>
+              <a:defRPr kumimoji="1" sz="2400" kern="1200">
+                <a:solidFill>
+                  <a:schemeClr val="tx1"/>
+                </a:solidFill>
+                <a:latin typeface="+mn-lt"/>
+                <a:ea typeface="+mn-ea"/>
+                <a:cs typeface="+mn-cs"/>
+              </a:defRPr>
+            </a:lvl2pPr>
+            <a:lvl3pPr marL="1143000" indent="-228600" algn="l" defTabSz="914400" rtl="0" eaLnBrk="1" latinLnBrk="0" hangingPunct="1">
+              <a:lnSpc>
+                <a:spcPct val="90000"/>
+              </a:lnSpc>
+              <a:spcBef>
+                <a:spcPts val="500"/>
+              </a:spcBef>
+              <a:buFont typeface="Arial" panose="020B0604020202020204" pitchFamily="34" charset="0"/>
+              <a:buChar char="•"/>
+              <a:defRPr kumimoji="1" sz="2000" kern="1200">
+                <a:solidFill>
+                  <a:schemeClr val="tx1"/>
+                </a:solidFill>
+                <a:latin typeface="+mn-lt"/>
+                <a:ea typeface="+mn-ea"/>
+                <a:cs typeface="+mn-cs"/>
+              </a:defRPr>
+            </a:lvl3pPr>
+            <a:lvl4pPr marL="1600200" indent="-228600" algn="l" defTabSz="914400" rtl="0" eaLnBrk="1" latinLnBrk="0" hangingPunct="1">
+              <a:lnSpc>
+                <a:spcPct val="90000"/>
+              </a:lnSpc>
+              <a:spcBef>
+                <a:spcPts val="500"/>
+              </a:spcBef>
+              <a:buFont typeface="Arial" panose="020B0604020202020204" pitchFamily="34" charset="0"/>
+              <a:buChar char="•"/>
+              <a:defRPr kumimoji="1" sz="1800" kern="1200">
+                <a:solidFill>
+                  <a:schemeClr val="tx1"/>
+                </a:solidFill>
+                <a:latin typeface="+mn-lt"/>
+                <a:ea typeface="+mn-ea"/>
+                <a:cs typeface="+mn-cs"/>
+              </a:defRPr>
+            </a:lvl4pPr>
+            <a:lvl5pPr marL="2057400" indent="-228600" algn="l" defTabSz="914400" rtl="0" eaLnBrk="1" latinLnBrk="0" hangingPunct="1">
+              <a:lnSpc>
+                <a:spcPct val="90000"/>
+              </a:lnSpc>
+              <a:spcBef>
+                <a:spcPts val="500"/>
+              </a:spcBef>
+              <a:buFont typeface="Arial" panose="020B0604020202020204" pitchFamily="34" charset="0"/>
+              <a:buChar char="•"/>
+              <a:defRPr kumimoji="1" sz="1800" kern="1200">
+                <a:solidFill>
+                  <a:schemeClr val="tx1"/>
+                </a:solidFill>
+                <a:latin typeface="+mn-lt"/>
+                <a:ea typeface="+mn-ea"/>
+                <a:cs typeface="+mn-cs"/>
+              </a:defRPr>
+            </a:lvl5pPr>
+            <a:lvl6pPr marL="2514600" indent="-228600" algn="l" defTabSz="914400" rtl="0" eaLnBrk="1" latinLnBrk="0" hangingPunct="1">
+              <a:lnSpc>
+                <a:spcPct val="90000"/>
+              </a:lnSpc>
+              <a:spcBef>
+                <a:spcPts val="500"/>
+              </a:spcBef>
+              <a:buFont typeface="Arial" panose="020B0604020202020204" pitchFamily="34" charset="0"/>
+              <a:buChar char="•"/>
+              <a:defRPr kumimoji="1" sz="1800" kern="1200">
+                <a:solidFill>
+                  <a:schemeClr val="tx1"/>
+                </a:solidFill>
+                <a:latin typeface="+mn-lt"/>
+                <a:ea typeface="+mn-ea"/>
+                <a:cs typeface="+mn-cs"/>
+              </a:defRPr>
+            </a:lvl6pPr>
+            <a:lvl7pPr marL="2971800" indent="-228600" algn="l" defTabSz="914400" rtl="0" eaLnBrk="1" latinLnBrk="0" hangingPunct="1">
+              <a:lnSpc>
+                <a:spcPct val="90000"/>
+              </a:lnSpc>
+              <a:spcBef>
+                <a:spcPts val="500"/>
+              </a:spcBef>
+              <a:buFont typeface="Arial" panose="020B0604020202020204" pitchFamily="34" charset="0"/>
+              <a:buChar char="•"/>
+              <a:defRPr kumimoji="1" sz="1800" kern="1200">
+                <a:solidFill>
+                  <a:schemeClr val="tx1"/>
+                </a:solidFill>
+                <a:latin typeface="+mn-lt"/>
+                <a:ea typeface="+mn-ea"/>
+                <a:cs typeface="+mn-cs"/>
+              </a:defRPr>
+            </a:lvl7pPr>
+            <a:lvl8pPr marL="3429000" indent="-228600" algn="l" defTabSz="914400" rtl="0" eaLnBrk="1" latinLnBrk="0" hangingPunct="1">
+              <a:lnSpc>
+                <a:spcPct val="90000"/>
+              </a:lnSpc>
+              <a:spcBef>
+                <a:spcPts val="500"/>
+              </a:spcBef>
+              <a:buFont typeface="Arial" panose="020B0604020202020204" pitchFamily="34" charset="0"/>
+              <a:buChar char="•"/>
+              <a:defRPr kumimoji="1" sz="1800" kern="1200">
+                <a:solidFill>
+                  <a:schemeClr val="tx1"/>
+                </a:solidFill>
+                <a:latin typeface="+mn-lt"/>
+                <a:ea typeface="+mn-ea"/>
+                <a:cs typeface="+mn-cs"/>
+              </a:defRPr>
+            </a:lvl8pPr>
+            <a:lvl9pPr marL="3886200" indent="-228600" algn="l" defTabSz="914400" rtl="0" eaLnBrk="1" latinLnBrk="0" hangingPunct="1">
+              <a:lnSpc>
+                <a:spcPct val="90000"/>
+              </a:lnSpc>
+              <a:spcBef>
+                <a:spcPts val="500"/>
+              </a:spcBef>
+              <a:buFont typeface="Arial" panose="020B0604020202020204" pitchFamily="34" charset="0"/>
+              <a:buChar char="•"/>
+              <a:defRPr kumimoji="1" sz="1800" kern="1200">
+                <a:solidFill>
+                  <a:schemeClr val="tx1"/>
+                </a:solidFill>
+                <a:latin typeface="+mn-lt"/>
+                <a:ea typeface="+mn-ea"/>
+                <a:cs typeface="+mn-cs"/>
+              </a:defRPr>
+            </a:lvl9pPr>
+          </a:lstStyle>
+          <a:p>
+            <a:pPr marL="0" indent="0" algn="ctr">
+              <a:buFont typeface="Arial" panose="020B0604020202020204" pitchFamily="34" charset="0"/>
+              <a:buNone/>
+            </a:pPr>
+            <a:r>
+              <a:rPr lang="ja-JP" altLang="en-US" dirty="0"/>
+              <a:t>数分後には、隕石が衝突する世界</a:t>
+            </a:r>
+            <a:br>
+              <a:rPr lang="en-US" altLang="ja-JP" dirty="0"/>
+            </a:br>
+            <a:r>
+              <a:rPr lang="ja-JP" altLang="en-US" dirty="0"/>
+              <a:t>時間内で、身の回りの物を</a:t>
+            </a:r>
+            <a:r>
+              <a:rPr lang="ja-JP" altLang="en-US" dirty="0">
+                <a:solidFill>
+                  <a:srgbClr val="FF0000"/>
+                </a:solidFill>
+              </a:rPr>
+              <a:t>破壊</a:t>
+            </a:r>
+            <a:r>
+              <a:rPr lang="ja-JP" altLang="en-US" dirty="0"/>
+              <a:t>し</a:t>
+            </a:r>
+            <a:br>
+              <a:rPr lang="en-US" altLang="ja-JP" dirty="0"/>
+            </a:br>
+            <a:r>
+              <a:rPr lang="ja-JP" altLang="en-US" dirty="0"/>
+              <a:t>隕石を</a:t>
+            </a:r>
+            <a:r>
+              <a:rPr lang="ja-JP" altLang="en-US" dirty="0">
+                <a:solidFill>
+                  <a:srgbClr val="FF0000"/>
+                </a:solidFill>
+              </a:rPr>
+              <a:t>破壊</a:t>
+            </a:r>
+            <a:r>
+              <a:rPr lang="ja-JP" altLang="en-US" dirty="0"/>
+              <a:t>するための武器を作れ</a:t>
+            </a:r>
           </a:p>
         </p:txBody>
       </p:sp>
@@ -5138,6 +9352,149 @@
   <p:clrMapOvr>
     <a:masterClrMapping/>
   </p:clrMapOvr>
+  <p:transition spd="slow">
+    <p:push/>
+  </p:transition>
+  <p:timing>
+    <p:tnLst>
+      <p:par>
+        <p:cTn id="1" dur="indefinite" restart="never" nodeType="tmRoot">
+          <p:childTnLst>
+            <p:seq concurrent="1" nextAc="seek">
+              <p:cTn id="2" dur="indefinite" nodeType="mainSeq">
+                <p:childTnLst>
+                  <p:par>
+                    <p:cTn id="3" fill="hold">
+                      <p:stCondLst>
+                        <p:cond delay="indefinite"/>
+                      </p:stCondLst>
+                      <p:childTnLst>
+                        <p:par>
+                          <p:cTn id="4" fill="hold">
+                            <p:stCondLst>
+                              <p:cond delay="0"/>
+                            </p:stCondLst>
+                            <p:childTnLst>
+                              <p:par>
+                                <p:cTn id="5" presetID="22" presetClass="entr" presetSubtype="8" fill="hold" grpId="0" nodeType="clickEffect">
+                                  <p:stCondLst>
+                                    <p:cond delay="0"/>
+                                  </p:stCondLst>
+                                  <p:childTnLst>
+                                    <p:set>
+                                      <p:cBhvr>
+                                        <p:cTn id="6" dur="1" fill="hold">
+                                          <p:stCondLst>
+                                            <p:cond delay="0"/>
+                                          </p:stCondLst>
+                                        </p:cTn>
+                                        <p:tgtEl>
+                                          <p:spTgt spid="7"/>
+                                        </p:tgtEl>
+                                        <p:attrNameLst>
+                                          <p:attrName>style.visibility</p:attrName>
+                                        </p:attrNameLst>
+                                      </p:cBhvr>
+                                      <p:to>
+                                        <p:strVal val="visible"/>
+                                      </p:to>
+                                    </p:set>
+                                    <p:animEffect transition="in" filter="wipe(left)">
+                                      <p:cBhvr>
+                                        <p:cTn id="7" dur="500"/>
+                                        <p:tgtEl>
+                                          <p:spTgt spid="7"/>
+                                        </p:tgtEl>
+                                      </p:cBhvr>
+                                    </p:animEffect>
+                                  </p:childTnLst>
+                                </p:cTn>
+                              </p:par>
+                            </p:childTnLst>
+                          </p:cTn>
+                        </p:par>
+                      </p:childTnLst>
+                    </p:cTn>
+                  </p:par>
+                  <p:par>
+                    <p:cTn id="8" fill="hold">
+                      <p:stCondLst>
+                        <p:cond delay="indefinite"/>
+                      </p:stCondLst>
+                      <p:childTnLst>
+                        <p:par>
+                          <p:cTn id="9" fill="hold">
+                            <p:stCondLst>
+                              <p:cond delay="0"/>
+                            </p:stCondLst>
+                            <p:childTnLst>
+                              <p:par>
+                                <p:cTn id="10" presetID="22" presetClass="entr" presetSubtype="8" fill="hold" grpId="0" nodeType="clickEffect">
+                                  <p:stCondLst>
+                                    <p:cond delay="0"/>
+                                  </p:stCondLst>
+                                  <p:childTnLst>
+                                    <p:set>
+                                      <p:cBhvr>
+                                        <p:cTn id="11" dur="1" fill="hold">
+                                          <p:stCondLst>
+                                            <p:cond delay="0"/>
+                                          </p:stCondLst>
+                                        </p:cTn>
+                                        <p:tgtEl>
+                                          <p:spTgt spid="5"/>
+                                        </p:tgtEl>
+                                        <p:attrNameLst>
+                                          <p:attrName>style.visibility</p:attrName>
+                                        </p:attrNameLst>
+                                      </p:cBhvr>
+                                      <p:to>
+                                        <p:strVal val="visible"/>
+                                      </p:to>
+                                    </p:set>
+                                    <p:animEffect transition="in" filter="wipe(left)">
+                                      <p:cBhvr>
+                                        <p:cTn id="12" dur="500"/>
+                                        <p:tgtEl>
+                                          <p:spTgt spid="5"/>
+                                        </p:tgtEl>
+                                      </p:cBhvr>
+                                    </p:animEffect>
+                                  </p:childTnLst>
+                                </p:cTn>
+                              </p:par>
+                            </p:childTnLst>
+                          </p:cTn>
+                        </p:par>
+                      </p:childTnLst>
+                    </p:cTn>
+                  </p:par>
+                </p:childTnLst>
+              </p:cTn>
+              <p:prevCondLst>
+                <p:cond evt="onPrev" delay="0">
+                  <p:tgtEl>
+                    <p:sldTgt/>
+                  </p:tgtEl>
+                </p:cond>
+              </p:prevCondLst>
+              <p:nextCondLst>
+                <p:cond evt="onNext" delay="0">
+                  <p:tgtEl>
+                    <p:sldTgt/>
+                  </p:tgtEl>
+                </p:cond>
+              </p:nextCondLst>
+            </p:seq>
+          </p:childTnLst>
+        </p:cTn>
+      </p:par>
+    </p:tnLst>
+    <p:bldLst>
+      <p:bldP spid="7" grpId="0"/>
+      <p:bldP spid="5" grpId="0"/>
+    </p:bldLst>
+  </p:timing>
 </p:sld>
 </file>
 
@@ -5231,7 +9588,7 @@
           <a:p>
             <a:pPr algn="ctr"/>
             <a:r>
-              <a:rPr kumimoji="1" lang="ja-JP" altLang="en-US" sz="2000" dirty="0"/>
+              <a:rPr kumimoji="1" lang="ja-JP" altLang="en-US" sz="2000" b="1" dirty="0"/>
               <a:t>ジャンル</a:t>
             </a:r>
           </a:p>
@@ -5281,10 +9638,10 @@
           <a:p>
             <a:pPr algn="ctr"/>
             <a:r>
-              <a:rPr kumimoji="1" lang="ja-JP" altLang="en-US" sz="2000" dirty="0"/>
+              <a:rPr kumimoji="1" lang="ja-JP" altLang="en-US" sz="2000" b="1" dirty="0"/>
               <a:t>プレイ人数</a:t>
             </a:r>
-            <a:endParaRPr kumimoji="1" lang="en-US" altLang="ja-JP" sz="2000" dirty="0"/>
+            <a:endParaRPr kumimoji="1" lang="en-US" altLang="ja-JP" sz="2000" b="1" dirty="0"/>
           </a:p>
         </p:txBody>
       </p:sp>
@@ -5332,10 +9689,10 @@
           <a:p>
             <a:pPr algn="ctr"/>
             <a:r>
-              <a:rPr kumimoji="1" lang="ja-JP" altLang="en-US" sz="2000" dirty="0"/>
+              <a:rPr kumimoji="1" lang="ja-JP" altLang="en-US" sz="2000" b="1" dirty="0"/>
               <a:t>プラットフォーム</a:t>
             </a:r>
-            <a:endParaRPr kumimoji="1" lang="en-US" altLang="ja-JP" sz="2000" dirty="0"/>
+            <a:endParaRPr kumimoji="1" lang="en-US" altLang="ja-JP" sz="2000" b="1" dirty="0"/>
           </a:p>
         </p:txBody>
       </p:sp>
@@ -5383,10 +9740,10 @@
           <a:p>
             <a:pPr algn="ctr"/>
             <a:r>
-              <a:rPr kumimoji="1" lang="ja-JP" altLang="en-US" sz="2000" dirty="0"/>
+              <a:rPr kumimoji="1" lang="ja-JP" altLang="en-US" sz="2000" b="1" dirty="0"/>
               <a:t>ターゲット</a:t>
             </a:r>
-            <a:endParaRPr kumimoji="1" lang="en-US" altLang="ja-JP" sz="2000" dirty="0"/>
+            <a:endParaRPr kumimoji="1" lang="en-US" altLang="ja-JP" sz="2000" b="1" dirty="0"/>
           </a:p>
         </p:txBody>
       </p:sp>
@@ -5636,6 +9993,9 @@
   <p:clrMapOvr>
     <a:masterClrMapping/>
   </p:clrMapOvr>
+  <p:transition spd="slow">
+    <p:push/>
+  </p:transition>
 </p:sld>
 </file>
 
@@ -5680,33 +10040,96 @@
             <a:pPr algn="ctr"/>
             <a:r>
               <a:rPr kumimoji="1" lang="ja-JP" altLang="en-US" dirty="0"/>
-              <a:t>ゲームイメージ</a:t>
-            </a:r>
-          </a:p>
-        </p:txBody>
-      </p:sp>
-      <p:sp>
-        <p:nvSpPr>
-          <p:cNvPr id="3" name="コンテンツ プレースホルダー 2">
-            <a:extLst>
-              <a:ext uri="{FF2B5EF4-FFF2-40B4-BE49-F238E27FC236}">
-                <a16:creationId xmlns:a16="http://schemas.microsoft.com/office/drawing/2014/main" id="{1E1A3264-1C85-46EB-9E50-778EB9253552}"/>
-              </a:ext>
-            </a:extLst>
-          </p:cNvPr>
-          <p:cNvSpPr>
-            <a:spLocks noGrp="1"/>
-          </p:cNvSpPr>
-          <p:nvPr>
-            <p:ph idx="1"/>
-          </p:nvPr>
-        </p:nvSpPr>
-        <p:spPr/>
-        <p:txBody>
-          <a:bodyPr/>
+              <a:t>イメージ</a:t>
+            </a:r>
+          </a:p>
+        </p:txBody>
+      </p:sp>
+      <p:pic>
+        <p:nvPicPr>
+          <p:cNvPr id="7" name="図 6" descr="テーブル, 記号 が含まれている画像&#10;&#10;AI によって生成されたコンテンツは間違っている可能性があります。">
+            <a:extLst>
+              <a:ext uri="{FF2B5EF4-FFF2-40B4-BE49-F238E27FC236}">
+                <a16:creationId xmlns:a16="http://schemas.microsoft.com/office/drawing/2014/main" id="{187BD737-6C2A-0456-3705-2017003A95CB}"/>
+              </a:ext>
+            </a:extLst>
+          </p:cNvPr>
+          <p:cNvPicPr>
+            <a:picLocks noChangeAspect="1"/>
+          </p:cNvPicPr>
+          <p:nvPr/>
+        </p:nvPicPr>
+        <p:blipFill>
+          <a:blip r:embed="rId2">
+            <a:extLst>
+              <a:ext uri="{28A0092B-C50C-407E-A947-70E740481C1C}">
+                <a14:useLocalDpi xmlns:a14="http://schemas.microsoft.com/office/drawing/2010/main" val="0"/>
+              </a:ext>
+            </a:extLst>
+          </a:blip>
+          <a:stretch>
+            <a:fillRect/>
+          </a:stretch>
+        </p:blipFill>
+        <p:spPr>
+          <a:xfrm>
+            <a:off x="2372427" y="1412875"/>
+            <a:ext cx="7447146" cy="4964764"/>
+          </a:xfrm>
+          <a:prstGeom prst="rect">
+            <a:avLst/>
+          </a:prstGeom>
+        </p:spPr>
+      </p:pic>
+      <p:sp>
+        <p:nvSpPr>
+          <p:cNvPr id="3" name="テキスト ボックス 2">
+            <a:extLst>
+              <a:ext uri="{FF2B5EF4-FFF2-40B4-BE49-F238E27FC236}">
+                <a16:creationId xmlns:a16="http://schemas.microsoft.com/office/drawing/2014/main" id="{23703194-4B40-E710-CD0F-73BD5EAFB760}"/>
+              </a:ext>
+            </a:extLst>
+          </p:cNvPr>
+          <p:cNvSpPr txBox="1"/>
+          <p:nvPr/>
+        </p:nvSpPr>
+        <p:spPr>
+          <a:xfrm>
+            <a:off x="2372427" y="6008307"/>
+            <a:ext cx="4193309" cy="369332"/>
+          </a:xfrm>
+          <a:prstGeom prst="rect">
+            <a:avLst/>
+          </a:prstGeom>
+          <a:noFill/>
+        </p:spPr>
+        <p:txBody>
+          <a:bodyPr wrap="square" rtlCol="0">
+            <a:spAutoFit/>
+          </a:bodyPr>
           <a:lstStyle/>
           <a:p>
-            <a:endParaRPr kumimoji="1" lang="ja-JP" altLang="en-US"/>
+            <a:r>
+              <a:rPr kumimoji="1" lang="en-US" altLang="ja-JP" dirty="0">
+                <a:solidFill>
+                  <a:schemeClr val="bg1"/>
+                </a:solidFill>
+              </a:rPr>
+              <a:t>※</a:t>
+            </a:r>
+            <a:r>
+              <a:rPr kumimoji="1" lang="ja-JP" altLang="en-US" dirty="0">
+                <a:solidFill>
+                  <a:schemeClr val="bg1"/>
+                </a:solidFill>
+              </a:rPr>
+              <a:t>画面上の要素は仮の物になります。</a:t>
+            </a:r>
+            <a:endParaRPr kumimoji="1" lang="en-US" altLang="ja-JP" dirty="0">
+              <a:solidFill>
+                <a:schemeClr val="bg1"/>
+              </a:solidFill>
+            </a:endParaRPr>
           </a:p>
         </p:txBody>
       </p:sp>
@@ -5720,6 +10143,9 @@
   <p:clrMapOvr>
     <a:masterClrMapping/>
   </p:clrMapOvr>
+  <p:transition spd="slow">
+    <p:push/>
+  </p:transition>
 </p:sld>
 </file>
 
@@ -5764,35 +10190,7 @@
             <a:pPr algn="ctr"/>
             <a:r>
               <a:rPr kumimoji="1" lang="ja-JP" altLang="en-US" dirty="0"/>
-              <a:t>内容</a:t>
-            </a:r>
-          </a:p>
-        </p:txBody>
-      </p:sp>
-      <p:sp>
-        <p:nvSpPr>
-          <p:cNvPr id="3" name="コンテンツ プレースホルダー 2">
-            <a:extLst>
-              <a:ext uri="{FF2B5EF4-FFF2-40B4-BE49-F238E27FC236}">
-                <a16:creationId xmlns:a16="http://schemas.microsoft.com/office/drawing/2014/main" id="{89BD9306-D52C-418F-B5C4-F9D4A6552471}"/>
-              </a:ext>
-            </a:extLst>
-          </p:cNvPr>
-          <p:cNvSpPr>
-            <a:spLocks noGrp="1"/>
-          </p:cNvSpPr>
-          <p:nvPr>
-            <p:ph idx="1"/>
-          </p:nvPr>
-        </p:nvSpPr>
-        <p:spPr/>
-        <p:txBody>
-          <a:bodyPr/>
-          <a:lstStyle/>
-          <a:p>
-            <a:r>
-              <a:rPr kumimoji="1" lang="ja-JP" altLang="en-US" dirty="0"/>
-              <a:t>自分たちの居場所を守るために隕石を破壊する</a:t>
+              <a:t>世界観</a:t>
             </a:r>
           </a:p>
         </p:txBody>
@@ -5870,14 +10268,696 @@
         </p:blipFill>
         <p:spPr>
           <a:xfrm>
-            <a:off x="7496175" y="2124302"/>
-            <a:ext cx="3965165" cy="3865412"/>
+            <a:off x="7388635" y="1690688"/>
+            <a:ext cx="4461620" cy="4349378"/>
           </a:xfrm>
           <a:prstGeom prst="rect">
             <a:avLst/>
           </a:prstGeom>
+          <a:effectLst>
+            <a:innerShdw blurRad="63500" dist="50800" dir="13500000">
+              <a:prstClr val="black">
+                <a:alpha val="50000"/>
+              </a:prstClr>
+            </a:innerShdw>
+          </a:effectLst>
         </p:spPr>
       </p:pic>
+      <p:grpSp>
+        <p:nvGrpSpPr>
+          <p:cNvPr id="18" name="グループ化 17">
+            <a:extLst>
+              <a:ext uri="{FF2B5EF4-FFF2-40B4-BE49-F238E27FC236}">
+                <a16:creationId xmlns:a16="http://schemas.microsoft.com/office/drawing/2014/main" id="{6301D24D-EB50-91D0-BCFA-0F0892E9BBAF}"/>
+              </a:ext>
+            </a:extLst>
+          </p:cNvPr>
+          <p:cNvGrpSpPr/>
+          <p:nvPr/>
+        </p:nvGrpSpPr>
+        <p:grpSpPr>
+          <a:xfrm>
+            <a:off x="1034473" y="1412875"/>
+            <a:ext cx="2017599" cy="540000"/>
+            <a:chOff x="1034473" y="1412875"/>
+            <a:chExt cx="2017599" cy="540000"/>
+          </a:xfrm>
+        </p:grpSpPr>
+        <p:sp>
+          <p:nvSpPr>
+            <p:cNvPr id="8" name="正方形/長方形 7">
+              <a:extLst>
+                <a:ext uri="{FF2B5EF4-FFF2-40B4-BE49-F238E27FC236}">
+                  <a16:creationId xmlns:a16="http://schemas.microsoft.com/office/drawing/2014/main" id="{914A9B09-B8B3-268A-CB88-847F5DC98CE1}"/>
+                </a:ext>
+              </a:extLst>
+            </p:cNvPr>
+            <p:cNvSpPr/>
+            <p:nvPr/>
+          </p:nvSpPr>
+          <p:spPr>
+            <a:xfrm>
+              <a:off x="1034473" y="1412875"/>
+              <a:ext cx="166254" cy="540000"/>
+            </a:xfrm>
+            <a:prstGeom prst="rect">
+              <a:avLst/>
+            </a:prstGeom>
+            <a:solidFill>
+              <a:srgbClr val="45942C"/>
+            </a:solidFill>
+            <a:ln>
+              <a:noFill/>
+            </a:ln>
+          </p:spPr>
+          <p:style>
+            <a:lnRef idx="2">
+              <a:schemeClr val="accent1">
+                <a:shade val="15000"/>
+              </a:schemeClr>
+            </a:lnRef>
+            <a:fillRef idx="1">
+              <a:schemeClr val="accent1"/>
+            </a:fillRef>
+            <a:effectRef idx="0">
+              <a:schemeClr val="accent1"/>
+            </a:effectRef>
+            <a:fontRef idx="minor">
+              <a:schemeClr val="lt1"/>
+            </a:fontRef>
+          </p:style>
+          <p:txBody>
+            <a:bodyPr rtlCol="0" anchor="ctr"/>
+            <a:lstStyle/>
+            <a:p>
+              <a:pPr algn="ctr"/>
+              <a:endParaRPr kumimoji="1" lang="ja-JP" altLang="en-US"/>
+            </a:p>
+          </p:txBody>
+        </p:sp>
+        <p:sp>
+          <p:nvSpPr>
+            <p:cNvPr id="10" name="フリーフォーム: 図形 9">
+              <a:extLst>
+                <a:ext uri="{FF2B5EF4-FFF2-40B4-BE49-F238E27FC236}">
+                  <a16:creationId xmlns:a16="http://schemas.microsoft.com/office/drawing/2014/main" id="{CA01A8B8-AF29-D667-99C9-04FFFCA65296}"/>
+                </a:ext>
+              </a:extLst>
+            </p:cNvPr>
+            <p:cNvSpPr/>
+            <p:nvPr/>
+          </p:nvSpPr>
+          <p:spPr>
+            <a:xfrm>
+              <a:off x="1223272" y="1412875"/>
+              <a:ext cx="1828800" cy="540000"/>
+            </a:xfrm>
+            <a:custGeom>
+              <a:avLst/>
+              <a:gdLst>
+                <a:gd name="connsiteX0" fmla="*/ 0 w 1620000"/>
+                <a:gd name="connsiteY0" fmla="*/ 0 h 540000"/>
+                <a:gd name="connsiteX1" fmla="*/ 1620000 w 1620000"/>
+                <a:gd name="connsiteY1" fmla="*/ 0 h 540000"/>
+                <a:gd name="connsiteX2" fmla="*/ 1620000 w 1620000"/>
+                <a:gd name="connsiteY2" fmla="*/ 540000 h 540000"/>
+                <a:gd name="connsiteX3" fmla="*/ 0 w 1620000"/>
+                <a:gd name="connsiteY3" fmla="*/ 540000 h 540000"/>
+                <a:gd name="connsiteX4" fmla="*/ 0 w 1620000"/>
+                <a:gd name="connsiteY4" fmla="*/ 0 h 540000"/>
+              </a:gdLst>
+              <a:ahLst/>
+              <a:cxnLst>
+                <a:cxn ang="0">
+                  <a:pos x="connsiteX0" y="connsiteY0"/>
+                </a:cxn>
+                <a:cxn ang="0">
+                  <a:pos x="connsiteX1" y="connsiteY1"/>
+                </a:cxn>
+                <a:cxn ang="0">
+                  <a:pos x="connsiteX2" y="connsiteY2"/>
+                </a:cxn>
+                <a:cxn ang="0">
+                  <a:pos x="connsiteX3" y="connsiteY3"/>
+                </a:cxn>
+                <a:cxn ang="0">
+                  <a:pos x="connsiteX4" y="connsiteY4"/>
+                </a:cxn>
+              </a:cxnLst>
+              <a:rect l="l" t="t" r="r" b="b"/>
+              <a:pathLst>
+                <a:path w="1620000" h="540000">
+                  <a:moveTo>
+                    <a:pt x="0" y="0"/>
+                  </a:moveTo>
+                  <a:lnTo>
+                    <a:pt x="1620000" y="0"/>
+                  </a:lnTo>
+                  <a:lnTo>
+                    <a:pt x="1620000" y="540000"/>
+                  </a:lnTo>
+                  <a:lnTo>
+                    <a:pt x="0" y="540000"/>
+                  </a:lnTo>
+                  <a:lnTo>
+                    <a:pt x="0" y="0"/>
+                  </a:lnTo>
+                  <a:close/>
+                </a:path>
+              </a:pathLst>
+            </a:custGeom>
+            <a:solidFill>
+              <a:srgbClr val="4CA331"/>
+            </a:solidFill>
+            <a:ln>
+              <a:noFill/>
+            </a:ln>
+          </p:spPr>
+          <p:style>
+            <a:lnRef idx="2">
+              <a:schemeClr val="accent1">
+                <a:shade val="15000"/>
+              </a:schemeClr>
+            </a:lnRef>
+            <a:fillRef idx="1">
+              <a:schemeClr val="accent1"/>
+            </a:fillRef>
+            <a:effectRef idx="0">
+              <a:schemeClr val="accent1"/>
+            </a:effectRef>
+            <a:fontRef idx="minor">
+              <a:schemeClr val="lt1"/>
+            </a:fontRef>
+          </p:style>
+          <p:txBody>
+            <a:bodyPr wrap="square" rtlCol="0" anchor="ctr">
+              <a:noAutofit/>
+            </a:bodyPr>
+            <a:lstStyle/>
+            <a:p>
+              <a:pPr algn="ctr"/>
+              <a:r>
+                <a:rPr kumimoji="1" lang="ja-JP" altLang="en-US" dirty="0"/>
+                <a:t>舞台設定</a:t>
+              </a:r>
+            </a:p>
+          </p:txBody>
+        </p:sp>
+      </p:grpSp>
+      <p:grpSp>
+        <p:nvGrpSpPr>
+          <p:cNvPr id="19" name="グループ化 18">
+            <a:extLst>
+              <a:ext uri="{FF2B5EF4-FFF2-40B4-BE49-F238E27FC236}">
+                <a16:creationId xmlns:a16="http://schemas.microsoft.com/office/drawing/2014/main" id="{A17CEF7E-39C2-9551-CD4F-28E17CB71E73}"/>
+              </a:ext>
+            </a:extLst>
+          </p:cNvPr>
+          <p:cNvGrpSpPr/>
+          <p:nvPr/>
+        </p:nvGrpSpPr>
+        <p:grpSpPr>
+          <a:xfrm>
+            <a:off x="1034473" y="3000625"/>
+            <a:ext cx="2017599" cy="540000"/>
+            <a:chOff x="1034473" y="3000625"/>
+            <a:chExt cx="2017599" cy="540000"/>
+          </a:xfrm>
+        </p:grpSpPr>
+        <p:sp>
+          <p:nvSpPr>
+            <p:cNvPr id="11" name="正方形/長方形 10">
+              <a:extLst>
+                <a:ext uri="{FF2B5EF4-FFF2-40B4-BE49-F238E27FC236}">
+                  <a16:creationId xmlns:a16="http://schemas.microsoft.com/office/drawing/2014/main" id="{6698CEEE-AC40-8492-B910-51F82A4C40DB}"/>
+                </a:ext>
+              </a:extLst>
+            </p:cNvPr>
+            <p:cNvSpPr/>
+            <p:nvPr/>
+          </p:nvSpPr>
+          <p:spPr>
+            <a:xfrm>
+              <a:off x="1034473" y="3000625"/>
+              <a:ext cx="166254" cy="540000"/>
+            </a:xfrm>
+            <a:prstGeom prst="rect">
+              <a:avLst/>
+            </a:prstGeom>
+            <a:solidFill>
+              <a:srgbClr val="45942C"/>
+            </a:solidFill>
+            <a:ln>
+              <a:noFill/>
+            </a:ln>
+          </p:spPr>
+          <p:style>
+            <a:lnRef idx="2">
+              <a:schemeClr val="accent1">
+                <a:shade val="15000"/>
+              </a:schemeClr>
+            </a:lnRef>
+            <a:fillRef idx="1">
+              <a:schemeClr val="accent1"/>
+            </a:fillRef>
+            <a:effectRef idx="0">
+              <a:schemeClr val="accent1"/>
+            </a:effectRef>
+            <a:fontRef idx="minor">
+              <a:schemeClr val="lt1"/>
+            </a:fontRef>
+          </p:style>
+          <p:txBody>
+            <a:bodyPr rtlCol="0" anchor="ctr"/>
+            <a:lstStyle/>
+            <a:p>
+              <a:pPr algn="ctr"/>
+              <a:endParaRPr kumimoji="1" lang="ja-JP" altLang="en-US"/>
+            </a:p>
+          </p:txBody>
+        </p:sp>
+        <p:sp>
+          <p:nvSpPr>
+            <p:cNvPr id="12" name="フリーフォーム: 図形 11">
+              <a:extLst>
+                <a:ext uri="{FF2B5EF4-FFF2-40B4-BE49-F238E27FC236}">
+                  <a16:creationId xmlns:a16="http://schemas.microsoft.com/office/drawing/2014/main" id="{9F45E8B9-9557-3024-B5D4-8AD201024757}"/>
+                </a:ext>
+              </a:extLst>
+            </p:cNvPr>
+            <p:cNvSpPr/>
+            <p:nvPr/>
+          </p:nvSpPr>
+          <p:spPr>
+            <a:xfrm>
+              <a:off x="1223272" y="3000625"/>
+              <a:ext cx="1828800" cy="540000"/>
+            </a:xfrm>
+            <a:custGeom>
+              <a:avLst/>
+              <a:gdLst>
+                <a:gd name="connsiteX0" fmla="*/ 0 w 1620000"/>
+                <a:gd name="connsiteY0" fmla="*/ 0 h 540000"/>
+                <a:gd name="connsiteX1" fmla="*/ 1620000 w 1620000"/>
+                <a:gd name="connsiteY1" fmla="*/ 0 h 540000"/>
+                <a:gd name="connsiteX2" fmla="*/ 1620000 w 1620000"/>
+                <a:gd name="connsiteY2" fmla="*/ 540000 h 540000"/>
+                <a:gd name="connsiteX3" fmla="*/ 0 w 1620000"/>
+                <a:gd name="connsiteY3" fmla="*/ 540000 h 540000"/>
+                <a:gd name="connsiteX4" fmla="*/ 0 w 1620000"/>
+                <a:gd name="connsiteY4" fmla="*/ 0 h 540000"/>
+              </a:gdLst>
+              <a:ahLst/>
+              <a:cxnLst>
+                <a:cxn ang="0">
+                  <a:pos x="connsiteX0" y="connsiteY0"/>
+                </a:cxn>
+                <a:cxn ang="0">
+                  <a:pos x="connsiteX1" y="connsiteY1"/>
+                </a:cxn>
+                <a:cxn ang="0">
+                  <a:pos x="connsiteX2" y="connsiteY2"/>
+                </a:cxn>
+                <a:cxn ang="0">
+                  <a:pos x="connsiteX3" y="connsiteY3"/>
+                </a:cxn>
+                <a:cxn ang="0">
+                  <a:pos x="connsiteX4" y="connsiteY4"/>
+                </a:cxn>
+              </a:cxnLst>
+              <a:rect l="l" t="t" r="r" b="b"/>
+              <a:pathLst>
+                <a:path w="1620000" h="540000">
+                  <a:moveTo>
+                    <a:pt x="0" y="0"/>
+                  </a:moveTo>
+                  <a:lnTo>
+                    <a:pt x="1620000" y="0"/>
+                  </a:lnTo>
+                  <a:lnTo>
+                    <a:pt x="1620000" y="540000"/>
+                  </a:lnTo>
+                  <a:lnTo>
+                    <a:pt x="0" y="540000"/>
+                  </a:lnTo>
+                  <a:lnTo>
+                    <a:pt x="0" y="0"/>
+                  </a:lnTo>
+                  <a:close/>
+                </a:path>
+              </a:pathLst>
+            </a:custGeom>
+            <a:solidFill>
+              <a:srgbClr val="4CA331"/>
+            </a:solidFill>
+            <a:ln>
+              <a:noFill/>
+            </a:ln>
+          </p:spPr>
+          <p:style>
+            <a:lnRef idx="2">
+              <a:schemeClr val="accent1">
+                <a:shade val="15000"/>
+              </a:schemeClr>
+            </a:lnRef>
+            <a:fillRef idx="1">
+              <a:schemeClr val="accent1"/>
+            </a:fillRef>
+            <a:effectRef idx="0">
+              <a:schemeClr val="accent1"/>
+            </a:effectRef>
+            <a:fontRef idx="minor">
+              <a:schemeClr val="lt1"/>
+            </a:fontRef>
+          </p:style>
+          <p:txBody>
+            <a:bodyPr wrap="square" rtlCol="0" anchor="ctr">
+              <a:noAutofit/>
+            </a:bodyPr>
+            <a:lstStyle/>
+            <a:p>
+              <a:pPr algn="ctr"/>
+              <a:r>
+                <a:rPr kumimoji="1" lang="ja-JP" altLang="en-US" dirty="0"/>
+                <a:t>時代背景</a:t>
+              </a:r>
+              <a:endParaRPr kumimoji="1" lang="en-US" altLang="ja-JP" dirty="0"/>
+            </a:p>
+          </p:txBody>
+        </p:sp>
+      </p:grpSp>
+      <p:grpSp>
+        <p:nvGrpSpPr>
+          <p:cNvPr id="20" name="グループ化 19">
+            <a:extLst>
+              <a:ext uri="{FF2B5EF4-FFF2-40B4-BE49-F238E27FC236}">
+                <a16:creationId xmlns:a16="http://schemas.microsoft.com/office/drawing/2014/main" id="{52FDEF02-849C-1D5F-C31F-3252743A50BB}"/>
+              </a:ext>
+            </a:extLst>
+          </p:cNvPr>
+          <p:cNvGrpSpPr/>
+          <p:nvPr/>
+        </p:nvGrpSpPr>
+        <p:grpSpPr>
+          <a:xfrm>
+            <a:off x="1034473" y="4588375"/>
+            <a:ext cx="2017599" cy="540000"/>
+            <a:chOff x="1034473" y="4588375"/>
+            <a:chExt cx="2017599" cy="540000"/>
+          </a:xfrm>
+        </p:grpSpPr>
+        <p:sp>
+          <p:nvSpPr>
+            <p:cNvPr id="13" name="正方形/長方形 12">
+              <a:extLst>
+                <a:ext uri="{FF2B5EF4-FFF2-40B4-BE49-F238E27FC236}">
+                  <a16:creationId xmlns:a16="http://schemas.microsoft.com/office/drawing/2014/main" id="{DBB01C2A-46D7-85CA-4348-738CE3411AA8}"/>
+                </a:ext>
+              </a:extLst>
+            </p:cNvPr>
+            <p:cNvSpPr/>
+            <p:nvPr/>
+          </p:nvSpPr>
+          <p:spPr>
+            <a:xfrm>
+              <a:off x="1034473" y="4588375"/>
+              <a:ext cx="166254" cy="540000"/>
+            </a:xfrm>
+            <a:prstGeom prst="rect">
+              <a:avLst/>
+            </a:prstGeom>
+            <a:solidFill>
+              <a:srgbClr val="45942C"/>
+            </a:solidFill>
+            <a:ln>
+              <a:noFill/>
+            </a:ln>
+          </p:spPr>
+          <p:style>
+            <a:lnRef idx="2">
+              <a:schemeClr val="accent1">
+                <a:shade val="15000"/>
+              </a:schemeClr>
+            </a:lnRef>
+            <a:fillRef idx="1">
+              <a:schemeClr val="accent1"/>
+            </a:fillRef>
+            <a:effectRef idx="0">
+              <a:schemeClr val="accent1"/>
+            </a:effectRef>
+            <a:fontRef idx="minor">
+              <a:schemeClr val="lt1"/>
+            </a:fontRef>
+          </p:style>
+          <p:txBody>
+            <a:bodyPr rtlCol="0" anchor="ctr"/>
+            <a:lstStyle/>
+            <a:p>
+              <a:pPr algn="ctr"/>
+              <a:endParaRPr kumimoji="1" lang="ja-JP" altLang="en-US"/>
+            </a:p>
+          </p:txBody>
+        </p:sp>
+        <p:sp>
+          <p:nvSpPr>
+            <p:cNvPr id="14" name="フリーフォーム: 図形 13">
+              <a:extLst>
+                <a:ext uri="{FF2B5EF4-FFF2-40B4-BE49-F238E27FC236}">
+                  <a16:creationId xmlns:a16="http://schemas.microsoft.com/office/drawing/2014/main" id="{92060344-510E-CB6A-A197-A6A450217549}"/>
+                </a:ext>
+              </a:extLst>
+            </p:cNvPr>
+            <p:cNvSpPr/>
+            <p:nvPr/>
+          </p:nvSpPr>
+          <p:spPr>
+            <a:xfrm>
+              <a:off x="1223272" y="4588375"/>
+              <a:ext cx="1828800" cy="540000"/>
+            </a:xfrm>
+            <a:custGeom>
+              <a:avLst/>
+              <a:gdLst>
+                <a:gd name="connsiteX0" fmla="*/ 0 w 1620000"/>
+                <a:gd name="connsiteY0" fmla="*/ 0 h 540000"/>
+                <a:gd name="connsiteX1" fmla="*/ 1620000 w 1620000"/>
+                <a:gd name="connsiteY1" fmla="*/ 0 h 540000"/>
+                <a:gd name="connsiteX2" fmla="*/ 1620000 w 1620000"/>
+                <a:gd name="connsiteY2" fmla="*/ 540000 h 540000"/>
+                <a:gd name="connsiteX3" fmla="*/ 0 w 1620000"/>
+                <a:gd name="connsiteY3" fmla="*/ 540000 h 540000"/>
+                <a:gd name="connsiteX4" fmla="*/ 0 w 1620000"/>
+                <a:gd name="connsiteY4" fmla="*/ 0 h 540000"/>
+              </a:gdLst>
+              <a:ahLst/>
+              <a:cxnLst>
+                <a:cxn ang="0">
+                  <a:pos x="connsiteX0" y="connsiteY0"/>
+                </a:cxn>
+                <a:cxn ang="0">
+                  <a:pos x="connsiteX1" y="connsiteY1"/>
+                </a:cxn>
+                <a:cxn ang="0">
+                  <a:pos x="connsiteX2" y="connsiteY2"/>
+                </a:cxn>
+                <a:cxn ang="0">
+                  <a:pos x="connsiteX3" y="connsiteY3"/>
+                </a:cxn>
+                <a:cxn ang="0">
+                  <a:pos x="connsiteX4" y="connsiteY4"/>
+                </a:cxn>
+              </a:cxnLst>
+              <a:rect l="l" t="t" r="r" b="b"/>
+              <a:pathLst>
+                <a:path w="1620000" h="540000">
+                  <a:moveTo>
+                    <a:pt x="0" y="0"/>
+                  </a:moveTo>
+                  <a:lnTo>
+                    <a:pt x="1620000" y="0"/>
+                  </a:lnTo>
+                  <a:lnTo>
+                    <a:pt x="1620000" y="540000"/>
+                  </a:lnTo>
+                  <a:lnTo>
+                    <a:pt x="0" y="540000"/>
+                  </a:lnTo>
+                  <a:lnTo>
+                    <a:pt x="0" y="0"/>
+                  </a:lnTo>
+                  <a:close/>
+                </a:path>
+              </a:pathLst>
+            </a:custGeom>
+            <a:solidFill>
+              <a:srgbClr val="4CA331"/>
+            </a:solidFill>
+            <a:ln>
+              <a:noFill/>
+            </a:ln>
+          </p:spPr>
+          <p:style>
+            <a:lnRef idx="2">
+              <a:schemeClr val="accent1">
+                <a:shade val="15000"/>
+              </a:schemeClr>
+            </a:lnRef>
+            <a:fillRef idx="1">
+              <a:schemeClr val="accent1"/>
+            </a:fillRef>
+            <a:effectRef idx="0">
+              <a:schemeClr val="accent1"/>
+            </a:effectRef>
+            <a:fontRef idx="minor">
+              <a:schemeClr val="lt1"/>
+            </a:fontRef>
+          </p:style>
+          <p:txBody>
+            <a:bodyPr wrap="square" rtlCol="0" anchor="ctr">
+              <a:noAutofit/>
+            </a:bodyPr>
+            <a:lstStyle/>
+            <a:p>
+              <a:pPr algn="ctr"/>
+              <a:r>
+                <a:rPr kumimoji="1" lang="ja-JP" altLang="en-US" dirty="0"/>
+                <a:t>世界雰囲気</a:t>
+              </a:r>
+            </a:p>
+          </p:txBody>
+        </p:sp>
+      </p:grpSp>
+      <p:sp>
+        <p:nvSpPr>
+          <p:cNvPr id="15" name="テキスト ボックス 14">
+            <a:extLst>
+              <a:ext uri="{FF2B5EF4-FFF2-40B4-BE49-F238E27FC236}">
+                <a16:creationId xmlns:a16="http://schemas.microsoft.com/office/drawing/2014/main" id="{062FB988-D0C9-72F9-D64E-F4ED26365AA2}"/>
+              </a:ext>
+            </a:extLst>
+          </p:cNvPr>
+          <p:cNvSpPr txBox="1"/>
+          <p:nvPr/>
+        </p:nvSpPr>
+        <p:spPr>
+          <a:xfrm>
+            <a:off x="1223272" y="2032000"/>
+            <a:ext cx="6341310" cy="830997"/>
+          </a:xfrm>
+          <a:prstGeom prst="rect">
+            <a:avLst/>
+          </a:prstGeom>
+          <a:noFill/>
+        </p:spPr>
+        <p:txBody>
+          <a:bodyPr wrap="square" rtlCol="0">
+            <a:spAutoFit/>
+          </a:bodyPr>
+          <a:lstStyle/>
+          <a:p>
+            <a:r>
+              <a:rPr kumimoji="1" lang="ja-JP" altLang="en-US" sz="2400" dirty="0"/>
+              <a:t>自然の中の家屋などの小規模かつ、</a:t>
+            </a:r>
+            <a:br>
+              <a:rPr kumimoji="1" lang="en-US" altLang="ja-JP" sz="2400" dirty="0"/>
+            </a:br>
+            <a:r>
+              <a:rPr kumimoji="1" lang="ja-JP" altLang="en-US" sz="2400" dirty="0"/>
+              <a:t>人が集合した雰囲気の</a:t>
+            </a:r>
+            <a:r>
+              <a:rPr lang="ja-JP" altLang="en-US" sz="2400" dirty="0"/>
+              <a:t>ステージ設計を避ける</a:t>
+            </a:r>
+            <a:endParaRPr kumimoji="1" lang="ja-JP" altLang="en-US" sz="2400" dirty="0"/>
+          </a:p>
+        </p:txBody>
+      </p:sp>
+      <p:sp>
+        <p:nvSpPr>
+          <p:cNvPr id="16" name="テキスト ボックス 15">
+            <a:extLst>
+              <a:ext uri="{FF2B5EF4-FFF2-40B4-BE49-F238E27FC236}">
+                <a16:creationId xmlns:a16="http://schemas.microsoft.com/office/drawing/2014/main" id="{F8109ADF-8417-A05D-FE53-A2A88D04F695}"/>
+              </a:ext>
+            </a:extLst>
+          </p:cNvPr>
+          <p:cNvSpPr txBox="1"/>
+          <p:nvPr/>
+        </p:nvSpPr>
+        <p:spPr>
+          <a:xfrm>
+            <a:off x="1223272" y="3623394"/>
+            <a:ext cx="6341310" cy="830997"/>
+          </a:xfrm>
+          <a:prstGeom prst="rect">
+            <a:avLst/>
+          </a:prstGeom>
+          <a:noFill/>
+        </p:spPr>
+        <p:txBody>
+          <a:bodyPr wrap="square" rtlCol="0">
+            <a:spAutoFit/>
+          </a:bodyPr>
+          <a:lstStyle/>
+          <a:p>
+            <a:r>
+              <a:rPr kumimoji="1" lang="ja-JP" altLang="en-US" sz="2400" dirty="0"/>
+              <a:t>特定の時代設計は行わない</a:t>
+            </a:r>
+            <a:br>
+              <a:rPr kumimoji="1" lang="en-US" altLang="ja-JP" sz="2400" dirty="0"/>
+            </a:br>
+            <a:r>
+              <a:rPr kumimoji="1" lang="ja-JP" altLang="en-US" sz="2400" dirty="0"/>
+              <a:t>ファンタジーの世界であるということを前提</a:t>
+            </a:r>
+          </a:p>
+        </p:txBody>
+      </p:sp>
+      <p:sp>
+        <p:nvSpPr>
+          <p:cNvPr id="17" name="テキスト ボックス 16">
+            <a:extLst>
+              <a:ext uri="{FF2B5EF4-FFF2-40B4-BE49-F238E27FC236}">
+                <a16:creationId xmlns:a16="http://schemas.microsoft.com/office/drawing/2014/main" id="{8FBD4013-9524-00F8-650D-240C608E472D}"/>
+              </a:ext>
+            </a:extLst>
+          </p:cNvPr>
+          <p:cNvSpPr txBox="1"/>
+          <p:nvPr/>
+        </p:nvSpPr>
+        <p:spPr>
+          <a:xfrm>
+            <a:off x="1223272" y="5209733"/>
+            <a:ext cx="7015564" cy="830997"/>
+          </a:xfrm>
+          <a:prstGeom prst="rect">
+            <a:avLst/>
+          </a:prstGeom>
+          <a:noFill/>
+        </p:spPr>
+        <p:txBody>
+          <a:bodyPr wrap="square" rtlCol="0">
+            <a:spAutoFit/>
+          </a:bodyPr>
+          <a:lstStyle/>
+          <a:p>
+            <a:r>
+              <a:rPr kumimoji="1" lang="ja-JP" altLang="en-US" sz="2400" dirty="0"/>
+              <a:t>地面はボクセル調、建物などはローポリモデル</a:t>
+            </a:r>
+            <a:br>
+              <a:rPr kumimoji="1" lang="en-US" altLang="ja-JP" sz="2400" dirty="0"/>
+            </a:br>
+            <a:r>
+              <a:rPr kumimoji="1" lang="ja-JP" altLang="en-US" sz="2400" dirty="0"/>
+              <a:t>隕石が降る世界でありつつも、絶望感は出さない</a:t>
+            </a:r>
+          </a:p>
+        </p:txBody>
+      </p:sp>
     </p:spTree>
     <p:extLst>
       <p:ext uri="{BB962C8B-B14F-4D97-AF65-F5344CB8AC3E}">
@@ -5888,6 +10968,9 @@
   <p:clrMapOvr>
     <a:masterClrMapping/>
   </p:clrMapOvr>
+  <p:transition spd="slow">
+    <p:push/>
+  </p:transition>
 </p:sld>
 </file>
 
@@ -5913,7 +10996,7 @@
           <p:cNvPr id="2" name="タイトル 1">
             <a:extLst>
               <a:ext uri="{FF2B5EF4-FFF2-40B4-BE49-F238E27FC236}">
-                <a16:creationId xmlns:a16="http://schemas.microsoft.com/office/drawing/2014/main" id="{9B8B65F7-73EF-4DE9-88DD-5D8D9E7DF17D}"/>
+                <a16:creationId xmlns:a16="http://schemas.microsoft.com/office/drawing/2014/main" id="{F4EDA401-7474-776F-CA4D-D1D760848061}"/>
               </a:ext>
             </a:extLst>
           </p:cNvPr>
@@ -5929,100 +11012,782 @@
           <a:bodyPr/>
           <a:lstStyle/>
           <a:p>
-            <a:pPr algn="ctr"/>
-            <a:r>
-              <a:rPr kumimoji="1" lang="ja-JP" altLang="en-US" dirty="0"/>
-              <a:t>ゲームルール</a:t>
-            </a:r>
-          </a:p>
-        </p:txBody>
-      </p:sp>
-      <p:sp>
-        <p:nvSpPr>
-          <p:cNvPr id="3" name="コンテンツ プレースホルダー 2">
-            <a:extLst>
-              <a:ext uri="{FF2B5EF4-FFF2-40B4-BE49-F238E27FC236}">
-                <a16:creationId xmlns:a16="http://schemas.microsoft.com/office/drawing/2014/main" id="{EB83E7D7-FCA1-4878-8A19-5C3286A15D2A}"/>
-              </a:ext>
-            </a:extLst>
-          </p:cNvPr>
-          <p:cNvSpPr>
-            <a:spLocks noGrp="1"/>
-          </p:cNvSpPr>
-          <p:nvPr>
-            <p:ph idx="1"/>
-          </p:nvPr>
-        </p:nvSpPr>
-        <p:spPr/>
-        <p:txBody>
-          <a:bodyPr/>
+            <a:r>
+              <a:rPr lang="ja-JP" altLang="en-US" dirty="0"/>
+              <a:t>ルール</a:t>
+            </a:r>
+            <a:endParaRPr kumimoji="1" lang="ja-JP" altLang="en-US" dirty="0"/>
+          </a:p>
+        </p:txBody>
+      </p:sp>
+      <p:grpSp>
+        <p:nvGrpSpPr>
+          <p:cNvPr id="9" name="グループ化 8">
+            <a:extLst>
+              <a:ext uri="{FF2B5EF4-FFF2-40B4-BE49-F238E27FC236}">
+                <a16:creationId xmlns:a16="http://schemas.microsoft.com/office/drawing/2014/main" id="{88633E77-DDFC-3193-D1B9-5BD1BA2DBBEF}"/>
+              </a:ext>
+            </a:extLst>
+          </p:cNvPr>
+          <p:cNvGrpSpPr/>
+          <p:nvPr/>
+        </p:nvGrpSpPr>
+        <p:grpSpPr>
+          <a:xfrm>
+            <a:off x="1034473" y="1412875"/>
+            <a:ext cx="2017599" cy="540000"/>
+            <a:chOff x="1034473" y="1412875"/>
+            <a:chExt cx="2017599" cy="540000"/>
+          </a:xfrm>
+        </p:grpSpPr>
+        <p:sp>
+          <p:nvSpPr>
+            <p:cNvPr id="10" name="正方形/長方形 9">
+              <a:extLst>
+                <a:ext uri="{FF2B5EF4-FFF2-40B4-BE49-F238E27FC236}">
+                  <a16:creationId xmlns:a16="http://schemas.microsoft.com/office/drawing/2014/main" id="{82162825-87F4-89AC-B752-20E46FD416CE}"/>
+                </a:ext>
+              </a:extLst>
+            </p:cNvPr>
+            <p:cNvSpPr/>
+            <p:nvPr/>
+          </p:nvSpPr>
+          <p:spPr>
+            <a:xfrm>
+              <a:off x="1034473" y="1412875"/>
+              <a:ext cx="166254" cy="540000"/>
+            </a:xfrm>
+            <a:prstGeom prst="rect">
+              <a:avLst/>
+            </a:prstGeom>
+            <a:solidFill>
+              <a:srgbClr val="45942C"/>
+            </a:solidFill>
+            <a:ln>
+              <a:noFill/>
+            </a:ln>
+          </p:spPr>
+          <p:style>
+            <a:lnRef idx="2">
+              <a:schemeClr val="accent1">
+                <a:shade val="15000"/>
+              </a:schemeClr>
+            </a:lnRef>
+            <a:fillRef idx="1">
+              <a:schemeClr val="accent1"/>
+            </a:fillRef>
+            <a:effectRef idx="0">
+              <a:schemeClr val="accent1"/>
+            </a:effectRef>
+            <a:fontRef idx="minor">
+              <a:schemeClr val="lt1"/>
+            </a:fontRef>
+          </p:style>
+          <p:txBody>
+            <a:bodyPr rtlCol="0" anchor="ctr"/>
+            <a:lstStyle/>
+            <a:p>
+              <a:pPr algn="ctr"/>
+              <a:endParaRPr kumimoji="1" lang="ja-JP" altLang="en-US"/>
+            </a:p>
+          </p:txBody>
+        </p:sp>
+        <p:sp>
+          <p:nvSpPr>
+            <p:cNvPr id="11" name="フリーフォーム: 図形 10">
+              <a:extLst>
+                <a:ext uri="{FF2B5EF4-FFF2-40B4-BE49-F238E27FC236}">
+                  <a16:creationId xmlns:a16="http://schemas.microsoft.com/office/drawing/2014/main" id="{EE0068C1-B8FC-BB64-3827-3B0C69113683}"/>
+                </a:ext>
+              </a:extLst>
+            </p:cNvPr>
+            <p:cNvSpPr/>
+            <p:nvPr/>
+          </p:nvSpPr>
+          <p:spPr>
+            <a:xfrm>
+              <a:off x="1223272" y="1412875"/>
+              <a:ext cx="1828800" cy="540000"/>
+            </a:xfrm>
+            <a:custGeom>
+              <a:avLst/>
+              <a:gdLst>
+                <a:gd name="connsiteX0" fmla="*/ 0 w 1620000"/>
+                <a:gd name="connsiteY0" fmla="*/ 0 h 540000"/>
+                <a:gd name="connsiteX1" fmla="*/ 1620000 w 1620000"/>
+                <a:gd name="connsiteY1" fmla="*/ 0 h 540000"/>
+                <a:gd name="connsiteX2" fmla="*/ 1620000 w 1620000"/>
+                <a:gd name="connsiteY2" fmla="*/ 540000 h 540000"/>
+                <a:gd name="connsiteX3" fmla="*/ 0 w 1620000"/>
+                <a:gd name="connsiteY3" fmla="*/ 540000 h 540000"/>
+                <a:gd name="connsiteX4" fmla="*/ 0 w 1620000"/>
+                <a:gd name="connsiteY4" fmla="*/ 0 h 540000"/>
+              </a:gdLst>
+              <a:ahLst/>
+              <a:cxnLst>
+                <a:cxn ang="0">
+                  <a:pos x="connsiteX0" y="connsiteY0"/>
+                </a:cxn>
+                <a:cxn ang="0">
+                  <a:pos x="connsiteX1" y="connsiteY1"/>
+                </a:cxn>
+                <a:cxn ang="0">
+                  <a:pos x="connsiteX2" y="connsiteY2"/>
+                </a:cxn>
+                <a:cxn ang="0">
+                  <a:pos x="connsiteX3" y="connsiteY3"/>
+                </a:cxn>
+                <a:cxn ang="0">
+                  <a:pos x="connsiteX4" y="connsiteY4"/>
+                </a:cxn>
+              </a:cxnLst>
+              <a:rect l="l" t="t" r="r" b="b"/>
+              <a:pathLst>
+                <a:path w="1620000" h="540000">
+                  <a:moveTo>
+                    <a:pt x="0" y="0"/>
+                  </a:moveTo>
+                  <a:lnTo>
+                    <a:pt x="1620000" y="0"/>
+                  </a:lnTo>
+                  <a:lnTo>
+                    <a:pt x="1620000" y="540000"/>
+                  </a:lnTo>
+                  <a:lnTo>
+                    <a:pt x="0" y="540000"/>
+                  </a:lnTo>
+                  <a:lnTo>
+                    <a:pt x="0" y="0"/>
+                  </a:lnTo>
+                  <a:close/>
+                </a:path>
+              </a:pathLst>
+            </a:custGeom>
+            <a:solidFill>
+              <a:srgbClr val="4CA331"/>
+            </a:solidFill>
+            <a:ln>
+              <a:noFill/>
+            </a:ln>
+          </p:spPr>
+          <p:style>
+            <a:lnRef idx="2">
+              <a:schemeClr val="accent1">
+                <a:shade val="15000"/>
+              </a:schemeClr>
+            </a:lnRef>
+            <a:fillRef idx="1">
+              <a:schemeClr val="accent1"/>
+            </a:fillRef>
+            <a:effectRef idx="0">
+              <a:schemeClr val="accent1"/>
+            </a:effectRef>
+            <a:fontRef idx="minor">
+              <a:schemeClr val="lt1"/>
+            </a:fontRef>
+          </p:style>
+          <p:txBody>
+            <a:bodyPr wrap="square" rtlCol="0" anchor="ctr">
+              <a:noAutofit/>
+            </a:bodyPr>
+            <a:lstStyle/>
+            <a:p>
+              <a:pPr algn="ctr"/>
+              <a:r>
+                <a:rPr kumimoji="1" lang="ja-JP" altLang="en-US" dirty="0"/>
+                <a:t>クリア条件</a:t>
+              </a:r>
+            </a:p>
+          </p:txBody>
+        </p:sp>
+      </p:grpSp>
+      <p:grpSp>
+        <p:nvGrpSpPr>
+          <p:cNvPr id="12" name="グループ化 11">
+            <a:extLst>
+              <a:ext uri="{FF2B5EF4-FFF2-40B4-BE49-F238E27FC236}">
+                <a16:creationId xmlns:a16="http://schemas.microsoft.com/office/drawing/2014/main" id="{737D188F-B7C5-7A38-469D-CE1C1D98E8E4}"/>
+              </a:ext>
+            </a:extLst>
+          </p:cNvPr>
+          <p:cNvGrpSpPr/>
+          <p:nvPr/>
+        </p:nvGrpSpPr>
+        <p:grpSpPr>
+          <a:xfrm>
+            <a:off x="1034473" y="3000625"/>
+            <a:ext cx="2017599" cy="540000"/>
+            <a:chOff x="1034473" y="3000625"/>
+            <a:chExt cx="2017599" cy="540000"/>
+          </a:xfrm>
+        </p:grpSpPr>
+        <p:sp>
+          <p:nvSpPr>
+            <p:cNvPr id="13" name="正方形/長方形 12">
+              <a:extLst>
+                <a:ext uri="{FF2B5EF4-FFF2-40B4-BE49-F238E27FC236}">
+                  <a16:creationId xmlns:a16="http://schemas.microsoft.com/office/drawing/2014/main" id="{E207AA21-6D9F-09CF-BA9D-3549D38C3C05}"/>
+                </a:ext>
+              </a:extLst>
+            </p:cNvPr>
+            <p:cNvSpPr/>
+            <p:nvPr/>
+          </p:nvSpPr>
+          <p:spPr>
+            <a:xfrm>
+              <a:off x="1034473" y="3000625"/>
+              <a:ext cx="166254" cy="540000"/>
+            </a:xfrm>
+            <a:prstGeom prst="rect">
+              <a:avLst/>
+            </a:prstGeom>
+            <a:solidFill>
+              <a:srgbClr val="45942C"/>
+            </a:solidFill>
+            <a:ln>
+              <a:noFill/>
+            </a:ln>
+          </p:spPr>
+          <p:style>
+            <a:lnRef idx="2">
+              <a:schemeClr val="accent1">
+                <a:shade val="15000"/>
+              </a:schemeClr>
+            </a:lnRef>
+            <a:fillRef idx="1">
+              <a:schemeClr val="accent1"/>
+            </a:fillRef>
+            <a:effectRef idx="0">
+              <a:schemeClr val="accent1"/>
+            </a:effectRef>
+            <a:fontRef idx="minor">
+              <a:schemeClr val="lt1"/>
+            </a:fontRef>
+          </p:style>
+          <p:txBody>
+            <a:bodyPr rtlCol="0" anchor="ctr"/>
+            <a:lstStyle/>
+            <a:p>
+              <a:pPr algn="ctr"/>
+              <a:endParaRPr kumimoji="1" lang="ja-JP" altLang="en-US"/>
+            </a:p>
+          </p:txBody>
+        </p:sp>
+        <p:sp>
+          <p:nvSpPr>
+            <p:cNvPr id="14" name="フリーフォーム: 図形 13">
+              <a:extLst>
+                <a:ext uri="{FF2B5EF4-FFF2-40B4-BE49-F238E27FC236}">
+                  <a16:creationId xmlns:a16="http://schemas.microsoft.com/office/drawing/2014/main" id="{A349180A-A02B-43AB-AA38-AE6DC5682B45}"/>
+                </a:ext>
+              </a:extLst>
+            </p:cNvPr>
+            <p:cNvSpPr/>
+            <p:nvPr/>
+          </p:nvSpPr>
+          <p:spPr>
+            <a:xfrm>
+              <a:off x="1223272" y="3000625"/>
+              <a:ext cx="1828800" cy="540000"/>
+            </a:xfrm>
+            <a:custGeom>
+              <a:avLst/>
+              <a:gdLst>
+                <a:gd name="connsiteX0" fmla="*/ 0 w 1620000"/>
+                <a:gd name="connsiteY0" fmla="*/ 0 h 540000"/>
+                <a:gd name="connsiteX1" fmla="*/ 1620000 w 1620000"/>
+                <a:gd name="connsiteY1" fmla="*/ 0 h 540000"/>
+                <a:gd name="connsiteX2" fmla="*/ 1620000 w 1620000"/>
+                <a:gd name="connsiteY2" fmla="*/ 540000 h 540000"/>
+                <a:gd name="connsiteX3" fmla="*/ 0 w 1620000"/>
+                <a:gd name="connsiteY3" fmla="*/ 540000 h 540000"/>
+                <a:gd name="connsiteX4" fmla="*/ 0 w 1620000"/>
+                <a:gd name="connsiteY4" fmla="*/ 0 h 540000"/>
+              </a:gdLst>
+              <a:ahLst/>
+              <a:cxnLst>
+                <a:cxn ang="0">
+                  <a:pos x="connsiteX0" y="connsiteY0"/>
+                </a:cxn>
+                <a:cxn ang="0">
+                  <a:pos x="connsiteX1" y="connsiteY1"/>
+                </a:cxn>
+                <a:cxn ang="0">
+                  <a:pos x="connsiteX2" y="connsiteY2"/>
+                </a:cxn>
+                <a:cxn ang="0">
+                  <a:pos x="connsiteX3" y="connsiteY3"/>
+                </a:cxn>
+                <a:cxn ang="0">
+                  <a:pos x="connsiteX4" y="connsiteY4"/>
+                </a:cxn>
+              </a:cxnLst>
+              <a:rect l="l" t="t" r="r" b="b"/>
+              <a:pathLst>
+                <a:path w="1620000" h="540000">
+                  <a:moveTo>
+                    <a:pt x="0" y="0"/>
+                  </a:moveTo>
+                  <a:lnTo>
+                    <a:pt x="1620000" y="0"/>
+                  </a:lnTo>
+                  <a:lnTo>
+                    <a:pt x="1620000" y="540000"/>
+                  </a:lnTo>
+                  <a:lnTo>
+                    <a:pt x="0" y="540000"/>
+                  </a:lnTo>
+                  <a:lnTo>
+                    <a:pt x="0" y="0"/>
+                  </a:lnTo>
+                  <a:close/>
+                </a:path>
+              </a:pathLst>
+            </a:custGeom>
+            <a:solidFill>
+              <a:srgbClr val="4CA331"/>
+            </a:solidFill>
+            <a:ln>
+              <a:noFill/>
+            </a:ln>
+          </p:spPr>
+          <p:style>
+            <a:lnRef idx="2">
+              <a:schemeClr val="accent1">
+                <a:shade val="15000"/>
+              </a:schemeClr>
+            </a:lnRef>
+            <a:fillRef idx="1">
+              <a:schemeClr val="accent1"/>
+            </a:fillRef>
+            <a:effectRef idx="0">
+              <a:schemeClr val="accent1"/>
+            </a:effectRef>
+            <a:fontRef idx="minor">
+              <a:schemeClr val="lt1"/>
+            </a:fontRef>
+          </p:style>
+          <p:txBody>
+            <a:bodyPr wrap="square" rtlCol="0" anchor="ctr">
+              <a:noAutofit/>
+            </a:bodyPr>
+            <a:lstStyle/>
+            <a:p>
+              <a:pPr algn="ctr"/>
+              <a:r>
+                <a:rPr kumimoji="1" lang="ja-JP" altLang="en-US" dirty="0"/>
+                <a:t>プレイヤー行動</a:t>
+              </a:r>
+              <a:endParaRPr kumimoji="1" lang="en-US" altLang="ja-JP" dirty="0"/>
+            </a:p>
+          </p:txBody>
+        </p:sp>
+      </p:grpSp>
+      <p:sp>
+        <p:nvSpPr>
+          <p:cNvPr id="18" name="テキスト ボックス 17">
+            <a:extLst>
+              <a:ext uri="{FF2B5EF4-FFF2-40B4-BE49-F238E27FC236}">
+                <a16:creationId xmlns:a16="http://schemas.microsoft.com/office/drawing/2014/main" id="{8BECD3D1-D2CD-965C-E060-81280C77DF85}"/>
+              </a:ext>
+            </a:extLst>
+          </p:cNvPr>
+          <p:cNvSpPr txBox="1"/>
+          <p:nvPr/>
+        </p:nvSpPr>
+        <p:spPr>
+          <a:xfrm>
+            <a:off x="1223272" y="2032000"/>
+            <a:ext cx="6341310" cy="461665"/>
+          </a:xfrm>
+          <a:prstGeom prst="rect">
+            <a:avLst/>
+          </a:prstGeom>
+          <a:noFill/>
+        </p:spPr>
+        <p:txBody>
+          <a:bodyPr wrap="square" rtlCol="0">
+            <a:spAutoFit/>
+          </a:bodyPr>
           <a:lstStyle/>
           <a:p>
-            <a:pPr marL="0" indent="0">
-              <a:buNone/>
+            <a:r>
+              <a:rPr kumimoji="1" lang="ja-JP" altLang="en-US" sz="2400" dirty="0"/>
+              <a:t>隕石を破壊するための兵器を作成する</a:t>
+            </a:r>
+          </a:p>
+        </p:txBody>
+      </p:sp>
+      <p:sp>
+        <p:nvSpPr>
+          <p:cNvPr id="19" name="テキスト ボックス 18">
+            <a:extLst>
+              <a:ext uri="{FF2B5EF4-FFF2-40B4-BE49-F238E27FC236}">
+                <a16:creationId xmlns:a16="http://schemas.microsoft.com/office/drawing/2014/main" id="{96DAA44F-24BF-8161-38EC-A20A452A9C9A}"/>
+              </a:ext>
+            </a:extLst>
+          </p:cNvPr>
+          <p:cNvSpPr txBox="1"/>
+          <p:nvPr/>
+        </p:nvSpPr>
+        <p:spPr>
+          <a:xfrm>
+            <a:off x="1223272" y="3623394"/>
+            <a:ext cx="6341310" cy="461665"/>
+          </a:xfrm>
+          <a:prstGeom prst="rect">
+            <a:avLst/>
+          </a:prstGeom>
+          <a:noFill/>
+        </p:spPr>
+        <p:txBody>
+          <a:bodyPr wrap="square" rtlCol="0">
+            <a:spAutoFit/>
+          </a:bodyPr>
+          <a:lstStyle/>
+          <a:p>
+            <a:r>
+              <a:rPr lang="ja-JP" altLang="en-US" sz="2400" dirty="0"/>
+              <a:t>周囲のオブジェクトを解体し、素材を収集</a:t>
+            </a:r>
+            <a:endParaRPr kumimoji="1" lang="en-US" altLang="ja-JP" sz="2400" dirty="0"/>
+          </a:p>
+        </p:txBody>
+      </p:sp>
+      <p:grpSp>
+        <p:nvGrpSpPr>
+          <p:cNvPr id="20" name="グループ化 19">
+            <a:extLst>
+              <a:ext uri="{FF2B5EF4-FFF2-40B4-BE49-F238E27FC236}">
+                <a16:creationId xmlns:a16="http://schemas.microsoft.com/office/drawing/2014/main" id="{39084CF3-1191-6639-84CA-36DD7D40D72C}"/>
+              </a:ext>
+            </a:extLst>
+          </p:cNvPr>
+          <p:cNvGrpSpPr/>
+          <p:nvPr/>
+        </p:nvGrpSpPr>
+        <p:grpSpPr>
+          <a:xfrm>
+            <a:off x="1252072" y="4205450"/>
+            <a:ext cx="1800000" cy="360000"/>
+            <a:chOff x="1034473" y="3000625"/>
+            <a:chExt cx="2017599" cy="540000"/>
+          </a:xfrm>
+        </p:grpSpPr>
+        <p:sp>
+          <p:nvSpPr>
+            <p:cNvPr id="21" name="正方形/長方形 20">
+              <a:extLst>
+                <a:ext uri="{FF2B5EF4-FFF2-40B4-BE49-F238E27FC236}">
+                  <a16:creationId xmlns:a16="http://schemas.microsoft.com/office/drawing/2014/main" id="{3D1FC938-A94A-1FD5-72A7-DE9390A73044}"/>
+                </a:ext>
+              </a:extLst>
+            </p:cNvPr>
+            <p:cNvSpPr/>
+            <p:nvPr/>
+          </p:nvSpPr>
+          <p:spPr>
+            <a:xfrm>
+              <a:off x="1034473" y="3000625"/>
+              <a:ext cx="166254" cy="540000"/>
+            </a:xfrm>
+            <a:prstGeom prst="rect">
+              <a:avLst/>
+            </a:prstGeom>
+            <a:solidFill>
+              <a:srgbClr val="377523"/>
+            </a:solidFill>
+            <a:ln>
+              <a:noFill/>
+            </a:ln>
+          </p:spPr>
+          <p:style>
+            <a:lnRef idx="2">
+              <a:schemeClr val="accent1">
+                <a:shade val="15000"/>
+              </a:schemeClr>
+            </a:lnRef>
+            <a:fillRef idx="1">
+              <a:schemeClr val="accent1"/>
+            </a:fillRef>
+            <a:effectRef idx="0">
+              <a:schemeClr val="accent1"/>
+            </a:effectRef>
+            <a:fontRef idx="minor">
+              <a:schemeClr val="lt1"/>
+            </a:fontRef>
+          </p:style>
+          <p:txBody>
+            <a:bodyPr rtlCol="0" anchor="ctr"/>
+            <a:lstStyle/>
+            <a:p>
+              <a:pPr algn="ctr"/>
+              <a:endParaRPr kumimoji="1" lang="ja-JP" altLang="en-US" dirty="0"/>
+            </a:p>
+          </p:txBody>
+        </p:sp>
+        <p:sp>
+          <p:nvSpPr>
+            <p:cNvPr id="22" name="フリーフォーム: 図形 21">
+              <a:extLst>
+                <a:ext uri="{FF2B5EF4-FFF2-40B4-BE49-F238E27FC236}">
+                  <a16:creationId xmlns:a16="http://schemas.microsoft.com/office/drawing/2014/main" id="{7F241DDA-18A3-557A-F6E4-D05F412DFBA8}"/>
+                </a:ext>
+              </a:extLst>
+            </p:cNvPr>
+            <p:cNvSpPr/>
+            <p:nvPr/>
+          </p:nvSpPr>
+          <p:spPr>
+            <a:xfrm>
+              <a:off x="1223272" y="3000625"/>
+              <a:ext cx="1828800" cy="540000"/>
+            </a:xfrm>
+            <a:custGeom>
+              <a:avLst/>
+              <a:gdLst>
+                <a:gd name="connsiteX0" fmla="*/ 0 w 1620000"/>
+                <a:gd name="connsiteY0" fmla="*/ 0 h 540000"/>
+                <a:gd name="connsiteX1" fmla="*/ 1620000 w 1620000"/>
+                <a:gd name="connsiteY1" fmla="*/ 0 h 540000"/>
+                <a:gd name="connsiteX2" fmla="*/ 1620000 w 1620000"/>
+                <a:gd name="connsiteY2" fmla="*/ 540000 h 540000"/>
+                <a:gd name="connsiteX3" fmla="*/ 0 w 1620000"/>
+                <a:gd name="connsiteY3" fmla="*/ 540000 h 540000"/>
+                <a:gd name="connsiteX4" fmla="*/ 0 w 1620000"/>
+                <a:gd name="connsiteY4" fmla="*/ 0 h 540000"/>
+              </a:gdLst>
+              <a:ahLst/>
+              <a:cxnLst>
+                <a:cxn ang="0">
+                  <a:pos x="connsiteX0" y="connsiteY0"/>
+                </a:cxn>
+                <a:cxn ang="0">
+                  <a:pos x="connsiteX1" y="connsiteY1"/>
+                </a:cxn>
+                <a:cxn ang="0">
+                  <a:pos x="connsiteX2" y="connsiteY2"/>
+                </a:cxn>
+                <a:cxn ang="0">
+                  <a:pos x="connsiteX3" y="connsiteY3"/>
+                </a:cxn>
+                <a:cxn ang="0">
+                  <a:pos x="connsiteX4" y="connsiteY4"/>
+                </a:cxn>
+              </a:cxnLst>
+              <a:rect l="l" t="t" r="r" b="b"/>
+              <a:pathLst>
+                <a:path w="1620000" h="540000">
+                  <a:moveTo>
+                    <a:pt x="0" y="0"/>
+                  </a:moveTo>
+                  <a:lnTo>
+                    <a:pt x="1620000" y="0"/>
+                  </a:lnTo>
+                  <a:lnTo>
+                    <a:pt x="1620000" y="540000"/>
+                  </a:lnTo>
+                  <a:lnTo>
+                    <a:pt x="0" y="540000"/>
+                  </a:lnTo>
+                  <a:lnTo>
+                    <a:pt x="0" y="0"/>
+                  </a:lnTo>
+                  <a:close/>
+                </a:path>
+              </a:pathLst>
+            </a:custGeom>
+            <a:solidFill>
+              <a:srgbClr val="45942C"/>
+            </a:solidFill>
+            <a:ln>
+              <a:noFill/>
+            </a:ln>
+          </p:spPr>
+          <p:style>
+            <a:lnRef idx="2">
+              <a:schemeClr val="accent1">
+                <a:shade val="15000"/>
+              </a:schemeClr>
+            </a:lnRef>
+            <a:fillRef idx="1">
+              <a:schemeClr val="accent1"/>
+            </a:fillRef>
+            <a:effectRef idx="0">
+              <a:schemeClr val="accent1"/>
+            </a:effectRef>
+            <a:fontRef idx="minor">
+              <a:schemeClr val="lt1"/>
+            </a:fontRef>
+          </p:style>
+          <p:txBody>
+            <a:bodyPr wrap="square" rtlCol="0" anchor="ctr">
+              <a:noAutofit/>
+            </a:bodyPr>
+            <a:lstStyle/>
+            <a:p>
+              <a:pPr algn="ctr"/>
+              <a:r>
+                <a:rPr kumimoji="1" lang="ja-JP" altLang="en-US" dirty="0"/>
+                <a:t>素材の扱い</a:t>
+              </a:r>
+              <a:endParaRPr kumimoji="1" lang="en-US" altLang="ja-JP" dirty="0"/>
+            </a:p>
+          </p:txBody>
+        </p:sp>
+      </p:grpSp>
+      <p:sp>
+        <p:nvSpPr>
+          <p:cNvPr id="23" name="テキスト ボックス 22">
+            <a:extLst>
+              <a:ext uri="{FF2B5EF4-FFF2-40B4-BE49-F238E27FC236}">
+                <a16:creationId xmlns:a16="http://schemas.microsoft.com/office/drawing/2014/main" id="{F5653730-187A-A906-62EE-337B00ED6AC9}"/>
+              </a:ext>
+            </a:extLst>
+          </p:cNvPr>
+          <p:cNvSpPr txBox="1"/>
+          <p:nvPr/>
+        </p:nvSpPr>
+        <p:spPr>
+          <a:xfrm>
+            <a:off x="1420509" y="4610597"/>
+            <a:ext cx="6341310" cy="1417247"/>
+          </a:xfrm>
+          <a:prstGeom prst="rect">
+            <a:avLst/>
+          </a:prstGeom>
+          <a:noFill/>
+        </p:spPr>
+        <p:txBody>
+          <a:bodyPr wrap="square" rtlCol="0">
+            <a:spAutoFit/>
+          </a:bodyPr>
+          <a:lstStyle/>
+          <a:p>
+            <a:pPr>
+              <a:lnSpc>
+                <a:spcPct val="150000"/>
+              </a:lnSpc>
             </a:pPr>
-            <a:endParaRPr lang="en-US" altLang="ja-JP" dirty="0"/>
-          </a:p>
-          <a:p>
-            <a:pPr marL="0" indent="0">
-              <a:buNone/>
+            <a:r>
+              <a:rPr kumimoji="1" lang="ja-JP" altLang="en-US" sz="2000" dirty="0"/>
+              <a:t>兵器作成素材</a:t>
+            </a:r>
+            <a:r>
+              <a:rPr kumimoji="1" lang="en-US" altLang="ja-JP" sz="2000" dirty="0"/>
+              <a:t>	</a:t>
+            </a:r>
+            <a:r>
+              <a:rPr kumimoji="1" lang="ja-JP" altLang="en-US" sz="2000" dirty="0"/>
+              <a:t>（ゲームの目的）</a:t>
+            </a:r>
+            <a:endParaRPr lang="en-US" altLang="ja-JP" sz="2000" dirty="0"/>
+          </a:p>
+          <a:p>
+            <a:pPr>
+              <a:lnSpc>
+                <a:spcPct val="150000"/>
+              </a:lnSpc>
             </a:pPr>
             <a:r>
-              <a:rPr lang="ja-JP" altLang="en-US" dirty="0"/>
-              <a:t>破壊するための兵器を、住処や近くのオブジェクトを崩して再構築し作成する</a:t>
-            </a:r>
-            <a:endParaRPr lang="en-US" altLang="ja-JP" dirty="0"/>
-          </a:p>
-          <a:p>
-            <a:pPr marL="0" indent="0">
-              <a:buNone/>
+              <a:rPr lang="ja-JP" altLang="en-US" sz="2000" dirty="0"/>
+              <a:t>ツール強化</a:t>
+            </a:r>
+            <a:r>
+              <a:rPr lang="en-US" altLang="ja-JP" sz="2000" dirty="0"/>
+              <a:t>	</a:t>
+            </a:r>
+            <a:r>
+              <a:rPr lang="ja-JP" altLang="en-US" sz="2000" dirty="0"/>
+              <a:t>（効率上昇）</a:t>
+            </a:r>
+            <a:endParaRPr lang="en-US" altLang="ja-JP" sz="2000" dirty="0"/>
+          </a:p>
+          <a:p>
+            <a:pPr>
+              <a:lnSpc>
+                <a:spcPct val="150000"/>
+              </a:lnSpc>
             </a:pPr>
             <a:r>
-              <a:rPr lang="ja-JP" altLang="en-US" dirty="0"/>
-              <a:t>ステージは箱庭型にする</a:t>
-            </a:r>
-            <a:endParaRPr lang="en-US" altLang="ja-JP" dirty="0"/>
-          </a:p>
-          <a:p>
-            <a:pPr marL="0" indent="0">
-              <a:buNone/>
-            </a:pPr>
-            <a:r>
-              <a:rPr lang="ja-JP" altLang="en-US" dirty="0"/>
-              <a:t>（</a:t>
-            </a:r>
-            <a:r>
-              <a:rPr lang="en-US" altLang="ja-JP" dirty="0" err="1"/>
-              <a:t>PerlinNoise</a:t>
-            </a:r>
-            <a:r>
-              <a:rPr lang="ja-JP" altLang="en-US" dirty="0"/>
-              <a:t>による地形生成、また施設生成も行う）</a:t>
-            </a:r>
-            <a:endParaRPr lang="en-US" altLang="ja-JP" dirty="0"/>
-          </a:p>
-          <a:p>
-            <a:pPr marL="0" indent="0">
-              <a:buNone/>
-            </a:pPr>
-            <a:r>
-              <a:rPr lang="ja-JP" altLang="en-US" dirty="0"/>
-              <a:t> 最終的に集めた素材で作成される物が変わる（収集要素） </a:t>
-            </a:r>
-            <a:endParaRPr kumimoji="1" lang="ja-JP" altLang="en-US" dirty="0"/>
-          </a:p>
-        </p:txBody>
-      </p:sp>
+              <a:rPr lang="ja-JP" altLang="en-US" sz="2000" dirty="0"/>
+              <a:t>行動範囲拡大</a:t>
+            </a:r>
+            <a:r>
+              <a:rPr lang="en-US" altLang="ja-JP" sz="2000" dirty="0"/>
+              <a:t>	</a:t>
+            </a:r>
+            <a:r>
+              <a:rPr lang="ja-JP" altLang="en-US" sz="2000" dirty="0"/>
+              <a:t>（収集素材量増加）</a:t>
+            </a:r>
+            <a:endParaRPr lang="en-US" altLang="ja-JP" sz="2000" dirty="0"/>
+          </a:p>
+        </p:txBody>
+      </p:sp>
+      <p:pic>
+        <p:nvPicPr>
+          <p:cNvPr id="38" name="図 37" descr="アイコン&#10;&#10;AI によって生成されたコンテンツは間違っている可能性があります。">
+            <a:extLst>
+              <a:ext uri="{FF2B5EF4-FFF2-40B4-BE49-F238E27FC236}">
+                <a16:creationId xmlns:a16="http://schemas.microsoft.com/office/drawing/2014/main" id="{9F09AF39-381B-3560-EC29-E69530DAF390}"/>
+              </a:ext>
+            </a:extLst>
+          </p:cNvPr>
+          <p:cNvPicPr>
+            <a:picLocks noChangeAspect="1"/>
+          </p:cNvPicPr>
+          <p:nvPr/>
+        </p:nvPicPr>
+        <p:blipFill>
+          <a:blip r:embed="rId2">
+            <a:duotone>
+              <a:prstClr val="black"/>
+              <a:schemeClr val="tx2">
+                <a:tint val="45000"/>
+                <a:satMod val="400000"/>
+              </a:schemeClr>
+            </a:duotone>
+            <a:extLst>
+              <a:ext uri="{28A0092B-C50C-407E-A947-70E740481C1C}">
+                <a14:useLocalDpi xmlns:a14="http://schemas.microsoft.com/office/drawing/2010/main" val="0"/>
+              </a:ext>
+            </a:extLst>
+          </a:blip>
+          <a:stretch>
+            <a:fillRect/>
+          </a:stretch>
+        </p:blipFill>
+        <p:spPr>
+          <a:xfrm>
+            <a:off x="8122501" y="2164402"/>
+            <a:ext cx="3592945" cy="3592945"/>
+          </a:xfrm>
+          <a:prstGeom prst="rect">
+            <a:avLst/>
+          </a:prstGeom>
+          <a:effectLst>
+            <a:innerShdw blurRad="63500" dist="50800" dir="13500000">
+              <a:prstClr val="black">
+                <a:alpha val="50000"/>
+              </a:prstClr>
+            </a:innerShdw>
+          </a:effectLst>
+        </p:spPr>
+      </p:pic>
     </p:spTree>
     <p:extLst>
       <p:ext uri="{BB962C8B-B14F-4D97-AF65-F5344CB8AC3E}">
-        <p14:creationId xmlns:p14="http://schemas.microsoft.com/office/powerpoint/2010/main" val="4025639738"/>
+        <p14:creationId xmlns:p14="http://schemas.microsoft.com/office/powerpoint/2010/main" val="2686683183"/>
       </p:ext>
     </p:extLst>
   </p:cSld>
   <p:clrMapOvr>
     <a:masterClrMapping/>
   </p:clrMapOvr>
+  <p:transition spd="slow">
+    <p:push/>
+  </p:transition>
 </p:sld>
 </file>
 
@@ -6031,7 +11796,13 @@
   <p:cSld>
     <p:spTree>
       <p:nvGrpSpPr>
-        <p:cNvPr id="1" name=""/>
+        <p:cNvPr id="1" name="">
+          <a:extLst>
+            <a:ext uri="{FF2B5EF4-FFF2-40B4-BE49-F238E27FC236}">
+              <a16:creationId xmlns:a16="http://schemas.microsoft.com/office/drawing/2014/main" id="{623ADB0C-5EB1-9872-4482-92EEA7BBB1FC}"/>
+            </a:ext>
+          </a:extLst>
+        </p:cNvPr>
         <p:cNvGrpSpPr/>
         <p:nvPr/>
       </p:nvGrpSpPr>
@@ -6048,7 +11819,7 @@
           <p:cNvPr id="2" name="タイトル 1">
             <a:extLst>
               <a:ext uri="{FF2B5EF4-FFF2-40B4-BE49-F238E27FC236}">
-                <a16:creationId xmlns:a16="http://schemas.microsoft.com/office/drawing/2014/main" id="{610A6D60-3FBA-4D4B-9CF1-3B931FE46F2C}"/>
+                <a16:creationId xmlns:a16="http://schemas.microsoft.com/office/drawing/2014/main" id="{F1DD52B8-CE01-16E2-9824-C54119D30FAA}"/>
               </a:ext>
             </a:extLst>
           </p:cNvPr>
@@ -6064,84 +11835,914 @@
           <a:bodyPr/>
           <a:lstStyle/>
           <a:p>
+            <a:r>
+              <a:rPr kumimoji="1" lang="ja-JP" altLang="en-US" dirty="0"/>
+              <a:t>ボリューム感</a:t>
+            </a:r>
+          </a:p>
+        </p:txBody>
+      </p:sp>
+      <p:grpSp>
+        <p:nvGrpSpPr>
+          <p:cNvPr id="12" name="グループ化 11">
+            <a:extLst>
+              <a:ext uri="{FF2B5EF4-FFF2-40B4-BE49-F238E27FC236}">
+                <a16:creationId xmlns:a16="http://schemas.microsoft.com/office/drawing/2014/main" id="{515F543D-3D29-FFD4-F285-0DC7C480E0BD}"/>
+              </a:ext>
+            </a:extLst>
+          </p:cNvPr>
+          <p:cNvGrpSpPr/>
+          <p:nvPr/>
+        </p:nvGrpSpPr>
+        <p:grpSpPr>
+          <a:xfrm>
+            <a:off x="1034473" y="1412875"/>
+            <a:ext cx="2017599" cy="540000"/>
+            <a:chOff x="1034473" y="1412875"/>
+            <a:chExt cx="2017599" cy="540000"/>
+          </a:xfrm>
+        </p:grpSpPr>
+        <p:sp>
+          <p:nvSpPr>
+            <p:cNvPr id="13" name="正方形/長方形 12">
+              <a:extLst>
+                <a:ext uri="{FF2B5EF4-FFF2-40B4-BE49-F238E27FC236}">
+                  <a16:creationId xmlns:a16="http://schemas.microsoft.com/office/drawing/2014/main" id="{3C65C3CF-972B-C756-C122-BDC8C326FFB5}"/>
+                </a:ext>
+              </a:extLst>
+            </p:cNvPr>
+            <p:cNvSpPr/>
+            <p:nvPr/>
+          </p:nvSpPr>
+          <p:spPr>
+            <a:xfrm>
+              <a:off x="1034473" y="1412875"/>
+              <a:ext cx="166254" cy="540000"/>
+            </a:xfrm>
+            <a:prstGeom prst="rect">
+              <a:avLst/>
+            </a:prstGeom>
+            <a:solidFill>
+              <a:srgbClr val="45942C"/>
+            </a:solidFill>
+            <a:ln>
+              <a:noFill/>
+            </a:ln>
+          </p:spPr>
+          <p:style>
+            <a:lnRef idx="2">
+              <a:schemeClr val="accent1">
+                <a:shade val="15000"/>
+              </a:schemeClr>
+            </a:lnRef>
+            <a:fillRef idx="1">
+              <a:schemeClr val="accent1"/>
+            </a:fillRef>
+            <a:effectRef idx="0">
+              <a:schemeClr val="accent1"/>
+            </a:effectRef>
+            <a:fontRef idx="minor">
+              <a:schemeClr val="lt1"/>
+            </a:fontRef>
+          </p:style>
+          <p:txBody>
+            <a:bodyPr rtlCol="0" anchor="ctr"/>
+            <a:lstStyle/>
+            <a:p>
+              <a:pPr algn="ctr"/>
+              <a:endParaRPr kumimoji="1" lang="ja-JP" altLang="en-US"/>
+            </a:p>
+          </p:txBody>
+        </p:sp>
+        <p:sp>
+          <p:nvSpPr>
+            <p:cNvPr id="14" name="フリーフォーム: 図形 13">
+              <a:extLst>
+                <a:ext uri="{FF2B5EF4-FFF2-40B4-BE49-F238E27FC236}">
+                  <a16:creationId xmlns:a16="http://schemas.microsoft.com/office/drawing/2014/main" id="{6ADA939E-56B5-8173-899B-6F21D0E2FFE4}"/>
+                </a:ext>
+              </a:extLst>
+            </p:cNvPr>
+            <p:cNvSpPr/>
+            <p:nvPr/>
+          </p:nvSpPr>
+          <p:spPr>
+            <a:xfrm>
+              <a:off x="1223272" y="1412875"/>
+              <a:ext cx="1828800" cy="540000"/>
+            </a:xfrm>
+            <a:custGeom>
+              <a:avLst/>
+              <a:gdLst>
+                <a:gd name="connsiteX0" fmla="*/ 0 w 1620000"/>
+                <a:gd name="connsiteY0" fmla="*/ 0 h 540000"/>
+                <a:gd name="connsiteX1" fmla="*/ 1620000 w 1620000"/>
+                <a:gd name="connsiteY1" fmla="*/ 0 h 540000"/>
+                <a:gd name="connsiteX2" fmla="*/ 1620000 w 1620000"/>
+                <a:gd name="connsiteY2" fmla="*/ 540000 h 540000"/>
+                <a:gd name="connsiteX3" fmla="*/ 0 w 1620000"/>
+                <a:gd name="connsiteY3" fmla="*/ 540000 h 540000"/>
+                <a:gd name="connsiteX4" fmla="*/ 0 w 1620000"/>
+                <a:gd name="connsiteY4" fmla="*/ 0 h 540000"/>
+              </a:gdLst>
+              <a:ahLst/>
+              <a:cxnLst>
+                <a:cxn ang="0">
+                  <a:pos x="connsiteX0" y="connsiteY0"/>
+                </a:cxn>
+                <a:cxn ang="0">
+                  <a:pos x="connsiteX1" y="connsiteY1"/>
+                </a:cxn>
+                <a:cxn ang="0">
+                  <a:pos x="connsiteX2" y="connsiteY2"/>
+                </a:cxn>
+                <a:cxn ang="0">
+                  <a:pos x="connsiteX3" y="connsiteY3"/>
+                </a:cxn>
+                <a:cxn ang="0">
+                  <a:pos x="connsiteX4" y="connsiteY4"/>
+                </a:cxn>
+              </a:cxnLst>
+              <a:rect l="l" t="t" r="r" b="b"/>
+              <a:pathLst>
+                <a:path w="1620000" h="540000">
+                  <a:moveTo>
+                    <a:pt x="0" y="0"/>
+                  </a:moveTo>
+                  <a:lnTo>
+                    <a:pt x="1620000" y="0"/>
+                  </a:lnTo>
+                  <a:lnTo>
+                    <a:pt x="1620000" y="540000"/>
+                  </a:lnTo>
+                  <a:lnTo>
+                    <a:pt x="0" y="540000"/>
+                  </a:lnTo>
+                  <a:lnTo>
+                    <a:pt x="0" y="0"/>
+                  </a:lnTo>
+                  <a:close/>
+                </a:path>
+              </a:pathLst>
+            </a:custGeom>
+            <a:solidFill>
+              <a:srgbClr val="4CA331"/>
+            </a:solidFill>
+            <a:ln>
+              <a:noFill/>
+            </a:ln>
+          </p:spPr>
+          <p:style>
+            <a:lnRef idx="2">
+              <a:schemeClr val="accent1">
+                <a:shade val="15000"/>
+              </a:schemeClr>
+            </a:lnRef>
+            <a:fillRef idx="1">
+              <a:schemeClr val="accent1"/>
+            </a:fillRef>
+            <a:effectRef idx="0">
+              <a:schemeClr val="accent1"/>
+            </a:effectRef>
+            <a:fontRef idx="minor">
+              <a:schemeClr val="lt1"/>
+            </a:fontRef>
+          </p:style>
+          <p:txBody>
+            <a:bodyPr wrap="square" rtlCol="0" anchor="ctr">
+              <a:noAutofit/>
+            </a:bodyPr>
+            <a:lstStyle/>
+            <a:p>
+              <a:pPr algn="ctr"/>
+              <a:r>
+                <a:rPr kumimoji="1" lang="ja-JP" altLang="en-US" dirty="0"/>
+                <a:t>想定プレイ時間</a:t>
+              </a:r>
+            </a:p>
+          </p:txBody>
+        </p:sp>
+      </p:grpSp>
+      <p:grpSp>
+        <p:nvGrpSpPr>
+          <p:cNvPr id="15" name="グループ化 14">
+            <a:extLst>
+              <a:ext uri="{FF2B5EF4-FFF2-40B4-BE49-F238E27FC236}">
+                <a16:creationId xmlns:a16="http://schemas.microsoft.com/office/drawing/2014/main" id="{8516D2D7-02AB-7A80-E0A7-185A6AFA1EFC}"/>
+              </a:ext>
+            </a:extLst>
+          </p:cNvPr>
+          <p:cNvGrpSpPr/>
+          <p:nvPr/>
+        </p:nvGrpSpPr>
+        <p:grpSpPr>
+          <a:xfrm>
+            <a:off x="1034473" y="3000625"/>
+            <a:ext cx="2017599" cy="540000"/>
+            <a:chOff x="1034473" y="3000625"/>
+            <a:chExt cx="2017599" cy="540000"/>
+          </a:xfrm>
+        </p:grpSpPr>
+        <p:sp>
+          <p:nvSpPr>
+            <p:cNvPr id="16" name="正方形/長方形 15">
+              <a:extLst>
+                <a:ext uri="{FF2B5EF4-FFF2-40B4-BE49-F238E27FC236}">
+                  <a16:creationId xmlns:a16="http://schemas.microsoft.com/office/drawing/2014/main" id="{695D29AA-A1E7-9EB9-642A-9461CC044C92}"/>
+                </a:ext>
+              </a:extLst>
+            </p:cNvPr>
+            <p:cNvSpPr/>
+            <p:nvPr/>
+          </p:nvSpPr>
+          <p:spPr>
+            <a:xfrm>
+              <a:off x="1034473" y="3000625"/>
+              <a:ext cx="166254" cy="540000"/>
+            </a:xfrm>
+            <a:prstGeom prst="rect">
+              <a:avLst/>
+            </a:prstGeom>
+            <a:solidFill>
+              <a:srgbClr val="45942C"/>
+            </a:solidFill>
+            <a:ln>
+              <a:noFill/>
+            </a:ln>
+          </p:spPr>
+          <p:style>
+            <a:lnRef idx="2">
+              <a:schemeClr val="accent1">
+                <a:shade val="15000"/>
+              </a:schemeClr>
+            </a:lnRef>
+            <a:fillRef idx="1">
+              <a:schemeClr val="accent1"/>
+            </a:fillRef>
+            <a:effectRef idx="0">
+              <a:schemeClr val="accent1"/>
+            </a:effectRef>
+            <a:fontRef idx="minor">
+              <a:schemeClr val="lt1"/>
+            </a:fontRef>
+          </p:style>
+          <p:txBody>
+            <a:bodyPr rtlCol="0" anchor="ctr"/>
+            <a:lstStyle/>
+            <a:p>
+              <a:pPr algn="ctr"/>
+              <a:endParaRPr kumimoji="1" lang="ja-JP" altLang="en-US"/>
+            </a:p>
+          </p:txBody>
+        </p:sp>
+        <p:sp>
+          <p:nvSpPr>
+            <p:cNvPr id="17" name="フリーフォーム: 図形 16">
+              <a:extLst>
+                <a:ext uri="{FF2B5EF4-FFF2-40B4-BE49-F238E27FC236}">
+                  <a16:creationId xmlns:a16="http://schemas.microsoft.com/office/drawing/2014/main" id="{2B069AF2-1D19-5D4F-32C3-4A35B3A759DA}"/>
+                </a:ext>
+              </a:extLst>
+            </p:cNvPr>
+            <p:cNvSpPr/>
+            <p:nvPr/>
+          </p:nvSpPr>
+          <p:spPr>
+            <a:xfrm>
+              <a:off x="1223272" y="3000625"/>
+              <a:ext cx="1828800" cy="540000"/>
+            </a:xfrm>
+            <a:custGeom>
+              <a:avLst/>
+              <a:gdLst>
+                <a:gd name="connsiteX0" fmla="*/ 0 w 1620000"/>
+                <a:gd name="connsiteY0" fmla="*/ 0 h 540000"/>
+                <a:gd name="connsiteX1" fmla="*/ 1620000 w 1620000"/>
+                <a:gd name="connsiteY1" fmla="*/ 0 h 540000"/>
+                <a:gd name="connsiteX2" fmla="*/ 1620000 w 1620000"/>
+                <a:gd name="connsiteY2" fmla="*/ 540000 h 540000"/>
+                <a:gd name="connsiteX3" fmla="*/ 0 w 1620000"/>
+                <a:gd name="connsiteY3" fmla="*/ 540000 h 540000"/>
+                <a:gd name="connsiteX4" fmla="*/ 0 w 1620000"/>
+                <a:gd name="connsiteY4" fmla="*/ 0 h 540000"/>
+              </a:gdLst>
+              <a:ahLst/>
+              <a:cxnLst>
+                <a:cxn ang="0">
+                  <a:pos x="connsiteX0" y="connsiteY0"/>
+                </a:cxn>
+                <a:cxn ang="0">
+                  <a:pos x="connsiteX1" y="connsiteY1"/>
+                </a:cxn>
+                <a:cxn ang="0">
+                  <a:pos x="connsiteX2" y="connsiteY2"/>
+                </a:cxn>
+                <a:cxn ang="0">
+                  <a:pos x="connsiteX3" y="connsiteY3"/>
+                </a:cxn>
+                <a:cxn ang="0">
+                  <a:pos x="connsiteX4" y="connsiteY4"/>
+                </a:cxn>
+              </a:cxnLst>
+              <a:rect l="l" t="t" r="r" b="b"/>
+              <a:pathLst>
+                <a:path w="1620000" h="540000">
+                  <a:moveTo>
+                    <a:pt x="0" y="0"/>
+                  </a:moveTo>
+                  <a:lnTo>
+                    <a:pt x="1620000" y="0"/>
+                  </a:lnTo>
+                  <a:lnTo>
+                    <a:pt x="1620000" y="540000"/>
+                  </a:lnTo>
+                  <a:lnTo>
+                    <a:pt x="0" y="540000"/>
+                  </a:lnTo>
+                  <a:lnTo>
+                    <a:pt x="0" y="0"/>
+                  </a:lnTo>
+                  <a:close/>
+                </a:path>
+              </a:pathLst>
+            </a:custGeom>
+            <a:solidFill>
+              <a:srgbClr val="4CA331"/>
+            </a:solidFill>
+            <a:ln>
+              <a:noFill/>
+            </a:ln>
+          </p:spPr>
+          <p:style>
+            <a:lnRef idx="2">
+              <a:schemeClr val="accent1">
+                <a:shade val="15000"/>
+              </a:schemeClr>
+            </a:lnRef>
+            <a:fillRef idx="1">
+              <a:schemeClr val="accent1"/>
+            </a:fillRef>
+            <a:effectRef idx="0">
+              <a:schemeClr val="accent1"/>
+            </a:effectRef>
+            <a:fontRef idx="minor">
+              <a:schemeClr val="lt1"/>
+            </a:fontRef>
+          </p:style>
+          <p:txBody>
+            <a:bodyPr wrap="square" rtlCol="0" anchor="ctr">
+              <a:noAutofit/>
+            </a:bodyPr>
+            <a:lstStyle/>
+            <a:p>
+              <a:pPr algn="ctr"/>
+              <a:r>
+                <a:rPr kumimoji="1" lang="ja-JP" altLang="en-US" dirty="0"/>
+                <a:t>収集要素</a:t>
+              </a:r>
+              <a:endParaRPr kumimoji="1" lang="en-US" altLang="ja-JP" dirty="0"/>
+            </a:p>
+          </p:txBody>
+        </p:sp>
+      </p:grpSp>
+      <p:grpSp>
+        <p:nvGrpSpPr>
+          <p:cNvPr id="18" name="グループ化 17">
+            <a:extLst>
+              <a:ext uri="{FF2B5EF4-FFF2-40B4-BE49-F238E27FC236}">
+                <a16:creationId xmlns:a16="http://schemas.microsoft.com/office/drawing/2014/main" id="{C95D6518-C3A8-F3A8-69A3-AA1C0A0FB303}"/>
+              </a:ext>
+            </a:extLst>
+          </p:cNvPr>
+          <p:cNvGrpSpPr/>
+          <p:nvPr/>
+        </p:nvGrpSpPr>
+        <p:grpSpPr>
+          <a:xfrm>
+            <a:off x="1034473" y="4588375"/>
+            <a:ext cx="2017599" cy="540000"/>
+            <a:chOff x="1034473" y="4588375"/>
+            <a:chExt cx="2017599" cy="540000"/>
+          </a:xfrm>
+        </p:grpSpPr>
+        <p:sp>
+          <p:nvSpPr>
+            <p:cNvPr id="19" name="正方形/長方形 18">
+              <a:extLst>
+                <a:ext uri="{FF2B5EF4-FFF2-40B4-BE49-F238E27FC236}">
+                  <a16:creationId xmlns:a16="http://schemas.microsoft.com/office/drawing/2014/main" id="{F67010D3-663E-3D30-D2B0-00847C6495AB}"/>
+                </a:ext>
+              </a:extLst>
+            </p:cNvPr>
+            <p:cNvSpPr/>
+            <p:nvPr/>
+          </p:nvSpPr>
+          <p:spPr>
+            <a:xfrm>
+              <a:off x="1034473" y="4588375"/>
+              <a:ext cx="166254" cy="540000"/>
+            </a:xfrm>
+            <a:prstGeom prst="rect">
+              <a:avLst/>
+            </a:prstGeom>
+            <a:solidFill>
+              <a:srgbClr val="45942C"/>
+            </a:solidFill>
+            <a:ln>
+              <a:noFill/>
+            </a:ln>
+          </p:spPr>
+          <p:style>
+            <a:lnRef idx="2">
+              <a:schemeClr val="accent1">
+                <a:shade val="15000"/>
+              </a:schemeClr>
+            </a:lnRef>
+            <a:fillRef idx="1">
+              <a:schemeClr val="accent1"/>
+            </a:fillRef>
+            <a:effectRef idx="0">
+              <a:schemeClr val="accent1"/>
+            </a:effectRef>
+            <a:fontRef idx="minor">
+              <a:schemeClr val="lt1"/>
+            </a:fontRef>
+          </p:style>
+          <p:txBody>
+            <a:bodyPr rtlCol="0" anchor="ctr"/>
+            <a:lstStyle/>
+            <a:p>
+              <a:pPr algn="ctr"/>
+              <a:endParaRPr kumimoji="1" lang="ja-JP" altLang="en-US"/>
+            </a:p>
+          </p:txBody>
+        </p:sp>
+        <p:sp>
+          <p:nvSpPr>
+            <p:cNvPr id="20" name="フリーフォーム: 図形 19">
+              <a:extLst>
+                <a:ext uri="{FF2B5EF4-FFF2-40B4-BE49-F238E27FC236}">
+                  <a16:creationId xmlns:a16="http://schemas.microsoft.com/office/drawing/2014/main" id="{1F62242D-2D61-0D55-8CFA-7BDFCA14743B}"/>
+                </a:ext>
+              </a:extLst>
+            </p:cNvPr>
+            <p:cNvSpPr/>
+            <p:nvPr/>
+          </p:nvSpPr>
+          <p:spPr>
+            <a:xfrm>
+              <a:off x="1223272" y="4588375"/>
+              <a:ext cx="1828800" cy="540000"/>
+            </a:xfrm>
+            <a:custGeom>
+              <a:avLst/>
+              <a:gdLst>
+                <a:gd name="connsiteX0" fmla="*/ 0 w 1620000"/>
+                <a:gd name="connsiteY0" fmla="*/ 0 h 540000"/>
+                <a:gd name="connsiteX1" fmla="*/ 1620000 w 1620000"/>
+                <a:gd name="connsiteY1" fmla="*/ 0 h 540000"/>
+                <a:gd name="connsiteX2" fmla="*/ 1620000 w 1620000"/>
+                <a:gd name="connsiteY2" fmla="*/ 540000 h 540000"/>
+                <a:gd name="connsiteX3" fmla="*/ 0 w 1620000"/>
+                <a:gd name="connsiteY3" fmla="*/ 540000 h 540000"/>
+                <a:gd name="connsiteX4" fmla="*/ 0 w 1620000"/>
+                <a:gd name="connsiteY4" fmla="*/ 0 h 540000"/>
+              </a:gdLst>
+              <a:ahLst/>
+              <a:cxnLst>
+                <a:cxn ang="0">
+                  <a:pos x="connsiteX0" y="connsiteY0"/>
+                </a:cxn>
+                <a:cxn ang="0">
+                  <a:pos x="connsiteX1" y="connsiteY1"/>
+                </a:cxn>
+                <a:cxn ang="0">
+                  <a:pos x="connsiteX2" y="connsiteY2"/>
+                </a:cxn>
+                <a:cxn ang="0">
+                  <a:pos x="connsiteX3" y="connsiteY3"/>
+                </a:cxn>
+                <a:cxn ang="0">
+                  <a:pos x="connsiteX4" y="connsiteY4"/>
+                </a:cxn>
+              </a:cxnLst>
+              <a:rect l="l" t="t" r="r" b="b"/>
+              <a:pathLst>
+                <a:path w="1620000" h="540000">
+                  <a:moveTo>
+                    <a:pt x="0" y="0"/>
+                  </a:moveTo>
+                  <a:lnTo>
+                    <a:pt x="1620000" y="0"/>
+                  </a:lnTo>
+                  <a:lnTo>
+                    <a:pt x="1620000" y="540000"/>
+                  </a:lnTo>
+                  <a:lnTo>
+                    <a:pt x="0" y="540000"/>
+                  </a:lnTo>
+                  <a:lnTo>
+                    <a:pt x="0" y="0"/>
+                  </a:lnTo>
+                  <a:close/>
+                </a:path>
+              </a:pathLst>
+            </a:custGeom>
+            <a:solidFill>
+              <a:srgbClr val="4CA331"/>
+            </a:solidFill>
+            <a:ln>
+              <a:noFill/>
+            </a:ln>
+          </p:spPr>
+          <p:style>
+            <a:lnRef idx="2">
+              <a:schemeClr val="accent1">
+                <a:shade val="15000"/>
+              </a:schemeClr>
+            </a:lnRef>
+            <a:fillRef idx="1">
+              <a:schemeClr val="accent1"/>
+            </a:fillRef>
+            <a:effectRef idx="0">
+              <a:schemeClr val="accent1"/>
+            </a:effectRef>
+            <a:fontRef idx="minor">
+              <a:schemeClr val="lt1"/>
+            </a:fontRef>
+          </p:style>
+          <p:txBody>
+            <a:bodyPr wrap="square" rtlCol="0" anchor="ctr">
+              <a:noAutofit/>
+            </a:bodyPr>
+            <a:lstStyle/>
+            <a:p>
+              <a:pPr algn="ctr"/>
+              <a:r>
+                <a:rPr kumimoji="1" lang="ja-JP" altLang="en-US" dirty="0"/>
+                <a:t>分岐要素</a:t>
+              </a:r>
+            </a:p>
+          </p:txBody>
+        </p:sp>
+      </p:grpSp>
+      <p:sp>
+        <p:nvSpPr>
+          <p:cNvPr id="21" name="テキスト ボックス 20">
+            <a:extLst>
+              <a:ext uri="{FF2B5EF4-FFF2-40B4-BE49-F238E27FC236}">
+                <a16:creationId xmlns:a16="http://schemas.microsoft.com/office/drawing/2014/main" id="{FB703365-FA9C-5745-8A41-506C0464063C}"/>
+              </a:ext>
+            </a:extLst>
+          </p:cNvPr>
+          <p:cNvSpPr txBox="1"/>
+          <p:nvPr/>
+        </p:nvSpPr>
+        <p:spPr>
+          <a:xfrm>
+            <a:off x="1223272" y="2032000"/>
+            <a:ext cx="6341310" cy="830997"/>
+          </a:xfrm>
+          <a:prstGeom prst="rect">
+            <a:avLst/>
+          </a:prstGeom>
+          <a:noFill/>
+        </p:spPr>
+        <p:txBody>
+          <a:bodyPr wrap="square" rtlCol="0">
+            <a:spAutoFit/>
+          </a:bodyPr>
+          <a:lstStyle/>
+          <a:p>
+            <a:r>
+              <a:rPr lang="ja-JP" altLang="en-US" sz="2400" dirty="0"/>
+              <a:t>１周３～５分を想定</a:t>
+            </a:r>
+            <a:endParaRPr lang="en-US" altLang="ja-JP" sz="2400" dirty="0"/>
+          </a:p>
+          <a:p>
+            <a:r>
+              <a:rPr kumimoji="1" lang="ja-JP" altLang="en-US" sz="2400" dirty="0"/>
+              <a:t>収集要素が７パターン</a:t>
+            </a:r>
+            <a:r>
+              <a:rPr kumimoji="1" lang="en-US" altLang="ja-JP" sz="2400" dirty="0"/>
+              <a:t>×</a:t>
+            </a:r>
+            <a:r>
+              <a:rPr kumimoji="1" lang="ja-JP" altLang="en-US" sz="2400" dirty="0"/>
+              <a:t>５分 </a:t>
+            </a:r>
+            <a:r>
+              <a:rPr kumimoji="1" lang="en-US" altLang="ja-JP" sz="2400" dirty="0"/>
+              <a:t>= </a:t>
+            </a:r>
+            <a:r>
+              <a:rPr kumimoji="1" lang="ja-JP" altLang="en-US" sz="2400" dirty="0"/>
+              <a:t>最短</a:t>
+            </a:r>
+            <a:r>
+              <a:rPr lang="ja-JP" altLang="en-US" sz="2400" dirty="0"/>
+              <a:t>３５分</a:t>
+            </a:r>
+            <a:endParaRPr kumimoji="1" lang="ja-JP" altLang="en-US" sz="2400" dirty="0"/>
+          </a:p>
+        </p:txBody>
+      </p:sp>
+      <p:sp>
+        <p:nvSpPr>
+          <p:cNvPr id="22" name="テキスト ボックス 21">
+            <a:extLst>
+              <a:ext uri="{FF2B5EF4-FFF2-40B4-BE49-F238E27FC236}">
+                <a16:creationId xmlns:a16="http://schemas.microsoft.com/office/drawing/2014/main" id="{241B8CBF-40BE-66A1-69B4-EB01BB137F92}"/>
+              </a:ext>
+            </a:extLst>
+          </p:cNvPr>
+          <p:cNvSpPr txBox="1"/>
+          <p:nvPr/>
+        </p:nvSpPr>
+        <p:spPr>
+          <a:xfrm>
+            <a:off x="1223272" y="3623394"/>
+            <a:ext cx="6341310" cy="830997"/>
+          </a:xfrm>
+          <a:prstGeom prst="rect">
+            <a:avLst/>
+          </a:prstGeom>
+          <a:noFill/>
+        </p:spPr>
+        <p:txBody>
+          <a:bodyPr wrap="square" rtlCol="0">
+            <a:spAutoFit/>
+          </a:bodyPr>
+          <a:lstStyle/>
+          <a:p>
+            <a:r>
+              <a:rPr lang="ja-JP" altLang="en-US" sz="2400" dirty="0"/>
+              <a:t>完成した兵器を収集（コレクション）とする</a:t>
+            </a:r>
+            <a:br>
+              <a:rPr lang="en-US" altLang="ja-JP" sz="2400" dirty="0"/>
+            </a:br>
+            <a:r>
+              <a:rPr lang="ja-JP" altLang="en-US" sz="2400" dirty="0"/>
+              <a:t>兵器は７段階に分かれる</a:t>
+            </a:r>
+            <a:endParaRPr kumimoji="1" lang="ja-JP" altLang="en-US" sz="2400" dirty="0"/>
+          </a:p>
+        </p:txBody>
+      </p:sp>
+      <p:sp>
+        <p:nvSpPr>
+          <p:cNvPr id="23" name="テキスト ボックス 22">
+            <a:extLst>
+              <a:ext uri="{FF2B5EF4-FFF2-40B4-BE49-F238E27FC236}">
+                <a16:creationId xmlns:a16="http://schemas.microsoft.com/office/drawing/2014/main" id="{DE0DFF39-B20C-1864-A509-AC0142A33185}"/>
+              </a:ext>
+            </a:extLst>
+          </p:cNvPr>
+          <p:cNvSpPr txBox="1"/>
+          <p:nvPr/>
+        </p:nvSpPr>
+        <p:spPr>
+          <a:xfrm>
+            <a:off x="1223272" y="5209733"/>
+            <a:ext cx="7015564" cy="830997"/>
+          </a:xfrm>
+          <a:prstGeom prst="rect">
+            <a:avLst/>
+          </a:prstGeom>
+          <a:noFill/>
+        </p:spPr>
+        <p:txBody>
+          <a:bodyPr wrap="square" rtlCol="0">
+            <a:spAutoFit/>
+          </a:bodyPr>
+          <a:lstStyle/>
+          <a:p>
+            <a:r>
+              <a:rPr kumimoji="1" lang="ja-JP" altLang="en-US" sz="2400" dirty="0"/>
+              <a:t>完成した兵器・攻略ルートが分岐している</a:t>
+            </a:r>
+            <a:endParaRPr kumimoji="1" lang="en-US" altLang="ja-JP" sz="2400" dirty="0"/>
+          </a:p>
+          <a:p>
+            <a:r>
+              <a:rPr lang="ja-JP" altLang="en-US" sz="2400" dirty="0"/>
+              <a:t>ツールのレベルやマップ開放など</a:t>
+            </a:r>
+            <a:endParaRPr kumimoji="1" lang="ja-JP" altLang="en-US" sz="2400" dirty="0"/>
+          </a:p>
+        </p:txBody>
+      </p:sp>
+      <p:sp>
+        <p:nvSpPr>
+          <p:cNvPr id="34" name="フリーフォーム: 図形 33">
+            <a:extLst>
+              <a:ext uri="{FF2B5EF4-FFF2-40B4-BE49-F238E27FC236}">
+                <a16:creationId xmlns:a16="http://schemas.microsoft.com/office/drawing/2014/main" id="{07966C75-DC1C-B1A7-8A01-55638AAB26E4}"/>
+              </a:ext>
+            </a:extLst>
+          </p:cNvPr>
+          <p:cNvSpPr/>
+          <p:nvPr/>
+        </p:nvSpPr>
+        <p:spPr>
+          <a:xfrm>
+            <a:off x="7949654" y="2307481"/>
+            <a:ext cx="3207873" cy="3317750"/>
+          </a:xfrm>
+          <a:custGeom>
+            <a:avLst/>
+            <a:gdLst>
+              <a:gd name="connsiteX0" fmla="*/ 720000 w 3592945"/>
+              <a:gd name="connsiteY0" fmla="*/ 2044096 h 2556375"/>
+              <a:gd name="connsiteX1" fmla="*/ 720000 w 3592945"/>
+              <a:gd name="connsiteY1" fmla="*/ 2556375 h 2556375"/>
+              <a:gd name="connsiteX2" fmla="*/ 0 w 3592945"/>
+              <a:gd name="connsiteY2" fmla="*/ 2556375 h 2556375"/>
+              <a:gd name="connsiteX3" fmla="*/ 1677648 w 3592945"/>
+              <a:gd name="connsiteY3" fmla="*/ 1362731 h 2556375"/>
+              <a:gd name="connsiteX4" fmla="*/ 1677648 w 3592945"/>
+              <a:gd name="connsiteY4" fmla="*/ 2556375 h 2556375"/>
+              <a:gd name="connsiteX5" fmla="*/ 957648 w 3592945"/>
+              <a:gd name="connsiteY5" fmla="*/ 2556375 h 2556375"/>
+              <a:gd name="connsiteX6" fmla="*/ 957648 w 3592945"/>
+              <a:gd name="connsiteY6" fmla="*/ 1875010 h 2556375"/>
+              <a:gd name="connsiteX7" fmla="*/ 2635296 w 3592945"/>
+              <a:gd name="connsiteY7" fmla="*/ 681366 h 2556375"/>
+              <a:gd name="connsiteX8" fmla="*/ 2635296 w 3592945"/>
+              <a:gd name="connsiteY8" fmla="*/ 2556375 h 2556375"/>
+              <a:gd name="connsiteX9" fmla="*/ 1915296 w 3592945"/>
+              <a:gd name="connsiteY9" fmla="*/ 2556375 h 2556375"/>
+              <a:gd name="connsiteX10" fmla="*/ 1915296 w 3592945"/>
+              <a:gd name="connsiteY10" fmla="*/ 1193645 h 2556375"/>
+              <a:gd name="connsiteX11" fmla="*/ 3592945 w 3592945"/>
+              <a:gd name="connsiteY11" fmla="*/ 0 h 2556375"/>
+              <a:gd name="connsiteX12" fmla="*/ 3592945 w 3592945"/>
+              <a:gd name="connsiteY12" fmla="*/ 2556375 h 2556375"/>
+              <a:gd name="connsiteX13" fmla="*/ 2872945 w 3592945"/>
+              <a:gd name="connsiteY13" fmla="*/ 2556375 h 2556375"/>
+              <a:gd name="connsiteX14" fmla="*/ 2872945 w 3592945"/>
+              <a:gd name="connsiteY14" fmla="*/ 512279 h 2556375"/>
+            </a:gdLst>
+            <a:ahLst/>
+            <a:cxnLst>
+              <a:cxn ang="0">
+                <a:pos x="connsiteX0" y="connsiteY0"/>
+              </a:cxn>
+              <a:cxn ang="0">
+                <a:pos x="connsiteX1" y="connsiteY1"/>
+              </a:cxn>
+              <a:cxn ang="0">
+                <a:pos x="connsiteX2" y="connsiteY2"/>
+              </a:cxn>
+              <a:cxn ang="0">
+                <a:pos x="connsiteX3" y="connsiteY3"/>
+              </a:cxn>
+              <a:cxn ang="0">
+                <a:pos x="connsiteX4" y="connsiteY4"/>
+              </a:cxn>
+              <a:cxn ang="0">
+                <a:pos x="connsiteX5" y="connsiteY5"/>
+              </a:cxn>
+              <a:cxn ang="0">
+                <a:pos x="connsiteX6" y="connsiteY6"/>
+              </a:cxn>
+              <a:cxn ang="0">
+                <a:pos x="connsiteX7" y="connsiteY7"/>
+              </a:cxn>
+              <a:cxn ang="0">
+                <a:pos x="connsiteX8" y="connsiteY8"/>
+              </a:cxn>
+              <a:cxn ang="0">
+                <a:pos x="connsiteX9" y="connsiteY9"/>
+              </a:cxn>
+              <a:cxn ang="0">
+                <a:pos x="connsiteX10" y="connsiteY10"/>
+              </a:cxn>
+              <a:cxn ang="0">
+                <a:pos x="connsiteX11" y="connsiteY11"/>
+              </a:cxn>
+              <a:cxn ang="0">
+                <a:pos x="connsiteX12" y="connsiteY12"/>
+              </a:cxn>
+              <a:cxn ang="0">
+                <a:pos x="connsiteX13" y="connsiteY13"/>
+              </a:cxn>
+              <a:cxn ang="0">
+                <a:pos x="connsiteX14" y="connsiteY14"/>
+              </a:cxn>
+            </a:cxnLst>
+            <a:rect l="l" t="t" r="r" b="b"/>
+            <a:pathLst>
+              <a:path w="3592945" h="2556375">
+                <a:moveTo>
+                  <a:pt x="720000" y="2044096"/>
+                </a:moveTo>
+                <a:lnTo>
+                  <a:pt x="720000" y="2556375"/>
+                </a:lnTo>
+                <a:lnTo>
+                  <a:pt x="0" y="2556375"/>
+                </a:lnTo>
+                <a:close/>
+                <a:moveTo>
+                  <a:pt x="1677648" y="1362731"/>
+                </a:moveTo>
+                <a:lnTo>
+                  <a:pt x="1677648" y="2556375"/>
+                </a:lnTo>
+                <a:lnTo>
+                  <a:pt x="957648" y="2556375"/>
+                </a:lnTo>
+                <a:lnTo>
+                  <a:pt x="957648" y="1875010"/>
+                </a:lnTo>
+                <a:close/>
+                <a:moveTo>
+                  <a:pt x="2635296" y="681366"/>
+                </a:moveTo>
+                <a:lnTo>
+                  <a:pt x="2635296" y="2556375"/>
+                </a:lnTo>
+                <a:lnTo>
+                  <a:pt x="1915296" y="2556375"/>
+                </a:lnTo>
+                <a:lnTo>
+                  <a:pt x="1915296" y="1193645"/>
+                </a:lnTo>
+                <a:close/>
+                <a:moveTo>
+                  <a:pt x="3592945" y="0"/>
+                </a:moveTo>
+                <a:lnTo>
+                  <a:pt x="3592945" y="2556375"/>
+                </a:lnTo>
+                <a:lnTo>
+                  <a:pt x="2872945" y="2556375"/>
+                </a:lnTo>
+                <a:lnTo>
+                  <a:pt x="2872945" y="512279"/>
+                </a:lnTo>
+                <a:close/>
+              </a:path>
+            </a:pathLst>
+          </a:custGeom>
+          <a:solidFill>
+            <a:srgbClr val="383B3F"/>
+          </a:solidFill>
+          <a:ln>
+            <a:noFill/>
+          </a:ln>
+          <a:effectLst>
+            <a:innerShdw blurRad="63500" dist="50800" dir="13500000">
+              <a:prstClr val="black">
+                <a:alpha val="50000"/>
+              </a:prstClr>
+            </a:innerShdw>
+          </a:effectLst>
+        </p:spPr>
+        <p:style>
+          <a:lnRef idx="2">
+            <a:schemeClr val="accent1">
+              <a:shade val="15000"/>
+            </a:schemeClr>
+          </a:lnRef>
+          <a:fillRef idx="1">
+            <a:schemeClr val="accent1"/>
+          </a:fillRef>
+          <a:effectRef idx="0">
+            <a:schemeClr val="accent1"/>
+          </a:effectRef>
+          <a:fontRef idx="minor">
+            <a:schemeClr val="lt1"/>
+          </a:fontRef>
+        </p:style>
+        <p:txBody>
+          <a:bodyPr wrap="square" rtlCol="0" anchor="ctr">
+            <a:noAutofit/>
+          </a:bodyPr>
+          <a:lstStyle/>
+          <a:p>
             <a:pPr algn="ctr"/>
-            <a:r>
-              <a:rPr kumimoji="1" lang="ja-JP" altLang="en-US" dirty="0"/>
-              <a:t>システム</a:t>
-            </a:r>
-          </a:p>
-        </p:txBody>
-      </p:sp>
-      <p:sp>
-        <p:nvSpPr>
-          <p:cNvPr id="3" name="コンテンツ プレースホルダー 2">
-            <a:extLst>
-              <a:ext uri="{FF2B5EF4-FFF2-40B4-BE49-F238E27FC236}">
-                <a16:creationId xmlns:a16="http://schemas.microsoft.com/office/drawing/2014/main" id="{3229432A-B0E1-470C-99FE-99AE7F0151A0}"/>
-              </a:ext>
-            </a:extLst>
-          </p:cNvPr>
-          <p:cNvSpPr>
-            <a:spLocks noGrp="1"/>
-          </p:cNvSpPr>
-          <p:nvPr>
-            <p:ph idx="1"/>
-          </p:nvPr>
-        </p:nvSpPr>
-        <p:spPr/>
-        <p:txBody>
-          <a:bodyPr/>
-          <a:lstStyle/>
-          <a:p>
-            <a:pPr marL="0" indent="0">
-              <a:buNone/>
-            </a:pPr>
-            <a:r>
-              <a:rPr lang="en-US" altLang="ja-JP" dirty="0"/>
-              <a:t>WASD</a:t>
-            </a:r>
-            <a:r>
-              <a:rPr lang="ja-JP" altLang="en-US" dirty="0"/>
-              <a:t>：移動</a:t>
-            </a:r>
-            <a:endParaRPr lang="en-US" altLang="ja-JP" dirty="0"/>
-          </a:p>
-          <a:p>
-            <a:pPr marL="0" indent="0">
-              <a:buNone/>
-            </a:pPr>
-            <a:r>
-              <a:rPr lang="en-US" altLang="ja-JP" dirty="0"/>
-              <a:t>Space</a:t>
-            </a:r>
-            <a:r>
-              <a:rPr lang="ja-JP" altLang="en-US" dirty="0"/>
-              <a:t>：ジャンプ</a:t>
-            </a:r>
-            <a:endParaRPr lang="en-US" altLang="ja-JP" dirty="0"/>
-          </a:p>
-          <a:p>
-            <a:pPr marL="0" indent="0">
-              <a:buNone/>
-            </a:pPr>
-            <a:r>
-              <a:rPr lang="ja-JP" altLang="en-US" dirty="0"/>
-              <a:t>左クリック：破壊操作</a:t>
-            </a:r>
-            <a:endParaRPr lang="en-US" altLang="ja-JP" dirty="0"/>
+            <a:endParaRPr kumimoji="1" lang="ja-JP" altLang="en-US"/>
           </a:p>
         </p:txBody>
       </p:sp>
     </p:spTree>
     <p:extLst>
       <p:ext uri="{BB962C8B-B14F-4D97-AF65-F5344CB8AC3E}">
-        <p14:creationId xmlns:p14="http://schemas.microsoft.com/office/powerpoint/2010/main" val="3683277554"/>
+        <p14:creationId xmlns:p14="http://schemas.microsoft.com/office/powerpoint/2010/main" val="552082304"/>
       </p:ext>
     </p:extLst>
   </p:cSld>
   <p:clrMapOvr>
     <a:masterClrMapping/>
   </p:clrMapOvr>
+  <p:transition spd="slow">
+    <p:push/>
+  </p:transition>
 </p:sld>
 </file>
 

--- a/企画/PowerPoint/企画案２.pptx
+++ b/企画/PowerPoint/企画案２.pptx
@@ -220,7 +220,7 @@
           <a:p>
             <a:fld id="{5F5F61CF-0E8B-46BF-B851-917FA295F748}" type="datetimeFigureOut">
               <a:rPr kumimoji="1" lang="ja-JP" altLang="en-US" smtClean="0"/>
-              <a:t>2025/4/13</a:t>
+              <a:t>2025/4/14</a:t>
             </a:fld>
             <a:endParaRPr kumimoji="1" lang="ja-JP" altLang="en-US"/>
           </a:p>
@@ -4313,10 +4313,7 @@
           </a:bodyPr>
           <a:lstStyle/>
           <a:p>
-            <a:r>
-              <a:rPr kumimoji="1" lang="ja-JP" altLang="en-US" dirty="0"/>
-              <a:t>タイトルが思いつかない</a:t>
-            </a:r>
+            <a:endParaRPr kumimoji="1" lang="ja-JP" altLang="en-US" dirty="0"/>
           </a:p>
         </p:txBody>
       </p:sp>
@@ -4336,7 +4333,12 @@
             <p:ph type="subTitle" idx="1"/>
           </p:nvPr>
         </p:nvSpPr>
-        <p:spPr/>
+        <p:spPr>
+          <a:xfrm>
+            <a:off x="1524000" y="3873818"/>
+            <a:ext cx="9144000" cy="512762"/>
+          </a:xfrm>
+        </p:spPr>
         <p:txBody>
           <a:bodyPr/>
           <a:lstStyle/>
@@ -4786,7 +4788,10 @@
           <a:lstStyle/>
           <a:p>
             <a:pPr algn="ctr"/>
-            <a:endParaRPr kumimoji="1" lang="ja-JP" altLang="en-US"/>
+            <a:r>
+              <a:rPr kumimoji="1" lang="ja-JP" altLang="en-US" dirty="0"/>
+              <a:t>０</a:t>
+            </a:r>
           </a:p>
         </p:txBody>
       </p:sp>
@@ -4830,7 +4835,10 @@
           <a:lstStyle/>
           <a:p>
             <a:pPr algn="ctr"/>
-            <a:endParaRPr kumimoji="1" lang="ja-JP" altLang="en-US"/>
+            <a:r>
+              <a:rPr kumimoji="1" lang="ja-JP" altLang="en-US" dirty="0"/>
+              <a:t>１</a:t>
+            </a:r>
           </a:p>
         </p:txBody>
       </p:sp>
@@ -4874,7 +4882,10 @@
           <a:lstStyle/>
           <a:p>
             <a:pPr algn="ctr"/>
-            <a:endParaRPr kumimoji="1" lang="ja-JP" altLang="en-US"/>
+            <a:r>
+              <a:rPr kumimoji="1" lang="ja-JP" altLang="en-US" dirty="0"/>
+              <a:t>２</a:t>
+            </a:r>
           </a:p>
         </p:txBody>
       </p:sp>
@@ -4918,7 +4929,10 @@
           <a:lstStyle/>
           <a:p>
             <a:pPr algn="ctr"/>
-            <a:endParaRPr kumimoji="1" lang="ja-JP" altLang="en-US"/>
+            <a:r>
+              <a:rPr kumimoji="1" lang="ja-JP" altLang="en-US" dirty="0"/>
+              <a:t>０</a:t>
+            </a:r>
           </a:p>
         </p:txBody>
       </p:sp>
@@ -4962,7 +4976,10 @@
           <a:lstStyle/>
           <a:p>
             <a:pPr algn="ctr"/>
-            <a:endParaRPr kumimoji="1" lang="ja-JP" altLang="en-US"/>
+            <a:r>
+              <a:rPr kumimoji="1" lang="ja-JP" altLang="en-US" dirty="0"/>
+              <a:t>１</a:t>
+            </a:r>
           </a:p>
         </p:txBody>
       </p:sp>
@@ -5006,7 +5023,10 @@
           <a:lstStyle/>
           <a:p>
             <a:pPr algn="ctr"/>
-            <a:endParaRPr kumimoji="1" lang="ja-JP" altLang="en-US"/>
+            <a:r>
+              <a:rPr kumimoji="1" lang="ja-JP" altLang="en-US" dirty="0"/>
+              <a:t>２</a:t>
+            </a:r>
           </a:p>
         </p:txBody>
       </p:sp>
@@ -5050,7 +5070,10 @@
           <a:lstStyle/>
           <a:p>
             <a:pPr algn="ctr"/>
-            <a:endParaRPr kumimoji="1" lang="ja-JP" altLang="en-US"/>
+            <a:r>
+              <a:rPr kumimoji="1" lang="ja-JP" altLang="en-US" dirty="0"/>
+              <a:t>０</a:t>
+            </a:r>
           </a:p>
         </p:txBody>
       </p:sp>
@@ -5094,7 +5117,10 @@
           <a:lstStyle/>
           <a:p>
             <a:pPr algn="ctr"/>
-            <a:endParaRPr kumimoji="1" lang="ja-JP" altLang="en-US"/>
+            <a:r>
+              <a:rPr kumimoji="1" lang="ja-JP" altLang="en-US" dirty="0"/>
+              <a:t>１</a:t>
+            </a:r>
           </a:p>
         </p:txBody>
       </p:sp>
@@ -5138,7 +5164,10 @@
           <a:lstStyle/>
           <a:p>
             <a:pPr algn="ctr"/>
-            <a:endParaRPr kumimoji="1" lang="ja-JP" altLang="en-US"/>
+            <a:r>
+              <a:rPr kumimoji="1" lang="ja-JP" altLang="en-US" dirty="0"/>
+              <a:t>２</a:t>
+            </a:r>
           </a:p>
         </p:txBody>
       </p:sp>
@@ -5152,13 +5181,13 @@
   <p:clrMapOvr>
     <a:masterClrMapping/>
   </p:clrMapOvr>
-  <mc:AlternateContent xmlns:mc="http://schemas.openxmlformats.org/markup-compatibility/2006">
-    <mc:Choice xmlns:p159="http://schemas.microsoft.com/office/powerpoint/2015/09/main" Requires="p159">
+  <mc:AlternateContent xmlns:mc="http://schemas.openxmlformats.org/markup-compatibility/2006" xmlns:p159="http://schemas.microsoft.com/office/powerpoint/2015/09/main">
+    <mc:Choice Requires="p159">
       <p:transition xmlns:p14="http://schemas.microsoft.com/office/powerpoint/2010/main" spd="slow" p14:dur="2000">
         <p159:morph option="byObject"/>
       </p:transition>
     </mc:Choice>
-    <mc:Fallback>
+    <mc:Fallback xmlns="">
       <p:transition spd="slow">
         <p:fade/>
       </p:transition>
@@ -5255,12 +5284,672 @@
           </a:p>
         </p:txBody>
       </p:sp>
+      <p:sp>
+        <p:nvSpPr>
+          <p:cNvPr id="18" name="八角形 17">
+            <a:extLst>
+              <a:ext uri="{FF2B5EF4-FFF2-40B4-BE49-F238E27FC236}">
+                <a16:creationId xmlns:a16="http://schemas.microsoft.com/office/drawing/2014/main" id="{F55C3864-F41B-4D45-8FEF-EA3172E4FFF8}"/>
+              </a:ext>
+            </a:extLst>
+          </p:cNvPr>
+          <p:cNvSpPr/>
+          <p:nvPr/>
+        </p:nvSpPr>
+        <p:spPr>
+          <a:xfrm>
+            <a:off x="1171575" y="3414812"/>
+            <a:ext cx="666750" cy="666750"/>
+          </a:xfrm>
+          <a:prstGeom prst="octagon">
+            <a:avLst/>
+          </a:prstGeom>
+          <a:solidFill>
+            <a:srgbClr val="377523"/>
+          </a:solidFill>
+          <a:ln>
+            <a:noFill/>
+          </a:ln>
+        </p:spPr>
+        <p:style>
+          <a:lnRef idx="2">
+            <a:schemeClr val="accent1">
+              <a:shade val="15000"/>
+            </a:schemeClr>
+          </a:lnRef>
+          <a:fillRef idx="1">
+            <a:schemeClr val="accent1"/>
+          </a:fillRef>
+          <a:effectRef idx="0">
+            <a:schemeClr val="accent1"/>
+          </a:effectRef>
+          <a:fontRef idx="minor">
+            <a:schemeClr val="lt1"/>
+          </a:fontRef>
+        </p:style>
+        <p:txBody>
+          <a:bodyPr rtlCol="0" anchor="ctr"/>
+          <a:lstStyle/>
+          <a:p>
+            <a:pPr algn="ctr"/>
+            <a:r>
+              <a:rPr kumimoji="1" lang="en-US" altLang="ja-JP" dirty="0"/>
+              <a:t>A</a:t>
+            </a:r>
+            <a:endParaRPr kumimoji="1" lang="ja-JP" altLang="en-US" dirty="0"/>
+          </a:p>
+        </p:txBody>
+      </p:sp>
+      <p:sp>
+        <p:nvSpPr>
+          <p:cNvPr id="19" name="八角形 18">
+            <a:extLst>
+              <a:ext uri="{FF2B5EF4-FFF2-40B4-BE49-F238E27FC236}">
+                <a16:creationId xmlns:a16="http://schemas.microsoft.com/office/drawing/2014/main" id="{1567CFF5-30C9-4675-866B-B15A5F1F7C0B}"/>
+              </a:ext>
+            </a:extLst>
+          </p:cNvPr>
+          <p:cNvSpPr/>
+          <p:nvPr/>
+        </p:nvSpPr>
+        <p:spPr>
+          <a:xfrm>
+            <a:off x="1171575" y="4306987"/>
+            <a:ext cx="666750" cy="666750"/>
+          </a:xfrm>
+          <a:prstGeom prst="octagon">
+            <a:avLst/>
+          </a:prstGeom>
+          <a:solidFill>
+            <a:srgbClr val="377523"/>
+          </a:solidFill>
+          <a:ln>
+            <a:noFill/>
+          </a:ln>
+        </p:spPr>
+        <p:style>
+          <a:lnRef idx="2">
+            <a:schemeClr val="accent1">
+              <a:shade val="15000"/>
+            </a:schemeClr>
+          </a:lnRef>
+          <a:fillRef idx="1">
+            <a:schemeClr val="accent1"/>
+          </a:fillRef>
+          <a:effectRef idx="0">
+            <a:schemeClr val="accent1"/>
+          </a:effectRef>
+          <a:fontRef idx="minor">
+            <a:schemeClr val="lt1"/>
+          </a:fontRef>
+        </p:style>
+        <p:txBody>
+          <a:bodyPr rtlCol="0" anchor="ctr"/>
+          <a:lstStyle/>
+          <a:p>
+            <a:pPr algn="ctr"/>
+            <a:r>
+              <a:rPr kumimoji="1" lang="en-US" altLang="ja-JP" dirty="0"/>
+              <a:t>B</a:t>
+            </a:r>
+            <a:endParaRPr kumimoji="1" lang="ja-JP" altLang="en-US" dirty="0"/>
+          </a:p>
+        </p:txBody>
+      </p:sp>
+      <p:sp>
+        <p:nvSpPr>
+          <p:cNvPr id="20" name="八角形 19">
+            <a:extLst>
+              <a:ext uri="{FF2B5EF4-FFF2-40B4-BE49-F238E27FC236}">
+                <a16:creationId xmlns:a16="http://schemas.microsoft.com/office/drawing/2014/main" id="{A9577ECD-0C03-4C6F-B6AA-BC2F86745B26}"/>
+              </a:ext>
+            </a:extLst>
+          </p:cNvPr>
+          <p:cNvSpPr/>
+          <p:nvPr/>
+        </p:nvSpPr>
+        <p:spPr>
+          <a:xfrm>
+            <a:off x="1171575" y="5199162"/>
+            <a:ext cx="666750" cy="666750"/>
+          </a:xfrm>
+          <a:prstGeom prst="octagon">
+            <a:avLst/>
+          </a:prstGeom>
+          <a:solidFill>
+            <a:srgbClr val="377523"/>
+          </a:solidFill>
+          <a:ln>
+            <a:noFill/>
+          </a:ln>
+        </p:spPr>
+        <p:style>
+          <a:lnRef idx="2">
+            <a:schemeClr val="accent1">
+              <a:shade val="15000"/>
+            </a:schemeClr>
+          </a:lnRef>
+          <a:fillRef idx="1">
+            <a:schemeClr val="accent1"/>
+          </a:fillRef>
+          <a:effectRef idx="0">
+            <a:schemeClr val="accent1"/>
+          </a:effectRef>
+          <a:fontRef idx="minor">
+            <a:schemeClr val="lt1"/>
+          </a:fontRef>
+        </p:style>
+        <p:txBody>
+          <a:bodyPr rtlCol="0" anchor="ctr"/>
+          <a:lstStyle/>
+          <a:p>
+            <a:pPr algn="ctr"/>
+            <a:r>
+              <a:rPr kumimoji="1" lang="en-US" altLang="ja-JP" dirty="0"/>
+              <a:t>C</a:t>
+            </a:r>
+            <a:endParaRPr kumimoji="1" lang="ja-JP" altLang="en-US" dirty="0"/>
+          </a:p>
+        </p:txBody>
+      </p:sp>
+      <p:sp>
+        <p:nvSpPr>
+          <p:cNvPr id="21" name="正方形/長方形 20">
+            <a:extLst>
+              <a:ext uri="{FF2B5EF4-FFF2-40B4-BE49-F238E27FC236}">
+                <a16:creationId xmlns:a16="http://schemas.microsoft.com/office/drawing/2014/main" id="{6F191845-660E-4C53-8F6E-3AA232E6D4DA}"/>
+              </a:ext>
+            </a:extLst>
+          </p:cNvPr>
+          <p:cNvSpPr/>
+          <p:nvPr/>
+        </p:nvSpPr>
+        <p:spPr>
+          <a:xfrm>
+            <a:off x="1981200" y="3533875"/>
+            <a:ext cx="666750" cy="428625"/>
+          </a:xfrm>
+          <a:prstGeom prst="rect">
+            <a:avLst/>
+          </a:prstGeom>
+        </p:spPr>
+        <p:style>
+          <a:lnRef idx="3">
+            <a:schemeClr val="lt1"/>
+          </a:lnRef>
+          <a:fillRef idx="1">
+            <a:schemeClr val="accent3"/>
+          </a:fillRef>
+          <a:effectRef idx="1">
+            <a:schemeClr val="accent3"/>
+          </a:effectRef>
+          <a:fontRef idx="minor">
+            <a:schemeClr val="lt1"/>
+          </a:fontRef>
+        </p:style>
+        <p:txBody>
+          <a:bodyPr rtlCol="0" anchor="ctr"/>
+          <a:lstStyle/>
+          <a:p>
+            <a:pPr algn="ctr"/>
+            <a:r>
+              <a:rPr lang="ja-JP" altLang="en-US" dirty="0"/>
+              <a:t>０</a:t>
+            </a:r>
+            <a:endParaRPr kumimoji="1" lang="ja-JP" altLang="en-US" dirty="0"/>
+          </a:p>
+        </p:txBody>
+      </p:sp>
+      <p:sp>
+        <p:nvSpPr>
+          <p:cNvPr id="22" name="正方形/長方形 21">
+            <a:extLst>
+              <a:ext uri="{FF2B5EF4-FFF2-40B4-BE49-F238E27FC236}">
+                <a16:creationId xmlns:a16="http://schemas.microsoft.com/office/drawing/2014/main" id="{3C3874F6-13B1-4A5A-86E4-8B9A6152DBA4}"/>
+              </a:ext>
+            </a:extLst>
+          </p:cNvPr>
+          <p:cNvSpPr/>
+          <p:nvPr/>
+        </p:nvSpPr>
+        <p:spPr>
+          <a:xfrm>
+            <a:off x="2790825" y="3533875"/>
+            <a:ext cx="2133600" cy="428625"/>
+          </a:xfrm>
+          <a:prstGeom prst="rect">
+            <a:avLst/>
+          </a:prstGeom>
+        </p:spPr>
+        <p:style>
+          <a:lnRef idx="3">
+            <a:schemeClr val="lt1"/>
+          </a:lnRef>
+          <a:fillRef idx="1">
+            <a:schemeClr val="accent3"/>
+          </a:fillRef>
+          <a:effectRef idx="1">
+            <a:schemeClr val="accent3"/>
+          </a:effectRef>
+          <a:fontRef idx="minor">
+            <a:schemeClr val="lt1"/>
+          </a:fontRef>
+        </p:style>
+        <p:txBody>
+          <a:bodyPr rtlCol="0" anchor="ctr"/>
+          <a:lstStyle/>
+          <a:p>
+            <a:pPr algn="ctr"/>
+            <a:r>
+              <a:rPr kumimoji="1" lang="ja-JP" altLang="en-US" dirty="0"/>
+              <a:t>１</a:t>
+            </a:r>
+          </a:p>
+        </p:txBody>
+      </p:sp>
+      <p:sp>
+        <p:nvSpPr>
+          <p:cNvPr id="23" name="正方形/長方形 22">
+            <a:extLst>
+              <a:ext uri="{FF2B5EF4-FFF2-40B4-BE49-F238E27FC236}">
+                <a16:creationId xmlns:a16="http://schemas.microsoft.com/office/drawing/2014/main" id="{AA23E819-F601-4B2C-BCAB-3BE6EA852F4F}"/>
+              </a:ext>
+            </a:extLst>
+          </p:cNvPr>
+          <p:cNvSpPr/>
+          <p:nvPr/>
+        </p:nvSpPr>
+        <p:spPr>
+          <a:xfrm>
+            <a:off x="5067300" y="3533875"/>
+            <a:ext cx="568746" cy="428625"/>
+          </a:xfrm>
+          <a:prstGeom prst="rect">
+            <a:avLst/>
+          </a:prstGeom>
+        </p:spPr>
+        <p:style>
+          <a:lnRef idx="3">
+            <a:schemeClr val="lt1"/>
+          </a:lnRef>
+          <a:fillRef idx="1">
+            <a:schemeClr val="accent3"/>
+          </a:fillRef>
+          <a:effectRef idx="1">
+            <a:schemeClr val="accent3"/>
+          </a:effectRef>
+          <a:fontRef idx="minor">
+            <a:schemeClr val="lt1"/>
+          </a:fontRef>
+        </p:style>
+        <p:txBody>
+          <a:bodyPr rtlCol="0" anchor="ctr"/>
+          <a:lstStyle/>
+          <a:p>
+            <a:pPr algn="ctr"/>
+            <a:r>
+              <a:rPr kumimoji="1" lang="ja-JP" altLang="en-US" dirty="0"/>
+              <a:t>２</a:t>
+            </a:r>
+          </a:p>
+        </p:txBody>
+      </p:sp>
+      <p:sp>
+        <p:nvSpPr>
+          <p:cNvPr id="24" name="正方形/長方形 23">
+            <a:extLst>
+              <a:ext uri="{FF2B5EF4-FFF2-40B4-BE49-F238E27FC236}">
+                <a16:creationId xmlns:a16="http://schemas.microsoft.com/office/drawing/2014/main" id="{6CA79832-649A-466B-97CD-77F70B9A6530}"/>
+              </a:ext>
+            </a:extLst>
+          </p:cNvPr>
+          <p:cNvSpPr/>
+          <p:nvPr/>
+        </p:nvSpPr>
+        <p:spPr>
+          <a:xfrm>
+            <a:off x="1981200" y="4438750"/>
+            <a:ext cx="666750" cy="428625"/>
+          </a:xfrm>
+          <a:prstGeom prst="rect">
+            <a:avLst/>
+          </a:prstGeom>
+        </p:spPr>
+        <p:style>
+          <a:lnRef idx="3">
+            <a:schemeClr val="lt1"/>
+          </a:lnRef>
+          <a:fillRef idx="1">
+            <a:schemeClr val="accent3"/>
+          </a:fillRef>
+          <a:effectRef idx="1">
+            <a:schemeClr val="accent3"/>
+          </a:effectRef>
+          <a:fontRef idx="minor">
+            <a:schemeClr val="lt1"/>
+          </a:fontRef>
+        </p:style>
+        <p:txBody>
+          <a:bodyPr rtlCol="0" anchor="ctr"/>
+          <a:lstStyle/>
+          <a:p>
+            <a:pPr algn="ctr"/>
+            <a:r>
+              <a:rPr kumimoji="1" lang="ja-JP" altLang="en-US" dirty="0"/>
+              <a:t>０</a:t>
+            </a:r>
+          </a:p>
+        </p:txBody>
+      </p:sp>
+      <p:sp>
+        <p:nvSpPr>
+          <p:cNvPr id="25" name="正方形/長方形 24">
+            <a:extLst>
+              <a:ext uri="{FF2B5EF4-FFF2-40B4-BE49-F238E27FC236}">
+                <a16:creationId xmlns:a16="http://schemas.microsoft.com/office/drawing/2014/main" id="{D671BE25-A319-4880-967B-FB4AFE2D317B}"/>
+              </a:ext>
+            </a:extLst>
+          </p:cNvPr>
+          <p:cNvSpPr/>
+          <p:nvPr/>
+        </p:nvSpPr>
+        <p:spPr>
+          <a:xfrm>
+            <a:off x="2790825" y="4438750"/>
+            <a:ext cx="2133600" cy="428625"/>
+          </a:xfrm>
+          <a:prstGeom prst="rect">
+            <a:avLst/>
+          </a:prstGeom>
+        </p:spPr>
+        <p:style>
+          <a:lnRef idx="3">
+            <a:schemeClr val="lt1"/>
+          </a:lnRef>
+          <a:fillRef idx="1">
+            <a:schemeClr val="accent3"/>
+          </a:fillRef>
+          <a:effectRef idx="1">
+            <a:schemeClr val="accent3"/>
+          </a:effectRef>
+          <a:fontRef idx="minor">
+            <a:schemeClr val="lt1"/>
+          </a:fontRef>
+        </p:style>
+        <p:txBody>
+          <a:bodyPr rtlCol="0" anchor="ctr"/>
+          <a:lstStyle/>
+          <a:p>
+            <a:pPr algn="ctr"/>
+            <a:r>
+              <a:rPr kumimoji="1" lang="ja-JP" altLang="en-US" dirty="0"/>
+              <a:t>１</a:t>
+            </a:r>
+          </a:p>
+        </p:txBody>
+      </p:sp>
+      <p:sp>
+        <p:nvSpPr>
+          <p:cNvPr id="26" name="正方形/長方形 25">
+            <a:extLst>
+              <a:ext uri="{FF2B5EF4-FFF2-40B4-BE49-F238E27FC236}">
+                <a16:creationId xmlns:a16="http://schemas.microsoft.com/office/drawing/2014/main" id="{12455304-4581-4F93-B5F0-A1468D179CBB}"/>
+              </a:ext>
+            </a:extLst>
+          </p:cNvPr>
+          <p:cNvSpPr/>
+          <p:nvPr/>
+        </p:nvSpPr>
+        <p:spPr>
+          <a:xfrm>
+            <a:off x="5067300" y="4438750"/>
+            <a:ext cx="568746" cy="428625"/>
+          </a:xfrm>
+          <a:prstGeom prst="rect">
+            <a:avLst/>
+          </a:prstGeom>
+        </p:spPr>
+        <p:style>
+          <a:lnRef idx="3">
+            <a:schemeClr val="lt1"/>
+          </a:lnRef>
+          <a:fillRef idx="1">
+            <a:schemeClr val="accent3"/>
+          </a:fillRef>
+          <a:effectRef idx="1">
+            <a:schemeClr val="accent3"/>
+          </a:effectRef>
+          <a:fontRef idx="minor">
+            <a:schemeClr val="lt1"/>
+          </a:fontRef>
+        </p:style>
+        <p:txBody>
+          <a:bodyPr rtlCol="0" anchor="ctr"/>
+          <a:lstStyle/>
+          <a:p>
+            <a:pPr algn="ctr"/>
+            <a:r>
+              <a:rPr kumimoji="1" lang="ja-JP" altLang="en-US" dirty="0"/>
+              <a:t>２</a:t>
+            </a:r>
+          </a:p>
+        </p:txBody>
+      </p:sp>
+      <p:sp>
+        <p:nvSpPr>
+          <p:cNvPr id="27" name="正方形/長方形 26">
+            <a:extLst>
+              <a:ext uri="{FF2B5EF4-FFF2-40B4-BE49-F238E27FC236}">
+                <a16:creationId xmlns:a16="http://schemas.microsoft.com/office/drawing/2014/main" id="{6DC11F19-55C7-4F1A-A3EF-81B17C705321}"/>
+              </a:ext>
+            </a:extLst>
+          </p:cNvPr>
+          <p:cNvSpPr/>
+          <p:nvPr/>
+        </p:nvSpPr>
+        <p:spPr>
+          <a:xfrm>
+            <a:off x="1981200" y="5343625"/>
+            <a:ext cx="666750" cy="428625"/>
+          </a:xfrm>
+          <a:prstGeom prst="rect">
+            <a:avLst/>
+          </a:prstGeom>
+        </p:spPr>
+        <p:style>
+          <a:lnRef idx="3">
+            <a:schemeClr val="lt1"/>
+          </a:lnRef>
+          <a:fillRef idx="1">
+            <a:schemeClr val="accent3"/>
+          </a:fillRef>
+          <a:effectRef idx="1">
+            <a:schemeClr val="accent3"/>
+          </a:effectRef>
+          <a:fontRef idx="minor">
+            <a:schemeClr val="lt1"/>
+          </a:fontRef>
+        </p:style>
+        <p:txBody>
+          <a:bodyPr rtlCol="0" anchor="ctr"/>
+          <a:lstStyle/>
+          <a:p>
+            <a:pPr algn="ctr"/>
+            <a:r>
+              <a:rPr kumimoji="1" lang="ja-JP" altLang="en-US" dirty="0"/>
+              <a:t>０</a:t>
+            </a:r>
+          </a:p>
+        </p:txBody>
+      </p:sp>
+      <p:sp>
+        <p:nvSpPr>
+          <p:cNvPr id="28" name="正方形/長方形 27">
+            <a:extLst>
+              <a:ext uri="{FF2B5EF4-FFF2-40B4-BE49-F238E27FC236}">
+                <a16:creationId xmlns:a16="http://schemas.microsoft.com/office/drawing/2014/main" id="{1288E9E4-9FC4-4358-8B7C-CEB6671FE964}"/>
+              </a:ext>
+            </a:extLst>
+          </p:cNvPr>
+          <p:cNvSpPr/>
+          <p:nvPr/>
+        </p:nvSpPr>
+        <p:spPr>
+          <a:xfrm>
+            <a:off x="2790825" y="5343625"/>
+            <a:ext cx="2133600" cy="428625"/>
+          </a:xfrm>
+          <a:prstGeom prst="rect">
+            <a:avLst/>
+          </a:prstGeom>
+        </p:spPr>
+        <p:style>
+          <a:lnRef idx="3">
+            <a:schemeClr val="lt1"/>
+          </a:lnRef>
+          <a:fillRef idx="1">
+            <a:schemeClr val="accent3"/>
+          </a:fillRef>
+          <a:effectRef idx="1">
+            <a:schemeClr val="accent3"/>
+          </a:effectRef>
+          <a:fontRef idx="minor">
+            <a:schemeClr val="lt1"/>
+          </a:fontRef>
+        </p:style>
+        <p:txBody>
+          <a:bodyPr rtlCol="0" anchor="ctr"/>
+          <a:lstStyle/>
+          <a:p>
+            <a:pPr algn="ctr"/>
+            <a:r>
+              <a:rPr kumimoji="1" lang="ja-JP" altLang="en-US" dirty="0"/>
+              <a:t>１</a:t>
+            </a:r>
+          </a:p>
+        </p:txBody>
+      </p:sp>
+      <p:sp>
+        <p:nvSpPr>
+          <p:cNvPr id="29" name="正方形/長方形 28">
+            <a:extLst>
+              <a:ext uri="{FF2B5EF4-FFF2-40B4-BE49-F238E27FC236}">
+                <a16:creationId xmlns:a16="http://schemas.microsoft.com/office/drawing/2014/main" id="{9170A897-CC47-4BAD-B1A7-39B29E9C28C3}"/>
+              </a:ext>
+            </a:extLst>
+          </p:cNvPr>
+          <p:cNvSpPr/>
+          <p:nvPr/>
+        </p:nvSpPr>
+        <p:spPr>
+          <a:xfrm>
+            <a:off x="5067300" y="5343625"/>
+            <a:ext cx="568746" cy="428625"/>
+          </a:xfrm>
+          <a:prstGeom prst="rect">
+            <a:avLst/>
+          </a:prstGeom>
+        </p:spPr>
+        <p:style>
+          <a:lnRef idx="3">
+            <a:schemeClr val="lt1"/>
+          </a:lnRef>
+          <a:fillRef idx="1">
+            <a:schemeClr val="accent3"/>
+          </a:fillRef>
+          <a:effectRef idx="1">
+            <a:schemeClr val="accent3"/>
+          </a:effectRef>
+          <a:fontRef idx="minor">
+            <a:schemeClr val="lt1"/>
+          </a:fontRef>
+        </p:style>
+        <p:txBody>
+          <a:bodyPr rtlCol="0" anchor="ctr"/>
+          <a:lstStyle/>
+          <a:p>
+            <a:pPr algn="ctr"/>
+            <a:r>
+              <a:rPr kumimoji="1" lang="ja-JP" altLang="en-US" dirty="0"/>
+              <a:t>２</a:t>
+            </a:r>
+          </a:p>
+        </p:txBody>
+      </p:sp>
+      <p:sp>
+        <p:nvSpPr>
+          <p:cNvPr id="30" name="テキスト ボックス 29">
+            <a:extLst>
+              <a:ext uri="{FF2B5EF4-FFF2-40B4-BE49-F238E27FC236}">
+                <a16:creationId xmlns:a16="http://schemas.microsoft.com/office/drawing/2014/main" id="{B8DFE6A0-BD0A-4EB3-8154-DA78DFF6B9B4}"/>
+              </a:ext>
+            </a:extLst>
+          </p:cNvPr>
+          <p:cNvSpPr txBox="1"/>
+          <p:nvPr/>
+        </p:nvSpPr>
+        <p:spPr>
+          <a:xfrm>
+            <a:off x="838199" y="2289403"/>
+            <a:ext cx="10515599" cy="523220"/>
+          </a:xfrm>
+          <a:prstGeom prst="rect">
+            <a:avLst/>
+          </a:prstGeom>
+          <a:noFill/>
+        </p:spPr>
+        <p:txBody>
+          <a:bodyPr wrap="square" rtlCol="0">
+            <a:spAutoFit/>
+          </a:bodyPr>
+          <a:lstStyle/>
+          <a:p>
+            <a:r>
+              <a:rPr lang="ja-JP" altLang="en-US" sz="2800" dirty="0"/>
+              <a:t>集めた素材を使用して、パラメータを上昇させる</a:t>
+            </a:r>
+            <a:endParaRPr kumimoji="1" lang="ja-JP" altLang="en-US" sz="2000" dirty="0"/>
+          </a:p>
+        </p:txBody>
+      </p:sp>
+      <p:sp>
+        <p:nvSpPr>
+          <p:cNvPr id="31" name="テキスト ボックス 30">
+            <a:extLst>
+              <a:ext uri="{FF2B5EF4-FFF2-40B4-BE49-F238E27FC236}">
+                <a16:creationId xmlns:a16="http://schemas.microsoft.com/office/drawing/2014/main" id="{231EE96F-FA71-48F9-A0E5-042473646238}"/>
+              </a:ext>
+            </a:extLst>
+          </p:cNvPr>
+          <p:cNvSpPr txBox="1"/>
+          <p:nvPr/>
+        </p:nvSpPr>
+        <p:spPr>
+          <a:xfrm>
+            <a:off x="838200" y="2812623"/>
+            <a:ext cx="7089742" cy="400110"/>
+          </a:xfrm>
+          <a:prstGeom prst="rect">
+            <a:avLst/>
+          </a:prstGeom>
+          <a:noFill/>
+        </p:spPr>
+        <p:txBody>
+          <a:bodyPr wrap="square" rtlCol="0">
+            <a:spAutoFit/>
+          </a:bodyPr>
+          <a:lstStyle/>
+          <a:p>
+            <a:endParaRPr kumimoji="1" lang="ja-JP" altLang="en-US" sz="2000" dirty="0"/>
+          </a:p>
+        </p:txBody>
+      </p:sp>
       <p:grpSp>
         <p:nvGrpSpPr>
-          <p:cNvPr id="4" name="グループ化 3">
-            <a:extLst>
-              <a:ext uri="{FF2B5EF4-FFF2-40B4-BE49-F238E27FC236}">
-                <a16:creationId xmlns:a16="http://schemas.microsoft.com/office/drawing/2014/main" id="{8A8E6C1D-9DBE-D4F0-2C33-0FAD7DB2ABC6}"/>
+          <p:cNvPr id="5" name="グループ化 4">
+            <a:extLst>
+              <a:ext uri="{FF2B5EF4-FFF2-40B4-BE49-F238E27FC236}">
+                <a16:creationId xmlns:a16="http://schemas.microsoft.com/office/drawing/2014/main" id="{D7C9F40E-7CEE-4253-BD2C-FEBB76681559}"/>
               </a:ext>
             </a:extLst>
           </p:cNvPr>
@@ -5269,18 +5958,18 @@
         </p:nvGrpSpPr>
         <p:grpSpPr>
           <a:xfrm>
-            <a:off x="1171575" y="2298781"/>
-            <a:ext cx="4295775" cy="2451100"/>
-            <a:chOff x="1171575" y="3414812"/>
-            <a:chExt cx="4295775" cy="2451100"/>
+            <a:off x="1981200" y="4438750"/>
+            <a:ext cx="3373225" cy="428625"/>
+            <a:chOff x="1981200" y="4438750"/>
+            <a:chExt cx="3373225" cy="428625"/>
           </a:xfrm>
         </p:grpSpPr>
         <p:sp>
           <p:nvSpPr>
-            <p:cNvPr id="9" name="八角形 8">
+            <p:cNvPr id="33" name="正方形/長方形 32">
               <a:extLst>
                 <a:ext uri="{FF2B5EF4-FFF2-40B4-BE49-F238E27FC236}">
-                  <a16:creationId xmlns:a16="http://schemas.microsoft.com/office/drawing/2014/main" id="{5E95414F-1CF1-70C8-1CD3-204697AC9657}"/>
+                  <a16:creationId xmlns:a16="http://schemas.microsoft.com/office/drawing/2014/main" id="{23EA247D-4887-42F2-A7E5-5FA86CCB2864}"/>
                 </a:ext>
               </a:extLst>
             </p:cNvPr>
@@ -5289,220 +5978,8 @@
           </p:nvSpPr>
           <p:spPr>
             <a:xfrm>
-              <a:off x="1171575" y="3414812"/>
-              <a:ext cx="666750" cy="666750"/>
-            </a:xfrm>
-            <a:prstGeom prst="octagon">
-              <a:avLst/>
-            </a:prstGeom>
-            <a:solidFill>
-              <a:srgbClr val="377523"/>
-            </a:solidFill>
-            <a:ln>
-              <a:noFill/>
-            </a:ln>
-          </p:spPr>
-          <p:style>
-            <a:lnRef idx="2">
-              <a:schemeClr val="accent1">
-                <a:shade val="15000"/>
-              </a:schemeClr>
-            </a:lnRef>
-            <a:fillRef idx="1">
-              <a:schemeClr val="accent1"/>
-            </a:fillRef>
-            <a:effectRef idx="0">
-              <a:schemeClr val="accent1"/>
-            </a:effectRef>
-            <a:fontRef idx="minor">
-              <a:schemeClr val="lt1"/>
-            </a:fontRef>
-          </p:style>
-          <p:txBody>
-            <a:bodyPr rtlCol="0" anchor="ctr"/>
-            <a:lstStyle/>
-            <a:p>
-              <a:pPr algn="ctr"/>
-              <a:r>
-                <a:rPr kumimoji="1" lang="en-US" altLang="ja-JP" dirty="0"/>
-                <a:t>A</a:t>
-              </a:r>
-              <a:endParaRPr kumimoji="1" lang="ja-JP" altLang="en-US" dirty="0"/>
-            </a:p>
-          </p:txBody>
-        </p:sp>
-        <p:sp>
-          <p:nvSpPr>
-            <p:cNvPr id="10" name="八角形 9">
-              <a:extLst>
-                <a:ext uri="{FF2B5EF4-FFF2-40B4-BE49-F238E27FC236}">
-                  <a16:creationId xmlns:a16="http://schemas.microsoft.com/office/drawing/2014/main" id="{356D3464-0CD3-505F-550D-51F65E6B8EE0}"/>
-                </a:ext>
-              </a:extLst>
-            </p:cNvPr>
-            <p:cNvSpPr/>
-            <p:nvPr/>
-          </p:nvSpPr>
-          <p:spPr>
-            <a:xfrm>
-              <a:off x="1171575" y="4306987"/>
-              <a:ext cx="666750" cy="666750"/>
-            </a:xfrm>
-            <a:prstGeom prst="octagon">
-              <a:avLst/>
-            </a:prstGeom>
-            <a:solidFill>
-              <a:srgbClr val="377523"/>
-            </a:solidFill>
-            <a:ln>
-              <a:noFill/>
-            </a:ln>
-          </p:spPr>
-          <p:style>
-            <a:lnRef idx="2">
-              <a:schemeClr val="accent1">
-                <a:shade val="15000"/>
-              </a:schemeClr>
-            </a:lnRef>
-            <a:fillRef idx="1">
-              <a:schemeClr val="accent1"/>
-            </a:fillRef>
-            <a:effectRef idx="0">
-              <a:schemeClr val="accent1"/>
-            </a:effectRef>
-            <a:fontRef idx="minor">
-              <a:schemeClr val="lt1"/>
-            </a:fontRef>
-          </p:style>
-          <p:txBody>
-            <a:bodyPr rtlCol="0" anchor="ctr"/>
-            <a:lstStyle/>
-            <a:p>
-              <a:pPr algn="ctr"/>
-              <a:r>
-                <a:rPr kumimoji="1" lang="en-US" altLang="ja-JP" dirty="0"/>
-                <a:t>B</a:t>
-              </a:r>
-              <a:endParaRPr kumimoji="1" lang="ja-JP" altLang="en-US" dirty="0"/>
-            </a:p>
-          </p:txBody>
-        </p:sp>
-        <p:sp>
-          <p:nvSpPr>
-            <p:cNvPr id="11" name="八角形 10">
-              <a:extLst>
-                <a:ext uri="{FF2B5EF4-FFF2-40B4-BE49-F238E27FC236}">
-                  <a16:creationId xmlns:a16="http://schemas.microsoft.com/office/drawing/2014/main" id="{0E225DA1-5425-34EF-C3BD-4D0E309E15BE}"/>
-                </a:ext>
-              </a:extLst>
-            </p:cNvPr>
-            <p:cNvSpPr/>
-            <p:nvPr/>
-          </p:nvSpPr>
-          <p:spPr>
-            <a:xfrm>
-              <a:off x="1171575" y="5199162"/>
-              <a:ext cx="666750" cy="666750"/>
-            </a:xfrm>
-            <a:prstGeom prst="octagon">
-              <a:avLst/>
-            </a:prstGeom>
-            <a:solidFill>
-              <a:srgbClr val="377523"/>
-            </a:solidFill>
-            <a:ln>
-              <a:noFill/>
-            </a:ln>
-          </p:spPr>
-          <p:style>
-            <a:lnRef idx="2">
-              <a:schemeClr val="accent1">
-                <a:shade val="15000"/>
-              </a:schemeClr>
-            </a:lnRef>
-            <a:fillRef idx="1">
-              <a:schemeClr val="accent1"/>
-            </a:fillRef>
-            <a:effectRef idx="0">
-              <a:schemeClr val="accent1"/>
-            </a:effectRef>
-            <a:fontRef idx="minor">
-              <a:schemeClr val="lt1"/>
-            </a:fontRef>
-          </p:style>
-          <p:txBody>
-            <a:bodyPr rtlCol="0" anchor="ctr"/>
-            <a:lstStyle/>
-            <a:p>
-              <a:pPr algn="ctr"/>
-              <a:r>
-                <a:rPr kumimoji="1" lang="en-US" altLang="ja-JP" dirty="0"/>
-                <a:t>C</a:t>
-              </a:r>
-              <a:endParaRPr kumimoji="1" lang="ja-JP" altLang="en-US" dirty="0"/>
-            </a:p>
-          </p:txBody>
-        </p:sp>
-        <p:sp>
-          <p:nvSpPr>
-            <p:cNvPr id="12" name="正方形/長方形 11">
-              <a:extLst>
-                <a:ext uri="{FF2B5EF4-FFF2-40B4-BE49-F238E27FC236}">
-                  <a16:creationId xmlns:a16="http://schemas.microsoft.com/office/drawing/2014/main" id="{20793E5F-E3A7-3388-37AE-8EC0694C864C}"/>
-                </a:ext>
-              </a:extLst>
-            </p:cNvPr>
-            <p:cNvSpPr/>
-            <p:nvPr/>
-          </p:nvSpPr>
-          <p:spPr>
-            <a:xfrm>
-              <a:off x="1981200" y="3533875"/>
-              <a:ext cx="3486150" cy="428625"/>
-            </a:xfrm>
-            <a:prstGeom prst="rect">
-              <a:avLst/>
-            </a:prstGeom>
-          </p:spPr>
-          <p:style>
-            <a:lnRef idx="3">
-              <a:schemeClr val="lt1"/>
-            </a:lnRef>
-            <a:fillRef idx="1">
-              <a:schemeClr val="accent3"/>
-            </a:fillRef>
-            <a:effectRef idx="1">
-              <a:schemeClr val="accent3"/>
-            </a:effectRef>
-            <a:fontRef idx="minor">
-              <a:schemeClr val="lt1"/>
-            </a:fontRef>
-          </p:style>
-          <p:txBody>
-            <a:bodyPr rtlCol="0" anchor="ctr"/>
-            <a:lstStyle/>
-            <a:p>
-              <a:pPr algn="ctr"/>
-              <a:endParaRPr kumimoji="1" lang="ja-JP" altLang="en-US" dirty="0"/>
-            </a:p>
-          </p:txBody>
-        </p:sp>
-        <p:sp>
-          <p:nvSpPr>
-            <p:cNvPr id="15" name="正方形/長方形 14">
-              <a:extLst>
-                <a:ext uri="{FF2B5EF4-FFF2-40B4-BE49-F238E27FC236}">
-                  <a16:creationId xmlns:a16="http://schemas.microsoft.com/office/drawing/2014/main" id="{891668E0-B0CF-9475-E1A0-97B22D71484E}"/>
-                </a:ext>
-              </a:extLst>
-            </p:cNvPr>
-            <p:cNvSpPr/>
-            <p:nvPr/>
-          </p:nvSpPr>
-          <p:spPr>
-            <a:xfrm>
-              <a:off x="1981201" y="3533875"/>
-              <a:ext cx="2000250" cy="428625"/>
+              <a:off x="1981200" y="4438750"/>
+              <a:ext cx="666750" cy="428625"/>
             </a:xfrm>
             <a:prstGeom prst="rect">
               <a:avLst/>
@@ -5527,16 +6004,16 @@
             <a:lstStyle/>
             <a:p>
               <a:pPr algn="ctr"/>
-              <a:endParaRPr kumimoji="1" lang="ja-JP" altLang="en-US"/>
+              <a:endParaRPr kumimoji="1" lang="ja-JP" altLang="en-US" dirty="0"/>
             </a:p>
           </p:txBody>
         </p:sp>
         <p:sp>
           <p:nvSpPr>
-            <p:cNvPr id="13" name="正方形/長方形 12">
+            <p:cNvPr id="34" name="正方形/長方形 33">
               <a:extLst>
                 <a:ext uri="{FF2B5EF4-FFF2-40B4-BE49-F238E27FC236}">
-                  <a16:creationId xmlns:a16="http://schemas.microsoft.com/office/drawing/2014/main" id="{E81B0AE2-5F75-AFA1-91CF-E4B4503B3F6F}"/>
+                  <a16:creationId xmlns:a16="http://schemas.microsoft.com/office/drawing/2014/main" id="{3340CD96-393F-4D84-A19D-58D5FC23CE5C}"/>
                 </a:ext>
               </a:extLst>
             </p:cNvPr>
@@ -5545,52 +6022,8 @@
           </p:nvSpPr>
           <p:spPr>
             <a:xfrm>
-              <a:off x="1981200" y="4426050"/>
-              <a:ext cx="3486150" cy="428625"/>
-            </a:xfrm>
-            <a:prstGeom prst="rect">
-              <a:avLst/>
-            </a:prstGeom>
-          </p:spPr>
-          <p:style>
-            <a:lnRef idx="3">
-              <a:schemeClr val="lt1"/>
-            </a:lnRef>
-            <a:fillRef idx="1">
-              <a:schemeClr val="accent3"/>
-            </a:fillRef>
-            <a:effectRef idx="1">
-              <a:schemeClr val="accent3"/>
-            </a:effectRef>
-            <a:fontRef idx="minor">
-              <a:schemeClr val="lt1"/>
-            </a:fontRef>
-          </p:style>
-          <p:txBody>
-            <a:bodyPr rtlCol="0" anchor="ctr"/>
-            <a:lstStyle/>
-            <a:p>
-              <a:pPr algn="ctr"/>
-              <a:endParaRPr kumimoji="1" lang="ja-JP" altLang="en-US" dirty="0"/>
-            </a:p>
-          </p:txBody>
-        </p:sp>
-        <p:sp>
-          <p:nvSpPr>
-            <p:cNvPr id="16" name="正方形/長方形 15">
-              <a:extLst>
-                <a:ext uri="{FF2B5EF4-FFF2-40B4-BE49-F238E27FC236}">
-                  <a16:creationId xmlns:a16="http://schemas.microsoft.com/office/drawing/2014/main" id="{61A2593A-6B0B-D3BC-6708-85968B2A9314}"/>
-                </a:ext>
-              </a:extLst>
-            </p:cNvPr>
-            <p:cNvSpPr/>
-            <p:nvPr/>
-          </p:nvSpPr>
-          <p:spPr>
-            <a:xfrm>
-              <a:off x="1981200" y="4426050"/>
-              <a:ext cx="1546699" cy="428625"/>
+              <a:off x="2790825" y="4438750"/>
+              <a:ext cx="2133600" cy="428625"/>
             </a:xfrm>
             <a:prstGeom prst="rect">
               <a:avLst/>
@@ -5615,16 +6048,16 @@
             <a:lstStyle/>
             <a:p>
               <a:pPr algn="ctr"/>
-              <a:endParaRPr kumimoji="1" lang="ja-JP" altLang="en-US"/>
+              <a:endParaRPr kumimoji="1" lang="ja-JP" altLang="en-US" dirty="0"/>
             </a:p>
           </p:txBody>
         </p:sp>
         <p:sp>
           <p:nvSpPr>
-            <p:cNvPr id="14" name="正方形/長方形 13">
+            <p:cNvPr id="35" name="正方形/長方形 34">
               <a:extLst>
                 <a:ext uri="{FF2B5EF4-FFF2-40B4-BE49-F238E27FC236}">
-                  <a16:creationId xmlns:a16="http://schemas.microsoft.com/office/drawing/2014/main" id="{9911186E-33FA-A2B3-27C4-6E7FA1AC8F88}"/>
+                  <a16:creationId xmlns:a16="http://schemas.microsoft.com/office/drawing/2014/main" id="{F263C91E-3EB1-4564-8BB4-949949CA3EFC}"/>
                 </a:ext>
               </a:extLst>
             </p:cNvPr>
@@ -5633,52 +6066,8 @@
           </p:nvSpPr>
           <p:spPr>
             <a:xfrm>
-              <a:off x="1981200" y="5318225"/>
-              <a:ext cx="3486150" cy="428625"/>
-            </a:xfrm>
-            <a:prstGeom prst="rect">
-              <a:avLst/>
-            </a:prstGeom>
-          </p:spPr>
-          <p:style>
-            <a:lnRef idx="3">
-              <a:schemeClr val="lt1"/>
-            </a:lnRef>
-            <a:fillRef idx="1">
-              <a:schemeClr val="accent3"/>
-            </a:fillRef>
-            <a:effectRef idx="1">
-              <a:schemeClr val="accent3"/>
-            </a:effectRef>
-            <a:fontRef idx="minor">
-              <a:schemeClr val="lt1"/>
-            </a:fontRef>
-          </p:style>
-          <p:txBody>
-            <a:bodyPr rtlCol="0" anchor="ctr"/>
-            <a:lstStyle/>
-            <a:p>
-              <a:pPr algn="ctr"/>
-              <a:endParaRPr kumimoji="1" lang="ja-JP" altLang="en-US"/>
-            </a:p>
-          </p:txBody>
-        </p:sp>
-        <p:sp>
-          <p:nvSpPr>
-            <p:cNvPr id="17" name="正方形/長方形 16">
-              <a:extLst>
-                <a:ext uri="{FF2B5EF4-FFF2-40B4-BE49-F238E27FC236}">
-                  <a16:creationId xmlns:a16="http://schemas.microsoft.com/office/drawing/2014/main" id="{8272CC4A-F926-142C-9D50-6D270235EF84}"/>
-                </a:ext>
-              </a:extLst>
-            </p:cNvPr>
-            <p:cNvSpPr/>
-            <p:nvPr/>
-          </p:nvSpPr>
-          <p:spPr>
-            <a:xfrm>
-              <a:off x="1962150" y="5318225"/>
-              <a:ext cx="3486150" cy="428625"/>
+              <a:off x="5067300" y="4438750"/>
+              <a:ext cx="287125" cy="428625"/>
             </a:xfrm>
             <a:prstGeom prst="rect">
               <a:avLst/>
@@ -5703,11 +6092,319 @@
             <a:lstStyle/>
             <a:p>
               <a:pPr algn="ctr"/>
-              <a:endParaRPr kumimoji="1" lang="ja-JP" altLang="en-US"/>
+              <a:endParaRPr kumimoji="1" lang="ja-JP" altLang="en-US" dirty="0"/>
             </a:p>
           </p:txBody>
         </p:sp>
       </p:grpSp>
+      <p:grpSp>
+        <p:nvGrpSpPr>
+          <p:cNvPr id="3" name="グループ化 2">
+            <a:extLst>
+              <a:ext uri="{FF2B5EF4-FFF2-40B4-BE49-F238E27FC236}">
+                <a16:creationId xmlns:a16="http://schemas.microsoft.com/office/drawing/2014/main" id="{40F447D1-2C87-41F7-9C77-1E310CC8F38C}"/>
+              </a:ext>
+            </a:extLst>
+          </p:cNvPr>
+          <p:cNvGrpSpPr/>
+          <p:nvPr/>
+        </p:nvGrpSpPr>
+        <p:grpSpPr>
+          <a:xfrm>
+            <a:off x="1981200" y="3533874"/>
+            <a:ext cx="2317423" cy="428626"/>
+            <a:chOff x="1981200" y="3533874"/>
+            <a:chExt cx="2317423" cy="428626"/>
+          </a:xfrm>
+        </p:grpSpPr>
+        <p:sp>
+          <p:nvSpPr>
+            <p:cNvPr id="32" name="正方形/長方形 31">
+              <a:extLst>
+                <a:ext uri="{FF2B5EF4-FFF2-40B4-BE49-F238E27FC236}">
+                  <a16:creationId xmlns:a16="http://schemas.microsoft.com/office/drawing/2014/main" id="{23F935D2-E211-4B41-AF22-FF0F0357D117}"/>
+                </a:ext>
+              </a:extLst>
+            </p:cNvPr>
+            <p:cNvSpPr/>
+            <p:nvPr/>
+          </p:nvSpPr>
+          <p:spPr>
+            <a:xfrm>
+              <a:off x="1981200" y="3533875"/>
+              <a:ext cx="666750" cy="428625"/>
+            </a:xfrm>
+            <a:prstGeom prst="rect">
+              <a:avLst/>
+            </a:prstGeom>
+          </p:spPr>
+          <p:style>
+            <a:lnRef idx="3">
+              <a:schemeClr val="lt1"/>
+            </a:lnRef>
+            <a:fillRef idx="1">
+              <a:schemeClr val="accent5"/>
+            </a:fillRef>
+            <a:effectRef idx="1">
+              <a:schemeClr val="accent5"/>
+            </a:effectRef>
+            <a:fontRef idx="minor">
+              <a:schemeClr val="lt1"/>
+            </a:fontRef>
+          </p:style>
+          <p:txBody>
+            <a:bodyPr rtlCol="0" anchor="ctr"/>
+            <a:lstStyle/>
+            <a:p>
+              <a:pPr algn="ctr"/>
+              <a:endParaRPr kumimoji="1" lang="ja-JP" altLang="en-US" dirty="0"/>
+            </a:p>
+          </p:txBody>
+        </p:sp>
+        <p:sp>
+          <p:nvSpPr>
+            <p:cNvPr id="36" name="正方形/長方形 35">
+              <a:extLst>
+                <a:ext uri="{FF2B5EF4-FFF2-40B4-BE49-F238E27FC236}">
+                  <a16:creationId xmlns:a16="http://schemas.microsoft.com/office/drawing/2014/main" id="{7B1409CF-3279-4403-A1D6-F967401EE35C}"/>
+                </a:ext>
+              </a:extLst>
+            </p:cNvPr>
+            <p:cNvSpPr/>
+            <p:nvPr/>
+          </p:nvSpPr>
+          <p:spPr>
+            <a:xfrm>
+              <a:off x="2790825" y="3533874"/>
+              <a:ext cx="1507798" cy="428625"/>
+            </a:xfrm>
+            <a:prstGeom prst="rect">
+              <a:avLst/>
+            </a:prstGeom>
+          </p:spPr>
+          <p:style>
+            <a:lnRef idx="3">
+              <a:schemeClr val="lt1"/>
+            </a:lnRef>
+            <a:fillRef idx="1">
+              <a:schemeClr val="accent5"/>
+            </a:fillRef>
+            <a:effectRef idx="1">
+              <a:schemeClr val="accent5"/>
+            </a:effectRef>
+            <a:fontRef idx="minor">
+              <a:schemeClr val="lt1"/>
+            </a:fontRef>
+          </p:style>
+          <p:txBody>
+            <a:bodyPr rtlCol="0" anchor="ctr"/>
+            <a:lstStyle/>
+            <a:p>
+              <a:pPr algn="ctr"/>
+              <a:endParaRPr kumimoji="1" lang="ja-JP" altLang="en-US" dirty="0"/>
+            </a:p>
+          </p:txBody>
+        </p:sp>
+      </p:grpSp>
+      <p:sp>
+        <p:nvSpPr>
+          <p:cNvPr id="6" name="テキスト ボックス 5">
+            <a:extLst>
+              <a:ext uri="{FF2B5EF4-FFF2-40B4-BE49-F238E27FC236}">
+                <a16:creationId xmlns:a16="http://schemas.microsoft.com/office/drawing/2014/main" id="{B4B8547C-D252-44FF-8FB4-7A1D84343D07}"/>
+              </a:ext>
+            </a:extLst>
+          </p:cNvPr>
+          <p:cNvSpPr txBox="1"/>
+          <p:nvPr/>
+        </p:nvSpPr>
+        <p:spPr>
+          <a:xfrm>
+            <a:off x="5778921" y="3533874"/>
+            <a:ext cx="666750" cy="400110"/>
+          </a:xfrm>
+          <a:prstGeom prst="rect">
+            <a:avLst/>
+          </a:prstGeom>
+          <a:noFill/>
+        </p:spPr>
+        <p:txBody>
+          <a:bodyPr wrap="square" rtlCol="0">
+            <a:spAutoFit/>
+          </a:bodyPr>
+          <a:lstStyle/>
+          <a:p>
+            <a:pPr algn="ctr"/>
+            <a:r>
+              <a:rPr kumimoji="1" lang="ja-JP" altLang="en-US" sz="2000" dirty="0"/>
+              <a:t>１</a:t>
+            </a:r>
+          </a:p>
+        </p:txBody>
+      </p:sp>
+      <p:sp>
+        <p:nvSpPr>
+          <p:cNvPr id="37" name="テキスト ボックス 36">
+            <a:extLst>
+              <a:ext uri="{FF2B5EF4-FFF2-40B4-BE49-F238E27FC236}">
+                <a16:creationId xmlns:a16="http://schemas.microsoft.com/office/drawing/2014/main" id="{674BDA32-88DB-4D21-A66D-D5E74BE1FF0A}"/>
+              </a:ext>
+            </a:extLst>
+          </p:cNvPr>
+          <p:cNvSpPr txBox="1"/>
+          <p:nvPr/>
+        </p:nvSpPr>
+        <p:spPr>
+          <a:xfrm>
+            <a:off x="5778921" y="4438750"/>
+            <a:ext cx="666750" cy="400110"/>
+          </a:xfrm>
+          <a:prstGeom prst="rect">
+            <a:avLst/>
+          </a:prstGeom>
+          <a:noFill/>
+        </p:spPr>
+        <p:txBody>
+          <a:bodyPr wrap="square" rtlCol="0">
+            <a:spAutoFit/>
+          </a:bodyPr>
+          <a:lstStyle/>
+          <a:p>
+            <a:pPr algn="ctr"/>
+            <a:r>
+              <a:rPr lang="ja-JP" altLang="en-US" sz="2000" dirty="0"/>
+              <a:t>２</a:t>
+            </a:r>
+            <a:endParaRPr kumimoji="1" lang="ja-JP" altLang="en-US" sz="2000" dirty="0"/>
+          </a:p>
+        </p:txBody>
+      </p:sp>
+      <p:sp>
+        <p:nvSpPr>
+          <p:cNvPr id="38" name="テキスト ボックス 37">
+            <a:extLst>
+              <a:ext uri="{FF2B5EF4-FFF2-40B4-BE49-F238E27FC236}">
+                <a16:creationId xmlns:a16="http://schemas.microsoft.com/office/drawing/2014/main" id="{0C529AB0-8896-4E30-AC7B-7C9006785B30}"/>
+              </a:ext>
+            </a:extLst>
+          </p:cNvPr>
+          <p:cNvSpPr txBox="1"/>
+          <p:nvPr/>
+        </p:nvSpPr>
+        <p:spPr>
+          <a:xfrm>
+            <a:off x="5778921" y="5343625"/>
+            <a:ext cx="666750" cy="400110"/>
+          </a:xfrm>
+          <a:prstGeom prst="rect">
+            <a:avLst/>
+          </a:prstGeom>
+          <a:noFill/>
+        </p:spPr>
+        <p:txBody>
+          <a:bodyPr wrap="square" rtlCol="0">
+            <a:spAutoFit/>
+          </a:bodyPr>
+          <a:lstStyle/>
+          <a:p>
+            <a:pPr algn="ctr"/>
+            <a:r>
+              <a:rPr kumimoji="1" lang="ja-JP" altLang="en-US" sz="2000" dirty="0"/>
+              <a:t>０</a:t>
+            </a:r>
+          </a:p>
+        </p:txBody>
+      </p:sp>
+      <p:sp>
+        <p:nvSpPr>
+          <p:cNvPr id="39" name="テキスト ボックス 38">
+            <a:extLst>
+              <a:ext uri="{FF2B5EF4-FFF2-40B4-BE49-F238E27FC236}">
+                <a16:creationId xmlns:a16="http://schemas.microsoft.com/office/drawing/2014/main" id="{83A3476F-1BA8-4D4B-9F02-99EDEDFB0ADA}"/>
+              </a:ext>
+            </a:extLst>
+          </p:cNvPr>
+          <p:cNvSpPr txBox="1"/>
+          <p:nvPr/>
+        </p:nvSpPr>
+        <p:spPr>
+          <a:xfrm>
+            <a:off x="6730527" y="4391452"/>
+            <a:ext cx="666750" cy="523220"/>
+          </a:xfrm>
+          <a:prstGeom prst="rect">
+            <a:avLst/>
+          </a:prstGeom>
+          <a:noFill/>
+        </p:spPr>
+        <p:txBody>
+          <a:bodyPr wrap="square" rtlCol="0">
+            <a:spAutoFit/>
+          </a:bodyPr>
+          <a:lstStyle/>
+          <a:p>
+            <a:pPr algn="ctr"/>
+            <a:r>
+              <a:rPr kumimoji="1" lang="ja-JP" altLang="en-US" sz="2800" dirty="0"/>
+              <a:t>３</a:t>
+            </a:r>
+          </a:p>
+        </p:txBody>
+      </p:sp>
+      <p:sp>
+        <p:nvSpPr>
+          <p:cNvPr id="43" name="正方形/長方形 42">
+            <a:extLst>
+              <a:ext uri="{FF2B5EF4-FFF2-40B4-BE49-F238E27FC236}">
+                <a16:creationId xmlns:a16="http://schemas.microsoft.com/office/drawing/2014/main" id="{906126FA-EDB1-46DA-A814-ED38470513F8}"/>
+              </a:ext>
+            </a:extLst>
+          </p:cNvPr>
+          <p:cNvSpPr/>
+          <p:nvPr/>
+        </p:nvSpPr>
+        <p:spPr>
+          <a:xfrm>
+            <a:off x="5920902" y="3533874"/>
+            <a:ext cx="379626" cy="2238376"/>
+          </a:xfrm>
+          <a:prstGeom prst="rect">
+            <a:avLst/>
+          </a:prstGeom>
+          <a:noFill/>
+          <a:ln w="9525" cap="flat" cmpd="sng" algn="ctr">
+            <a:solidFill>
+              <a:schemeClr val="dk1"/>
+            </a:solidFill>
+            <a:prstDash val="solid"/>
+            <a:round/>
+            <a:headEnd type="none" w="med" len="med"/>
+            <a:tailEnd type="none" w="med" len="med"/>
+          </a:ln>
+        </p:spPr>
+        <p:style>
+          <a:lnRef idx="0">
+            <a:scrgbClr r="0" g="0" b="0"/>
+          </a:lnRef>
+          <a:fillRef idx="0">
+            <a:scrgbClr r="0" g="0" b="0"/>
+          </a:fillRef>
+          <a:effectRef idx="0">
+            <a:scrgbClr r="0" g="0" b="0"/>
+          </a:effectRef>
+          <a:fontRef idx="minor">
+            <a:schemeClr val="dk1"/>
+          </a:fontRef>
+        </p:style>
+        <p:txBody>
+          <a:bodyPr rtlCol="0" anchor="ctr"/>
+          <a:lstStyle/>
+          <a:p>
+            <a:pPr algn="ctr"/>
+            <a:endParaRPr kumimoji="1" lang="ja-JP" altLang="en-US"/>
+          </a:p>
+        </p:txBody>
+      </p:sp>
     </p:spTree>
     <p:extLst>
       <p:ext uri="{BB962C8B-B14F-4D97-AF65-F5344CB8AC3E}">
@@ -5718,18 +6415,136 @@
   <p:clrMapOvr>
     <a:masterClrMapping/>
   </p:clrMapOvr>
-  <mc:AlternateContent xmlns:mc="http://schemas.openxmlformats.org/markup-compatibility/2006">
-    <mc:Choice xmlns:p159="http://schemas.microsoft.com/office/powerpoint/2015/09/main" Requires="p159">
+  <mc:AlternateContent xmlns:mc="http://schemas.openxmlformats.org/markup-compatibility/2006" xmlns:p159="http://schemas.microsoft.com/office/powerpoint/2015/09/main">
+    <mc:Choice Requires="p159">
       <p:transition spd="slow">
         <p159:morph option="byObject"/>
       </p:transition>
     </mc:Choice>
-    <mc:Fallback>
+    <mc:Fallback xmlns="">
       <p:transition spd="slow">
         <p:fade/>
       </p:transition>
     </mc:Fallback>
   </mc:AlternateContent>
+  <p:timing>
+    <p:tnLst>
+      <p:par>
+        <p:cTn id="1" dur="indefinite" restart="never" nodeType="tmRoot">
+          <p:childTnLst>
+            <p:seq concurrent="1" nextAc="seek">
+              <p:cTn id="2" dur="indefinite" nodeType="mainSeq">
+                <p:childTnLst>
+                  <p:par>
+                    <p:cTn id="3" fill="hold">
+                      <p:stCondLst>
+                        <p:cond delay="indefinite"/>
+                      </p:stCondLst>
+                      <p:childTnLst>
+                        <p:par>
+                          <p:cTn id="4" fill="hold">
+                            <p:stCondLst>
+                              <p:cond delay="0"/>
+                            </p:stCondLst>
+                            <p:childTnLst>
+                              <p:par>
+                                <p:cTn id="5" presetID="22" presetClass="entr" presetSubtype="8" fill="hold" nodeType="clickEffect">
+                                  <p:stCondLst>
+                                    <p:cond delay="0"/>
+                                  </p:stCondLst>
+                                  <p:childTnLst>
+                                    <p:set>
+                                      <p:cBhvr>
+                                        <p:cTn id="6" dur="1" fill="hold">
+                                          <p:stCondLst>
+                                            <p:cond delay="0"/>
+                                          </p:stCondLst>
+                                        </p:cTn>
+                                        <p:tgtEl>
+                                          <p:spTgt spid="5"/>
+                                        </p:tgtEl>
+                                        <p:attrNameLst>
+                                          <p:attrName>style.visibility</p:attrName>
+                                        </p:attrNameLst>
+                                      </p:cBhvr>
+                                      <p:to>
+                                        <p:strVal val="visible"/>
+                                      </p:to>
+                                    </p:set>
+                                    <p:animEffect transition="in" filter="wipe(left)">
+                                      <p:cBhvr>
+                                        <p:cTn id="7" dur="500"/>
+                                        <p:tgtEl>
+                                          <p:spTgt spid="5"/>
+                                        </p:tgtEl>
+                                      </p:cBhvr>
+                                    </p:animEffect>
+                                  </p:childTnLst>
+                                </p:cTn>
+                              </p:par>
+                              <p:par>
+                                <p:cTn id="8" presetID="22" presetClass="entr" presetSubtype="8" fill="hold" nodeType="withEffect">
+                                  <p:stCondLst>
+                                    <p:cond delay="0"/>
+                                  </p:stCondLst>
+                                  <p:childTnLst>
+                                    <p:set>
+                                      <p:cBhvr>
+                                        <p:cTn id="9" dur="1" fill="hold">
+                                          <p:stCondLst>
+                                            <p:cond delay="0"/>
+                                          </p:stCondLst>
+                                        </p:cTn>
+                                        <p:tgtEl>
+                                          <p:spTgt spid="3"/>
+                                        </p:tgtEl>
+                                        <p:attrNameLst>
+                                          <p:attrName>style.visibility</p:attrName>
+                                        </p:attrNameLst>
+                                      </p:cBhvr>
+                                      <p:to>
+                                        <p:strVal val="visible"/>
+                                      </p:to>
+                                    </p:set>
+                                    <p:animEffect transition="in" filter="wipe(left)">
+                                      <p:cBhvr>
+                                        <p:cTn id="10" dur="500"/>
+                                        <p:tgtEl>
+                                          <p:spTgt spid="3"/>
+                                        </p:tgtEl>
+                                      </p:cBhvr>
+                                    </p:animEffect>
+                                  </p:childTnLst>
+                                </p:cTn>
+                              </p:par>
+                            </p:childTnLst>
+                          </p:cTn>
+                        </p:par>
+                      </p:childTnLst>
+                    </p:cTn>
+                  </p:par>
+                </p:childTnLst>
+              </p:cTn>
+              <p:prevCondLst>
+                <p:cond evt="onPrev" delay="0">
+                  <p:tgtEl>
+                    <p:sldTgt/>
+                  </p:tgtEl>
+                </p:cond>
+              </p:prevCondLst>
+              <p:nextCondLst>
+                <p:cond evt="onNext" delay="0">
+                  <p:tgtEl>
+                    <p:sldTgt/>
+                  </p:tgtEl>
+                </p:cond>
+              </p:nextCondLst>
+            </p:seq>
+          </p:childTnLst>
+        </p:cTn>
+      </p:par>
+    </p:tnLst>
+  </p:timing>
 </p:sld>
 </file>
 
